--- a/報告.pptx
+++ b/報告.pptx
@@ -1,9 +1,12 @@
 
 <file path=ppt/presentation.xml><?xml version="1.0" encoding="utf-8"?>
-<p:presentation xmlns:a="http://schemas.openxmlformats.org/drawingml/2006/main" xmlns:r="http://schemas.openxmlformats.org/officeDocument/2006/relationships" xmlns:p="http://schemas.openxmlformats.org/presentationml/2006/main" saveSubsetFonts="1">
+<p:presentation xmlns:a="http://schemas.openxmlformats.org/drawingml/2006/main" xmlns:r="http://schemas.openxmlformats.org/officeDocument/2006/relationships" xmlns:p="http://schemas.openxmlformats.org/presentationml/2006/main" firstSlideNum="0" showSpecialPlsOnTitleSld="0" saveSubsetFonts="1">
   <p:sldMasterIdLst>
     <p:sldMasterId id="2147483718" r:id="rId1"/>
   </p:sldMasterIdLst>
+  <p:notesMasterIdLst>
+    <p:notesMasterId r:id="rId17"/>
+  </p:notesMasterIdLst>
   <p:sldIdLst>
     <p:sldId id="264" r:id="rId2"/>
     <p:sldId id="279" r:id="rId3"/>
@@ -126,6 +129,355 @@
 </p:presentation>
 </file>
 
+<file path=ppt/notesMasters/notesMaster1.xml><?xml version="1.0" encoding="utf-8"?>
+<p:notesMaster xmlns:a="http://schemas.openxmlformats.org/drawingml/2006/main" xmlns:r="http://schemas.openxmlformats.org/officeDocument/2006/relationships" xmlns:p="http://schemas.openxmlformats.org/presentationml/2006/main">
+  <p:cSld>
+    <p:bg>
+      <p:bgRef idx="1001">
+        <a:schemeClr val="bg1"/>
+      </p:bgRef>
+    </p:bg>
+    <p:spTree>
+      <p:nvGrpSpPr>
+        <p:cNvPr id="1" name=""/>
+        <p:cNvGrpSpPr/>
+        <p:nvPr/>
+      </p:nvGrpSpPr>
+      <p:grpSpPr>
+        <a:xfrm>
+          <a:off x="0" y="0"/>
+          <a:ext cx="0" cy="0"/>
+          <a:chOff x="0" y="0"/>
+          <a:chExt cx="0" cy="0"/>
+        </a:xfrm>
+      </p:grpSpPr>
+      <p:sp>
+        <p:nvSpPr>
+          <p:cNvPr id="2" name="頁首版面配置區 1"/>
+          <p:cNvSpPr>
+            <a:spLocks noGrp="1"/>
+          </p:cNvSpPr>
+          <p:nvPr>
+            <p:ph type="hdr" sz="quarter"/>
+          </p:nvPr>
+        </p:nvSpPr>
+        <p:spPr>
+          <a:xfrm>
+            <a:off x="0" y="0"/>
+            <a:ext cx="2971800" cy="458788"/>
+          </a:xfrm>
+          <a:prstGeom prst="rect">
+            <a:avLst/>
+          </a:prstGeom>
+        </p:spPr>
+        <p:txBody>
+          <a:bodyPr vert="horz" lIns="91440" tIns="45720" rIns="91440" bIns="45720" rtlCol="0"/>
+          <a:lstStyle>
+            <a:lvl1pPr algn="l">
+              <a:defRPr sz="1200"/>
+            </a:lvl1pPr>
+          </a:lstStyle>
+          <a:p>
+            <a:endParaRPr lang="zh-TW" altLang="en-US"/>
+          </a:p>
+        </p:txBody>
+      </p:sp>
+      <p:sp>
+        <p:nvSpPr>
+          <p:cNvPr id="3" name="日期版面配置區 2"/>
+          <p:cNvSpPr>
+            <a:spLocks noGrp="1"/>
+          </p:cNvSpPr>
+          <p:nvPr>
+            <p:ph type="dt" idx="1"/>
+          </p:nvPr>
+        </p:nvSpPr>
+        <p:spPr>
+          <a:xfrm>
+            <a:off x="3884613" y="0"/>
+            <a:ext cx="2971800" cy="458788"/>
+          </a:xfrm>
+          <a:prstGeom prst="rect">
+            <a:avLst/>
+          </a:prstGeom>
+        </p:spPr>
+        <p:txBody>
+          <a:bodyPr vert="horz" lIns="91440" tIns="45720" rIns="91440" bIns="45720" rtlCol="0"/>
+          <a:lstStyle>
+            <a:lvl1pPr algn="r">
+              <a:defRPr sz="1200"/>
+            </a:lvl1pPr>
+          </a:lstStyle>
+          <a:p>
+            <a:fld id="{5D06CA18-B224-4963-9763-1F1EF6A57354}" type="datetimeFigureOut">
+              <a:rPr lang="zh-TW" altLang="en-US" smtClean="0"/>
+              <a:t>2023/8/30</a:t>
+            </a:fld>
+            <a:endParaRPr lang="zh-TW" altLang="en-US"/>
+          </a:p>
+        </p:txBody>
+      </p:sp>
+      <p:sp>
+        <p:nvSpPr>
+          <p:cNvPr id="4" name="投影片影像版面配置區 3"/>
+          <p:cNvSpPr>
+            <a:spLocks noGrp="1" noRot="1" noChangeAspect="1"/>
+          </p:cNvSpPr>
+          <p:nvPr>
+            <p:ph type="sldImg" idx="2"/>
+          </p:nvPr>
+        </p:nvSpPr>
+        <p:spPr>
+          <a:xfrm>
+            <a:off x="685800" y="1143000"/>
+            <a:ext cx="5486400" cy="3086100"/>
+          </a:xfrm>
+          <a:prstGeom prst="rect">
+            <a:avLst/>
+          </a:prstGeom>
+          <a:noFill/>
+          <a:ln w="12700">
+            <a:solidFill>
+              <a:prstClr val="black"/>
+            </a:solidFill>
+          </a:ln>
+        </p:spPr>
+        <p:txBody>
+          <a:bodyPr vert="horz" lIns="91440" tIns="45720" rIns="91440" bIns="45720" rtlCol="0" anchor="ctr"/>
+          <a:lstStyle/>
+          <a:p>
+            <a:endParaRPr lang="zh-TW" altLang="en-US"/>
+          </a:p>
+        </p:txBody>
+      </p:sp>
+      <p:sp>
+        <p:nvSpPr>
+          <p:cNvPr id="5" name="備忘稿版面配置區 4"/>
+          <p:cNvSpPr>
+            <a:spLocks noGrp="1"/>
+          </p:cNvSpPr>
+          <p:nvPr>
+            <p:ph type="body" sz="quarter" idx="3"/>
+          </p:nvPr>
+        </p:nvSpPr>
+        <p:spPr>
+          <a:xfrm>
+            <a:off x="685800" y="4400550"/>
+            <a:ext cx="5486400" cy="3600450"/>
+          </a:xfrm>
+          <a:prstGeom prst="rect">
+            <a:avLst/>
+          </a:prstGeom>
+        </p:spPr>
+        <p:txBody>
+          <a:bodyPr vert="horz" lIns="91440" tIns="45720" rIns="91440" bIns="45720" rtlCol="0"/>
+          <a:lstStyle/>
+          <a:p>
+            <a:pPr lvl="0"/>
+            <a:r>
+              <a:rPr lang="zh-TW" altLang="en-US"/>
+              <a:t>按一下以編輯母片文字樣式</a:t>
+            </a:r>
+          </a:p>
+          <a:p>
+            <a:pPr lvl="1"/>
+            <a:r>
+              <a:rPr lang="zh-TW" altLang="en-US"/>
+              <a:t>第二層</a:t>
+            </a:r>
+          </a:p>
+          <a:p>
+            <a:pPr lvl="2"/>
+            <a:r>
+              <a:rPr lang="zh-TW" altLang="en-US"/>
+              <a:t>第三層</a:t>
+            </a:r>
+          </a:p>
+          <a:p>
+            <a:pPr lvl="3"/>
+            <a:r>
+              <a:rPr lang="zh-TW" altLang="en-US"/>
+              <a:t>第四層</a:t>
+            </a:r>
+          </a:p>
+          <a:p>
+            <a:pPr lvl="4"/>
+            <a:r>
+              <a:rPr lang="zh-TW" altLang="en-US"/>
+              <a:t>第五層</a:t>
+            </a:r>
+          </a:p>
+        </p:txBody>
+      </p:sp>
+      <p:sp>
+        <p:nvSpPr>
+          <p:cNvPr id="6" name="頁尾版面配置區 5"/>
+          <p:cNvSpPr>
+            <a:spLocks noGrp="1"/>
+          </p:cNvSpPr>
+          <p:nvPr>
+            <p:ph type="ftr" sz="quarter" idx="4"/>
+          </p:nvPr>
+        </p:nvSpPr>
+        <p:spPr>
+          <a:xfrm>
+            <a:off x="0" y="8685213"/>
+            <a:ext cx="2971800" cy="458787"/>
+          </a:xfrm>
+          <a:prstGeom prst="rect">
+            <a:avLst/>
+          </a:prstGeom>
+        </p:spPr>
+        <p:txBody>
+          <a:bodyPr vert="horz" lIns="91440" tIns="45720" rIns="91440" bIns="45720" rtlCol="0" anchor="b"/>
+          <a:lstStyle>
+            <a:lvl1pPr algn="l">
+              <a:defRPr sz="1200"/>
+            </a:lvl1pPr>
+          </a:lstStyle>
+          <a:p>
+            <a:endParaRPr lang="zh-TW" altLang="en-US"/>
+          </a:p>
+        </p:txBody>
+      </p:sp>
+      <p:sp>
+        <p:nvSpPr>
+          <p:cNvPr id="7" name="投影片編號版面配置區 6"/>
+          <p:cNvSpPr>
+            <a:spLocks noGrp="1"/>
+          </p:cNvSpPr>
+          <p:nvPr>
+            <p:ph type="sldNum" sz="quarter" idx="5"/>
+          </p:nvPr>
+        </p:nvSpPr>
+        <p:spPr>
+          <a:xfrm>
+            <a:off x="3884613" y="8685213"/>
+            <a:ext cx="2971800" cy="458787"/>
+          </a:xfrm>
+          <a:prstGeom prst="rect">
+            <a:avLst/>
+          </a:prstGeom>
+        </p:spPr>
+        <p:txBody>
+          <a:bodyPr vert="horz" lIns="91440" tIns="45720" rIns="91440" bIns="45720" rtlCol="0" anchor="b"/>
+          <a:lstStyle>
+            <a:lvl1pPr algn="r">
+              <a:defRPr sz="1200"/>
+            </a:lvl1pPr>
+          </a:lstStyle>
+          <a:p>
+            <a:fld id="{D4C44F24-1C94-4D41-BE3C-644E050C9405}" type="slidenum">
+              <a:rPr lang="zh-TW" altLang="en-US" smtClean="0"/>
+              <a:t>‹#›</a:t>
+            </a:fld>
+            <a:endParaRPr lang="zh-TW" altLang="en-US"/>
+          </a:p>
+        </p:txBody>
+      </p:sp>
+    </p:spTree>
+    <p:extLst>
+      <p:ext uri="{BB962C8B-B14F-4D97-AF65-F5344CB8AC3E}">
+        <p14:creationId xmlns:p14="http://schemas.microsoft.com/office/powerpoint/2010/main" val="372136670"/>
+      </p:ext>
+    </p:extLst>
+  </p:cSld>
+  <p:clrMap bg1="lt1" tx1="dk1" bg2="lt2" tx2="dk2" accent1="accent1" accent2="accent2" accent3="accent3" accent4="accent4" accent5="accent5" accent6="accent6" hlink="hlink" folHlink="folHlink"/>
+  <p:notesStyle>
+    <a:lvl1pPr marL="0" algn="l" defTabSz="914400" rtl="0" eaLnBrk="1" latinLnBrk="0" hangingPunct="1">
+      <a:defRPr sz="1200" kern="1200">
+        <a:solidFill>
+          <a:schemeClr val="tx1"/>
+        </a:solidFill>
+        <a:latin typeface="+mn-lt"/>
+        <a:ea typeface="+mn-ea"/>
+        <a:cs typeface="+mn-cs"/>
+      </a:defRPr>
+    </a:lvl1pPr>
+    <a:lvl2pPr marL="457200" algn="l" defTabSz="914400" rtl="0" eaLnBrk="1" latinLnBrk="0" hangingPunct="1">
+      <a:defRPr sz="1200" kern="1200">
+        <a:solidFill>
+          <a:schemeClr val="tx1"/>
+        </a:solidFill>
+        <a:latin typeface="+mn-lt"/>
+        <a:ea typeface="+mn-ea"/>
+        <a:cs typeface="+mn-cs"/>
+      </a:defRPr>
+    </a:lvl2pPr>
+    <a:lvl3pPr marL="914400" algn="l" defTabSz="914400" rtl="0" eaLnBrk="1" latinLnBrk="0" hangingPunct="1">
+      <a:defRPr sz="1200" kern="1200">
+        <a:solidFill>
+          <a:schemeClr val="tx1"/>
+        </a:solidFill>
+        <a:latin typeface="+mn-lt"/>
+        <a:ea typeface="+mn-ea"/>
+        <a:cs typeface="+mn-cs"/>
+      </a:defRPr>
+    </a:lvl3pPr>
+    <a:lvl4pPr marL="1371600" algn="l" defTabSz="914400" rtl="0" eaLnBrk="1" latinLnBrk="0" hangingPunct="1">
+      <a:defRPr sz="1200" kern="1200">
+        <a:solidFill>
+          <a:schemeClr val="tx1"/>
+        </a:solidFill>
+        <a:latin typeface="+mn-lt"/>
+        <a:ea typeface="+mn-ea"/>
+        <a:cs typeface="+mn-cs"/>
+      </a:defRPr>
+    </a:lvl4pPr>
+    <a:lvl5pPr marL="1828800" algn="l" defTabSz="914400" rtl="0" eaLnBrk="1" latinLnBrk="0" hangingPunct="1">
+      <a:defRPr sz="1200" kern="1200">
+        <a:solidFill>
+          <a:schemeClr val="tx1"/>
+        </a:solidFill>
+        <a:latin typeface="+mn-lt"/>
+        <a:ea typeface="+mn-ea"/>
+        <a:cs typeface="+mn-cs"/>
+      </a:defRPr>
+    </a:lvl5pPr>
+    <a:lvl6pPr marL="2286000" algn="l" defTabSz="914400" rtl="0" eaLnBrk="1" latinLnBrk="0" hangingPunct="1">
+      <a:defRPr sz="1200" kern="1200">
+        <a:solidFill>
+          <a:schemeClr val="tx1"/>
+        </a:solidFill>
+        <a:latin typeface="+mn-lt"/>
+        <a:ea typeface="+mn-ea"/>
+        <a:cs typeface="+mn-cs"/>
+      </a:defRPr>
+    </a:lvl6pPr>
+    <a:lvl7pPr marL="2743200" algn="l" defTabSz="914400" rtl="0" eaLnBrk="1" latinLnBrk="0" hangingPunct="1">
+      <a:defRPr sz="1200" kern="1200">
+        <a:solidFill>
+          <a:schemeClr val="tx1"/>
+        </a:solidFill>
+        <a:latin typeface="+mn-lt"/>
+        <a:ea typeface="+mn-ea"/>
+        <a:cs typeface="+mn-cs"/>
+      </a:defRPr>
+    </a:lvl7pPr>
+    <a:lvl8pPr marL="3200400" algn="l" defTabSz="914400" rtl="0" eaLnBrk="1" latinLnBrk="0" hangingPunct="1">
+      <a:defRPr sz="1200" kern="1200">
+        <a:solidFill>
+          <a:schemeClr val="tx1"/>
+        </a:solidFill>
+        <a:latin typeface="+mn-lt"/>
+        <a:ea typeface="+mn-ea"/>
+        <a:cs typeface="+mn-cs"/>
+      </a:defRPr>
+    </a:lvl8pPr>
+    <a:lvl9pPr marL="3657600" algn="l" defTabSz="914400" rtl="0" eaLnBrk="1" latinLnBrk="0" hangingPunct="1">
+      <a:defRPr sz="1200" kern="1200">
+        <a:solidFill>
+          <a:schemeClr val="tx1"/>
+        </a:solidFill>
+        <a:latin typeface="+mn-lt"/>
+        <a:ea typeface="+mn-ea"/>
+        <a:cs typeface="+mn-cs"/>
+      </a:defRPr>
+    </a:lvl9pPr>
+  </p:notesStyle>
+</p:notesMaster>
+</file>
+
 <file path=ppt/slideLayouts/slideLayout1.xml><?xml version="1.0" encoding="utf-8"?>
 <p:sldLayout xmlns:a="http://schemas.openxmlformats.org/drawingml/2006/main" xmlns:r="http://schemas.openxmlformats.org/officeDocument/2006/relationships" xmlns:p="http://schemas.openxmlformats.org/presentationml/2006/main" type="title" preserve="1">
   <p:cSld name="標題投影片">
@@ -271,7 +623,7 @@
           <a:bodyPr/>
           <a:lstStyle/>
           <a:p>
-            <a:fld id="{EFAD279E-6BF3-4279-B7EE-764C02BA97D8}" type="datetimeFigureOut">
+            <a:fld id="{CBBF5347-C671-4B30-B245-79ADBEF31819}" type="datetime1">
               <a:rPr lang="zh-TW" altLang="en-US" smtClean="0"/>
               <a:t>2023/8/30</a:t>
             </a:fld>
@@ -469,7 +821,7 @@
           <a:bodyPr/>
           <a:lstStyle/>
           <a:p>
-            <a:fld id="{EFAD279E-6BF3-4279-B7EE-764C02BA97D8}" type="datetimeFigureOut">
+            <a:fld id="{4DC42256-2564-498D-8A4F-6CC11E3BFDB0}" type="datetime1">
               <a:rPr lang="zh-TW" altLang="en-US" smtClean="0"/>
               <a:t>2023/8/30</a:t>
             </a:fld>
@@ -677,7 +1029,7 @@
           <a:bodyPr/>
           <a:lstStyle/>
           <a:p>
-            <a:fld id="{EFAD279E-6BF3-4279-B7EE-764C02BA97D8}" type="datetimeFigureOut">
+            <a:fld id="{F69E9081-3C1B-4D06-A797-099F071E7BE9}" type="datetime1">
               <a:rPr lang="zh-TW" altLang="en-US" smtClean="0"/>
               <a:t>2023/8/30</a:t>
             </a:fld>
@@ -875,7 +1227,7 @@
           <a:bodyPr/>
           <a:lstStyle/>
           <a:p>
-            <a:fld id="{EFAD279E-6BF3-4279-B7EE-764C02BA97D8}" type="datetimeFigureOut">
+            <a:fld id="{B86A218E-CAC6-417B-AF1C-F1FA2A7EA265}" type="datetime1">
               <a:rPr lang="zh-TW" altLang="en-US" smtClean="0"/>
               <a:t>2023/8/30</a:t>
             </a:fld>
@@ -1150,7 +1502,7 @@
           <a:bodyPr/>
           <a:lstStyle/>
           <a:p>
-            <a:fld id="{EFAD279E-6BF3-4279-B7EE-764C02BA97D8}" type="datetimeFigureOut">
+            <a:fld id="{E4C5C4F2-8DC7-45FF-8A31-0CD36AEBE0A2}" type="datetime1">
               <a:rPr lang="zh-TW" altLang="en-US" smtClean="0"/>
               <a:t>2023/8/30</a:t>
             </a:fld>
@@ -1415,7 +1767,7 @@
           <a:bodyPr/>
           <a:lstStyle/>
           <a:p>
-            <a:fld id="{EFAD279E-6BF3-4279-B7EE-764C02BA97D8}" type="datetimeFigureOut">
+            <a:fld id="{BDFE68EA-8557-4B0A-8A8B-49049C455052}" type="datetime1">
               <a:rPr lang="zh-TW" altLang="en-US" smtClean="0"/>
               <a:t>2023/8/30</a:t>
             </a:fld>
@@ -1827,7 +2179,7 @@
           <a:bodyPr/>
           <a:lstStyle/>
           <a:p>
-            <a:fld id="{EFAD279E-6BF3-4279-B7EE-764C02BA97D8}" type="datetimeFigureOut">
+            <a:fld id="{892E70FA-2A50-4A45-AA22-4F45F5C0E04F}" type="datetime1">
               <a:rPr lang="zh-TW" altLang="en-US" smtClean="0"/>
               <a:t>2023/8/30</a:t>
             </a:fld>
@@ -1968,7 +2320,7 @@
           <a:bodyPr/>
           <a:lstStyle/>
           <a:p>
-            <a:fld id="{EFAD279E-6BF3-4279-B7EE-764C02BA97D8}" type="datetimeFigureOut">
+            <a:fld id="{4CB82378-2342-4E2B-8DCA-95072DE3F6C6}" type="datetime1">
               <a:rPr lang="zh-TW" altLang="en-US" smtClean="0"/>
               <a:t>2023/8/30</a:t>
             </a:fld>
@@ -2081,7 +2433,7 @@
           <a:bodyPr/>
           <a:lstStyle/>
           <a:p>
-            <a:fld id="{EFAD279E-6BF3-4279-B7EE-764C02BA97D8}" type="datetimeFigureOut">
+            <a:fld id="{280A32A7-BCFF-4493-BF70-A62FF7DBFC15}" type="datetime1">
               <a:rPr lang="zh-TW" altLang="en-US" smtClean="0"/>
               <a:t>2023/8/30</a:t>
             </a:fld>
@@ -2392,7 +2744,7 @@
           <a:bodyPr/>
           <a:lstStyle/>
           <a:p>
-            <a:fld id="{EFAD279E-6BF3-4279-B7EE-764C02BA97D8}" type="datetimeFigureOut">
+            <a:fld id="{040D49F5-7477-4F4C-B464-5CEFCC496CBB}" type="datetime1">
               <a:rPr lang="zh-TW" altLang="en-US" smtClean="0"/>
               <a:t>2023/8/30</a:t>
             </a:fld>
@@ -2680,7 +3032,7 @@
           <a:bodyPr/>
           <a:lstStyle/>
           <a:p>
-            <a:fld id="{EFAD279E-6BF3-4279-B7EE-764C02BA97D8}" type="datetimeFigureOut">
+            <a:fld id="{06552B83-A9FC-424F-8B72-6AD74FB1FA9A}" type="datetime1">
               <a:rPr lang="zh-TW" altLang="en-US" smtClean="0"/>
               <a:t>2023/8/30</a:t>
             </a:fld>
@@ -2921,7 +3273,7 @@
             </a:lvl1pPr>
           </a:lstStyle>
           <a:p>
-            <a:fld id="{EFAD279E-6BF3-4279-B7EE-764C02BA97D8}" type="datetimeFigureOut">
+            <a:fld id="{6A8452D7-D28F-4231-A9A4-AE45D988D9CF}" type="datetime1">
               <a:rPr lang="zh-TW" altLang="en-US" smtClean="0"/>
               <a:t>2023/8/30</a:t>
             </a:fld>
@@ -3040,6 +3392,7 @@
     <p:sldLayoutId id="2147483728" r:id="rId10"/>
     <p:sldLayoutId id="2147483729" r:id="rId11"/>
   </p:sldLayoutIdLst>
+  <p:hf hdr="0" ftr="0" dt="0"/>
   <p:txStyles>
     <p:titleStyle>
       <a:lvl1pPr algn="l" defTabSz="914400" rtl="0" eaLnBrk="1" latinLnBrk="0" hangingPunct="1">
@@ -3571,6 +3924,35 @@
       </p:sp>
       <p:sp>
         <p:nvSpPr>
+          <p:cNvPr id="6" name="投影片編號版面配置區 5">
+            <a:extLst>
+              <a:ext uri="{FF2B5EF4-FFF2-40B4-BE49-F238E27FC236}">
+                <a16:creationId xmlns:a16="http://schemas.microsoft.com/office/drawing/2014/main" id="{9BBD5D28-241C-C911-BDA5-C93F2F18B0B5}"/>
+              </a:ext>
+            </a:extLst>
+          </p:cNvPr>
+          <p:cNvSpPr>
+            <a:spLocks noGrp="1"/>
+          </p:cNvSpPr>
+          <p:nvPr>
+            <p:ph type="sldNum" sz="quarter" idx="12"/>
+          </p:nvPr>
+        </p:nvSpPr>
+        <p:spPr/>
+        <p:txBody>
+          <a:bodyPr/>
+          <a:lstStyle/>
+          <a:p>
+            <a:fld id="{7D3C2007-09EB-4B8E-B7A7-F48258516163}" type="slidenum">
+              <a:rPr lang="zh-TW" altLang="en-US" smtClean="0"/>
+              <a:t>9</a:t>
+            </a:fld>
+            <a:endParaRPr lang="zh-TW" altLang="en-US"/>
+          </a:p>
+        </p:txBody>
+      </p:sp>
+      <p:sp>
+        <p:nvSpPr>
           <p:cNvPr id="4" name="文字方塊 3">
             <a:extLst>
               <a:ext uri="{FF2B5EF4-FFF2-40B4-BE49-F238E27FC236}">
@@ -3853,6 +4235,35 @@
       </p:sp>
       <p:sp>
         <p:nvSpPr>
+          <p:cNvPr id="5" name="投影片編號版面配置區 4">
+            <a:extLst>
+              <a:ext uri="{FF2B5EF4-FFF2-40B4-BE49-F238E27FC236}">
+                <a16:creationId xmlns:a16="http://schemas.microsoft.com/office/drawing/2014/main" id="{B4D59BC7-CEAC-5A22-6E32-E9D849FE0996}"/>
+              </a:ext>
+            </a:extLst>
+          </p:cNvPr>
+          <p:cNvSpPr>
+            <a:spLocks noGrp="1"/>
+          </p:cNvSpPr>
+          <p:nvPr>
+            <p:ph type="sldNum" sz="quarter" idx="12"/>
+          </p:nvPr>
+        </p:nvSpPr>
+        <p:spPr/>
+        <p:txBody>
+          <a:bodyPr/>
+          <a:lstStyle/>
+          <a:p>
+            <a:fld id="{7D3C2007-09EB-4B8E-B7A7-F48258516163}" type="slidenum">
+              <a:rPr lang="zh-TW" altLang="en-US" smtClean="0"/>
+              <a:t>10</a:t>
+            </a:fld>
+            <a:endParaRPr lang="zh-TW" altLang="en-US"/>
+          </a:p>
+        </p:txBody>
+      </p:sp>
+      <p:sp>
+        <p:nvSpPr>
           <p:cNvPr id="4" name="文字方塊 3">
             <a:extLst>
               <a:ext uri="{FF2B5EF4-FFF2-40B4-BE49-F238E27FC236}">
@@ -4232,6 +4643,35 @@
               </a:rPr>
               <a:t>流程圖</a:t>
             </a:r>
+          </a:p>
+        </p:txBody>
+      </p:sp>
+      <p:sp>
+        <p:nvSpPr>
+          <p:cNvPr id="4" name="投影片編號版面配置區 3">
+            <a:extLst>
+              <a:ext uri="{FF2B5EF4-FFF2-40B4-BE49-F238E27FC236}">
+                <a16:creationId xmlns:a16="http://schemas.microsoft.com/office/drawing/2014/main" id="{EF50F385-7658-5B4D-1F04-B7A148FE9194}"/>
+              </a:ext>
+            </a:extLst>
+          </p:cNvPr>
+          <p:cNvSpPr>
+            <a:spLocks noGrp="1"/>
+          </p:cNvSpPr>
+          <p:nvPr>
+            <p:ph type="sldNum" sz="quarter" idx="12"/>
+          </p:nvPr>
+        </p:nvSpPr>
+        <p:spPr/>
+        <p:txBody>
+          <a:bodyPr/>
+          <a:lstStyle/>
+          <a:p>
+            <a:fld id="{7D3C2007-09EB-4B8E-B7A7-F48258516163}" type="slidenum">
+              <a:rPr lang="zh-TW" altLang="en-US" smtClean="0"/>
+              <a:t>11</a:t>
+            </a:fld>
+            <a:endParaRPr lang="zh-TW" altLang="en-US"/>
           </a:p>
         </p:txBody>
       </p:sp>
@@ -4367,6 +4807,35 @@
           </a:p>
         </p:txBody>
       </p:sp>
+      <p:sp>
+        <p:nvSpPr>
+          <p:cNvPr id="6" name="投影片編號版面配置區 5">
+            <a:extLst>
+              <a:ext uri="{FF2B5EF4-FFF2-40B4-BE49-F238E27FC236}">
+                <a16:creationId xmlns:a16="http://schemas.microsoft.com/office/drawing/2014/main" id="{4C3D0DD2-C035-2F8A-10BC-80B30A419816}"/>
+              </a:ext>
+            </a:extLst>
+          </p:cNvPr>
+          <p:cNvSpPr>
+            <a:spLocks noGrp="1"/>
+          </p:cNvSpPr>
+          <p:nvPr>
+            <p:ph type="sldNum" sz="quarter" idx="12"/>
+          </p:nvPr>
+        </p:nvSpPr>
+        <p:spPr/>
+        <p:txBody>
+          <a:bodyPr/>
+          <a:lstStyle/>
+          <a:p>
+            <a:fld id="{7D3C2007-09EB-4B8E-B7A7-F48258516163}" type="slidenum">
+              <a:rPr lang="zh-TW" altLang="en-US" smtClean="0"/>
+              <a:t>12</a:t>
+            </a:fld>
+            <a:endParaRPr lang="zh-TW" altLang="en-US"/>
+          </a:p>
+        </p:txBody>
+      </p:sp>
       <p:pic>
         <p:nvPicPr>
           <p:cNvPr id="4" name="圖片 3">
@@ -4740,6 +5209,35 @@
           </a:p>
         </p:txBody>
       </p:sp>
+      <p:sp>
+        <p:nvSpPr>
+          <p:cNvPr id="4" name="投影片編號版面配置區 3">
+            <a:extLst>
+              <a:ext uri="{FF2B5EF4-FFF2-40B4-BE49-F238E27FC236}">
+                <a16:creationId xmlns:a16="http://schemas.microsoft.com/office/drawing/2014/main" id="{38048BBE-BDFE-EDB4-76AC-A0E4177319A2}"/>
+              </a:ext>
+            </a:extLst>
+          </p:cNvPr>
+          <p:cNvSpPr>
+            <a:spLocks noGrp="1"/>
+          </p:cNvSpPr>
+          <p:nvPr>
+            <p:ph type="sldNum" sz="quarter" idx="12"/>
+          </p:nvPr>
+        </p:nvSpPr>
+        <p:spPr/>
+        <p:txBody>
+          <a:bodyPr/>
+          <a:lstStyle/>
+          <a:p>
+            <a:fld id="{7D3C2007-09EB-4B8E-B7A7-F48258516163}" type="slidenum">
+              <a:rPr lang="zh-TW" altLang="en-US" smtClean="0"/>
+              <a:t>13</a:t>
+            </a:fld>
+            <a:endParaRPr lang="zh-TW" altLang="en-US"/>
+          </a:p>
+        </p:txBody>
+      </p:sp>
       <p:pic>
         <p:nvPicPr>
           <p:cNvPr id="6" name="圖片 5">
@@ -5251,6 +5749,35 @@
           </a:p>
         </p:txBody>
       </p:sp>
+      <p:sp>
+        <p:nvSpPr>
+          <p:cNvPr id="5" name="投影片編號版面配置區 4">
+            <a:extLst>
+              <a:ext uri="{FF2B5EF4-FFF2-40B4-BE49-F238E27FC236}">
+                <a16:creationId xmlns:a16="http://schemas.microsoft.com/office/drawing/2014/main" id="{FC5C3724-0941-6D16-C09A-B7DF27897B03}"/>
+              </a:ext>
+            </a:extLst>
+          </p:cNvPr>
+          <p:cNvSpPr>
+            <a:spLocks noGrp="1"/>
+          </p:cNvSpPr>
+          <p:nvPr>
+            <p:ph type="sldNum" sz="quarter" idx="12"/>
+          </p:nvPr>
+        </p:nvSpPr>
+        <p:spPr/>
+        <p:txBody>
+          <a:bodyPr/>
+          <a:lstStyle/>
+          <a:p>
+            <a:fld id="{7D3C2007-09EB-4B8E-B7A7-F48258516163}" type="slidenum">
+              <a:rPr lang="zh-TW" altLang="en-US" smtClean="0"/>
+              <a:t>1</a:t>
+            </a:fld>
+            <a:endParaRPr lang="zh-TW" altLang="en-US"/>
+          </a:p>
+        </p:txBody>
+      </p:sp>
     </p:spTree>
     <p:extLst>
       <p:ext uri="{BB962C8B-B14F-4D97-AF65-F5344CB8AC3E}">
@@ -5314,6 +5841,35 @@
               </a:rPr>
               <a:t>系統架構</a:t>
             </a:r>
+          </a:p>
+        </p:txBody>
+      </p:sp>
+      <p:sp>
+        <p:nvSpPr>
+          <p:cNvPr id="4" name="投影片編號版面配置區 3">
+            <a:extLst>
+              <a:ext uri="{FF2B5EF4-FFF2-40B4-BE49-F238E27FC236}">
+                <a16:creationId xmlns:a16="http://schemas.microsoft.com/office/drawing/2014/main" id="{D9F9F2A3-B170-0A69-A486-6547F1259427}"/>
+              </a:ext>
+            </a:extLst>
+          </p:cNvPr>
+          <p:cNvSpPr>
+            <a:spLocks noGrp="1"/>
+          </p:cNvSpPr>
+          <p:nvPr>
+            <p:ph type="sldNum" sz="quarter" idx="12"/>
+          </p:nvPr>
+        </p:nvSpPr>
+        <p:spPr/>
+        <p:txBody>
+          <a:bodyPr/>
+          <a:lstStyle/>
+          <a:p>
+            <a:fld id="{7D3C2007-09EB-4B8E-B7A7-F48258516163}" type="slidenum">
+              <a:rPr lang="zh-TW" altLang="en-US" smtClean="0"/>
+              <a:t>2</a:t>
+            </a:fld>
+            <a:endParaRPr lang="zh-TW" altLang="en-US"/>
           </a:p>
         </p:txBody>
       </p:sp>
@@ -5416,6 +5972,35 @@
               </a:rPr>
               <a:t>輸入訊號</a:t>
             </a:r>
+          </a:p>
+        </p:txBody>
+      </p:sp>
+      <p:sp>
+        <p:nvSpPr>
+          <p:cNvPr id="4" name="投影片編號版面配置區 3">
+            <a:extLst>
+              <a:ext uri="{FF2B5EF4-FFF2-40B4-BE49-F238E27FC236}">
+                <a16:creationId xmlns:a16="http://schemas.microsoft.com/office/drawing/2014/main" id="{88912247-2E2C-BDD5-DCF9-13759678078A}"/>
+              </a:ext>
+            </a:extLst>
+          </p:cNvPr>
+          <p:cNvSpPr>
+            <a:spLocks noGrp="1"/>
+          </p:cNvSpPr>
+          <p:nvPr>
+            <p:ph type="sldNum" sz="quarter" idx="12"/>
+          </p:nvPr>
+        </p:nvSpPr>
+        <p:spPr/>
+        <p:txBody>
+          <a:bodyPr/>
+          <a:lstStyle/>
+          <a:p>
+            <a:fld id="{7D3C2007-09EB-4B8E-B7A7-F48258516163}" type="slidenum">
+              <a:rPr lang="zh-TW" altLang="en-US" smtClean="0"/>
+              <a:t>3</a:t>
+            </a:fld>
+            <a:endParaRPr lang="zh-TW" altLang="en-US"/>
           </a:p>
         </p:txBody>
       </p:sp>
@@ -7807,6 +8392,35 @@
           </a:p>
         </p:txBody>
       </p:sp>
+      <p:sp>
+        <p:nvSpPr>
+          <p:cNvPr id="8" name="投影片編號版面配置區 7">
+            <a:extLst>
+              <a:ext uri="{FF2B5EF4-FFF2-40B4-BE49-F238E27FC236}">
+                <a16:creationId xmlns:a16="http://schemas.microsoft.com/office/drawing/2014/main" id="{94E35E0B-A2BE-292E-B16A-898833BEFF3C}"/>
+              </a:ext>
+            </a:extLst>
+          </p:cNvPr>
+          <p:cNvSpPr>
+            <a:spLocks noGrp="1"/>
+          </p:cNvSpPr>
+          <p:nvPr>
+            <p:ph type="sldNum" sz="quarter" idx="12"/>
+          </p:nvPr>
+        </p:nvSpPr>
+        <p:spPr/>
+        <p:txBody>
+          <a:bodyPr/>
+          <a:lstStyle/>
+          <a:p>
+            <a:fld id="{7D3C2007-09EB-4B8E-B7A7-F48258516163}" type="slidenum">
+              <a:rPr lang="zh-TW" altLang="en-US" smtClean="0"/>
+              <a:t>4</a:t>
+            </a:fld>
+            <a:endParaRPr lang="zh-TW" altLang="en-US"/>
+          </a:p>
+        </p:txBody>
+      </p:sp>
       <p:graphicFrame>
         <p:nvGraphicFramePr>
           <p:cNvPr id="2" name="表格 3">
@@ -7822,7 +8436,7 @@
           <p:nvPr>
             <p:extLst>
               <p:ext uri="{D42A27DB-BD31-4B8C-83A1-F6EECF244321}">
-                <p14:modId xmlns:p14="http://schemas.microsoft.com/office/powerpoint/2010/main" val="112271040"/>
+                <p14:modId xmlns:p14="http://schemas.microsoft.com/office/powerpoint/2010/main" val="3696317539"/>
               </p:ext>
             </p:extLst>
           </p:nvPr>
@@ -8534,7 +9148,7 @@
                           <a:latin typeface="Times New Roman" panose="02020603050405020304" pitchFamily="18" charset="0"/>
                           <a:ea typeface="標楷體" panose="03000509000000000000" pitchFamily="65" charset="-120"/>
                         </a:rPr>
-                        <a:t>記憶體共用寫入完成只是訊號</a:t>
+                        <a:t>記憶體共用寫入完成指示訊號</a:t>
                       </a:r>
                       <a:r>
                         <a:rPr lang="zh-TW" altLang="en-US" dirty="0">
@@ -9919,6 +10533,35 @@
       </p:sp>
       <p:sp>
         <p:nvSpPr>
+          <p:cNvPr id="5" name="投影片編號版面配置區 4">
+            <a:extLst>
+              <a:ext uri="{FF2B5EF4-FFF2-40B4-BE49-F238E27FC236}">
+                <a16:creationId xmlns:a16="http://schemas.microsoft.com/office/drawing/2014/main" id="{BE9E64C3-8FD5-DE7C-62F6-6EB647620FE2}"/>
+              </a:ext>
+            </a:extLst>
+          </p:cNvPr>
+          <p:cNvSpPr>
+            <a:spLocks noGrp="1"/>
+          </p:cNvSpPr>
+          <p:nvPr>
+            <p:ph type="sldNum" sz="quarter" idx="12"/>
+          </p:nvPr>
+        </p:nvSpPr>
+        <p:spPr/>
+        <p:txBody>
+          <a:bodyPr/>
+          <a:lstStyle/>
+          <a:p>
+            <a:fld id="{7D3C2007-09EB-4B8E-B7A7-F48258516163}" type="slidenum">
+              <a:rPr lang="zh-TW" altLang="en-US" smtClean="0"/>
+              <a:t>5</a:t>
+            </a:fld>
+            <a:endParaRPr lang="zh-TW" altLang="en-US"/>
+          </a:p>
+        </p:txBody>
+      </p:sp>
+      <p:sp>
+        <p:nvSpPr>
           <p:cNvPr id="4" name="文字方塊 3">
             <a:extLst>
               <a:ext uri="{FF2B5EF4-FFF2-40B4-BE49-F238E27FC236}">
@@ -10278,6 +10921,35 @@
       </p:sp>
       <p:sp>
         <p:nvSpPr>
+          <p:cNvPr id="6" name="投影片編號版面配置區 5">
+            <a:extLst>
+              <a:ext uri="{FF2B5EF4-FFF2-40B4-BE49-F238E27FC236}">
+                <a16:creationId xmlns:a16="http://schemas.microsoft.com/office/drawing/2014/main" id="{6820363B-85BC-FDA0-30A3-F0C01BBFC4AB}"/>
+              </a:ext>
+            </a:extLst>
+          </p:cNvPr>
+          <p:cNvSpPr>
+            <a:spLocks noGrp="1"/>
+          </p:cNvSpPr>
+          <p:nvPr>
+            <p:ph type="sldNum" sz="quarter" idx="12"/>
+          </p:nvPr>
+        </p:nvSpPr>
+        <p:spPr/>
+        <p:txBody>
+          <a:bodyPr/>
+          <a:lstStyle/>
+          <a:p>
+            <a:fld id="{7D3C2007-09EB-4B8E-B7A7-F48258516163}" type="slidenum">
+              <a:rPr lang="zh-TW" altLang="en-US" smtClean="0"/>
+              <a:t>6</a:t>
+            </a:fld>
+            <a:endParaRPr lang="zh-TW" altLang="en-US"/>
+          </a:p>
+        </p:txBody>
+      </p:sp>
+      <p:sp>
+        <p:nvSpPr>
           <p:cNvPr id="4" name="文字方塊 3">
             <a:extLst>
               <a:ext uri="{FF2B5EF4-FFF2-40B4-BE49-F238E27FC236}">
@@ -10654,6 +11326,35 @@
       </p:sp>
       <p:sp>
         <p:nvSpPr>
+          <p:cNvPr id="6" name="投影片編號版面配置區 5">
+            <a:extLst>
+              <a:ext uri="{FF2B5EF4-FFF2-40B4-BE49-F238E27FC236}">
+                <a16:creationId xmlns:a16="http://schemas.microsoft.com/office/drawing/2014/main" id="{6EE6F662-1C5E-D820-791C-FC77D5400F33}"/>
+              </a:ext>
+            </a:extLst>
+          </p:cNvPr>
+          <p:cNvSpPr>
+            <a:spLocks noGrp="1"/>
+          </p:cNvSpPr>
+          <p:nvPr>
+            <p:ph type="sldNum" sz="quarter" idx="12"/>
+          </p:nvPr>
+        </p:nvSpPr>
+        <p:spPr/>
+        <p:txBody>
+          <a:bodyPr/>
+          <a:lstStyle/>
+          <a:p>
+            <a:fld id="{7D3C2007-09EB-4B8E-B7A7-F48258516163}" type="slidenum">
+              <a:rPr lang="zh-TW" altLang="en-US" smtClean="0"/>
+              <a:t>7</a:t>
+            </a:fld>
+            <a:endParaRPr lang="zh-TW" altLang="en-US"/>
+          </a:p>
+        </p:txBody>
+      </p:sp>
+      <p:sp>
+        <p:nvSpPr>
           <p:cNvPr id="4" name="文字方塊 3">
             <a:extLst>
               <a:ext uri="{FF2B5EF4-FFF2-40B4-BE49-F238E27FC236}">
@@ -11025,6 +11726,35 @@
               <a:ea typeface="標楷體" panose="03000509000000000000" pitchFamily="65" charset="-120"/>
               <a:cs typeface="Times New Roman" panose="02020603050405020304" pitchFamily="18" charset="0"/>
             </a:endParaRPr>
+          </a:p>
+        </p:txBody>
+      </p:sp>
+      <p:sp>
+        <p:nvSpPr>
+          <p:cNvPr id="6" name="投影片編號版面配置區 5">
+            <a:extLst>
+              <a:ext uri="{FF2B5EF4-FFF2-40B4-BE49-F238E27FC236}">
+                <a16:creationId xmlns:a16="http://schemas.microsoft.com/office/drawing/2014/main" id="{E159345B-31C4-6A47-2772-8D140EAC4694}"/>
+              </a:ext>
+            </a:extLst>
+          </p:cNvPr>
+          <p:cNvSpPr>
+            <a:spLocks noGrp="1"/>
+          </p:cNvSpPr>
+          <p:nvPr>
+            <p:ph type="sldNum" sz="quarter" idx="12"/>
+          </p:nvPr>
+        </p:nvSpPr>
+        <p:spPr/>
+        <p:txBody>
+          <a:bodyPr/>
+          <a:lstStyle/>
+          <a:p>
+            <a:fld id="{7D3C2007-09EB-4B8E-B7A7-F48258516163}" type="slidenum">
+              <a:rPr lang="zh-TW" altLang="en-US" smtClean="0"/>
+              <a:t>8</a:t>
+            </a:fld>
+            <a:endParaRPr lang="zh-TW" altLang="en-US"/>
           </a:p>
         </p:txBody>
       </p:sp>
@@ -11536,4 +12266,299 @@
     </a:ext>
   </a:extLst>
 </a:theme>
+</file>
+
+<file path=ppt/theme/theme2.xml><?xml version="1.0" encoding="utf-8"?>
+<a:theme xmlns:a="http://schemas.openxmlformats.org/drawingml/2006/main" name="Office 佈景主題">
+  <a:themeElements>
+    <a:clrScheme name="Office">
+      <a:dk1>
+        <a:sysClr val="windowText" lastClr="000000"/>
+      </a:dk1>
+      <a:lt1>
+        <a:sysClr val="window" lastClr="FFFFFF"/>
+      </a:lt1>
+      <a:dk2>
+        <a:srgbClr val="44546A"/>
+      </a:dk2>
+      <a:lt2>
+        <a:srgbClr val="E7E6E6"/>
+      </a:lt2>
+      <a:accent1>
+        <a:srgbClr val="4472C4"/>
+      </a:accent1>
+      <a:accent2>
+        <a:srgbClr val="ED7D31"/>
+      </a:accent2>
+      <a:accent3>
+        <a:srgbClr val="A5A5A5"/>
+      </a:accent3>
+      <a:accent4>
+        <a:srgbClr val="FFC000"/>
+      </a:accent4>
+      <a:accent5>
+        <a:srgbClr val="5B9BD5"/>
+      </a:accent5>
+      <a:accent6>
+        <a:srgbClr val="70AD47"/>
+      </a:accent6>
+      <a:hlink>
+        <a:srgbClr val="0563C1"/>
+      </a:hlink>
+      <a:folHlink>
+        <a:srgbClr val="954F72"/>
+      </a:folHlink>
+    </a:clrScheme>
+    <a:fontScheme name="Office">
+      <a:majorFont>
+        <a:latin typeface="Calibri Light" panose="020F0302020204030204"/>
+        <a:ea typeface=""/>
+        <a:cs typeface=""/>
+        <a:font script="Jpan" typeface="游ゴシック Light"/>
+        <a:font script="Hang" typeface="맑은 고딕"/>
+        <a:font script="Hans" typeface="等线 Light"/>
+        <a:font script="Hant" typeface="新細明體"/>
+        <a:font script="Arab" typeface="Times New Roman"/>
+        <a:font script="Hebr" typeface="Times New Roman"/>
+        <a:font script="Thai" typeface="Angsana New"/>
+        <a:font script="Ethi" typeface="Nyala"/>
+        <a:font script="Beng" typeface="Vrinda"/>
+        <a:font script="Gujr" typeface="Shruti"/>
+        <a:font script="Khmr" typeface="MoolBoran"/>
+        <a:font script="Knda" typeface="Tunga"/>
+        <a:font script="Guru" typeface="Raavi"/>
+        <a:font script="Cans" typeface="Euphemia"/>
+        <a:font script="Cher" typeface="Plantagenet Cherokee"/>
+        <a:font script="Yiii" typeface="Microsoft Yi Baiti"/>
+        <a:font script="Tibt" typeface="Microsoft Himalaya"/>
+        <a:font script="Thaa" typeface="MV Boli"/>
+        <a:font script="Deva" typeface="Mangal"/>
+        <a:font script="Telu" typeface="Gautami"/>
+        <a:font script="Taml" typeface="Latha"/>
+        <a:font script="Syrc" typeface="Estrangelo Edessa"/>
+        <a:font script="Orya" typeface="Kalinga"/>
+        <a:font script="Mlym" typeface="Kartika"/>
+        <a:font script="Laoo" typeface="DokChampa"/>
+        <a:font script="Sinh" typeface="Iskoola Pota"/>
+        <a:font script="Mong" typeface="Mongolian Baiti"/>
+        <a:font script="Viet" typeface="Times New Roman"/>
+        <a:font script="Uigh" typeface="Microsoft Uighur"/>
+        <a:font script="Geor" typeface="Sylfaen"/>
+        <a:font script="Armn" typeface="Arial"/>
+        <a:font script="Bugi" typeface="Leelawadee UI"/>
+        <a:font script="Bopo" typeface="Microsoft JhengHei"/>
+        <a:font script="Java" typeface="Javanese Text"/>
+        <a:font script="Lisu" typeface="Segoe UI"/>
+        <a:font script="Mymr" typeface="Myanmar Text"/>
+        <a:font script="Nkoo" typeface="Ebrima"/>
+        <a:font script="Olck" typeface="Nirmala UI"/>
+        <a:font script="Osma" typeface="Ebrima"/>
+        <a:font script="Phag" typeface="Phagspa"/>
+        <a:font script="Syrn" typeface="Estrangelo Edessa"/>
+        <a:font script="Syrj" typeface="Estrangelo Edessa"/>
+        <a:font script="Syre" typeface="Estrangelo Edessa"/>
+        <a:font script="Sora" typeface="Nirmala UI"/>
+        <a:font script="Tale" typeface="Microsoft Tai Le"/>
+        <a:font script="Talu" typeface="Microsoft New Tai Lue"/>
+        <a:font script="Tfng" typeface="Ebrima"/>
+      </a:majorFont>
+      <a:minorFont>
+        <a:latin typeface="Calibri" panose="020F0502020204030204"/>
+        <a:ea typeface=""/>
+        <a:cs typeface=""/>
+        <a:font script="Jpan" typeface="游ゴシック"/>
+        <a:font script="Hang" typeface="맑은 고딕"/>
+        <a:font script="Hans" typeface="等线"/>
+        <a:font script="Hant" typeface="新細明體"/>
+        <a:font script="Arab" typeface="Arial"/>
+        <a:font script="Hebr" typeface="Arial"/>
+        <a:font script="Thai" typeface="Cordia New"/>
+        <a:font script="Ethi" typeface="Nyala"/>
+        <a:font script="Beng" typeface="Vrinda"/>
+        <a:font script="Gujr" typeface="Shruti"/>
+        <a:font script="Khmr" typeface="DaunPenh"/>
+        <a:font script="Knda" typeface="Tunga"/>
+        <a:font script="Guru" typeface="Raavi"/>
+        <a:font script="Cans" typeface="Euphemia"/>
+        <a:font script="Cher" typeface="Plantagenet Cherokee"/>
+        <a:font script="Yiii" typeface="Microsoft Yi Baiti"/>
+        <a:font script="Tibt" typeface="Microsoft Himalaya"/>
+        <a:font script="Thaa" typeface="MV Boli"/>
+        <a:font script="Deva" typeface="Mangal"/>
+        <a:font script="Telu" typeface="Gautami"/>
+        <a:font script="Taml" typeface="Latha"/>
+        <a:font script="Syrc" typeface="Estrangelo Edessa"/>
+        <a:font script="Orya" typeface="Kalinga"/>
+        <a:font script="Mlym" typeface="Kartika"/>
+        <a:font script="Laoo" typeface="DokChampa"/>
+        <a:font script="Sinh" typeface="Iskoola Pota"/>
+        <a:font script="Mong" typeface="Mongolian Baiti"/>
+        <a:font script="Viet" typeface="Arial"/>
+        <a:font script="Uigh" typeface="Microsoft Uighur"/>
+        <a:font script="Geor" typeface="Sylfaen"/>
+        <a:font script="Armn" typeface="Arial"/>
+        <a:font script="Bugi" typeface="Leelawadee UI"/>
+        <a:font script="Bopo" typeface="Microsoft JhengHei"/>
+        <a:font script="Java" typeface="Javanese Text"/>
+        <a:font script="Lisu" typeface="Segoe UI"/>
+        <a:font script="Mymr" typeface="Myanmar Text"/>
+        <a:font script="Nkoo" typeface="Ebrima"/>
+        <a:font script="Olck" typeface="Nirmala UI"/>
+        <a:font script="Osma" typeface="Ebrima"/>
+        <a:font script="Phag" typeface="Phagspa"/>
+        <a:font script="Syrn" typeface="Estrangelo Edessa"/>
+        <a:font script="Syrj" typeface="Estrangelo Edessa"/>
+        <a:font script="Syre" typeface="Estrangelo Edessa"/>
+        <a:font script="Sora" typeface="Nirmala UI"/>
+        <a:font script="Tale" typeface="Microsoft Tai Le"/>
+        <a:font script="Talu" typeface="Microsoft New Tai Lue"/>
+        <a:font script="Tfng" typeface="Ebrima"/>
+      </a:minorFont>
+    </a:fontScheme>
+    <a:fmtScheme name="Office">
+      <a:fillStyleLst>
+        <a:solidFill>
+          <a:schemeClr val="phClr"/>
+        </a:solidFill>
+        <a:gradFill rotWithShape="1">
+          <a:gsLst>
+            <a:gs pos="0">
+              <a:schemeClr val="phClr">
+                <a:lumMod val="110000"/>
+                <a:satMod val="105000"/>
+                <a:tint val="67000"/>
+              </a:schemeClr>
+            </a:gs>
+            <a:gs pos="50000">
+              <a:schemeClr val="phClr">
+                <a:lumMod val="105000"/>
+                <a:satMod val="103000"/>
+                <a:tint val="73000"/>
+              </a:schemeClr>
+            </a:gs>
+            <a:gs pos="100000">
+              <a:schemeClr val="phClr">
+                <a:lumMod val="105000"/>
+                <a:satMod val="109000"/>
+                <a:tint val="81000"/>
+              </a:schemeClr>
+            </a:gs>
+          </a:gsLst>
+          <a:lin ang="5400000" scaled="0"/>
+        </a:gradFill>
+        <a:gradFill rotWithShape="1">
+          <a:gsLst>
+            <a:gs pos="0">
+              <a:schemeClr val="phClr">
+                <a:satMod val="103000"/>
+                <a:lumMod val="102000"/>
+                <a:tint val="94000"/>
+              </a:schemeClr>
+            </a:gs>
+            <a:gs pos="50000">
+              <a:schemeClr val="phClr">
+                <a:satMod val="110000"/>
+                <a:lumMod val="100000"/>
+                <a:shade val="100000"/>
+              </a:schemeClr>
+            </a:gs>
+            <a:gs pos="100000">
+              <a:schemeClr val="phClr">
+                <a:lumMod val="99000"/>
+                <a:satMod val="120000"/>
+                <a:shade val="78000"/>
+              </a:schemeClr>
+            </a:gs>
+          </a:gsLst>
+          <a:lin ang="5400000" scaled="0"/>
+        </a:gradFill>
+      </a:fillStyleLst>
+      <a:lnStyleLst>
+        <a:ln w="6350" cap="flat" cmpd="sng" algn="ctr">
+          <a:solidFill>
+            <a:schemeClr val="phClr"/>
+          </a:solidFill>
+          <a:prstDash val="solid"/>
+          <a:miter lim="800000"/>
+        </a:ln>
+        <a:ln w="12700" cap="flat" cmpd="sng" algn="ctr">
+          <a:solidFill>
+            <a:schemeClr val="phClr"/>
+          </a:solidFill>
+          <a:prstDash val="solid"/>
+          <a:miter lim="800000"/>
+        </a:ln>
+        <a:ln w="19050" cap="flat" cmpd="sng" algn="ctr">
+          <a:solidFill>
+            <a:schemeClr val="phClr"/>
+          </a:solidFill>
+          <a:prstDash val="solid"/>
+          <a:miter lim="800000"/>
+        </a:ln>
+      </a:lnStyleLst>
+      <a:effectStyleLst>
+        <a:effectStyle>
+          <a:effectLst/>
+        </a:effectStyle>
+        <a:effectStyle>
+          <a:effectLst/>
+        </a:effectStyle>
+        <a:effectStyle>
+          <a:effectLst>
+            <a:outerShdw blurRad="57150" dist="19050" dir="5400000" algn="ctr" rotWithShape="0">
+              <a:srgbClr val="000000">
+                <a:alpha val="63000"/>
+              </a:srgbClr>
+            </a:outerShdw>
+          </a:effectLst>
+        </a:effectStyle>
+      </a:effectStyleLst>
+      <a:bgFillStyleLst>
+        <a:solidFill>
+          <a:schemeClr val="phClr"/>
+        </a:solidFill>
+        <a:solidFill>
+          <a:schemeClr val="phClr">
+            <a:tint val="95000"/>
+            <a:satMod val="170000"/>
+          </a:schemeClr>
+        </a:solidFill>
+        <a:gradFill rotWithShape="1">
+          <a:gsLst>
+            <a:gs pos="0">
+              <a:schemeClr val="phClr">
+                <a:tint val="93000"/>
+                <a:satMod val="150000"/>
+                <a:shade val="98000"/>
+                <a:lumMod val="102000"/>
+              </a:schemeClr>
+            </a:gs>
+            <a:gs pos="50000">
+              <a:schemeClr val="phClr">
+                <a:tint val="98000"/>
+                <a:satMod val="130000"/>
+                <a:shade val="90000"/>
+                <a:lumMod val="103000"/>
+              </a:schemeClr>
+            </a:gs>
+            <a:gs pos="100000">
+              <a:schemeClr val="phClr">
+                <a:shade val="63000"/>
+                <a:satMod val="120000"/>
+              </a:schemeClr>
+            </a:gs>
+          </a:gsLst>
+          <a:lin ang="5400000" scaled="0"/>
+        </a:gradFill>
+      </a:bgFillStyleLst>
+    </a:fmtScheme>
+  </a:themeElements>
+  <a:objectDefaults/>
+  <a:extraClrSchemeLst/>
+  <a:extLst>
+    <a:ext uri="{05A4C25C-085E-4340-85A3-A5531E510DB2}">
+      <thm15:themeFamily xmlns:thm15="http://schemas.microsoft.com/office/thememl/2012/main" name="Office Theme" id="{62F939B6-93AF-4DB8-9C6B-D6C7DFDC589F}" vid="{4A3C46E8-61CC-4603-A589-7422A47A8E4A}"/>
+    </a:ext>
+  </a:extLst>
+</a:theme>
 </file>
--- a/報告.pptx
+++ b/報告.pptx
@@ -1,28 +1,27 @@
 
 <file path=ppt/presentation.xml><?xml version="1.0" encoding="utf-8"?>
-<p:presentation xmlns:a="http://schemas.openxmlformats.org/drawingml/2006/main" xmlns:r="http://schemas.openxmlformats.org/officeDocument/2006/relationships" xmlns:p="http://schemas.openxmlformats.org/presentationml/2006/main" firstSlideNum="0" showSpecialPlsOnTitleSld="0" saveSubsetFonts="1">
+<p:presentation xmlns:a="http://schemas.openxmlformats.org/drawingml/2006/main" xmlns:r="http://schemas.openxmlformats.org/officeDocument/2006/relationships" xmlns:p="http://schemas.openxmlformats.org/presentationml/2006/main" saveSubsetFonts="1">
   <p:sldMasterIdLst>
     <p:sldMasterId id="2147483718" r:id="rId1"/>
   </p:sldMasterIdLst>
-  <p:notesMasterIdLst>
-    <p:notesMasterId r:id="rId17"/>
-  </p:notesMasterIdLst>
   <p:sldIdLst>
     <p:sldId id="264" r:id="rId2"/>
     <p:sldId id="279" r:id="rId3"/>
-    <p:sldId id="265" r:id="rId4"/>
-    <p:sldId id="266" r:id="rId5"/>
-    <p:sldId id="267" r:id="rId6"/>
-    <p:sldId id="275" r:id="rId7"/>
-    <p:sldId id="268" r:id="rId8"/>
-    <p:sldId id="269" r:id="rId9"/>
-    <p:sldId id="270" r:id="rId10"/>
-    <p:sldId id="272" r:id="rId11"/>
-    <p:sldId id="280" r:id="rId12"/>
-    <p:sldId id="276" r:id="rId13"/>
-    <p:sldId id="277" r:id="rId14"/>
-    <p:sldId id="278" r:id="rId15"/>
-    <p:sldId id="281" r:id="rId16"/>
+    <p:sldId id="284" r:id="rId4"/>
+    <p:sldId id="283" r:id="rId5"/>
+    <p:sldId id="285" r:id="rId6"/>
+    <p:sldId id="286" r:id="rId7"/>
+    <p:sldId id="287" r:id="rId8"/>
+    <p:sldId id="288" r:id="rId9"/>
+    <p:sldId id="296" r:id="rId10"/>
+    <p:sldId id="291" r:id="rId11"/>
+    <p:sldId id="289" r:id="rId12"/>
+    <p:sldId id="290" r:id="rId13"/>
+    <p:sldId id="292" r:id="rId14"/>
+    <p:sldId id="293" r:id="rId15"/>
+    <p:sldId id="294" r:id="rId16"/>
+    <p:sldId id="295" r:id="rId17"/>
+    <p:sldId id="281" r:id="rId18"/>
   </p:sldIdLst>
   <p:sldSz cx="12192000" cy="6858000"/>
   <p:notesSz cx="6858000" cy="9144000"/>
@@ -129,355 +128,6 @@
 </p:presentation>
 </file>
 
-<file path=ppt/notesMasters/notesMaster1.xml><?xml version="1.0" encoding="utf-8"?>
-<p:notesMaster xmlns:a="http://schemas.openxmlformats.org/drawingml/2006/main" xmlns:r="http://schemas.openxmlformats.org/officeDocument/2006/relationships" xmlns:p="http://schemas.openxmlformats.org/presentationml/2006/main">
-  <p:cSld>
-    <p:bg>
-      <p:bgRef idx="1001">
-        <a:schemeClr val="bg1"/>
-      </p:bgRef>
-    </p:bg>
-    <p:spTree>
-      <p:nvGrpSpPr>
-        <p:cNvPr id="1" name=""/>
-        <p:cNvGrpSpPr/>
-        <p:nvPr/>
-      </p:nvGrpSpPr>
-      <p:grpSpPr>
-        <a:xfrm>
-          <a:off x="0" y="0"/>
-          <a:ext cx="0" cy="0"/>
-          <a:chOff x="0" y="0"/>
-          <a:chExt cx="0" cy="0"/>
-        </a:xfrm>
-      </p:grpSpPr>
-      <p:sp>
-        <p:nvSpPr>
-          <p:cNvPr id="2" name="頁首版面配置區 1"/>
-          <p:cNvSpPr>
-            <a:spLocks noGrp="1"/>
-          </p:cNvSpPr>
-          <p:nvPr>
-            <p:ph type="hdr" sz="quarter"/>
-          </p:nvPr>
-        </p:nvSpPr>
-        <p:spPr>
-          <a:xfrm>
-            <a:off x="0" y="0"/>
-            <a:ext cx="2971800" cy="458788"/>
-          </a:xfrm>
-          <a:prstGeom prst="rect">
-            <a:avLst/>
-          </a:prstGeom>
-        </p:spPr>
-        <p:txBody>
-          <a:bodyPr vert="horz" lIns="91440" tIns="45720" rIns="91440" bIns="45720" rtlCol="0"/>
-          <a:lstStyle>
-            <a:lvl1pPr algn="l">
-              <a:defRPr sz="1200"/>
-            </a:lvl1pPr>
-          </a:lstStyle>
-          <a:p>
-            <a:endParaRPr lang="zh-TW" altLang="en-US"/>
-          </a:p>
-        </p:txBody>
-      </p:sp>
-      <p:sp>
-        <p:nvSpPr>
-          <p:cNvPr id="3" name="日期版面配置區 2"/>
-          <p:cNvSpPr>
-            <a:spLocks noGrp="1"/>
-          </p:cNvSpPr>
-          <p:nvPr>
-            <p:ph type="dt" idx="1"/>
-          </p:nvPr>
-        </p:nvSpPr>
-        <p:spPr>
-          <a:xfrm>
-            <a:off x="3884613" y="0"/>
-            <a:ext cx="2971800" cy="458788"/>
-          </a:xfrm>
-          <a:prstGeom prst="rect">
-            <a:avLst/>
-          </a:prstGeom>
-        </p:spPr>
-        <p:txBody>
-          <a:bodyPr vert="horz" lIns="91440" tIns="45720" rIns="91440" bIns="45720" rtlCol="0"/>
-          <a:lstStyle>
-            <a:lvl1pPr algn="r">
-              <a:defRPr sz="1200"/>
-            </a:lvl1pPr>
-          </a:lstStyle>
-          <a:p>
-            <a:fld id="{5D06CA18-B224-4963-9763-1F1EF6A57354}" type="datetimeFigureOut">
-              <a:rPr lang="zh-TW" altLang="en-US" smtClean="0"/>
-              <a:t>2023/8/30</a:t>
-            </a:fld>
-            <a:endParaRPr lang="zh-TW" altLang="en-US"/>
-          </a:p>
-        </p:txBody>
-      </p:sp>
-      <p:sp>
-        <p:nvSpPr>
-          <p:cNvPr id="4" name="投影片影像版面配置區 3"/>
-          <p:cNvSpPr>
-            <a:spLocks noGrp="1" noRot="1" noChangeAspect="1"/>
-          </p:cNvSpPr>
-          <p:nvPr>
-            <p:ph type="sldImg" idx="2"/>
-          </p:nvPr>
-        </p:nvSpPr>
-        <p:spPr>
-          <a:xfrm>
-            <a:off x="685800" y="1143000"/>
-            <a:ext cx="5486400" cy="3086100"/>
-          </a:xfrm>
-          <a:prstGeom prst="rect">
-            <a:avLst/>
-          </a:prstGeom>
-          <a:noFill/>
-          <a:ln w="12700">
-            <a:solidFill>
-              <a:prstClr val="black"/>
-            </a:solidFill>
-          </a:ln>
-        </p:spPr>
-        <p:txBody>
-          <a:bodyPr vert="horz" lIns="91440" tIns="45720" rIns="91440" bIns="45720" rtlCol="0" anchor="ctr"/>
-          <a:lstStyle/>
-          <a:p>
-            <a:endParaRPr lang="zh-TW" altLang="en-US"/>
-          </a:p>
-        </p:txBody>
-      </p:sp>
-      <p:sp>
-        <p:nvSpPr>
-          <p:cNvPr id="5" name="備忘稿版面配置區 4"/>
-          <p:cNvSpPr>
-            <a:spLocks noGrp="1"/>
-          </p:cNvSpPr>
-          <p:nvPr>
-            <p:ph type="body" sz="quarter" idx="3"/>
-          </p:nvPr>
-        </p:nvSpPr>
-        <p:spPr>
-          <a:xfrm>
-            <a:off x="685800" y="4400550"/>
-            <a:ext cx="5486400" cy="3600450"/>
-          </a:xfrm>
-          <a:prstGeom prst="rect">
-            <a:avLst/>
-          </a:prstGeom>
-        </p:spPr>
-        <p:txBody>
-          <a:bodyPr vert="horz" lIns="91440" tIns="45720" rIns="91440" bIns="45720" rtlCol="0"/>
-          <a:lstStyle/>
-          <a:p>
-            <a:pPr lvl="0"/>
-            <a:r>
-              <a:rPr lang="zh-TW" altLang="en-US"/>
-              <a:t>按一下以編輯母片文字樣式</a:t>
-            </a:r>
-          </a:p>
-          <a:p>
-            <a:pPr lvl="1"/>
-            <a:r>
-              <a:rPr lang="zh-TW" altLang="en-US"/>
-              <a:t>第二層</a:t>
-            </a:r>
-          </a:p>
-          <a:p>
-            <a:pPr lvl="2"/>
-            <a:r>
-              <a:rPr lang="zh-TW" altLang="en-US"/>
-              <a:t>第三層</a:t>
-            </a:r>
-          </a:p>
-          <a:p>
-            <a:pPr lvl="3"/>
-            <a:r>
-              <a:rPr lang="zh-TW" altLang="en-US"/>
-              <a:t>第四層</a:t>
-            </a:r>
-          </a:p>
-          <a:p>
-            <a:pPr lvl="4"/>
-            <a:r>
-              <a:rPr lang="zh-TW" altLang="en-US"/>
-              <a:t>第五層</a:t>
-            </a:r>
-          </a:p>
-        </p:txBody>
-      </p:sp>
-      <p:sp>
-        <p:nvSpPr>
-          <p:cNvPr id="6" name="頁尾版面配置區 5"/>
-          <p:cNvSpPr>
-            <a:spLocks noGrp="1"/>
-          </p:cNvSpPr>
-          <p:nvPr>
-            <p:ph type="ftr" sz="quarter" idx="4"/>
-          </p:nvPr>
-        </p:nvSpPr>
-        <p:spPr>
-          <a:xfrm>
-            <a:off x="0" y="8685213"/>
-            <a:ext cx="2971800" cy="458787"/>
-          </a:xfrm>
-          <a:prstGeom prst="rect">
-            <a:avLst/>
-          </a:prstGeom>
-        </p:spPr>
-        <p:txBody>
-          <a:bodyPr vert="horz" lIns="91440" tIns="45720" rIns="91440" bIns="45720" rtlCol="0" anchor="b"/>
-          <a:lstStyle>
-            <a:lvl1pPr algn="l">
-              <a:defRPr sz="1200"/>
-            </a:lvl1pPr>
-          </a:lstStyle>
-          <a:p>
-            <a:endParaRPr lang="zh-TW" altLang="en-US"/>
-          </a:p>
-        </p:txBody>
-      </p:sp>
-      <p:sp>
-        <p:nvSpPr>
-          <p:cNvPr id="7" name="投影片編號版面配置區 6"/>
-          <p:cNvSpPr>
-            <a:spLocks noGrp="1"/>
-          </p:cNvSpPr>
-          <p:nvPr>
-            <p:ph type="sldNum" sz="quarter" idx="5"/>
-          </p:nvPr>
-        </p:nvSpPr>
-        <p:spPr>
-          <a:xfrm>
-            <a:off x="3884613" y="8685213"/>
-            <a:ext cx="2971800" cy="458787"/>
-          </a:xfrm>
-          <a:prstGeom prst="rect">
-            <a:avLst/>
-          </a:prstGeom>
-        </p:spPr>
-        <p:txBody>
-          <a:bodyPr vert="horz" lIns="91440" tIns="45720" rIns="91440" bIns="45720" rtlCol="0" anchor="b"/>
-          <a:lstStyle>
-            <a:lvl1pPr algn="r">
-              <a:defRPr sz="1200"/>
-            </a:lvl1pPr>
-          </a:lstStyle>
-          <a:p>
-            <a:fld id="{D4C44F24-1C94-4D41-BE3C-644E050C9405}" type="slidenum">
-              <a:rPr lang="zh-TW" altLang="en-US" smtClean="0"/>
-              <a:t>‹#›</a:t>
-            </a:fld>
-            <a:endParaRPr lang="zh-TW" altLang="en-US"/>
-          </a:p>
-        </p:txBody>
-      </p:sp>
-    </p:spTree>
-    <p:extLst>
-      <p:ext uri="{BB962C8B-B14F-4D97-AF65-F5344CB8AC3E}">
-        <p14:creationId xmlns:p14="http://schemas.microsoft.com/office/powerpoint/2010/main" val="372136670"/>
-      </p:ext>
-    </p:extLst>
-  </p:cSld>
-  <p:clrMap bg1="lt1" tx1="dk1" bg2="lt2" tx2="dk2" accent1="accent1" accent2="accent2" accent3="accent3" accent4="accent4" accent5="accent5" accent6="accent6" hlink="hlink" folHlink="folHlink"/>
-  <p:notesStyle>
-    <a:lvl1pPr marL="0" algn="l" defTabSz="914400" rtl="0" eaLnBrk="1" latinLnBrk="0" hangingPunct="1">
-      <a:defRPr sz="1200" kern="1200">
-        <a:solidFill>
-          <a:schemeClr val="tx1"/>
-        </a:solidFill>
-        <a:latin typeface="+mn-lt"/>
-        <a:ea typeface="+mn-ea"/>
-        <a:cs typeface="+mn-cs"/>
-      </a:defRPr>
-    </a:lvl1pPr>
-    <a:lvl2pPr marL="457200" algn="l" defTabSz="914400" rtl="0" eaLnBrk="1" latinLnBrk="0" hangingPunct="1">
-      <a:defRPr sz="1200" kern="1200">
-        <a:solidFill>
-          <a:schemeClr val="tx1"/>
-        </a:solidFill>
-        <a:latin typeface="+mn-lt"/>
-        <a:ea typeface="+mn-ea"/>
-        <a:cs typeface="+mn-cs"/>
-      </a:defRPr>
-    </a:lvl2pPr>
-    <a:lvl3pPr marL="914400" algn="l" defTabSz="914400" rtl="0" eaLnBrk="1" latinLnBrk="0" hangingPunct="1">
-      <a:defRPr sz="1200" kern="1200">
-        <a:solidFill>
-          <a:schemeClr val="tx1"/>
-        </a:solidFill>
-        <a:latin typeface="+mn-lt"/>
-        <a:ea typeface="+mn-ea"/>
-        <a:cs typeface="+mn-cs"/>
-      </a:defRPr>
-    </a:lvl3pPr>
-    <a:lvl4pPr marL="1371600" algn="l" defTabSz="914400" rtl="0" eaLnBrk="1" latinLnBrk="0" hangingPunct="1">
-      <a:defRPr sz="1200" kern="1200">
-        <a:solidFill>
-          <a:schemeClr val="tx1"/>
-        </a:solidFill>
-        <a:latin typeface="+mn-lt"/>
-        <a:ea typeface="+mn-ea"/>
-        <a:cs typeface="+mn-cs"/>
-      </a:defRPr>
-    </a:lvl4pPr>
-    <a:lvl5pPr marL="1828800" algn="l" defTabSz="914400" rtl="0" eaLnBrk="1" latinLnBrk="0" hangingPunct="1">
-      <a:defRPr sz="1200" kern="1200">
-        <a:solidFill>
-          <a:schemeClr val="tx1"/>
-        </a:solidFill>
-        <a:latin typeface="+mn-lt"/>
-        <a:ea typeface="+mn-ea"/>
-        <a:cs typeface="+mn-cs"/>
-      </a:defRPr>
-    </a:lvl5pPr>
-    <a:lvl6pPr marL="2286000" algn="l" defTabSz="914400" rtl="0" eaLnBrk="1" latinLnBrk="0" hangingPunct="1">
-      <a:defRPr sz="1200" kern="1200">
-        <a:solidFill>
-          <a:schemeClr val="tx1"/>
-        </a:solidFill>
-        <a:latin typeface="+mn-lt"/>
-        <a:ea typeface="+mn-ea"/>
-        <a:cs typeface="+mn-cs"/>
-      </a:defRPr>
-    </a:lvl6pPr>
-    <a:lvl7pPr marL="2743200" algn="l" defTabSz="914400" rtl="0" eaLnBrk="1" latinLnBrk="0" hangingPunct="1">
-      <a:defRPr sz="1200" kern="1200">
-        <a:solidFill>
-          <a:schemeClr val="tx1"/>
-        </a:solidFill>
-        <a:latin typeface="+mn-lt"/>
-        <a:ea typeface="+mn-ea"/>
-        <a:cs typeface="+mn-cs"/>
-      </a:defRPr>
-    </a:lvl7pPr>
-    <a:lvl8pPr marL="3200400" algn="l" defTabSz="914400" rtl="0" eaLnBrk="1" latinLnBrk="0" hangingPunct="1">
-      <a:defRPr sz="1200" kern="1200">
-        <a:solidFill>
-          <a:schemeClr val="tx1"/>
-        </a:solidFill>
-        <a:latin typeface="+mn-lt"/>
-        <a:ea typeface="+mn-ea"/>
-        <a:cs typeface="+mn-cs"/>
-      </a:defRPr>
-    </a:lvl8pPr>
-    <a:lvl9pPr marL="3657600" algn="l" defTabSz="914400" rtl="0" eaLnBrk="1" latinLnBrk="0" hangingPunct="1">
-      <a:defRPr sz="1200" kern="1200">
-        <a:solidFill>
-          <a:schemeClr val="tx1"/>
-        </a:solidFill>
-        <a:latin typeface="+mn-lt"/>
-        <a:ea typeface="+mn-ea"/>
-        <a:cs typeface="+mn-cs"/>
-      </a:defRPr>
-    </a:lvl9pPr>
-  </p:notesStyle>
-</p:notesMaster>
-</file>
-
 <file path=ppt/slideLayouts/slideLayout1.xml><?xml version="1.0" encoding="utf-8"?>
 <p:sldLayout xmlns:a="http://schemas.openxmlformats.org/drawingml/2006/main" xmlns:r="http://schemas.openxmlformats.org/officeDocument/2006/relationships" xmlns:p="http://schemas.openxmlformats.org/presentationml/2006/main" type="title" preserve="1">
   <p:cSld name="標題投影片">
@@ -623,9 +273,9 @@
           <a:bodyPr/>
           <a:lstStyle/>
           <a:p>
-            <a:fld id="{CBBF5347-C671-4B30-B245-79ADBEF31819}" type="datetime1">
+            <a:fld id="{EFAD279E-6BF3-4279-B7EE-764C02BA97D8}" type="datetimeFigureOut">
               <a:rPr lang="zh-TW" altLang="en-US" smtClean="0"/>
-              <a:t>2023/8/30</a:t>
+              <a:t>2023/9/12</a:t>
             </a:fld>
             <a:endParaRPr lang="zh-TW" altLang="en-US"/>
           </a:p>
@@ -821,9 +471,9 @@
           <a:bodyPr/>
           <a:lstStyle/>
           <a:p>
-            <a:fld id="{4DC42256-2564-498D-8A4F-6CC11E3BFDB0}" type="datetime1">
+            <a:fld id="{EFAD279E-6BF3-4279-B7EE-764C02BA97D8}" type="datetimeFigureOut">
               <a:rPr lang="zh-TW" altLang="en-US" smtClean="0"/>
-              <a:t>2023/8/30</a:t>
+              <a:t>2023/9/12</a:t>
             </a:fld>
             <a:endParaRPr lang="zh-TW" altLang="en-US"/>
           </a:p>
@@ -1029,9 +679,9 @@
           <a:bodyPr/>
           <a:lstStyle/>
           <a:p>
-            <a:fld id="{F69E9081-3C1B-4D06-A797-099F071E7BE9}" type="datetime1">
+            <a:fld id="{EFAD279E-6BF3-4279-B7EE-764C02BA97D8}" type="datetimeFigureOut">
               <a:rPr lang="zh-TW" altLang="en-US" smtClean="0"/>
-              <a:t>2023/8/30</a:t>
+              <a:t>2023/9/12</a:t>
             </a:fld>
             <a:endParaRPr lang="zh-TW" altLang="en-US"/>
           </a:p>
@@ -1227,9 +877,9 @@
           <a:bodyPr/>
           <a:lstStyle/>
           <a:p>
-            <a:fld id="{B86A218E-CAC6-417B-AF1C-F1FA2A7EA265}" type="datetime1">
+            <a:fld id="{EFAD279E-6BF3-4279-B7EE-764C02BA97D8}" type="datetimeFigureOut">
               <a:rPr lang="zh-TW" altLang="en-US" smtClean="0"/>
-              <a:t>2023/8/30</a:t>
+              <a:t>2023/9/12</a:t>
             </a:fld>
             <a:endParaRPr lang="zh-TW" altLang="en-US"/>
           </a:p>
@@ -1502,9 +1152,9 @@
           <a:bodyPr/>
           <a:lstStyle/>
           <a:p>
-            <a:fld id="{E4C5C4F2-8DC7-45FF-8A31-0CD36AEBE0A2}" type="datetime1">
+            <a:fld id="{EFAD279E-6BF3-4279-B7EE-764C02BA97D8}" type="datetimeFigureOut">
               <a:rPr lang="zh-TW" altLang="en-US" smtClean="0"/>
-              <a:t>2023/8/30</a:t>
+              <a:t>2023/9/12</a:t>
             </a:fld>
             <a:endParaRPr lang="zh-TW" altLang="en-US"/>
           </a:p>
@@ -1767,9 +1417,9 @@
           <a:bodyPr/>
           <a:lstStyle/>
           <a:p>
-            <a:fld id="{BDFE68EA-8557-4B0A-8A8B-49049C455052}" type="datetime1">
+            <a:fld id="{EFAD279E-6BF3-4279-B7EE-764C02BA97D8}" type="datetimeFigureOut">
               <a:rPr lang="zh-TW" altLang="en-US" smtClean="0"/>
-              <a:t>2023/8/30</a:t>
+              <a:t>2023/9/12</a:t>
             </a:fld>
             <a:endParaRPr lang="zh-TW" altLang="en-US"/>
           </a:p>
@@ -2179,9 +1829,9 @@
           <a:bodyPr/>
           <a:lstStyle/>
           <a:p>
-            <a:fld id="{892E70FA-2A50-4A45-AA22-4F45F5C0E04F}" type="datetime1">
+            <a:fld id="{EFAD279E-6BF3-4279-B7EE-764C02BA97D8}" type="datetimeFigureOut">
               <a:rPr lang="zh-TW" altLang="en-US" smtClean="0"/>
-              <a:t>2023/8/30</a:t>
+              <a:t>2023/9/12</a:t>
             </a:fld>
             <a:endParaRPr lang="zh-TW" altLang="en-US"/>
           </a:p>
@@ -2320,9 +1970,9 @@
           <a:bodyPr/>
           <a:lstStyle/>
           <a:p>
-            <a:fld id="{4CB82378-2342-4E2B-8DCA-95072DE3F6C6}" type="datetime1">
+            <a:fld id="{EFAD279E-6BF3-4279-B7EE-764C02BA97D8}" type="datetimeFigureOut">
               <a:rPr lang="zh-TW" altLang="en-US" smtClean="0"/>
-              <a:t>2023/8/30</a:t>
+              <a:t>2023/9/12</a:t>
             </a:fld>
             <a:endParaRPr lang="zh-TW" altLang="en-US"/>
           </a:p>
@@ -2433,9 +2083,9 @@
           <a:bodyPr/>
           <a:lstStyle/>
           <a:p>
-            <a:fld id="{280A32A7-BCFF-4493-BF70-A62FF7DBFC15}" type="datetime1">
+            <a:fld id="{EFAD279E-6BF3-4279-B7EE-764C02BA97D8}" type="datetimeFigureOut">
               <a:rPr lang="zh-TW" altLang="en-US" smtClean="0"/>
-              <a:t>2023/8/30</a:t>
+              <a:t>2023/9/12</a:t>
             </a:fld>
             <a:endParaRPr lang="zh-TW" altLang="en-US"/>
           </a:p>
@@ -2744,9 +2394,9 @@
           <a:bodyPr/>
           <a:lstStyle/>
           <a:p>
-            <a:fld id="{040D49F5-7477-4F4C-B464-5CEFCC496CBB}" type="datetime1">
+            <a:fld id="{EFAD279E-6BF3-4279-B7EE-764C02BA97D8}" type="datetimeFigureOut">
               <a:rPr lang="zh-TW" altLang="en-US" smtClean="0"/>
-              <a:t>2023/8/30</a:t>
+              <a:t>2023/9/12</a:t>
             </a:fld>
             <a:endParaRPr lang="zh-TW" altLang="en-US"/>
           </a:p>
@@ -3032,9 +2682,9 @@
           <a:bodyPr/>
           <a:lstStyle/>
           <a:p>
-            <a:fld id="{06552B83-A9FC-424F-8B72-6AD74FB1FA9A}" type="datetime1">
+            <a:fld id="{EFAD279E-6BF3-4279-B7EE-764C02BA97D8}" type="datetimeFigureOut">
               <a:rPr lang="zh-TW" altLang="en-US" smtClean="0"/>
-              <a:t>2023/8/30</a:t>
+              <a:t>2023/9/12</a:t>
             </a:fld>
             <a:endParaRPr lang="zh-TW" altLang="en-US"/>
           </a:p>
@@ -3273,9 +2923,9 @@
             </a:lvl1pPr>
           </a:lstStyle>
           <a:p>
-            <a:fld id="{6A8452D7-D28F-4231-A9A4-AE45D988D9CF}" type="datetime1">
+            <a:fld id="{EFAD279E-6BF3-4279-B7EE-764C02BA97D8}" type="datetimeFigureOut">
               <a:rPr lang="zh-TW" altLang="en-US" smtClean="0"/>
-              <a:t>2023/8/30</a:t>
+              <a:t>2023/9/12</a:t>
             </a:fld>
             <a:endParaRPr lang="zh-TW" altLang="en-US"/>
           </a:p>
@@ -3392,7 +3042,6 @@
     <p:sldLayoutId id="2147483728" r:id="rId10"/>
     <p:sldLayoutId id="2147483729" r:id="rId11"/>
   </p:sldLayoutIdLst>
-  <p:hf hdr="0" ftr="0" dt="0"/>
   <p:txStyles>
     <p:titleStyle>
       <a:lvl1pPr algn="l" defTabSz="914400" rtl="0" eaLnBrk="1" latinLnBrk="0" hangingPunct="1">
@@ -3867,10 +3516,61 @@
       </p:grpSpPr>
       <p:sp>
         <p:nvSpPr>
+          <p:cNvPr id="2" name="標題 1">
+            <a:extLst>
+              <a:ext uri="{FF2B5EF4-FFF2-40B4-BE49-F238E27FC236}">
+                <a16:creationId xmlns:a16="http://schemas.microsoft.com/office/drawing/2014/main" id="{D6829631-1A27-23C0-BDD8-B2EBCC5435B8}"/>
+              </a:ext>
+            </a:extLst>
+          </p:cNvPr>
+          <p:cNvSpPr>
+            <a:spLocks noGrp="1"/>
+          </p:cNvSpPr>
+          <p:nvPr>
+            <p:ph type="title"/>
+          </p:nvPr>
+        </p:nvSpPr>
+        <p:spPr>
+          <a:xfrm>
+            <a:off x="838199" y="213399"/>
+            <a:ext cx="3289917" cy="513763"/>
+          </a:xfrm>
+        </p:spPr>
+        <p:txBody>
+          <a:bodyPr>
+            <a:normAutofit fontScale="90000"/>
+          </a:bodyPr>
+          <a:lstStyle/>
+          <a:p>
+            <a:r>
+              <a:rPr lang="en-US" altLang="zh-TW" sz="3200" dirty="0">
+                <a:latin typeface="Times New Roman" panose="02020603050405020304" pitchFamily="18" charset="0"/>
+                <a:ea typeface="標楷體" panose="03000509000000000000" pitchFamily="65" charset="-120"/>
+                <a:cs typeface="Times New Roman" panose="02020603050405020304" pitchFamily="18" charset="0"/>
+              </a:rPr>
+              <a:t>DAC</a:t>
+            </a:r>
+            <a:r>
+              <a:rPr lang="zh-TW" altLang="en-US" sz="3200" dirty="0">
+                <a:latin typeface="Times New Roman" panose="02020603050405020304" pitchFamily="18" charset="0"/>
+                <a:ea typeface="標楷體" panose="03000509000000000000" pitchFamily="65" charset="-120"/>
+                <a:cs typeface="Times New Roman" panose="02020603050405020304" pitchFamily="18" charset="0"/>
+              </a:rPr>
+              <a:t>電路運作原理</a:t>
+            </a:r>
+            <a:endParaRPr lang="zh-TW" altLang="en-US" sz="3200" dirty="0">
+              <a:latin typeface="Times New Roman" panose="02020603050405020304" pitchFamily="18" charset="0"/>
+              <a:cs typeface="Times New Roman" panose="02020603050405020304" pitchFamily="18" charset="0"/>
+            </a:endParaRPr>
+          </a:p>
+        </p:txBody>
+      </p:sp>
+      <p:sp>
+        <p:nvSpPr>
           <p:cNvPr id="3" name="內容版面配置區 2">
             <a:extLst>
               <a:ext uri="{FF2B5EF4-FFF2-40B4-BE49-F238E27FC236}">
-                <a16:creationId xmlns:a16="http://schemas.microsoft.com/office/drawing/2014/main" id="{5DA835CD-DB32-0098-AA29-D56FCC416481}"/>
+                <a16:creationId xmlns:a16="http://schemas.microsoft.com/office/drawing/2014/main" id="{494286DB-3494-E083-7F2E-2EFE8CBC3D90}"/>
               </a:ext>
             </a:extLst>
           </p:cNvPr>
@@ -3883,8 +3583,8 @@
         </p:nvSpPr>
         <p:spPr>
           <a:xfrm>
-            <a:off x="838200" y="422952"/>
-            <a:ext cx="10515600" cy="873187"/>
+            <a:off x="838200" y="883717"/>
+            <a:ext cx="10515600" cy="569581"/>
           </a:xfrm>
         </p:spPr>
         <p:txBody>
@@ -3892,19 +3592,20 @@
           <a:lstStyle/>
           <a:p>
             <a:r>
-              <a:rPr lang="en-US" altLang="zh-TW" dirty="0" err="1">
-                <a:latin typeface="Times New Roman" panose="02020603050405020304" pitchFamily="18" charset="0"/>
-                <a:ea typeface="標楷體" panose="03000509000000000000" pitchFamily="65" charset="-120"/>
-                <a:cs typeface="Times New Roman" panose="02020603050405020304" pitchFamily="18" charset="0"/>
-              </a:rPr>
-              <a:t>pi_low</a:t>
+              <a:rPr lang="en-US" altLang="zh-TW" dirty="0">
+                <a:latin typeface="Times New Roman" panose="02020603050405020304" pitchFamily="18" charset="0"/>
+                <a:ea typeface="標楷體" panose="03000509000000000000" pitchFamily="65" charset="-120"/>
+                <a:cs typeface="Times New Roman" panose="02020603050405020304" pitchFamily="18" charset="0"/>
+              </a:rPr>
+              <a:t>ODD_MEM,EVEN_MEM(</a:t>
             </a:r>
             <a:r>
               <a:rPr lang="zh-TW" altLang="en-US" dirty="0">
-                <a:latin typeface="標楷體" panose="03000509000000000000" pitchFamily="65" charset="-120"/>
-                <a:ea typeface="標楷體" panose="03000509000000000000" pitchFamily="65" charset="-120"/>
-              </a:rPr>
-              <a:t>輸入</a:t>
+                <a:latin typeface="Times New Roman" panose="02020603050405020304" pitchFamily="18" charset="0"/>
+                <a:ea typeface="標楷體" panose="03000509000000000000" pitchFamily="65" charset="-120"/>
+                <a:cs typeface="Times New Roman" panose="02020603050405020304" pitchFamily="18" charset="0"/>
+              </a:rPr>
+              <a:t>兩種記憶體各有</a:t>
             </a:r>
             <a:r>
               <a:rPr lang="en-US" altLang="zh-TW" dirty="0">
@@ -3912,51 +3613,50 @@
                 <a:ea typeface="標楷體" panose="03000509000000000000" pitchFamily="65" charset="-120"/>
                 <a:cs typeface="Times New Roman" panose="02020603050405020304" pitchFamily="18" charset="0"/>
               </a:rPr>
-              <a:t>1’b0 (STI)</a:t>
-            </a:r>
-            <a:endParaRPr lang="zh-TW" altLang="en-US" dirty="0">
-              <a:latin typeface="Times New Roman" panose="02020603050405020304" pitchFamily="18" charset="0"/>
-              <a:ea typeface="標楷體" panose="03000509000000000000" pitchFamily="65" charset="-120"/>
-              <a:cs typeface="Times New Roman" panose="02020603050405020304" pitchFamily="18" charset="0"/>
-            </a:endParaRPr>
+              <a:t>4</a:t>
+            </a:r>
+            <a:r>
+              <a:rPr lang="zh-TW" altLang="en-US" dirty="0">
+                <a:latin typeface="Times New Roman" panose="02020603050405020304" pitchFamily="18" charset="0"/>
+                <a:ea typeface="標楷體" panose="03000509000000000000" pitchFamily="65" charset="-120"/>
+                <a:cs typeface="Times New Roman" panose="02020603050405020304" pitchFamily="18" charset="0"/>
+              </a:rPr>
+              <a:t>顆共</a:t>
+            </a:r>
+            <a:r>
+              <a:rPr lang="en-US" altLang="zh-TW" dirty="0">
+                <a:latin typeface="Times New Roman" panose="02020603050405020304" pitchFamily="18" charset="0"/>
+                <a:ea typeface="標楷體" panose="03000509000000000000" pitchFamily="65" charset="-120"/>
+                <a:cs typeface="Times New Roman" panose="02020603050405020304" pitchFamily="18" charset="0"/>
+              </a:rPr>
+              <a:t>8</a:t>
+            </a:r>
+            <a:r>
+              <a:rPr lang="zh-TW" altLang="en-US" dirty="0">
+                <a:latin typeface="Times New Roman" panose="02020603050405020304" pitchFamily="18" charset="0"/>
+                <a:ea typeface="標楷體" panose="03000509000000000000" pitchFamily="65" charset="-120"/>
+                <a:cs typeface="Times New Roman" panose="02020603050405020304" pitchFamily="18" charset="0"/>
+              </a:rPr>
+              <a:t>顆</a:t>
+            </a:r>
+            <a:r>
+              <a:rPr lang="en-US" altLang="zh-TW" dirty="0">
+                <a:latin typeface="Times New Roman" panose="02020603050405020304" pitchFamily="18" charset="0"/>
+                <a:ea typeface="標楷體" panose="03000509000000000000" pitchFamily="65" charset="-120"/>
+                <a:cs typeface="Times New Roman" panose="02020603050405020304" pitchFamily="18" charset="0"/>
+              </a:rPr>
+              <a:t>)</a:t>
+            </a:r>
+            <a:endParaRPr lang="zh-TW" altLang="en-US" dirty="0"/>
           </a:p>
         </p:txBody>
       </p:sp>
       <p:sp>
         <p:nvSpPr>
-          <p:cNvPr id="6" name="投影片編號版面配置區 5">
+          <p:cNvPr id="18" name="文字方塊 17">
             <a:extLst>
               <a:ext uri="{FF2B5EF4-FFF2-40B4-BE49-F238E27FC236}">
-                <a16:creationId xmlns:a16="http://schemas.microsoft.com/office/drawing/2014/main" id="{9BBD5D28-241C-C911-BDA5-C93F2F18B0B5}"/>
-              </a:ext>
-            </a:extLst>
-          </p:cNvPr>
-          <p:cNvSpPr>
-            <a:spLocks noGrp="1"/>
-          </p:cNvSpPr>
-          <p:nvPr>
-            <p:ph type="sldNum" sz="quarter" idx="12"/>
-          </p:nvPr>
-        </p:nvSpPr>
-        <p:spPr/>
-        <p:txBody>
-          <a:bodyPr/>
-          <a:lstStyle/>
-          <a:p>
-            <a:fld id="{7D3C2007-09EB-4B8E-B7A7-F48258516163}" type="slidenum">
-              <a:rPr lang="zh-TW" altLang="en-US" smtClean="0"/>
-              <a:t>9</a:t>
-            </a:fld>
-            <a:endParaRPr lang="zh-TW" altLang="en-US"/>
-          </a:p>
-        </p:txBody>
-      </p:sp>
-      <p:sp>
-        <p:nvSpPr>
-          <p:cNvPr id="4" name="文字方塊 3">
-            <a:extLst>
-              <a:ext uri="{FF2B5EF4-FFF2-40B4-BE49-F238E27FC236}">
-                <a16:creationId xmlns:a16="http://schemas.microsoft.com/office/drawing/2014/main" id="{8C40B6B8-AA9B-6BE2-98AD-02F352791FF0}"/>
+                <a16:creationId xmlns:a16="http://schemas.microsoft.com/office/drawing/2014/main" id="{F0AA39F4-8107-4F70-60BB-092A408784E7}"/>
               </a:ext>
             </a:extLst>
           </p:cNvPr>
@@ -3965,7 +3665,7 @@
         </p:nvSpPr>
         <p:spPr>
           <a:xfrm>
-            <a:off x="838200" y="1404692"/>
+            <a:off x="1479240" y="1453298"/>
             <a:ext cx="10241132" cy="830997"/>
           </a:xfrm>
           <a:prstGeom prst="rect">
@@ -3981,27 +3681,11 @@
           <a:p>
             <a:r>
               <a:rPr lang="zh-TW" altLang="en-US" sz="2400" dirty="0">
-                <a:latin typeface="標楷體" panose="03000509000000000000" pitchFamily="65" charset="-120"/>
-                <a:ea typeface="標楷體" panose="03000509000000000000" pitchFamily="65" charset="-120"/>
-                <a:cs typeface="Times New Roman" panose="02020603050405020304" pitchFamily="18" charset="0"/>
-              </a:rPr>
-              <a:t>當</a:t>
-            </a:r>
-            <a:r>
-              <a:rPr lang="en-US" altLang="zh-TW" sz="2400" dirty="0" err="1">
-                <a:latin typeface="Times New Roman" panose="02020603050405020304" pitchFamily="18" charset="0"/>
-                <a:ea typeface="標楷體" panose="03000509000000000000" pitchFamily="65" charset="-120"/>
-                <a:cs typeface="Times New Roman" panose="02020603050405020304" pitchFamily="18" charset="0"/>
-              </a:rPr>
-              <a:t>pi_length</a:t>
-            </a:r>
-            <a:r>
-              <a:rPr lang="en-US" altLang="zh-TW" sz="2400" dirty="0">
-                <a:latin typeface="Times New Roman" panose="02020603050405020304" pitchFamily="18" charset="0"/>
-                <a:ea typeface="標楷體" panose="03000509000000000000" pitchFamily="65" charset="-120"/>
-                <a:cs typeface="Times New Roman" panose="02020603050405020304" pitchFamily="18" charset="0"/>
-              </a:rPr>
-              <a:t> = 2’b00</a:t>
+                <a:latin typeface="Times New Roman" panose="02020603050405020304" pitchFamily="18" charset="0"/>
+                <a:ea typeface="標楷體" panose="03000509000000000000" pitchFamily="65" charset="-120"/>
+                <a:cs typeface="Times New Roman" panose="02020603050405020304" pitchFamily="18" charset="0"/>
+              </a:rPr>
+              <a:t>圖中每一格數字代表一個記憶體位址</a:t>
             </a:r>
             <a:r>
               <a:rPr lang="zh-TW" altLang="en-US" sz="2400" dirty="0">
@@ -4009,7 +3693,15 @@
                 <a:ea typeface="標楷體" panose="03000509000000000000" pitchFamily="65" charset="-120"/>
                 <a:cs typeface="Times New Roman" panose="02020603050405020304" pitchFamily="18" charset="0"/>
               </a:rPr>
-              <a:t>，序列資料輸出則需要</a:t>
+              <a:t>，而每一個</a:t>
+            </a:r>
+            <a:r>
+              <a:rPr lang="zh-TW" altLang="en-US" sz="2400" dirty="0">
+                <a:latin typeface="Times New Roman" panose="02020603050405020304" pitchFamily="18" charset="0"/>
+                <a:ea typeface="標楷體" panose="03000509000000000000" pitchFamily="65" charset="-120"/>
+                <a:cs typeface="Times New Roman" panose="02020603050405020304" pitchFamily="18" charset="0"/>
+              </a:rPr>
+              <a:t>記憶體位址會儲存</a:t>
             </a:r>
             <a:r>
               <a:rPr lang="en-US" altLang="zh-TW" sz="2400" dirty="0">
@@ -4021,94 +3713,74 @@
             </a:r>
             <a:r>
               <a:rPr lang="zh-TW" altLang="en-US" sz="2400" dirty="0">
-                <a:latin typeface="Times New Roman" panose="02020603050405020304" pitchFamily="18" charset="0"/>
-                <a:ea typeface="標楷體" panose="03000509000000000000" pitchFamily="65" charset="-120"/>
-                <a:cs typeface="Times New Roman" panose="02020603050405020304" pitchFamily="18" charset="0"/>
-              </a:rPr>
-              <a:t>，</a:t>
+                <a:latin typeface="標楷體" panose="03000509000000000000" pitchFamily="65" charset="-120"/>
+                <a:ea typeface="標楷體" panose="03000509000000000000" pitchFamily="65" charset="-120"/>
+                <a:cs typeface="Times New Roman" panose="02020603050405020304" pitchFamily="18" charset="0"/>
+              </a:rPr>
+              <a:t>， 儲存的資料透過</a:t>
+            </a:r>
+            <a:r>
+              <a:rPr lang="en-US" altLang="zh-TW" sz="2400" dirty="0">
+                <a:latin typeface="Times New Roman" panose="02020603050405020304" pitchFamily="18" charset="0"/>
+                <a:ea typeface="標楷體" panose="03000509000000000000" pitchFamily="65" charset="-120"/>
+                <a:cs typeface="Times New Roman" panose="02020603050405020304" pitchFamily="18" charset="0"/>
+              </a:rPr>
+              <a:t>STI</a:t>
+            </a:r>
+            <a:r>
+              <a:rPr lang="zh-TW" altLang="en-US" sz="2400" dirty="0">
+                <a:latin typeface="Times New Roman" panose="02020603050405020304" pitchFamily="18" charset="0"/>
+                <a:ea typeface="標楷體" panose="03000509000000000000" pitchFamily="65" charset="-120"/>
+                <a:cs typeface="Times New Roman" panose="02020603050405020304" pitchFamily="18" charset="0"/>
+              </a:rPr>
+              <a:t>電路</a:t>
+            </a:r>
+            <a:r>
+              <a:rPr lang="zh-TW" altLang="en-US" sz="2400" dirty="0">
+                <a:latin typeface="標楷體" panose="03000509000000000000" pitchFamily="65" charset="-120"/>
+                <a:ea typeface="標楷體" panose="03000509000000000000" pitchFamily="65" charset="-120"/>
+                <a:cs typeface="Times New Roman" panose="02020603050405020304" pitchFamily="18" charset="0"/>
+              </a:rPr>
+              <a:t>中的</a:t>
             </a:r>
             <a:r>
               <a:rPr lang="en-US" altLang="zh-TW" sz="2400" dirty="0" err="1">
-                <a:solidFill>
-                  <a:srgbClr val="FF0000"/>
-                </a:solidFill>
-                <a:latin typeface="Times New Roman" panose="02020603050405020304" pitchFamily="18" charset="0"/>
-                <a:ea typeface="標楷體" panose="03000509000000000000" pitchFamily="65" charset="-120"/>
-                <a:cs typeface="Times New Roman" panose="02020603050405020304" pitchFamily="18" charset="0"/>
-              </a:rPr>
-              <a:t>pi_data</a:t>
+                <a:latin typeface="Times New Roman" panose="02020603050405020304" pitchFamily="18" charset="0"/>
+                <a:ea typeface="標楷體" panose="03000509000000000000" pitchFamily="65" charset="-120"/>
+                <a:cs typeface="Times New Roman" panose="02020603050405020304" pitchFamily="18" charset="0"/>
+              </a:rPr>
+              <a:t>so_data</a:t>
             </a:r>
             <a:r>
               <a:rPr lang="zh-TW" altLang="en-US" sz="2400" dirty="0">
-                <a:solidFill>
-                  <a:srgbClr val="FF0000"/>
-                </a:solidFill>
                 <a:latin typeface="標楷體" panose="03000509000000000000" pitchFamily="65" charset="-120"/>
                 <a:ea typeface="標楷體" panose="03000509000000000000" pitchFamily="65" charset="-120"/>
                 <a:cs typeface="Times New Roman" panose="02020603050405020304" pitchFamily="18" charset="0"/>
               </a:rPr>
-              <a:t>與序列輸出緩衝資料為由</a:t>
+              <a:t>輸入進</a:t>
             </a:r>
             <a:r>
               <a:rPr lang="en-US" altLang="zh-TW" sz="2400" dirty="0">
-                <a:solidFill>
-                  <a:srgbClr val="FF0000"/>
-                </a:solidFill>
-                <a:latin typeface="Times New Roman" panose="02020603050405020304" pitchFamily="18" charset="0"/>
-                <a:ea typeface="標楷體" panose="03000509000000000000" pitchFamily="65" charset="-120"/>
-                <a:cs typeface="Times New Roman" panose="02020603050405020304" pitchFamily="18" charset="0"/>
-              </a:rPr>
-              <a:t>LSB</a:t>
+                <a:latin typeface="Times New Roman" panose="02020603050405020304" pitchFamily="18" charset="0"/>
+                <a:ea typeface="標楷體" panose="03000509000000000000" pitchFamily="65" charset="-120"/>
+                <a:cs typeface="Times New Roman" panose="02020603050405020304" pitchFamily="18" charset="0"/>
+              </a:rPr>
+              <a:t>DAC</a:t>
             </a:r>
             <a:r>
               <a:rPr lang="zh-TW" altLang="en-US" sz="2400" dirty="0">
-                <a:solidFill>
-                  <a:srgbClr val="FF0000"/>
-                </a:solidFill>
-                <a:latin typeface="標楷體" panose="03000509000000000000" pitchFamily="65" charset="-120"/>
-                <a:ea typeface="標楷體" panose="03000509000000000000" pitchFamily="65" charset="-120"/>
-                <a:cs typeface="Times New Roman" panose="02020603050405020304" pitchFamily="18" charset="0"/>
-              </a:rPr>
-              <a:t>對齊</a:t>
-            </a:r>
-            <a:r>
-              <a:rPr lang="zh-TW" altLang="en-US" sz="2400" dirty="0">
-                <a:latin typeface="Times New Roman" panose="02020603050405020304" pitchFamily="18" charset="0"/>
-                <a:ea typeface="標楷體" panose="03000509000000000000" pitchFamily="65" charset="-120"/>
-                <a:cs typeface="Times New Roman" panose="02020603050405020304" pitchFamily="18" charset="0"/>
-              </a:rPr>
-              <a:t>，序列輸出 </a:t>
-            </a:r>
-            <a:r>
-              <a:rPr lang="en-US" altLang="zh-TW" sz="2400" dirty="0" err="1">
-                <a:latin typeface="Times New Roman" panose="02020603050405020304" pitchFamily="18" charset="0"/>
-                <a:ea typeface="標楷體" panose="03000509000000000000" pitchFamily="65" charset="-120"/>
-                <a:cs typeface="Times New Roman" panose="02020603050405020304" pitchFamily="18" charset="0"/>
-              </a:rPr>
-              <a:t>pi_data</a:t>
-            </a:r>
-            <a:r>
-              <a:rPr lang="zh-TW" altLang="en-US" sz="2400" dirty="0">
-                <a:latin typeface="Times New Roman" panose="02020603050405020304" pitchFamily="18" charset="0"/>
-                <a:ea typeface="標楷體" panose="03000509000000000000" pitchFamily="65" charset="-120"/>
-                <a:cs typeface="Times New Roman" panose="02020603050405020304" pitchFamily="18" charset="0"/>
-              </a:rPr>
-              <a:t>的低位元組</a:t>
-            </a:r>
-            <a:r>
-              <a:rPr lang="en-US" altLang="zh-TW" sz="2400" dirty="0">
-                <a:latin typeface="Times New Roman" panose="02020603050405020304" pitchFamily="18" charset="0"/>
-                <a:ea typeface="標楷體" panose="03000509000000000000" pitchFamily="65" charset="-120"/>
-                <a:cs typeface="Times New Roman" panose="02020603050405020304" pitchFamily="18" charset="0"/>
-              </a:rPr>
-              <a:t>8bits</a:t>
+                <a:latin typeface="Times New Roman" panose="02020603050405020304" pitchFamily="18" charset="0"/>
+                <a:ea typeface="標楷體" panose="03000509000000000000" pitchFamily="65" charset="-120"/>
+                <a:cs typeface="Times New Roman" panose="02020603050405020304" pitchFamily="18" charset="0"/>
+              </a:rPr>
+              <a:t>電路</a:t>
             </a:r>
             <a:r>
               <a:rPr lang="zh-TW" altLang="en-US" sz="2400" baseline="0" dirty="0">
                 <a:latin typeface="Times New Roman" panose="02020603050405020304" pitchFamily="18" charset="0"/>
                 <a:ea typeface="標楷體" panose="03000509000000000000" pitchFamily="65" charset="-120"/>
               </a:rPr>
-              <a:t> 。</a:t>
+              <a:t>。</a:t>
             </a:r>
             <a:r>
               <a:rPr lang="en-US" altLang="zh-TW" sz="2400" dirty="0">
@@ -4127,10 +3799,10 @@
       </p:sp>
       <p:pic>
         <p:nvPicPr>
-          <p:cNvPr id="2" name="圖片 1">
+          <p:cNvPr id="4" name="圖片 3">
             <a:extLst>
               <a:ext uri="{FF2B5EF4-FFF2-40B4-BE49-F238E27FC236}">
-                <a16:creationId xmlns:a16="http://schemas.microsoft.com/office/drawing/2014/main" id="{ED9AB6EF-5B38-40A4-BE49-F5FC460ABF60}"/>
+                <a16:creationId xmlns:a16="http://schemas.microsoft.com/office/drawing/2014/main" id="{0605DAC6-C5A9-9502-B145-64FE18D03206}"/>
               </a:ext>
             </a:extLst>
           </p:cNvPr>
@@ -4153,18 +3825,145 @@
         </p:blipFill>
         <p:spPr>
           <a:xfrm>
-            <a:off x="511524" y="2425959"/>
-            <a:ext cx="11340165" cy="3033808"/>
+            <a:off x="838200" y="2351098"/>
+            <a:ext cx="5197421" cy="3854393"/>
           </a:xfrm>
           <a:prstGeom prst="rect">
             <a:avLst/>
           </a:prstGeom>
         </p:spPr>
       </p:pic>
+      <p:pic>
+        <p:nvPicPr>
+          <p:cNvPr id="5" name="圖片 4">
+            <a:extLst>
+              <a:ext uri="{FF2B5EF4-FFF2-40B4-BE49-F238E27FC236}">
+                <a16:creationId xmlns:a16="http://schemas.microsoft.com/office/drawing/2014/main" id="{A3EFE7A5-7D9A-A51E-23C9-47EB4A314858}"/>
+              </a:ext>
+            </a:extLst>
+          </p:cNvPr>
+          <p:cNvPicPr>
+            <a:picLocks noChangeAspect="1"/>
+          </p:cNvPicPr>
+          <p:nvPr/>
+        </p:nvPicPr>
+        <p:blipFill>
+          <a:blip r:embed="rId3">
+            <a:extLst>
+              <a:ext uri="{28A0092B-C50C-407E-A947-70E740481C1C}">
+                <a14:useLocalDpi xmlns:a14="http://schemas.microsoft.com/office/drawing/2010/main" val="0"/>
+              </a:ext>
+            </a:extLst>
+          </a:blip>
+          <a:stretch>
+            <a:fillRect/>
+          </a:stretch>
+        </p:blipFill>
+        <p:spPr>
+          <a:xfrm>
+            <a:off x="6156381" y="2351098"/>
+            <a:ext cx="5197419" cy="3854393"/>
+          </a:xfrm>
+          <a:prstGeom prst="rect">
+            <a:avLst/>
+          </a:prstGeom>
+        </p:spPr>
+      </p:pic>
+      <p:sp>
+        <p:nvSpPr>
+          <p:cNvPr id="6" name="文字方塊 5">
+            <a:extLst>
+              <a:ext uri="{FF2B5EF4-FFF2-40B4-BE49-F238E27FC236}">
+                <a16:creationId xmlns:a16="http://schemas.microsoft.com/office/drawing/2014/main" id="{2D8C78A8-74D3-7EE9-52F4-671E5EA764DC}"/>
+              </a:ext>
+            </a:extLst>
+          </p:cNvPr>
+          <p:cNvSpPr txBox="1"/>
+          <p:nvPr/>
+        </p:nvSpPr>
+        <p:spPr>
+          <a:xfrm>
+            <a:off x="1296142" y="6087628"/>
+            <a:ext cx="3409025" cy="369332"/>
+          </a:xfrm>
+          <a:prstGeom prst="rect">
+            <a:avLst/>
+          </a:prstGeom>
+          <a:noFill/>
+        </p:spPr>
+        <p:txBody>
+          <a:bodyPr wrap="square" rtlCol="0">
+            <a:spAutoFit/>
+          </a:bodyPr>
+          <a:lstStyle/>
+          <a:p>
+            <a:r>
+              <a:rPr lang="en-US" altLang="zh-TW" dirty="0">
+                <a:latin typeface="Times New Roman" panose="02020603050405020304" pitchFamily="18" charset="0"/>
+                <a:cs typeface="Times New Roman" panose="02020603050405020304" pitchFamily="18" charset="0"/>
+              </a:rPr>
+              <a:t>OM</a:t>
+            </a:r>
+            <a:r>
+              <a:rPr lang="zh-TW" altLang="en-US" dirty="0">
+                <a:latin typeface="標楷體" panose="03000509000000000000" pitchFamily="65" charset="-120"/>
+                <a:ea typeface="標楷體" panose="03000509000000000000" pitchFamily="65" charset="-120"/>
+              </a:rPr>
+              <a:t>記憶體</a:t>
+            </a:r>
+          </a:p>
+        </p:txBody>
+      </p:sp>
+      <p:sp>
+        <p:nvSpPr>
+          <p:cNvPr id="7" name="文字方塊 6">
+            <a:extLst>
+              <a:ext uri="{FF2B5EF4-FFF2-40B4-BE49-F238E27FC236}">
+                <a16:creationId xmlns:a16="http://schemas.microsoft.com/office/drawing/2014/main" id="{F10C3D17-B94E-FEA6-8764-4F8E42FBD793}"/>
+              </a:ext>
+            </a:extLst>
+          </p:cNvPr>
+          <p:cNvSpPr txBox="1"/>
+          <p:nvPr/>
+        </p:nvSpPr>
+        <p:spPr>
+          <a:xfrm>
+            <a:off x="6493563" y="6140894"/>
+            <a:ext cx="3409025" cy="369332"/>
+          </a:xfrm>
+          <a:prstGeom prst="rect">
+            <a:avLst/>
+          </a:prstGeom>
+          <a:noFill/>
+        </p:spPr>
+        <p:txBody>
+          <a:bodyPr wrap="square" rtlCol="0">
+            <a:spAutoFit/>
+          </a:bodyPr>
+          <a:lstStyle/>
+          <a:p>
+            <a:r>
+              <a:rPr lang="en-US" altLang="zh-TW" dirty="0">
+                <a:latin typeface="Times New Roman" panose="02020603050405020304" pitchFamily="18" charset="0"/>
+                <a:ea typeface="標楷體" panose="03000509000000000000" pitchFamily="65" charset="-120"/>
+                <a:cs typeface="Times New Roman" panose="02020603050405020304" pitchFamily="18" charset="0"/>
+              </a:rPr>
+              <a:t>EM</a:t>
+            </a:r>
+            <a:r>
+              <a:rPr lang="zh-TW" altLang="en-US" dirty="0">
+                <a:latin typeface="標楷體" panose="03000509000000000000" pitchFamily="65" charset="-120"/>
+                <a:ea typeface="標楷體" panose="03000509000000000000" pitchFamily="65" charset="-120"/>
+              </a:rPr>
+              <a:t>記憶體</a:t>
+            </a:r>
+          </a:p>
+        </p:txBody>
+      </p:sp>
     </p:spTree>
     <p:extLst>
       <p:ext uri="{BB962C8B-B14F-4D97-AF65-F5344CB8AC3E}">
-        <p14:creationId xmlns:p14="http://schemas.microsoft.com/office/powerpoint/2010/main" val="231548372"/>
+        <p14:creationId xmlns:p14="http://schemas.microsoft.com/office/powerpoint/2010/main" val="1181442704"/>
       </p:ext>
     </p:extLst>
   </p:cSld>
@@ -4193,10 +3992,61 @@
       </p:grpSpPr>
       <p:sp>
         <p:nvSpPr>
+          <p:cNvPr id="2" name="標題 1">
+            <a:extLst>
+              <a:ext uri="{FF2B5EF4-FFF2-40B4-BE49-F238E27FC236}">
+                <a16:creationId xmlns:a16="http://schemas.microsoft.com/office/drawing/2014/main" id="{D6829631-1A27-23C0-BDD8-B2EBCC5435B8}"/>
+              </a:ext>
+            </a:extLst>
+          </p:cNvPr>
+          <p:cNvSpPr>
+            <a:spLocks noGrp="1"/>
+          </p:cNvSpPr>
+          <p:nvPr>
+            <p:ph type="title"/>
+          </p:nvPr>
+        </p:nvSpPr>
+        <p:spPr>
+          <a:xfrm>
+            <a:off x="838200" y="213399"/>
+            <a:ext cx="3467470" cy="513763"/>
+          </a:xfrm>
+        </p:spPr>
+        <p:txBody>
+          <a:bodyPr>
+            <a:normAutofit fontScale="90000"/>
+          </a:bodyPr>
+          <a:lstStyle/>
+          <a:p>
+            <a:r>
+              <a:rPr lang="en-US" altLang="zh-TW" sz="3200" dirty="0">
+                <a:latin typeface="Times New Roman" panose="02020603050405020304" pitchFamily="18" charset="0"/>
+                <a:ea typeface="標楷體" panose="03000509000000000000" pitchFamily="65" charset="-120"/>
+                <a:cs typeface="Times New Roman" panose="02020603050405020304" pitchFamily="18" charset="0"/>
+              </a:rPr>
+              <a:t>DAC</a:t>
+            </a:r>
+            <a:r>
+              <a:rPr lang="zh-TW" altLang="en-US" sz="3200" dirty="0">
+                <a:latin typeface="Times New Roman" panose="02020603050405020304" pitchFamily="18" charset="0"/>
+                <a:ea typeface="標楷體" panose="03000509000000000000" pitchFamily="65" charset="-120"/>
+                <a:cs typeface="Times New Roman" panose="02020603050405020304" pitchFamily="18" charset="0"/>
+              </a:rPr>
+              <a:t>電路設計方法</a:t>
+            </a:r>
+            <a:endParaRPr lang="zh-TW" altLang="en-US" sz="3200" dirty="0">
+              <a:latin typeface="Times New Roman" panose="02020603050405020304" pitchFamily="18" charset="0"/>
+              <a:cs typeface="Times New Roman" panose="02020603050405020304" pitchFamily="18" charset="0"/>
+            </a:endParaRPr>
+          </a:p>
+        </p:txBody>
+      </p:sp>
+      <p:sp>
+        <p:nvSpPr>
           <p:cNvPr id="3" name="內容版面配置區 2">
             <a:extLst>
               <a:ext uri="{FF2B5EF4-FFF2-40B4-BE49-F238E27FC236}">
-                <a16:creationId xmlns:a16="http://schemas.microsoft.com/office/drawing/2014/main" id="{5DA835CD-DB32-0098-AA29-D56FCC416481}"/>
+                <a16:creationId xmlns:a16="http://schemas.microsoft.com/office/drawing/2014/main" id="{494286DB-3494-E083-7F2E-2EFE8CBC3D90}"/>
               </a:ext>
             </a:extLst>
           </p:cNvPr>
@@ -4209,8 +4059,8 @@
         </p:nvSpPr>
         <p:spPr>
           <a:xfrm>
-            <a:off x="838200" y="422952"/>
-            <a:ext cx="10515600" cy="873187"/>
+            <a:off x="838200" y="883717"/>
+            <a:ext cx="10515600" cy="569581"/>
           </a:xfrm>
         </p:spPr>
         <p:txBody>
@@ -4218,47 +4068,38 @@
           <a:lstStyle/>
           <a:p>
             <a:r>
-              <a:rPr lang="en-US" altLang="zh-TW" dirty="0">
-                <a:latin typeface="Times New Roman" panose="02020603050405020304" pitchFamily="18" charset="0"/>
-                <a:ea typeface="標楷體" panose="03000509000000000000" pitchFamily="65" charset="-120"/>
-                <a:cs typeface="Times New Roman" panose="02020603050405020304" pitchFamily="18" charset="0"/>
-              </a:rPr>
-              <a:t>ODD_MEM,EVEN_MEM(DAC)</a:t>
-            </a:r>
-            <a:endParaRPr lang="zh-TW" altLang="en-US" dirty="0">
-              <a:latin typeface="Times New Roman" panose="02020603050405020304" pitchFamily="18" charset="0"/>
-              <a:ea typeface="標楷體" panose="03000509000000000000" pitchFamily="65" charset="-120"/>
-              <a:cs typeface="Times New Roman" panose="02020603050405020304" pitchFamily="18" charset="0"/>
-            </a:endParaRPr>
-          </a:p>
-        </p:txBody>
-      </p:sp>
-      <p:sp>
-        <p:nvSpPr>
-          <p:cNvPr id="5" name="投影片編號版面配置區 4">
-            <a:extLst>
-              <a:ext uri="{FF2B5EF4-FFF2-40B4-BE49-F238E27FC236}">
-                <a16:creationId xmlns:a16="http://schemas.microsoft.com/office/drawing/2014/main" id="{B4D59BC7-CEAC-5A22-6E32-E9D849FE0996}"/>
-              </a:ext>
-            </a:extLst>
-          </p:cNvPr>
-          <p:cNvSpPr>
-            <a:spLocks noGrp="1"/>
-          </p:cNvSpPr>
-          <p:nvPr>
-            <p:ph type="sldNum" sz="quarter" idx="12"/>
-          </p:nvPr>
-        </p:nvSpPr>
-        <p:spPr/>
-        <p:txBody>
-          <a:bodyPr/>
-          <a:lstStyle/>
-          <a:p>
-            <a:fld id="{7D3C2007-09EB-4B8E-B7A7-F48258516163}" type="slidenum">
-              <a:rPr lang="zh-TW" altLang="en-US" smtClean="0"/>
-              <a:t>10</a:t>
-            </a:fld>
-            <a:endParaRPr lang="zh-TW" altLang="en-US"/>
+              <a:rPr lang="en-US" altLang="zh-TW" dirty="0" err="1">
+                <a:latin typeface="Times New Roman" panose="02020603050405020304" pitchFamily="18" charset="0"/>
+                <a:ea typeface="標楷體" panose="03000509000000000000" pitchFamily="65" charset="-120"/>
+                <a:cs typeface="Times New Roman" panose="02020603050405020304" pitchFamily="18" charset="0"/>
+              </a:rPr>
+              <a:t>odd_wr</a:t>
+            </a:r>
+            <a:r>
+              <a:rPr lang="zh-TW" altLang="en-US" dirty="0">
+                <a:latin typeface="Times New Roman" panose="02020603050405020304" pitchFamily="18" charset="0"/>
+                <a:ea typeface="標楷體" panose="03000509000000000000" pitchFamily="65" charset="-120"/>
+                <a:cs typeface="Times New Roman" panose="02020603050405020304" pitchFamily="18" charset="0"/>
+              </a:rPr>
+              <a:t>與</a:t>
+            </a:r>
+            <a:r>
+              <a:rPr lang="en-US" altLang="zh-TW" dirty="0" err="1">
+                <a:latin typeface="Times New Roman" panose="02020603050405020304" pitchFamily="18" charset="0"/>
+                <a:ea typeface="標楷體" panose="03000509000000000000" pitchFamily="65" charset="-120"/>
+                <a:cs typeface="Times New Roman" panose="02020603050405020304" pitchFamily="18" charset="0"/>
+              </a:rPr>
+              <a:t>even_wr</a:t>
+            </a:r>
+            <a:r>
+              <a:rPr lang="zh-TW" altLang="en-US" dirty="0">
+                <a:latin typeface="Times New Roman" panose="02020603050405020304" pitchFamily="18" charset="0"/>
+                <a:ea typeface="標楷體" panose="03000509000000000000" pitchFamily="65" charset="-120"/>
+                <a:cs typeface="Times New Roman" panose="02020603050405020304" pitchFamily="18" charset="0"/>
+              </a:rPr>
+              <a:t>設計方式</a:t>
+            </a:r>
+            <a:endParaRPr lang="zh-TW" altLang="en-US" dirty="0"/>
           </a:p>
         </p:txBody>
       </p:sp>
@@ -4267,7 +4108,7 @@
           <p:cNvPr id="4" name="文字方塊 3">
             <a:extLst>
               <a:ext uri="{FF2B5EF4-FFF2-40B4-BE49-F238E27FC236}">
-                <a16:creationId xmlns:a16="http://schemas.microsoft.com/office/drawing/2014/main" id="{8C40B6B8-AA9B-6BE2-98AD-02F352791FF0}"/>
+                <a16:creationId xmlns:a16="http://schemas.microsoft.com/office/drawing/2014/main" id="{3C84F69D-E82B-B9B5-46A4-545C9B528E58}"/>
               </a:ext>
             </a:extLst>
           </p:cNvPr>
@@ -4276,8 +4117,8 @@
         </p:nvSpPr>
         <p:spPr>
           <a:xfrm>
-            <a:off x="838200" y="1404692"/>
-            <a:ext cx="10241132" cy="830997"/>
+            <a:off x="1479240" y="1453298"/>
+            <a:ext cx="10629902" cy="1200329"/>
           </a:xfrm>
           <a:prstGeom prst="rect">
             <a:avLst/>
@@ -4296,95 +4137,7 @@
                 <a:ea typeface="標楷體" panose="03000509000000000000" pitchFamily="65" charset="-120"/>
                 <a:cs typeface="Times New Roman" panose="02020603050405020304" pitchFamily="18" charset="0"/>
               </a:rPr>
-              <a:t>圖中每一格數字代表一個記憶體位址</a:t>
-            </a:r>
-            <a:r>
-              <a:rPr lang="zh-TW" altLang="en-US" sz="2400" dirty="0">
-                <a:latin typeface="標楷體" panose="03000509000000000000" pitchFamily="65" charset="-120"/>
-                <a:ea typeface="標楷體" panose="03000509000000000000" pitchFamily="65" charset="-120"/>
-                <a:cs typeface="Times New Roman" panose="02020603050405020304" pitchFamily="18" charset="0"/>
-              </a:rPr>
-              <a:t>，而每一個</a:t>
-            </a:r>
-            <a:r>
-              <a:rPr lang="zh-TW" altLang="en-US" sz="2400" dirty="0">
-                <a:latin typeface="Times New Roman" panose="02020603050405020304" pitchFamily="18" charset="0"/>
-                <a:ea typeface="標楷體" panose="03000509000000000000" pitchFamily="65" charset="-120"/>
-                <a:cs typeface="Times New Roman" panose="02020603050405020304" pitchFamily="18" charset="0"/>
-              </a:rPr>
-              <a:t>記憶體位址會儲存</a:t>
-            </a:r>
-            <a:r>
-              <a:rPr lang="en-US" altLang="zh-TW" sz="2400" dirty="0">
-                <a:latin typeface="Times New Roman" panose="02020603050405020304" pitchFamily="18" charset="0"/>
-                <a:ea typeface="標楷體" panose="03000509000000000000" pitchFamily="65" charset="-120"/>
-                <a:cs typeface="Times New Roman" panose="02020603050405020304" pitchFamily="18" charset="0"/>
-              </a:rPr>
-              <a:t>8bits</a:t>
-            </a:r>
-            <a:r>
-              <a:rPr lang="zh-TW" altLang="en-US" sz="2400" dirty="0">
-                <a:latin typeface="標楷體" panose="03000509000000000000" pitchFamily="65" charset="-120"/>
-                <a:ea typeface="標楷體" panose="03000509000000000000" pitchFamily="65" charset="-120"/>
-                <a:cs typeface="Times New Roman" panose="02020603050405020304" pitchFamily="18" charset="0"/>
-              </a:rPr>
-              <a:t>， 儲存的資料透過</a:t>
-            </a:r>
-            <a:r>
-              <a:rPr lang="en-US" altLang="zh-TW" sz="2400" dirty="0">
-                <a:latin typeface="Times New Roman" panose="02020603050405020304" pitchFamily="18" charset="0"/>
-                <a:ea typeface="標楷體" panose="03000509000000000000" pitchFamily="65" charset="-120"/>
-                <a:cs typeface="Times New Roman" panose="02020603050405020304" pitchFamily="18" charset="0"/>
-              </a:rPr>
-              <a:t>STI</a:t>
-            </a:r>
-            <a:r>
-              <a:rPr lang="zh-TW" altLang="en-US" sz="2400" dirty="0">
-                <a:latin typeface="Times New Roman" panose="02020603050405020304" pitchFamily="18" charset="0"/>
-                <a:ea typeface="標楷體" panose="03000509000000000000" pitchFamily="65" charset="-120"/>
-                <a:cs typeface="Times New Roman" panose="02020603050405020304" pitchFamily="18" charset="0"/>
-              </a:rPr>
-              <a:t>電路</a:t>
-            </a:r>
-            <a:r>
-              <a:rPr lang="zh-TW" altLang="en-US" sz="2400" dirty="0">
-                <a:latin typeface="標楷體" panose="03000509000000000000" pitchFamily="65" charset="-120"/>
-                <a:ea typeface="標楷體" panose="03000509000000000000" pitchFamily="65" charset="-120"/>
-                <a:cs typeface="Times New Roman" panose="02020603050405020304" pitchFamily="18" charset="0"/>
-              </a:rPr>
-              <a:t>中的</a:t>
-            </a:r>
-            <a:r>
-              <a:rPr lang="en-US" altLang="zh-TW" sz="2400" dirty="0" err="1">
-                <a:latin typeface="Times New Roman" panose="02020603050405020304" pitchFamily="18" charset="0"/>
-                <a:ea typeface="標楷體" panose="03000509000000000000" pitchFamily="65" charset="-120"/>
-                <a:cs typeface="Times New Roman" panose="02020603050405020304" pitchFamily="18" charset="0"/>
-              </a:rPr>
-              <a:t>so_data</a:t>
-            </a:r>
-            <a:r>
-              <a:rPr lang="zh-TW" altLang="en-US" sz="2400" dirty="0">
-                <a:latin typeface="標楷體" panose="03000509000000000000" pitchFamily="65" charset="-120"/>
-                <a:ea typeface="標楷體" panose="03000509000000000000" pitchFamily="65" charset="-120"/>
-                <a:cs typeface="Times New Roman" panose="02020603050405020304" pitchFamily="18" charset="0"/>
-              </a:rPr>
-              <a:t>輸入進</a:t>
-            </a:r>
-            <a:r>
-              <a:rPr lang="en-US" altLang="zh-TW" sz="2400" dirty="0">
-                <a:latin typeface="Times New Roman" panose="02020603050405020304" pitchFamily="18" charset="0"/>
-                <a:ea typeface="標楷體" panose="03000509000000000000" pitchFamily="65" charset="-120"/>
-                <a:cs typeface="Times New Roman" panose="02020603050405020304" pitchFamily="18" charset="0"/>
-              </a:rPr>
-              <a:t>DAC</a:t>
-            </a:r>
-            <a:r>
-              <a:rPr lang="zh-TW" altLang="en-US" sz="2400" dirty="0">
-                <a:latin typeface="Times New Roman" panose="02020603050405020304" pitchFamily="18" charset="0"/>
-                <a:ea typeface="標楷體" panose="03000509000000000000" pitchFamily="65" charset="-120"/>
-                <a:cs typeface="Times New Roman" panose="02020603050405020304" pitchFamily="18" charset="0"/>
-              </a:rPr>
-              <a:t>電路</a:t>
+              <a:t>透過三種記數器來設計</a:t>
             </a:r>
             <a:r>
               <a:rPr lang="zh-TW" altLang="en-US" sz="2400" baseline="0" dirty="0">
@@ -4393,27 +4146,888 @@
               </a:rPr>
               <a:t>。</a:t>
             </a:r>
-            <a:r>
-              <a:rPr lang="en-US" altLang="zh-TW" sz="2400" dirty="0">
-                <a:latin typeface="Times New Roman" panose="02020603050405020304" pitchFamily="18" charset="0"/>
-                <a:ea typeface="標楷體" panose="03000509000000000000" pitchFamily="65" charset="-120"/>
-                <a:cs typeface="Times New Roman" panose="02020603050405020304" pitchFamily="18" charset="0"/>
-              </a:rPr>
-              <a:t> </a:t>
-            </a:r>
-            <a:endParaRPr lang="zh-TW" altLang="en-US" sz="2400" dirty="0">
-              <a:latin typeface="標楷體" panose="03000509000000000000" pitchFamily="65" charset="-120"/>
+            <a:endParaRPr lang="en-US" altLang="zh-TW" sz="2400" baseline="0" dirty="0">
+              <a:latin typeface="Times New Roman" panose="02020603050405020304" pitchFamily="18" charset="0"/>
               <a:ea typeface="標楷體" panose="03000509000000000000" pitchFamily="65" charset="-120"/>
             </a:endParaRPr>
           </a:p>
+          <a:p>
+            <a:r>
+              <a:rPr lang="zh-TW" altLang="en-US" sz="2400" dirty="0">
+                <a:latin typeface="Times New Roman" panose="02020603050405020304" pitchFamily="18" charset="0"/>
+                <a:ea typeface="標楷體" panose="03000509000000000000" pitchFamily="65" charset="-120"/>
+                <a:cs typeface="Times New Roman" panose="02020603050405020304" pitchFamily="18" charset="0"/>
+              </a:rPr>
+              <a:t>偶數列的偶數單位</a:t>
+            </a:r>
+            <a:r>
+              <a:rPr lang="en-US" altLang="zh-TW" sz="2400" dirty="0" err="1">
+                <a:latin typeface="Times New Roman" panose="02020603050405020304" pitchFamily="18" charset="0"/>
+                <a:ea typeface="標楷體" panose="03000509000000000000" pitchFamily="65" charset="-120"/>
+                <a:cs typeface="Times New Roman" panose="02020603050405020304" pitchFamily="18" charset="0"/>
+              </a:rPr>
+              <a:t>odd_wr</a:t>
+            </a:r>
+            <a:r>
+              <a:rPr lang="zh-TW" altLang="en-US" sz="2400" dirty="0">
+                <a:latin typeface="Times New Roman" panose="02020603050405020304" pitchFamily="18" charset="0"/>
+                <a:ea typeface="標楷體" panose="03000509000000000000" pitchFamily="65" charset="-120"/>
+                <a:cs typeface="Times New Roman" panose="02020603050405020304" pitchFamily="18" charset="0"/>
+              </a:rPr>
+              <a:t>設為</a:t>
+            </a:r>
+            <a:r>
+              <a:rPr lang="en-US" altLang="zh-TW" sz="2400" dirty="0">
+                <a:latin typeface="Times New Roman" panose="02020603050405020304" pitchFamily="18" charset="0"/>
+                <a:ea typeface="標楷體" panose="03000509000000000000" pitchFamily="65" charset="-120"/>
+                <a:cs typeface="Times New Roman" panose="02020603050405020304" pitchFamily="18" charset="0"/>
+              </a:rPr>
+              <a:t>1</a:t>
+            </a:r>
+            <a:r>
+              <a:rPr lang="zh-TW" altLang="en-US" sz="2400" dirty="0">
+                <a:latin typeface="Times New Roman" panose="02020603050405020304" pitchFamily="18" charset="0"/>
+                <a:ea typeface="標楷體" panose="03000509000000000000" pitchFamily="65" charset="-120"/>
+                <a:cs typeface="Times New Roman" panose="02020603050405020304" pitchFamily="18" charset="0"/>
+              </a:rPr>
+              <a:t> ，奇數單位則是</a:t>
+            </a:r>
+            <a:r>
+              <a:rPr lang="en-US" altLang="zh-TW" sz="2400" dirty="0" err="1">
+                <a:latin typeface="Times New Roman" panose="02020603050405020304" pitchFamily="18" charset="0"/>
+                <a:ea typeface="標楷體" panose="03000509000000000000" pitchFamily="65" charset="-120"/>
+                <a:cs typeface="Times New Roman" panose="02020603050405020304" pitchFamily="18" charset="0"/>
+              </a:rPr>
+              <a:t>even_wr</a:t>
+            </a:r>
+            <a:r>
+              <a:rPr lang="zh-TW" altLang="en-US" sz="2400" dirty="0">
+                <a:latin typeface="Times New Roman" panose="02020603050405020304" pitchFamily="18" charset="0"/>
+                <a:ea typeface="標楷體" panose="03000509000000000000" pitchFamily="65" charset="-120"/>
+                <a:cs typeface="Times New Roman" panose="02020603050405020304" pitchFamily="18" charset="0"/>
+              </a:rPr>
+              <a:t>設為</a:t>
+            </a:r>
+            <a:r>
+              <a:rPr lang="en-US" altLang="zh-TW" sz="2400" dirty="0">
+                <a:latin typeface="Times New Roman" panose="02020603050405020304" pitchFamily="18" charset="0"/>
+                <a:ea typeface="標楷體" panose="03000509000000000000" pitchFamily="65" charset="-120"/>
+                <a:cs typeface="Times New Roman" panose="02020603050405020304" pitchFamily="18" charset="0"/>
+              </a:rPr>
+              <a:t>1</a:t>
+            </a:r>
+            <a:r>
+              <a:rPr lang="zh-TW" altLang="en-US" sz="2400" baseline="0" dirty="0">
+                <a:latin typeface="Times New Roman" panose="02020603050405020304" pitchFamily="18" charset="0"/>
+                <a:ea typeface="標楷體" panose="03000509000000000000" pitchFamily="65" charset="-120"/>
+              </a:rPr>
+              <a:t>。</a:t>
+            </a:r>
+            <a:endParaRPr lang="en-US" altLang="zh-TW" sz="2400" baseline="0" dirty="0">
+              <a:latin typeface="Times New Roman" panose="02020603050405020304" pitchFamily="18" charset="0"/>
+              <a:ea typeface="標楷體" panose="03000509000000000000" pitchFamily="65" charset="-120"/>
+            </a:endParaRPr>
+          </a:p>
+          <a:p>
+            <a:r>
+              <a:rPr lang="zh-TW" altLang="en-US" sz="2400" dirty="0">
+                <a:latin typeface="Times New Roman" panose="02020603050405020304" pitchFamily="18" charset="0"/>
+                <a:ea typeface="標楷體" panose="03000509000000000000" pitchFamily="65" charset="-120"/>
+              </a:rPr>
+              <a:t>奇數列的偶數單位</a:t>
+            </a:r>
+            <a:r>
+              <a:rPr lang="en-US" altLang="zh-TW" sz="2400" dirty="0" err="1">
+                <a:latin typeface="Times New Roman" panose="02020603050405020304" pitchFamily="18" charset="0"/>
+                <a:ea typeface="標楷體" panose="03000509000000000000" pitchFamily="65" charset="-120"/>
+                <a:cs typeface="Times New Roman" panose="02020603050405020304" pitchFamily="18" charset="0"/>
+              </a:rPr>
+              <a:t>even_wr</a:t>
+            </a:r>
+            <a:r>
+              <a:rPr lang="zh-TW" altLang="en-US" sz="2400" dirty="0">
+                <a:latin typeface="Times New Roman" panose="02020603050405020304" pitchFamily="18" charset="0"/>
+                <a:ea typeface="標楷體" panose="03000509000000000000" pitchFamily="65" charset="-120"/>
+                <a:cs typeface="Times New Roman" panose="02020603050405020304" pitchFamily="18" charset="0"/>
+              </a:rPr>
+              <a:t>設為</a:t>
+            </a:r>
+            <a:r>
+              <a:rPr lang="en-US" altLang="zh-TW" sz="2400" dirty="0">
+                <a:latin typeface="Times New Roman" panose="02020603050405020304" pitchFamily="18" charset="0"/>
+                <a:ea typeface="標楷體" panose="03000509000000000000" pitchFamily="65" charset="-120"/>
+                <a:cs typeface="Times New Roman" panose="02020603050405020304" pitchFamily="18" charset="0"/>
+              </a:rPr>
+              <a:t>1</a:t>
+            </a:r>
+            <a:r>
+              <a:rPr lang="zh-TW" altLang="en-US" sz="2400" dirty="0">
+                <a:latin typeface="Times New Roman" panose="02020603050405020304" pitchFamily="18" charset="0"/>
+                <a:ea typeface="標楷體" panose="03000509000000000000" pitchFamily="65" charset="-120"/>
+                <a:cs typeface="Times New Roman" panose="02020603050405020304" pitchFamily="18" charset="0"/>
+              </a:rPr>
+              <a:t> ，偶數單位則是</a:t>
+            </a:r>
+            <a:r>
+              <a:rPr lang="en-US" altLang="zh-TW" sz="2400" dirty="0" err="1">
+                <a:latin typeface="Times New Roman" panose="02020603050405020304" pitchFamily="18" charset="0"/>
+                <a:ea typeface="標楷體" panose="03000509000000000000" pitchFamily="65" charset="-120"/>
+                <a:cs typeface="Times New Roman" panose="02020603050405020304" pitchFamily="18" charset="0"/>
+              </a:rPr>
+              <a:t>odd_wr</a:t>
+            </a:r>
+            <a:r>
+              <a:rPr lang="zh-TW" altLang="en-US" sz="2400" dirty="0">
+                <a:latin typeface="Times New Roman" panose="02020603050405020304" pitchFamily="18" charset="0"/>
+                <a:ea typeface="標楷體" panose="03000509000000000000" pitchFamily="65" charset="-120"/>
+                <a:cs typeface="Times New Roman" panose="02020603050405020304" pitchFamily="18" charset="0"/>
+              </a:rPr>
+              <a:t>設為</a:t>
+            </a:r>
+            <a:r>
+              <a:rPr lang="en-US" altLang="zh-TW" sz="2400" dirty="0">
+                <a:latin typeface="Times New Roman" panose="02020603050405020304" pitchFamily="18" charset="0"/>
+                <a:ea typeface="標楷體" panose="03000509000000000000" pitchFamily="65" charset="-120"/>
+                <a:cs typeface="Times New Roman" panose="02020603050405020304" pitchFamily="18" charset="0"/>
+              </a:rPr>
+              <a:t>1</a:t>
+            </a:r>
+            <a:r>
+              <a:rPr lang="zh-TW" altLang="en-US" sz="2400" dirty="0">
+                <a:latin typeface="Times New Roman" panose="02020603050405020304" pitchFamily="18" charset="0"/>
+                <a:ea typeface="標楷體" panose="03000509000000000000" pitchFamily="65" charset="-120"/>
+                <a:cs typeface="Times New Roman" panose="02020603050405020304" pitchFamily="18" charset="0"/>
+              </a:rPr>
+              <a:t> </a:t>
+            </a:r>
+            <a:r>
+              <a:rPr lang="zh-TW" altLang="en-US" sz="2400" baseline="0" dirty="0">
+                <a:latin typeface="Times New Roman" panose="02020603050405020304" pitchFamily="18" charset="0"/>
+                <a:ea typeface="標楷體" panose="03000509000000000000" pitchFamily="65" charset="-120"/>
+              </a:rPr>
+              <a:t>。</a:t>
+            </a:r>
+            <a:endParaRPr lang="en-US" altLang="zh-TW" sz="2400" baseline="0" dirty="0">
+              <a:latin typeface="Times New Roman" panose="02020603050405020304" pitchFamily="18" charset="0"/>
+              <a:ea typeface="標楷體" panose="03000509000000000000" pitchFamily="65" charset="-120"/>
+            </a:endParaRPr>
+          </a:p>
         </p:txBody>
       </p:sp>
+      <p:graphicFrame>
+        <p:nvGraphicFramePr>
+          <p:cNvPr id="6" name="表格 9">
+            <a:extLst>
+              <a:ext uri="{FF2B5EF4-FFF2-40B4-BE49-F238E27FC236}">
+                <a16:creationId xmlns:a16="http://schemas.microsoft.com/office/drawing/2014/main" id="{2CED0B81-5C31-E6DE-BC1B-578ED39C8CC1}"/>
+              </a:ext>
+            </a:extLst>
+          </p:cNvPr>
+          <p:cNvGraphicFramePr>
+            <a:graphicFrameLocks noGrp="1"/>
+          </p:cNvGraphicFramePr>
+          <p:nvPr>
+            <p:extLst>
+              <p:ext uri="{D42A27DB-BD31-4B8C-83A1-F6EECF244321}">
+                <p14:modId xmlns:p14="http://schemas.microsoft.com/office/powerpoint/2010/main" val="1710298983"/>
+              </p:ext>
+            </p:extLst>
+          </p:nvPr>
+        </p:nvGraphicFramePr>
+        <p:xfrm>
+          <a:off x="1479240" y="2933286"/>
+          <a:ext cx="9874560" cy="3114040"/>
+        </p:xfrm>
+        <a:graphic>
+          <a:graphicData uri="http://schemas.openxmlformats.org/drawingml/2006/table">
+            <a:tbl>
+              <a:tblPr firstRow="1" bandRow="1">
+                <a:tableStyleId>{5940675A-B579-460E-94D1-54222C63F5DA}</a:tableStyleId>
+              </a:tblPr>
+              <a:tblGrid>
+                <a:gridCol w="2959223">
+                  <a:extLst>
+                    <a:ext uri="{9D8B030D-6E8A-4147-A177-3AD203B41FA5}">
+                      <a16:colId xmlns:a16="http://schemas.microsoft.com/office/drawing/2014/main" val="3062068515"/>
+                    </a:ext>
+                  </a:extLst>
+                </a:gridCol>
+                <a:gridCol w="1244503">
+                  <a:extLst>
+                    <a:ext uri="{9D8B030D-6E8A-4147-A177-3AD203B41FA5}">
+                      <a16:colId xmlns:a16="http://schemas.microsoft.com/office/drawing/2014/main" val="2365152458"/>
+                    </a:ext>
+                  </a:extLst>
+                </a:gridCol>
+                <a:gridCol w="5670834">
+                  <a:extLst>
+                    <a:ext uri="{9D8B030D-6E8A-4147-A177-3AD203B41FA5}">
+                      <a16:colId xmlns:a16="http://schemas.microsoft.com/office/drawing/2014/main" val="2173993281"/>
+                    </a:ext>
+                  </a:extLst>
+                </a:gridCol>
+              </a:tblGrid>
+              <a:tr h="370840">
+                <a:tc>
+                  <a:txBody>
+                    <a:bodyPr/>
+                    <a:lstStyle/>
+                    <a:p>
+                      <a:r>
+                        <a:rPr lang="zh-TW" altLang="en-US" dirty="0">
+                          <a:latin typeface="標楷體" panose="03000509000000000000" pitchFamily="65" charset="-120"/>
+                          <a:ea typeface="標楷體" panose="03000509000000000000" pitchFamily="65" charset="-120"/>
+                          <a:cs typeface="Times New Roman" panose="02020603050405020304" pitchFamily="18" charset="0"/>
+                        </a:rPr>
+                        <a:t>記數器</a:t>
+                      </a:r>
+                    </a:p>
+                  </a:txBody>
+                  <a:tcPr/>
+                </a:tc>
+                <a:tc>
+                  <a:txBody>
+                    <a:bodyPr/>
+                    <a:lstStyle/>
+                    <a:p>
+                      <a:r>
+                        <a:rPr lang="zh-TW" altLang="en-US" dirty="0">
+                          <a:latin typeface="標楷體" panose="03000509000000000000" pitchFamily="65" charset="-120"/>
+                          <a:ea typeface="標楷體" panose="03000509000000000000" pitchFamily="65" charset="-120"/>
+                          <a:cs typeface="Times New Roman" panose="02020603050405020304" pitchFamily="18" charset="0"/>
+                        </a:rPr>
+                        <a:t>位元寬度</a:t>
+                      </a:r>
+                    </a:p>
+                  </a:txBody>
+                  <a:tcPr/>
+                </a:tc>
+                <a:tc>
+                  <a:txBody>
+                    <a:bodyPr/>
+                    <a:lstStyle/>
+                    <a:p>
+                      <a:r>
+                        <a:rPr lang="zh-TW" altLang="en-US" dirty="0">
+                          <a:latin typeface="標楷體" panose="03000509000000000000" pitchFamily="65" charset="-120"/>
+                          <a:ea typeface="標楷體" panose="03000509000000000000" pitchFamily="65" charset="-120"/>
+                        </a:rPr>
+                        <a:t>說明</a:t>
+                      </a:r>
+                    </a:p>
+                  </a:txBody>
+                  <a:tcPr/>
+                </a:tc>
+                <a:extLst>
+                  <a:ext uri="{0D108BD9-81ED-4DB2-BD59-A6C34878D82A}">
+                    <a16:rowId xmlns:a16="http://schemas.microsoft.com/office/drawing/2014/main" val="3108179125"/>
+                  </a:ext>
+                </a:extLst>
+              </a:tr>
+              <a:tr h="370840">
+                <a:tc>
+                  <a:txBody>
+                    <a:bodyPr/>
+                    <a:lstStyle/>
+                    <a:p>
+                      <a:pPr>
+                        <a:lnSpc>
+                          <a:spcPct val="200000"/>
+                        </a:lnSpc>
+                      </a:pPr>
+                      <a:r>
+                        <a:rPr lang="en-US" altLang="zh-TW" dirty="0">
+                          <a:latin typeface="Times New Roman" panose="02020603050405020304" pitchFamily="18" charset="0"/>
+                          <a:cs typeface="Times New Roman" panose="02020603050405020304" pitchFamily="18" charset="0"/>
+                        </a:rPr>
+                        <a:t>mem counter</a:t>
+                      </a:r>
+                      <a:endParaRPr lang="zh-TW" altLang="en-US" dirty="0">
+                        <a:latin typeface="Times New Roman" panose="02020603050405020304" pitchFamily="18" charset="0"/>
+                        <a:cs typeface="Times New Roman" panose="02020603050405020304" pitchFamily="18" charset="0"/>
+                      </a:endParaRPr>
+                    </a:p>
+                  </a:txBody>
+                  <a:tcPr/>
+                </a:tc>
+                <a:tc>
+                  <a:txBody>
+                    <a:bodyPr/>
+                    <a:lstStyle/>
+                    <a:p>
+                      <a:pPr algn="ctr">
+                        <a:lnSpc>
+                          <a:spcPct val="200000"/>
+                        </a:lnSpc>
+                      </a:pPr>
+                      <a:r>
+                        <a:rPr lang="en-US" altLang="zh-TW" dirty="0">
+                          <a:latin typeface="Times New Roman" panose="02020603050405020304" pitchFamily="18" charset="0"/>
+                          <a:cs typeface="Times New Roman" panose="02020603050405020304" pitchFamily="18" charset="0"/>
+                        </a:rPr>
+                        <a:t>4</a:t>
+                      </a:r>
+                      <a:endParaRPr lang="zh-TW" altLang="en-US" dirty="0">
+                        <a:latin typeface="Times New Roman" panose="02020603050405020304" pitchFamily="18" charset="0"/>
+                        <a:cs typeface="Times New Roman" panose="02020603050405020304" pitchFamily="18" charset="0"/>
+                      </a:endParaRPr>
+                    </a:p>
+                  </a:txBody>
+                  <a:tcPr/>
+                </a:tc>
+                <a:tc>
+                  <a:txBody>
+                    <a:bodyPr/>
+                    <a:lstStyle/>
+                    <a:p>
+                      <a:r>
+                        <a:rPr lang="en-US" altLang="zh-TW" dirty="0" err="1">
+                          <a:latin typeface="Times New Roman" panose="02020603050405020304" pitchFamily="18" charset="0"/>
+                          <a:cs typeface="Times New Roman" panose="02020603050405020304" pitchFamily="18" charset="0"/>
+                        </a:rPr>
+                        <a:t>clk</a:t>
+                      </a:r>
+                      <a:r>
+                        <a:rPr lang="zh-TW" altLang="en-US" dirty="0">
+                          <a:latin typeface="標楷體" panose="03000509000000000000" pitchFamily="65" charset="-120"/>
+                          <a:ea typeface="標楷體" panose="03000509000000000000" pitchFamily="65" charset="-120"/>
+                        </a:rPr>
+                        <a:t>每正緣觸發一次此記數器便會加一</a:t>
+                      </a:r>
+                      <a:r>
+                        <a:rPr lang="zh-TW" altLang="en-US" sz="1800" dirty="0">
+                          <a:latin typeface="Times New Roman" panose="02020603050405020304" pitchFamily="18" charset="0"/>
+                          <a:ea typeface="標楷體" panose="03000509000000000000" pitchFamily="65" charset="-120"/>
+                          <a:cs typeface="Times New Roman" panose="02020603050405020304" pitchFamily="18" charset="0"/>
+                        </a:rPr>
+                        <a:t>，也作為奇、偶數單位判定，若數到</a:t>
+                      </a:r>
+                      <a:r>
+                        <a:rPr lang="en-US" altLang="zh-TW" sz="1800" dirty="0">
+                          <a:latin typeface="Times New Roman" panose="02020603050405020304" pitchFamily="18" charset="0"/>
+                          <a:ea typeface="標楷體" panose="03000509000000000000" pitchFamily="65" charset="-120"/>
+                          <a:cs typeface="Times New Roman" panose="02020603050405020304" pitchFamily="18" charset="0"/>
+                        </a:rPr>
+                        <a:t>7</a:t>
+                      </a:r>
+                      <a:r>
+                        <a:rPr lang="zh-TW" altLang="en-US" sz="1800" dirty="0">
+                          <a:latin typeface="Times New Roman" panose="02020603050405020304" pitchFamily="18" charset="0"/>
+                          <a:ea typeface="標楷體" panose="03000509000000000000" pitchFamily="65" charset="-120"/>
+                          <a:cs typeface="Times New Roman" panose="02020603050405020304" pitchFamily="18" charset="0"/>
+                        </a:rPr>
+                        <a:t>時為偶數單位數到</a:t>
+                      </a:r>
+                      <a:r>
+                        <a:rPr lang="en-US" altLang="zh-TW" sz="1800" dirty="0">
+                          <a:latin typeface="Times New Roman" panose="02020603050405020304" pitchFamily="18" charset="0"/>
+                          <a:ea typeface="標楷體" panose="03000509000000000000" pitchFamily="65" charset="-120"/>
+                          <a:cs typeface="Times New Roman" panose="02020603050405020304" pitchFamily="18" charset="0"/>
+                        </a:rPr>
+                        <a:t>15</a:t>
+                      </a:r>
+                      <a:r>
+                        <a:rPr lang="zh-TW" altLang="en-US" sz="1800" dirty="0">
+                          <a:latin typeface="Times New Roman" panose="02020603050405020304" pitchFamily="18" charset="0"/>
+                          <a:ea typeface="標楷體" panose="03000509000000000000" pitchFamily="65" charset="-120"/>
+                          <a:cs typeface="Times New Roman" panose="02020603050405020304" pitchFamily="18" charset="0"/>
+                        </a:rPr>
+                        <a:t>時則為奇數單位</a:t>
+                      </a:r>
+                      <a:r>
+                        <a:rPr lang="zh-TW" altLang="en-US" sz="1800" baseline="0" dirty="0">
+                          <a:latin typeface="Times New Roman" panose="02020603050405020304" pitchFamily="18" charset="0"/>
+                          <a:ea typeface="標楷體" panose="03000509000000000000" pitchFamily="65" charset="-120"/>
+                        </a:rPr>
+                        <a:t>。</a:t>
+                      </a:r>
+                      <a:endParaRPr lang="zh-TW" altLang="en-US" dirty="0">
+                        <a:latin typeface="標楷體" panose="03000509000000000000" pitchFamily="65" charset="-120"/>
+                        <a:ea typeface="標楷體" panose="03000509000000000000" pitchFamily="65" charset="-120"/>
+                      </a:endParaRPr>
+                    </a:p>
+                  </a:txBody>
+                  <a:tcPr/>
+                </a:tc>
+                <a:extLst>
+                  <a:ext uri="{0D108BD9-81ED-4DB2-BD59-A6C34878D82A}">
+                    <a16:rowId xmlns:a16="http://schemas.microsoft.com/office/drawing/2014/main" val="187096021"/>
+                  </a:ext>
+                </a:extLst>
+              </a:tr>
+              <a:tr h="370840">
+                <a:tc>
+                  <a:txBody>
+                    <a:bodyPr/>
+                    <a:lstStyle/>
+                    <a:p>
+                      <a:pPr>
+                        <a:lnSpc>
+                          <a:spcPct val="200000"/>
+                        </a:lnSpc>
+                      </a:pPr>
+                      <a:r>
+                        <a:rPr lang="en-US" altLang="zh-TW" dirty="0">
+                          <a:latin typeface="Times New Roman" panose="02020603050405020304" pitchFamily="18" charset="0"/>
+                          <a:cs typeface="Times New Roman" panose="02020603050405020304" pitchFamily="18" charset="0"/>
+                        </a:rPr>
+                        <a:t>mem address counter</a:t>
+                      </a:r>
+                      <a:endParaRPr lang="zh-TW" altLang="en-US" dirty="0">
+                        <a:latin typeface="Times New Roman" panose="02020603050405020304" pitchFamily="18" charset="0"/>
+                        <a:cs typeface="Times New Roman" panose="02020603050405020304" pitchFamily="18" charset="0"/>
+                      </a:endParaRPr>
+                    </a:p>
+                  </a:txBody>
+                  <a:tcPr/>
+                </a:tc>
+                <a:tc>
+                  <a:txBody>
+                    <a:bodyPr/>
+                    <a:lstStyle/>
+                    <a:p>
+                      <a:pPr algn="ctr">
+                        <a:lnSpc>
+                          <a:spcPct val="200000"/>
+                        </a:lnSpc>
+                      </a:pPr>
+                      <a:r>
+                        <a:rPr lang="en-US" altLang="zh-TW" dirty="0">
+                          <a:latin typeface="Times New Roman" panose="02020603050405020304" pitchFamily="18" charset="0"/>
+                          <a:cs typeface="Times New Roman" panose="02020603050405020304" pitchFamily="18" charset="0"/>
+                        </a:rPr>
+                        <a:t>8</a:t>
+                      </a:r>
+                      <a:endParaRPr lang="zh-TW" altLang="en-US" dirty="0">
+                        <a:latin typeface="Times New Roman" panose="02020603050405020304" pitchFamily="18" charset="0"/>
+                        <a:cs typeface="Times New Roman" panose="02020603050405020304" pitchFamily="18" charset="0"/>
+                      </a:endParaRPr>
+                    </a:p>
+                  </a:txBody>
+                  <a:tcPr/>
+                </a:tc>
+                <a:tc>
+                  <a:txBody>
+                    <a:bodyPr/>
+                    <a:lstStyle/>
+                    <a:p>
+                      <a:pPr marL="0" marR="0" lvl="0" indent="0" algn="l" defTabSz="914400" rtl="0" eaLnBrk="1" fontAlgn="auto" latinLnBrk="0" hangingPunct="1">
+                        <a:lnSpc>
+                          <a:spcPct val="100000"/>
+                        </a:lnSpc>
+                        <a:spcBef>
+                          <a:spcPts val="0"/>
+                        </a:spcBef>
+                        <a:spcAft>
+                          <a:spcPts val="0"/>
+                        </a:spcAft>
+                        <a:buClrTx/>
+                        <a:buSzTx/>
+                        <a:buFontTx/>
+                        <a:buNone/>
+                        <a:tabLst/>
+                        <a:defRPr/>
+                      </a:pPr>
+                      <a:r>
+                        <a:rPr lang="en-US" altLang="zh-TW" dirty="0">
+                          <a:latin typeface="Times New Roman" panose="02020603050405020304" pitchFamily="18" charset="0"/>
+                          <a:ea typeface="標楷體" panose="03000509000000000000" pitchFamily="65" charset="-120"/>
+                          <a:cs typeface="Times New Roman" panose="02020603050405020304" pitchFamily="18" charset="0"/>
+                        </a:rPr>
+                        <a:t>mem counter</a:t>
+                      </a:r>
+                      <a:r>
+                        <a:rPr lang="zh-TW" altLang="en-US" dirty="0">
+                          <a:latin typeface="標楷體" panose="03000509000000000000" pitchFamily="65" charset="-120"/>
+                          <a:ea typeface="標楷體" panose="03000509000000000000" pitchFamily="65" charset="-120"/>
+                          <a:cs typeface="Times New Roman" panose="02020603050405020304" pitchFamily="18" charset="0"/>
+                        </a:rPr>
+                        <a:t>每數到</a:t>
+                      </a:r>
+                      <a:r>
+                        <a:rPr lang="en-US" altLang="zh-TW" dirty="0">
+                          <a:latin typeface="Times New Roman" panose="02020603050405020304" pitchFamily="18" charset="0"/>
+                          <a:ea typeface="標楷體" panose="03000509000000000000" pitchFamily="65" charset="-120"/>
+                          <a:cs typeface="Times New Roman" panose="02020603050405020304" pitchFamily="18" charset="0"/>
+                        </a:rPr>
+                        <a:t>7</a:t>
+                      </a:r>
+                      <a:r>
+                        <a:rPr lang="zh-TW" altLang="en-US" dirty="0">
+                          <a:latin typeface="標楷體" panose="03000509000000000000" pitchFamily="65" charset="-120"/>
+                          <a:ea typeface="標楷體" panose="03000509000000000000" pitchFamily="65" charset="-120"/>
+                          <a:cs typeface="Times New Roman" panose="02020603050405020304" pitchFamily="18" charset="0"/>
+                        </a:rPr>
+                        <a:t>或</a:t>
+                      </a:r>
+                      <a:r>
+                        <a:rPr lang="en-US" altLang="zh-TW" dirty="0">
+                          <a:latin typeface="Times New Roman" panose="02020603050405020304" pitchFamily="18" charset="0"/>
+                          <a:ea typeface="標楷體" panose="03000509000000000000" pitchFamily="65" charset="-120"/>
+                          <a:cs typeface="Times New Roman" panose="02020603050405020304" pitchFamily="18" charset="0"/>
+                        </a:rPr>
+                        <a:t>15</a:t>
+                      </a:r>
+                      <a:r>
+                        <a:rPr lang="zh-TW" altLang="en-US" dirty="0">
+                          <a:latin typeface="標楷體" panose="03000509000000000000" pitchFamily="65" charset="-120"/>
+                          <a:ea typeface="標楷體" panose="03000509000000000000" pitchFamily="65" charset="-120"/>
+                          <a:cs typeface="Times New Roman" panose="02020603050405020304" pitchFamily="18" charset="0"/>
+                        </a:rPr>
+                        <a:t>時此記數器便會加一</a:t>
+                      </a:r>
+                      <a:r>
+                        <a:rPr lang="zh-TW" altLang="en-US" sz="1800" dirty="0">
+                          <a:latin typeface="Times New Roman" panose="02020603050405020304" pitchFamily="18" charset="0"/>
+                          <a:ea typeface="標楷體" panose="03000509000000000000" pitchFamily="65" charset="-120"/>
+                          <a:cs typeface="Times New Roman" panose="02020603050405020304" pitchFamily="18" charset="0"/>
+                        </a:rPr>
+                        <a:t>，</a:t>
+                      </a:r>
+                      <a:r>
+                        <a:rPr lang="zh-TW" altLang="en-US" sz="1800" dirty="0">
+                          <a:solidFill>
+                            <a:srgbClr val="FF0000"/>
+                          </a:solidFill>
+                          <a:latin typeface="Times New Roman" panose="02020603050405020304" pitchFamily="18" charset="0"/>
+                          <a:ea typeface="標楷體" panose="03000509000000000000" pitchFamily="65" charset="-120"/>
+                          <a:cs typeface="Times New Roman" panose="02020603050405020304" pitchFamily="18" charset="0"/>
+                        </a:rPr>
+                        <a:t>此記數器用來計算目前是第幾個單位</a:t>
+                      </a:r>
+                      <a:r>
+                        <a:rPr lang="zh-TW" altLang="en-US" sz="1800" dirty="0">
+                          <a:latin typeface="Times New Roman" panose="02020603050405020304" pitchFamily="18" charset="0"/>
+                          <a:ea typeface="標楷體" panose="03000509000000000000" pitchFamily="65" charset="-120"/>
+                          <a:cs typeface="Times New Roman" panose="02020603050405020304" pitchFamily="18" charset="0"/>
+                        </a:rPr>
+                        <a:t>，總共會從</a:t>
+                      </a:r>
+                      <a:r>
+                        <a:rPr lang="en-US" altLang="zh-TW" sz="1800" dirty="0">
+                          <a:latin typeface="Times New Roman" panose="02020603050405020304" pitchFamily="18" charset="0"/>
+                          <a:ea typeface="標楷體" panose="03000509000000000000" pitchFamily="65" charset="-120"/>
+                          <a:cs typeface="Times New Roman" panose="02020603050405020304" pitchFamily="18" charset="0"/>
+                        </a:rPr>
+                        <a:t>0</a:t>
+                      </a:r>
+                      <a:r>
+                        <a:rPr lang="zh-TW" altLang="en-US" sz="1800" dirty="0">
+                          <a:latin typeface="Times New Roman" panose="02020603050405020304" pitchFamily="18" charset="0"/>
+                          <a:ea typeface="標楷體" panose="03000509000000000000" pitchFamily="65" charset="-120"/>
+                          <a:cs typeface="Times New Roman" panose="02020603050405020304" pitchFamily="18" charset="0"/>
+                        </a:rPr>
+                        <a:t>數到</a:t>
+                      </a:r>
+                      <a:r>
+                        <a:rPr lang="en-US" altLang="zh-TW" sz="1800" dirty="0">
+                          <a:latin typeface="Times New Roman" panose="02020603050405020304" pitchFamily="18" charset="0"/>
+                          <a:ea typeface="標楷體" panose="03000509000000000000" pitchFamily="65" charset="-120"/>
+                          <a:cs typeface="Times New Roman" panose="02020603050405020304" pitchFamily="18" charset="0"/>
+                        </a:rPr>
+                        <a:t>255</a:t>
+                      </a:r>
+                      <a:r>
+                        <a:rPr lang="zh-TW" altLang="en-US" sz="1800" dirty="0">
+                          <a:latin typeface="Times New Roman" panose="02020603050405020304" pitchFamily="18" charset="0"/>
+                          <a:ea typeface="標楷體" panose="03000509000000000000" pitchFamily="65" charset="-120"/>
+                          <a:cs typeface="Times New Roman" panose="02020603050405020304" pitchFamily="18" charset="0"/>
+                        </a:rPr>
+                        <a:t>共</a:t>
+                      </a:r>
+                      <a:r>
+                        <a:rPr lang="en-US" altLang="zh-TW" sz="1800" dirty="0">
+                          <a:latin typeface="Times New Roman" panose="02020603050405020304" pitchFamily="18" charset="0"/>
+                          <a:ea typeface="標楷體" panose="03000509000000000000" pitchFamily="65" charset="-120"/>
+                          <a:cs typeface="Times New Roman" panose="02020603050405020304" pitchFamily="18" charset="0"/>
+                        </a:rPr>
+                        <a:t>256</a:t>
+                      </a:r>
+                      <a:r>
+                        <a:rPr lang="zh-TW" altLang="en-US" sz="1800" dirty="0">
+                          <a:latin typeface="Times New Roman" panose="02020603050405020304" pitchFamily="18" charset="0"/>
+                          <a:ea typeface="標楷體" panose="03000509000000000000" pitchFamily="65" charset="-120"/>
+                          <a:cs typeface="Times New Roman" panose="02020603050405020304" pitchFamily="18" charset="0"/>
+                        </a:rPr>
+                        <a:t>個單位</a:t>
+                      </a:r>
+                      <a:r>
+                        <a:rPr lang="zh-TW" altLang="en-US" sz="1800" baseline="0" dirty="0">
+                          <a:latin typeface="Times New Roman" panose="02020603050405020304" pitchFamily="18" charset="0"/>
+                          <a:ea typeface="標楷體" panose="03000509000000000000" pitchFamily="65" charset="-120"/>
+                        </a:rPr>
+                        <a:t>。</a:t>
+                      </a:r>
+                      <a:endParaRPr lang="zh-TW" altLang="en-US" dirty="0">
+                        <a:latin typeface="標楷體" panose="03000509000000000000" pitchFamily="65" charset="-120"/>
+                        <a:ea typeface="標楷體" panose="03000509000000000000" pitchFamily="65" charset="-120"/>
+                        <a:cs typeface="Times New Roman" panose="02020603050405020304" pitchFamily="18" charset="0"/>
+                      </a:endParaRPr>
+                    </a:p>
+                  </a:txBody>
+                  <a:tcPr/>
+                </a:tc>
+                <a:extLst>
+                  <a:ext uri="{0D108BD9-81ED-4DB2-BD59-A6C34878D82A}">
+                    <a16:rowId xmlns:a16="http://schemas.microsoft.com/office/drawing/2014/main" val="1955710321"/>
+                  </a:ext>
+                </a:extLst>
+              </a:tr>
+              <a:tr h="370840">
+                <a:tc>
+                  <a:txBody>
+                    <a:bodyPr/>
+                    <a:lstStyle/>
+                    <a:p>
+                      <a:pPr>
+                        <a:lnSpc>
+                          <a:spcPct val="200000"/>
+                        </a:lnSpc>
+                      </a:pPr>
+                      <a:r>
+                        <a:rPr lang="en-US" altLang="zh-TW" dirty="0">
+                          <a:latin typeface="Times New Roman" panose="02020603050405020304" pitchFamily="18" charset="0"/>
+                          <a:cs typeface="Times New Roman" panose="02020603050405020304" pitchFamily="18" charset="0"/>
+                        </a:rPr>
+                        <a:t>mem address counter 16</a:t>
+                      </a:r>
+                      <a:endParaRPr lang="zh-TW" altLang="en-US" dirty="0">
+                        <a:latin typeface="Times New Roman" panose="02020603050405020304" pitchFamily="18" charset="0"/>
+                        <a:cs typeface="Times New Roman" panose="02020603050405020304" pitchFamily="18" charset="0"/>
+                      </a:endParaRPr>
+                    </a:p>
+                  </a:txBody>
+                  <a:tcPr/>
+                </a:tc>
+                <a:tc>
+                  <a:txBody>
+                    <a:bodyPr/>
+                    <a:lstStyle/>
+                    <a:p>
+                      <a:pPr algn="ctr">
+                        <a:lnSpc>
+                          <a:spcPct val="200000"/>
+                        </a:lnSpc>
+                      </a:pPr>
+                      <a:r>
+                        <a:rPr lang="en-US" altLang="zh-TW" dirty="0">
+                          <a:latin typeface="Times New Roman" panose="02020603050405020304" pitchFamily="18" charset="0"/>
+                          <a:cs typeface="Times New Roman" panose="02020603050405020304" pitchFamily="18" charset="0"/>
+                        </a:rPr>
+                        <a:t>4</a:t>
+                      </a:r>
+                      <a:endParaRPr lang="zh-TW" altLang="en-US" dirty="0">
+                        <a:latin typeface="Times New Roman" panose="02020603050405020304" pitchFamily="18" charset="0"/>
+                        <a:cs typeface="Times New Roman" panose="02020603050405020304" pitchFamily="18" charset="0"/>
+                      </a:endParaRPr>
+                    </a:p>
+                  </a:txBody>
+                  <a:tcPr/>
+                </a:tc>
+                <a:tc>
+                  <a:txBody>
+                    <a:bodyPr/>
+                    <a:lstStyle/>
+                    <a:p>
+                      <a:pPr marL="0" marR="0" lvl="0" indent="0" algn="l" defTabSz="914400" rtl="0" eaLnBrk="1" fontAlgn="auto" latinLnBrk="0" hangingPunct="1">
+                        <a:lnSpc>
+                          <a:spcPct val="100000"/>
+                        </a:lnSpc>
+                        <a:spcBef>
+                          <a:spcPts val="0"/>
+                        </a:spcBef>
+                        <a:spcAft>
+                          <a:spcPts val="0"/>
+                        </a:spcAft>
+                        <a:buClrTx/>
+                        <a:buSzTx/>
+                        <a:buFontTx/>
+                        <a:buNone/>
+                        <a:tabLst/>
+                        <a:defRPr/>
+                      </a:pPr>
+                      <a:r>
+                        <a:rPr lang="en-US" altLang="zh-TW" dirty="0">
+                          <a:latin typeface="Times New Roman" panose="02020603050405020304" pitchFamily="18" charset="0"/>
+                          <a:ea typeface="標楷體" panose="03000509000000000000" pitchFamily="65" charset="-120"/>
+                          <a:cs typeface="Times New Roman" panose="02020603050405020304" pitchFamily="18" charset="0"/>
+                        </a:rPr>
+                        <a:t>mem counter</a:t>
+                      </a:r>
+                      <a:r>
+                        <a:rPr lang="zh-TW" altLang="en-US" dirty="0">
+                          <a:latin typeface="標楷體" panose="03000509000000000000" pitchFamily="65" charset="-120"/>
+                          <a:ea typeface="標楷體" panose="03000509000000000000" pitchFamily="65" charset="-120"/>
+                          <a:cs typeface="Times New Roman" panose="02020603050405020304" pitchFamily="18" charset="0"/>
+                        </a:rPr>
+                        <a:t>每數到</a:t>
+                      </a:r>
+                      <a:r>
+                        <a:rPr lang="en-US" altLang="zh-TW" dirty="0">
+                          <a:latin typeface="Times New Roman" panose="02020603050405020304" pitchFamily="18" charset="0"/>
+                          <a:ea typeface="標楷體" panose="03000509000000000000" pitchFamily="65" charset="-120"/>
+                          <a:cs typeface="Times New Roman" panose="02020603050405020304" pitchFamily="18" charset="0"/>
+                        </a:rPr>
+                        <a:t>7</a:t>
+                      </a:r>
+                      <a:r>
+                        <a:rPr lang="zh-TW" altLang="en-US" dirty="0">
+                          <a:latin typeface="標楷體" panose="03000509000000000000" pitchFamily="65" charset="-120"/>
+                          <a:ea typeface="標楷體" panose="03000509000000000000" pitchFamily="65" charset="-120"/>
+                          <a:cs typeface="Times New Roman" panose="02020603050405020304" pitchFamily="18" charset="0"/>
+                        </a:rPr>
+                        <a:t>或</a:t>
+                      </a:r>
+                      <a:r>
+                        <a:rPr lang="en-US" altLang="zh-TW" dirty="0">
+                          <a:latin typeface="Times New Roman" panose="02020603050405020304" pitchFamily="18" charset="0"/>
+                          <a:ea typeface="標楷體" panose="03000509000000000000" pitchFamily="65" charset="-120"/>
+                          <a:cs typeface="Times New Roman" panose="02020603050405020304" pitchFamily="18" charset="0"/>
+                        </a:rPr>
+                        <a:t>15</a:t>
+                      </a:r>
+                      <a:r>
+                        <a:rPr lang="zh-TW" altLang="en-US" dirty="0">
+                          <a:latin typeface="標楷體" panose="03000509000000000000" pitchFamily="65" charset="-120"/>
+                          <a:ea typeface="標楷體" panose="03000509000000000000" pitchFamily="65" charset="-120"/>
+                          <a:cs typeface="Times New Roman" panose="02020603050405020304" pitchFamily="18" charset="0"/>
+                        </a:rPr>
+                        <a:t>時此記數器便會加一</a:t>
+                      </a:r>
+                      <a:r>
+                        <a:rPr lang="zh-TW" altLang="en-US" sz="1800" dirty="0">
+                          <a:latin typeface="Times New Roman" panose="02020603050405020304" pitchFamily="18" charset="0"/>
+                          <a:ea typeface="標楷體" panose="03000509000000000000" pitchFamily="65" charset="-120"/>
+                          <a:cs typeface="Times New Roman" panose="02020603050405020304" pitchFamily="18" charset="0"/>
+                        </a:rPr>
+                        <a:t>，此記數器用來計算目前是奇數列還是偶數列，當記數器在</a:t>
+                      </a:r>
+                      <a:r>
+                        <a:rPr lang="en-US" altLang="zh-TW" sz="1800" dirty="0">
+                          <a:latin typeface="Times New Roman" panose="02020603050405020304" pitchFamily="18" charset="0"/>
+                          <a:ea typeface="標楷體" panose="03000509000000000000" pitchFamily="65" charset="-120"/>
+                          <a:cs typeface="Times New Roman" panose="02020603050405020304" pitchFamily="18" charset="0"/>
+                        </a:rPr>
+                        <a:t>0</a:t>
+                      </a:r>
+                      <a:r>
+                        <a:rPr lang="zh-TW" altLang="en-US" sz="1800" dirty="0">
+                          <a:latin typeface="Times New Roman" panose="02020603050405020304" pitchFamily="18" charset="0"/>
+                          <a:ea typeface="標楷體" panose="03000509000000000000" pitchFamily="65" charset="-120"/>
+                          <a:cs typeface="Times New Roman" panose="02020603050405020304" pitchFamily="18" charset="0"/>
+                        </a:rPr>
+                        <a:t>到</a:t>
+                      </a:r>
+                      <a:r>
+                        <a:rPr lang="en-US" altLang="zh-TW" sz="1800" dirty="0">
+                          <a:latin typeface="Times New Roman" panose="02020603050405020304" pitchFamily="18" charset="0"/>
+                          <a:ea typeface="標楷體" panose="03000509000000000000" pitchFamily="65" charset="-120"/>
+                          <a:cs typeface="Times New Roman" panose="02020603050405020304" pitchFamily="18" charset="0"/>
+                        </a:rPr>
+                        <a:t>7</a:t>
+                      </a:r>
+                      <a:r>
+                        <a:rPr lang="zh-TW" altLang="en-US" sz="1800" dirty="0">
+                          <a:latin typeface="Times New Roman" panose="02020603050405020304" pitchFamily="18" charset="0"/>
+                          <a:ea typeface="標楷體" panose="03000509000000000000" pitchFamily="65" charset="-120"/>
+                          <a:cs typeface="Times New Roman" panose="02020603050405020304" pitchFamily="18" charset="0"/>
+                        </a:rPr>
+                        <a:t>之間時表示為</a:t>
+                      </a:r>
+                      <a:r>
+                        <a:rPr lang="zh-TW" altLang="en-US" sz="1800" dirty="0">
+                          <a:solidFill>
+                            <a:srgbClr val="FF0000"/>
+                          </a:solidFill>
+                          <a:latin typeface="Times New Roman" panose="02020603050405020304" pitchFamily="18" charset="0"/>
+                          <a:ea typeface="標楷體" panose="03000509000000000000" pitchFamily="65" charset="-120"/>
+                          <a:cs typeface="Times New Roman" panose="02020603050405020304" pitchFamily="18" charset="0"/>
+                        </a:rPr>
+                        <a:t>偶數列</a:t>
+                      </a:r>
+                      <a:r>
+                        <a:rPr lang="zh-TW" altLang="en-US" sz="1800" dirty="0">
+                          <a:latin typeface="Times New Roman" panose="02020603050405020304" pitchFamily="18" charset="0"/>
+                          <a:ea typeface="標楷體" panose="03000509000000000000" pitchFamily="65" charset="-120"/>
+                          <a:cs typeface="Times New Roman" panose="02020603050405020304" pitchFamily="18" charset="0"/>
+                        </a:rPr>
+                        <a:t>，當記數器在</a:t>
+                      </a:r>
+                      <a:r>
+                        <a:rPr lang="en-US" altLang="zh-TW" sz="1800" dirty="0">
+                          <a:latin typeface="Times New Roman" panose="02020603050405020304" pitchFamily="18" charset="0"/>
+                          <a:ea typeface="標楷體" panose="03000509000000000000" pitchFamily="65" charset="-120"/>
+                          <a:cs typeface="Times New Roman" panose="02020603050405020304" pitchFamily="18" charset="0"/>
+                        </a:rPr>
+                        <a:t>8</a:t>
+                      </a:r>
+                      <a:r>
+                        <a:rPr lang="zh-TW" altLang="en-US" sz="1800" dirty="0">
+                          <a:latin typeface="Times New Roman" panose="02020603050405020304" pitchFamily="18" charset="0"/>
+                          <a:ea typeface="標楷體" panose="03000509000000000000" pitchFamily="65" charset="-120"/>
+                          <a:cs typeface="Times New Roman" panose="02020603050405020304" pitchFamily="18" charset="0"/>
+                        </a:rPr>
+                        <a:t>到</a:t>
+                      </a:r>
+                      <a:r>
+                        <a:rPr lang="en-US" altLang="zh-TW" sz="1800" dirty="0">
+                          <a:latin typeface="Times New Roman" panose="02020603050405020304" pitchFamily="18" charset="0"/>
+                          <a:ea typeface="標楷體" panose="03000509000000000000" pitchFamily="65" charset="-120"/>
+                          <a:cs typeface="Times New Roman" panose="02020603050405020304" pitchFamily="18" charset="0"/>
+                        </a:rPr>
+                        <a:t>15</a:t>
+                      </a:r>
+                      <a:r>
+                        <a:rPr lang="zh-TW" altLang="en-US" sz="1800" dirty="0">
+                          <a:latin typeface="Times New Roman" panose="02020603050405020304" pitchFamily="18" charset="0"/>
+                          <a:ea typeface="標楷體" panose="03000509000000000000" pitchFamily="65" charset="-120"/>
+                          <a:cs typeface="Times New Roman" panose="02020603050405020304" pitchFamily="18" charset="0"/>
+                        </a:rPr>
+                        <a:t>時則為</a:t>
+                      </a:r>
+                      <a:r>
+                        <a:rPr lang="zh-TW" altLang="en-US" sz="1800" dirty="0">
+                          <a:solidFill>
+                            <a:srgbClr val="FF0000"/>
+                          </a:solidFill>
+                          <a:latin typeface="Times New Roman" panose="02020603050405020304" pitchFamily="18" charset="0"/>
+                          <a:ea typeface="標楷體" panose="03000509000000000000" pitchFamily="65" charset="-120"/>
+                          <a:cs typeface="Times New Roman" panose="02020603050405020304" pitchFamily="18" charset="0"/>
+                        </a:rPr>
+                        <a:t>奇數列</a:t>
+                      </a:r>
+                      <a:r>
+                        <a:rPr lang="zh-TW" altLang="en-US" sz="1800" baseline="0" dirty="0">
+                          <a:latin typeface="Times New Roman" panose="02020603050405020304" pitchFamily="18" charset="0"/>
+                          <a:ea typeface="標楷體" panose="03000509000000000000" pitchFamily="65" charset="-120"/>
+                        </a:rPr>
+                        <a:t>。</a:t>
+                      </a:r>
+                      <a:endParaRPr lang="zh-TW" altLang="en-US" dirty="0">
+                        <a:latin typeface="標楷體" panose="03000509000000000000" pitchFamily="65" charset="-120"/>
+                        <a:ea typeface="標楷體" panose="03000509000000000000" pitchFamily="65" charset="-120"/>
+                        <a:cs typeface="Times New Roman" panose="02020603050405020304" pitchFamily="18" charset="0"/>
+                      </a:endParaRPr>
+                    </a:p>
+                  </a:txBody>
+                  <a:tcPr/>
+                </a:tc>
+                <a:extLst>
+                  <a:ext uri="{0D108BD9-81ED-4DB2-BD59-A6C34878D82A}">
+                    <a16:rowId xmlns:a16="http://schemas.microsoft.com/office/drawing/2014/main" val="4186064258"/>
+                  </a:ext>
+                </a:extLst>
+              </a:tr>
+            </a:tbl>
+          </a:graphicData>
+        </a:graphic>
+      </p:graphicFrame>
       <p:pic>
         <p:nvPicPr>
-          <p:cNvPr id="6" name="圖片 5">
+          <p:cNvPr id="11" name="圖片 10">
             <a:extLst>
               <a:ext uri="{FF2B5EF4-FFF2-40B4-BE49-F238E27FC236}">
-                <a16:creationId xmlns:a16="http://schemas.microsoft.com/office/drawing/2014/main" id="{6BD2DC6C-F22F-7A79-9FF5-657678E52670}"/>
+                <a16:creationId xmlns:a16="http://schemas.microsoft.com/office/drawing/2014/main" id="{BFBD623C-2EF2-E0CF-1252-1194230F3A78}"/>
               </a:ext>
             </a:extLst>
           </p:cNvPr>
@@ -4436,44 +5050,8 @@
         </p:blipFill>
         <p:spPr>
           <a:xfrm>
-            <a:off x="838200" y="2226811"/>
-            <a:ext cx="5197421" cy="3854393"/>
-          </a:xfrm>
-          <a:prstGeom prst="rect">
-            <a:avLst/>
-          </a:prstGeom>
-        </p:spPr>
-      </p:pic>
-      <p:pic>
-        <p:nvPicPr>
-          <p:cNvPr id="8" name="圖片 7">
-            <a:extLst>
-              <a:ext uri="{FF2B5EF4-FFF2-40B4-BE49-F238E27FC236}">
-                <a16:creationId xmlns:a16="http://schemas.microsoft.com/office/drawing/2014/main" id="{49095E43-A5C2-B452-9BFA-B2698A5179CE}"/>
-              </a:ext>
-            </a:extLst>
-          </p:cNvPr>
-          <p:cNvPicPr>
-            <a:picLocks noChangeAspect="1"/>
-          </p:cNvPicPr>
-          <p:nvPr/>
-        </p:nvPicPr>
-        <p:blipFill>
-          <a:blip r:embed="rId3">
-            <a:extLst>
-              <a:ext uri="{28A0092B-C50C-407E-A947-70E740481C1C}">
-                <a14:useLocalDpi xmlns:a14="http://schemas.microsoft.com/office/drawing/2010/main" val="0"/>
-              </a:ext>
-            </a:extLst>
-          </a:blip>
-          <a:stretch>
-            <a:fillRect/>
-          </a:stretch>
-        </p:blipFill>
-        <p:spPr>
-          <a:xfrm>
-            <a:off x="6156381" y="2226811"/>
-            <a:ext cx="5197419" cy="3854393"/>
+            <a:off x="6794191" y="608389"/>
+            <a:ext cx="4496190" cy="1120237"/>
           </a:xfrm>
           <a:prstGeom prst="rect">
             <a:avLst/>
@@ -4482,10 +5060,10 @@
       </p:pic>
       <p:sp>
         <p:nvSpPr>
-          <p:cNvPr id="9" name="文字方塊 8">
+          <p:cNvPr id="12" name="文字方塊 11">
             <a:extLst>
               <a:ext uri="{FF2B5EF4-FFF2-40B4-BE49-F238E27FC236}">
-                <a16:creationId xmlns:a16="http://schemas.microsoft.com/office/drawing/2014/main" id="{76FA40E8-C638-0F42-32F8-10F81714910D}"/>
+                <a16:creationId xmlns:a16="http://schemas.microsoft.com/office/drawing/2014/main" id="{29DFC778-E19B-A598-ADFC-67883B8110DD}"/>
               </a:ext>
             </a:extLst>
           </p:cNvPr>
@@ -4494,8 +5072,8 @@
         </p:nvSpPr>
         <p:spPr>
           <a:xfrm>
-            <a:off x="1296140" y="5921406"/>
-            <a:ext cx="3409025" cy="369332"/>
+            <a:off x="6276513" y="608389"/>
+            <a:ext cx="454259" cy="369332"/>
           </a:xfrm>
           <a:prstGeom prst="rect">
             <a:avLst/>
@@ -4509,28 +5087,21 @@
           <a:lstStyle/>
           <a:p>
             <a:r>
-              <a:rPr lang="en-US" altLang="zh-TW" dirty="0">
-                <a:latin typeface="Times New Roman" panose="02020603050405020304" pitchFamily="18" charset="0"/>
-                <a:cs typeface="Times New Roman" panose="02020603050405020304" pitchFamily="18" charset="0"/>
-              </a:rPr>
-              <a:t>OM</a:t>
-            </a:r>
-            <a:r>
               <a:rPr lang="zh-TW" altLang="en-US" dirty="0">
                 <a:latin typeface="標楷體" panose="03000509000000000000" pitchFamily="65" charset="-120"/>
                 <a:ea typeface="標楷體" panose="03000509000000000000" pitchFamily="65" charset="-120"/>
               </a:rPr>
-              <a:t>記憶體</a:t>
+              <a:t>偶</a:t>
             </a:r>
           </a:p>
         </p:txBody>
       </p:sp>
       <p:sp>
         <p:nvSpPr>
-          <p:cNvPr id="10" name="文字方塊 9">
+          <p:cNvPr id="15" name="文字方塊 14">
             <a:extLst>
               <a:ext uri="{FF2B5EF4-FFF2-40B4-BE49-F238E27FC236}">
-                <a16:creationId xmlns:a16="http://schemas.microsoft.com/office/drawing/2014/main" id="{714997E5-57C8-9F40-83A0-24788FE71995}"/>
+                <a16:creationId xmlns:a16="http://schemas.microsoft.com/office/drawing/2014/main" id="{C255A59A-66BB-D6F4-D5C5-D15DF1F12D16}"/>
               </a:ext>
             </a:extLst>
           </p:cNvPr>
@@ -4539,8 +5110,8 @@
         </p:nvSpPr>
         <p:spPr>
           <a:xfrm>
-            <a:off x="6493561" y="6039083"/>
-            <a:ext cx="3409025" cy="369332"/>
+            <a:off x="6276513" y="1178074"/>
+            <a:ext cx="454259" cy="369332"/>
           </a:xfrm>
           <a:prstGeom prst="rect">
             <a:avLst/>
@@ -4554,19 +5125,87 @@
           <a:lstStyle/>
           <a:p>
             <a:r>
-              <a:rPr lang="en-US" altLang="zh-TW" dirty="0">
-                <a:latin typeface="Times New Roman" panose="02020603050405020304" pitchFamily="18" charset="0"/>
-                <a:ea typeface="標楷體" panose="03000509000000000000" pitchFamily="65" charset="-120"/>
-                <a:cs typeface="Times New Roman" panose="02020603050405020304" pitchFamily="18" charset="0"/>
-              </a:rPr>
-              <a:t>EM</a:t>
-            </a:r>
-            <a:r>
               <a:rPr lang="zh-TW" altLang="en-US" dirty="0">
                 <a:latin typeface="標楷體" panose="03000509000000000000" pitchFamily="65" charset="-120"/>
                 <a:ea typeface="標楷體" panose="03000509000000000000" pitchFamily="65" charset="-120"/>
               </a:rPr>
-              <a:t>記憶體</a:t>
+              <a:t>奇</a:t>
+            </a:r>
+          </a:p>
+        </p:txBody>
+      </p:sp>
+      <p:sp>
+        <p:nvSpPr>
+          <p:cNvPr id="16" name="文字方塊 15">
+            <a:extLst>
+              <a:ext uri="{FF2B5EF4-FFF2-40B4-BE49-F238E27FC236}">
+                <a16:creationId xmlns:a16="http://schemas.microsoft.com/office/drawing/2014/main" id="{A3CD2EF7-E8D0-C037-9A31-80CA5ED57067}"/>
+              </a:ext>
+            </a:extLst>
+          </p:cNvPr>
+          <p:cNvSpPr txBox="1"/>
+          <p:nvPr/>
+        </p:nvSpPr>
+        <p:spPr>
+          <a:xfrm>
+            <a:off x="6814720" y="234726"/>
+            <a:ext cx="454259" cy="369332"/>
+          </a:xfrm>
+          <a:prstGeom prst="rect">
+            <a:avLst/>
+          </a:prstGeom>
+          <a:noFill/>
+        </p:spPr>
+        <p:txBody>
+          <a:bodyPr wrap="square" rtlCol="0">
+            <a:spAutoFit/>
+          </a:bodyPr>
+          <a:lstStyle/>
+          <a:p>
+            <a:r>
+              <a:rPr lang="zh-TW" altLang="en-US" dirty="0">
+                <a:latin typeface="標楷體" panose="03000509000000000000" pitchFamily="65" charset="-120"/>
+                <a:ea typeface="標楷體" panose="03000509000000000000" pitchFamily="65" charset="-120"/>
+              </a:rPr>
+              <a:t>偶</a:t>
+            </a:r>
+          </a:p>
+        </p:txBody>
+      </p:sp>
+      <p:sp>
+        <p:nvSpPr>
+          <p:cNvPr id="17" name="文字方塊 16">
+            <a:extLst>
+              <a:ext uri="{FF2B5EF4-FFF2-40B4-BE49-F238E27FC236}">
+                <a16:creationId xmlns:a16="http://schemas.microsoft.com/office/drawing/2014/main" id="{17967445-B98E-DF87-4FFF-122FADC3562D}"/>
+              </a:ext>
+            </a:extLst>
+          </p:cNvPr>
+          <p:cNvSpPr txBox="1"/>
+          <p:nvPr/>
+        </p:nvSpPr>
+        <p:spPr>
+          <a:xfrm>
+            <a:off x="7406938" y="229595"/>
+            <a:ext cx="454259" cy="369332"/>
+          </a:xfrm>
+          <a:prstGeom prst="rect">
+            <a:avLst/>
+          </a:prstGeom>
+          <a:noFill/>
+        </p:spPr>
+        <p:txBody>
+          <a:bodyPr wrap="square" rtlCol="0">
+            <a:spAutoFit/>
+          </a:bodyPr>
+          <a:lstStyle/>
+          <a:p>
+            <a:r>
+              <a:rPr lang="zh-TW" altLang="en-US" dirty="0">
+                <a:latin typeface="標楷體" panose="03000509000000000000" pitchFamily="65" charset="-120"/>
+                <a:ea typeface="標楷體" panose="03000509000000000000" pitchFamily="65" charset="-120"/>
+              </a:rPr>
+              <a:t>奇</a:t>
             </a:r>
           </a:p>
         </p:txBody>
@@ -4574,7 +5213,7 @@
     </p:spTree>
     <p:extLst>
       <p:ext uri="{BB962C8B-B14F-4D97-AF65-F5344CB8AC3E}">
-        <p14:creationId xmlns:p14="http://schemas.microsoft.com/office/powerpoint/2010/main" val="1476720424"/>
+        <p14:creationId xmlns:p14="http://schemas.microsoft.com/office/powerpoint/2010/main" val="1714438577"/>
       </p:ext>
     </p:extLst>
   </p:cSld>
@@ -4603,10 +5242,61 @@
       </p:grpSpPr>
       <p:sp>
         <p:nvSpPr>
+          <p:cNvPr id="2" name="標題 1">
+            <a:extLst>
+              <a:ext uri="{FF2B5EF4-FFF2-40B4-BE49-F238E27FC236}">
+                <a16:creationId xmlns:a16="http://schemas.microsoft.com/office/drawing/2014/main" id="{D6829631-1A27-23C0-BDD8-B2EBCC5435B8}"/>
+              </a:ext>
+            </a:extLst>
+          </p:cNvPr>
+          <p:cNvSpPr>
+            <a:spLocks noGrp="1"/>
+          </p:cNvSpPr>
+          <p:nvPr>
+            <p:ph type="title"/>
+          </p:nvPr>
+        </p:nvSpPr>
+        <p:spPr>
+          <a:xfrm>
+            <a:off x="838200" y="213399"/>
+            <a:ext cx="3467470" cy="513763"/>
+          </a:xfrm>
+        </p:spPr>
+        <p:txBody>
+          <a:bodyPr>
+            <a:normAutofit fontScale="90000"/>
+          </a:bodyPr>
+          <a:lstStyle/>
+          <a:p>
+            <a:r>
+              <a:rPr lang="en-US" altLang="zh-TW" sz="3200" dirty="0">
+                <a:latin typeface="Times New Roman" panose="02020603050405020304" pitchFamily="18" charset="0"/>
+                <a:ea typeface="標楷體" panose="03000509000000000000" pitchFamily="65" charset="-120"/>
+                <a:cs typeface="Times New Roman" panose="02020603050405020304" pitchFamily="18" charset="0"/>
+              </a:rPr>
+              <a:t>DAC</a:t>
+            </a:r>
+            <a:r>
+              <a:rPr lang="zh-TW" altLang="en-US" sz="3200" dirty="0">
+                <a:latin typeface="Times New Roman" panose="02020603050405020304" pitchFamily="18" charset="0"/>
+                <a:ea typeface="標楷體" panose="03000509000000000000" pitchFamily="65" charset="-120"/>
+                <a:cs typeface="Times New Roman" panose="02020603050405020304" pitchFamily="18" charset="0"/>
+              </a:rPr>
+              <a:t>電路設計方法</a:t>
+            </a:r>
+            <a:endParaRPr lang="zh-TW" altLang="en-US" sz="3200" dirty="0">
+              <a:latin typeface="Times New Roman" panose="02020603050405020304" pitchFamily="18" charset="0"/>
+              <a:cs typeface="Times New Roman" panose="02020603050405020304" pitchFamily="18" charset="0"/>
+            </a:endParaRPr>
+          </a:p>
+        </p:txBody>
+      </p:sp>
+      <p:sp>
+        <p:nvSpPr>
           <p:cNvPr id="3" name="內容版面配置區 2">
             <a:extLst>
               <a:ext uri="{FF2B5EF4-FFF2-40B4-BE49-F238E27FC236}">
-                <a16:creationId xmlns:a16="http://schemas.microsoft.com/office/drawing/2014/main" id="{5DA835CD-DB32-0098-AA29-D56FCC416481}"/>
+                <a16:creationId xmlns:a16="http://schemas.microsoft.com/office/drawing/2014/main" id="{494286DB-3494-E083-7F2E-2EFE8CBC3D90}"/>
               </a:ext>
             </a:extLst>
           </p:cNvPr>
@@ -4619,8 +5309,8 @@
         </p:nvSpPr>
         <p:spPr>
           <a:xfrm>
-            <a:off x="838200" y="422952"/>
-            <a:ext cx="10515600" cy="873187"/>
+            <a:off x="838200" y="883717"/>
+            <a:ext cx="10515600" cy="569581"/>
           </a:xfrm>
         </p:spPr>
         <p:txBody>
@@ -4628,12 +5318,20 @@
           <a:lstStyle/>
           <a:p>
             <a:r>
+              <a:rPr lang="en-US" altLang="zh-TW" dirty="0" err="1">
+                <a:latin typeface="Times New Roman" panose="02020603050405020304" pitchFamily="18" charset="0"/>
+                <a:ea typeface="標楷體" panose="03000509000000000000" pitchFamily="65" charset="-120"/>
+                <a:cs typeface="Times New Roman" panose="02020603050405020304" pitchFamily="18" charset="0"/>
+              </a:rPr>
+              <a:t>oem_addr</a:t>
+            </a:r>
+            <a:r>
               <a:rPr lang="en-US" altLang="zh-TW" dirty="0">
                 <a:latin typeface="Times New Roman" panose="02020603050405020304" pitchFamily="18" charset="0"/>
                 <a:ea typeface="標楷體" panose="03000509000000000000" pitchFamily="65" charset="-120"/>
                 <a:cs typeface="Times New Roman" panose="02020603050405020304" pitchFamily="18" charset="0"/>
               </a:rPr>
-              <a:t>STI</a:t>
+              <a:t>(</a:t>
             </a:r>
             <a:r>
               <a:rPr lang="zh-TW" altLang="en-US" dirty="0">
@@ -4641,46 +5339,450 @@
                 <a:ea typeface="標楷體" panose="03000509000000000000" pitchFamily="65" charset="-120"/>
                 <a:cs typeface="Times New Roman" panose="02020603050405020304" pitchFamily="18" charset="0"/>
               </a:rPr>
-              <a:t>流程圖</a:t>
-            </a:r>
+              <a:t>記憶體位址</a:t>
+            </a:r>
+            <a:r>
+              <a:rPr lang="en-US" altLang="zh-TW" dirty="0">
+                <a:latin typeface="Times New Roman" panose="02020603050405020304" pitchFamily="18" charset="0"/>
+                <a:ea typeface="標楷體" panose="03000509000000000000" pitchFamily="65" charset="-120"/>
+                <a:cs typeface="Times New Roman" panose="02020603050405020304" pitchFamily="18" charset="0"/>
+              </a:rPr>
+              <a:t>)</a:t>
+            </a:r>
+            <a:r>
+              <a:rPr lang="zh-TW" altLang="en-US" dirty="0">
+                <a:latin typeface="Times New Roman" panose="02020603050405020304" pitchFamily="18" charset="0"/>
+                <a:ea typeface="標楷體" panose="03000509000000000000" pitchFamily="65" charset="-120"/>
+                <a:cs typeface="Times New Roman" panose="02020603050405020304" pitchFamily="18" charset="0"/>
+              </a:rPr>
+              <a:t>設計方式</a:t>
+            </a:r>
+            <a:endParaRPr lang="zh-TW" altLang="en-US" dirty="0"/>
           </a:p>
         </p:txBody>
       </p:sp>
       <p:sp>
         <p:nvSpPr>
-          <p:cNvPr id="4" name="投影片編號版面配置區 3">
+          <p:cNvPr id="4" name="文字方塊 3">
             <a:extLst>
               <a:ext uri="{FF2B5EF4-FFF2-40B4-BE49-F238E27FC236}">
-                <a16:creationId xmlns:a16="http://schemas.microsoft.com/office/drawing/2014/main" id="{EF50F385-7658-5B4D-1F04-B7A148FE9194}"/>
+                <a16:creationId xmlns:a16="http://schemas.microsoft.com/office/drawing/2014/main" id="{3C84F69D-E82B-B9B5-46A4-545C9B528E58}"/>
               </a:ext>
             </a:extLst>
           </p:cNvPr>
-          <p:cNvSpPr>
-            <a:spLocks noGrp="1"/>
-          </p:cNvSpPr>
-          <p:nvPr>
-            <p:ph type="sldNum" sz="quarter" idx="12"/>
-          </p:nvPr>
+          <p:cNvSpPr txBox="1"/>
+          <p:nvPr/>
         </p:nvSpPr>
-        <p:spPr/>
+        <p:spPr>
+          <a:xfrm>
+            <a:off x="1479240" y="1453298"/>
+            <a:ext cx="10629902" cy="461665"/>
+          </a:xfrm>
+          <a:prstGeom prst="rect">
+            <a:avLst/>
+          </a:prstGeom>
+          <a:noFill/>
+        </p:spPr>
         <p:txBody>
-          <a:bodyPr/>
+          <a:bodyPr wrap="square" rtlCol="0">
+            <a:spAutoFit/>
+          </a:bodyPr>
           <a:lstStyle/>
           <a:p>
-            <a:fld id="{7D3C2007-09EB-4B8E-B7A7-F48258516163}" type="slidenum">
-              <a:rPr lang="zh-TW" altLang="en-US" smtClean="0"/>
-              <a:t>11</a:t>
-            </a:fld>
-            <a:endParaRPr lang="zh-TW" altLang="en-US"/>
+            <a:r>
+              <a:rPr lang="zh-TW" altLang="en-US" sz="2400" dirty="0">
+                <a:latin typeface="Times New Roman" panose="02020603050405020304" pitchFamily="18" charset="0"/>
+                <a:ea typeface="標楷體" panose="03000509000000000000" pitchFamily="65" charset="-120"/>
+                <a:cs typeface="Times New Roman" panose="02020603050405020304" pitchFamily="18" charset="0"/>
+              </a:rPr>
+              <a:t>透過</a:t>
+            </a:r>
+            <a:r>
+              <a:rPr lang="en-US" altLang="zh-TW" sz="2400" dirty="0">
+                <a:latin typeface="Times New Roman" panose="02020603050405020304" pitchFamily="18" charset="0"/>
+                <a:cs typeface="Times New Roman" panose="02020603050405020304" pitchFamily="18" charset="0"/>
+              </a:rPr>
+              <a:t>mem counter</a:t>
+            </a:r>
+            <a:r>
+              <a:rPr lang="zh-TW" altLang="en-US" sz="2400" dirty="0">
+                <a:latin typeface="Times New Roman" panose="02020603050405020304" pitchFamily="18" charset="0"/>
+                <a:ea typeface="標楷體" panose="03000509000000000000" pitchFamily="65" charset="-120"/>
+                <a:cs typeface="Times New Roman" panose="02020603050405020304" pitchFamily="18" charset="0"/>
+              </a:rPr>
+              <a:t>記數器和</a:t>
+            </a:r>
+            <a:r>
+              <a:rPr lang="en-US" altLang="zh-TW" sz="2400" dirty="0" err="1">
+                <a:latin typeface="Times New Roman" panose="02020603050405020304" pitchFamily="18" charset="0"/>
+                <a:ea typeface="標楷體" panose="03000509000000000000" pitchFamily="65" charset="-120"/>
+                <a:cs typeface="Times New Roman" panose="02020603050405020304" pitchFamily="18" charset="0"/>
+              </a:rPr>
+              <a:t>delay_counter</a:t>
+            </a:r>
+            <a:r>
+              <a:rPr lang="zh-TW" altLang="en-US" sz="2400" dirty="0">
+                <a:latin typeface="Times New Roman" panose="02020603050405020304" pitchFamily="18" charset="0"/>
+                <a:ea typeface="標楷體" panose="03000509000000000000" pitchFamily="65" charset="-120"/>
+                <a:cs typeface="Times New Roman" panose="02020603050405020304" pitchFamily="18" charset="0"/>
+              </a:rPr>
+              <a:t>記數器來設計</a:t>
+            </a:r>
+            <a:r>
+              <a:rPr lang="zh-TW" altLang="en-US" sz="2400" baseline="0" dirty="0">
+                <a:latin typeface="Times New Roman" panose="02020603050405020304" pitchFamily="18" charset="0"/>
+                <a:ea typeface="標楷體" panose="03000509000000000000" pitchFamily="65" charset="-120"/>
+              </a:rPr>
+              <a:t>。</a:t>
+            </a:r>
+            <a:endParaRPr lang="en-US" altLang="zh-TW" sz="2400" baseline="0" dirty="0">
+              <a:latin typeface="Times New Roman" panose="02020603050405020304" pitchFamily="18" charset="0"/>
+              <a:ea typeface="標楷體" panose="03000509000000000000" pitchFamily="65" charset="-120"/>
+            </a:endParaRPr>
           </a:p>
         </p:txBody>
       </p:sp>
+      <p:graphicFrame>
+        <p:nvGraphicFramePr>
+          <p:cNvPr id="6" name="表格 9">
+            <a:extLst>
+              <a:ext uri="{FF2B5EF4-FFF2-40B4-BE49-F238E27FC236}">
+                <a16:creationId xmlns:a16="http://schemas.microsoft.com/office/drawing/2014/main" id="{2CED0B81-5C31-E6DE-BC1B-578ED39C8CC1}"/>
+              </a:ext>
+            </a:extLst>
+          </p:cNvPr>
+          <p:cNvGraphicFramePr>
+            <a:graphicFrameLocks noGrp="1"/>
+          </p:cNvGraphicFramePr>
+          <p:nvPr>
+            <p:extLst>
+              <p:ext uri="{D42A27DB-BD31-4B8C-83A1-F6EECF244321}">
+                <p14:modId xmlns:p14="http://schemas.microsoft.com/office/powerpoint/2010/main" val="1500340934"/>
+              </p:ext>
+            </p:extLst>
+          </p:nvPr>
+        </p:nvGraphicFramePr>
+        <p:xfrm>
+          <a:off x="1479240" y="2143760"/>
+          <a:ext cx="9874560" cy="1285240"/>
+        </p:xfrm>
+        <a:graphic>
+          <a:graphicData uri="http://schemas.openxmlformats.org/drawingml/2006/table">
+            <a:tbl>
+              <a:tblPr firstRow="1" bandRow="1">
+                <a:tableStyleId>{5940675A-B579-460E-94D1-54222C63F5DA}</a:tableStyleId>
+              </a:tblPr>
+              <a:tblGrid>
+                <a:gridCol w="2959223">
+                  <a:extLst>
+                    <a:ext uri="{9D8B030D-6E8A-4147-A177-3AD203B41FA5}">
+                      <a16:colId xmlns:a16="http://schemas.microsoft.com/office/drawing/2014/main" val="3062068515"/>
+                    </a:ext>
+                  </a:extLst>
+                </a:gridCol>
+                <a:gridCol w="1244503">
+                  <a:extLst>
+                    <a:ext uri="{9D8B030D-6E8A-4147-A177-3AD203B41FA5}">
+                      <a16:colId xmlns:a16="http://schemas.microsoft.com/office/drawing/2014/main" val="2365152458"/>
+                    </a:ext>
+                  </a:extLst>
+                </a:gridCol>
+                <a:gridCol w="5670834">
+                  <a:extLst>
+                    <a:ext uri="{9D8B030D-6E8A-4147-A177-3AD203B41FA5}">
+                      <a16:colId xmlns:a16="http://schemas.microsoft.com/office/drawing/2014/main" val="2173993281"/>
+                    </a:ext>
+                  </a:extLst>
+                </a:gridCol>
+              </a:tblGrid>
+              <a:tr h="370840">
+                <a:tc>
+                  <a:txBody>
+                    <a:bodyPr/>
+                    <a:lstStyle/>
+                    <a:p>
+                      <a:r>
+                        <a:rPr lang="zh-TW" altLang="en-US" dirty="0">
+                          <a:latin typeface="標楷體" panose="03000509000000000000" pitchFamily="65" charset="-120"/>
+                          <a:ea typeface="標楷體" panose="03000509000000000000" pitchFamily="65" charset="-120"/>
+                          <a:cs typeface="Times New Roman" panose="02020603050405020304" pitchFamily="18" charset="0"/>
+                        </a:rPr>
+                        <a:t>輸出訊號</a:t>
+                      </a:r>
+                    </a:p>
+                  </a:txBody>
+                  <a:tcPr/>
+                </a:tc>
+                <a:tc>
+                  <a:txBody>
+                    <a:bodyPr/>
+                    <a:lstStyle/>
+                    <a:p>
+                      <a:r>
+                        <a:rPr lang="zh-TW" altLang="en-US" dirty="0">
+                          <a:latin typeface="標楷體" panose="03000509000000000000" pitchFamily="65" charset="-120"/>
+                          <a:ea typeface="標楷體" panose="03000509000000000000" pitchFamily="65" charset="-120"/>
+                          <a:cs typeface="Times New Roman" panose="02020603050405020304" pitchFamily="18" charset="0"/>
+                        </a:rPr>
+                        <a:t>位元寬度</a:t>
+                      </a:r>
+                    </a:p>
+                  </a:txBody>
+                  <a:tcPr/>
+                </a:tc>
+                <a:tc>
+                  <a:txBody>
+                    <a:bodyPr/>
+                    <a:lstStyle/>
+                    <a:p>
+                      <a:r>
+                        <a:rPr lang="zh-TW" altLang="en-US" dirty="0">
+                          <a:latin typeface="標楷體" panose="03000509000000000000" pitchFamily="65" charset="-120"/>
+                          <a:ea typeface="標楷體" panose="03000509000000000000" pitchFamily="65" charset="-120"/>
+                        </a:rPr>
+                        <a:t>說明</a:t>
+                      </a:r>
+                    </a:p>
+                  </a:txBody>
+                  <a:tcPr/>
+                </a:tc>
+                <a:extLst>
+                  <a:ext uri="{0D108BD9-81ED-4DB2-BD59-A6C34878D82A}">
+                    <a16:rowId xmlns:a16="http://schemas.microsoft.com/office/drawing/2014/main" val="3108179125"/>
+                  </a:ext>
+                </a:extLst>
+              </a:tr>
+              <a:tr h="370840">
+                <a:tc>
+                  <a:txBody>
+                    <a:bodyPr/>
+                    <a:lstStyle/>
+                    <a:p>
+                      <a:pPr>
+                        <a:lnSpc>
+                          <a:spcPct val="200000"/>
+                        </a:lnSpc>
+                      </a:pPr>
+                      <a:r>
+                        <a:rPr lang="en-US" altLang="zh-TW" sz="1800" dirty="0" err="1">
+                          <a:latin typeface="Times New Roman" panose="02020603050405020304" pitchFamily="18" charset="0"/>
+                          <a:ea typeface="標楷體" panose="03000509000000000000" pitchFamily="65" charset="-120"/>
+                          <a:cs typeface="Times New Roman" panose="02020603050405020304" pitchFamily="18" charset="0"/>
+                        </a:rPr>
+                        <a:t>delay_counter</a:t>
+                      </a:r>
+                      <a:endParaRPr lang="zh-TW" altLang="en-US" dirty="0">
+                        <a:latin typeface="Times New Roman" panose="02020603050405020304" pitchFamily="18" charset="0"/>
+                        <a:cs typeface="Times New Roman" panose="02020603050405020304" pitchFamily="18" charset="0"/>
+                      </a:endParaRPr>
+                    </a:p>
+                  </a:txBody>
+                  <a:tcPr/>
+                </a:tc>
+                <a:tc>
+                  <a:txBody>
+                    <a:bodyPr/>
+                    <a:lstStyle/>
+                    <a:p>
+                      <a:pPr algn="ctr">
+                        <a:lnSpc>
+                          <a:spcPct val="200000"/>
+                        </a:lnSpc>
+                      </a:pPr>
+                      <a:r>
+                        <a:rPr lang="en-US" altLang="zh-TW" dirty="0">
+                          <a:latin typeface="Times New Roman" panose="02020603050405020304" pitchFamily="18" charset="0"/>
+                          <a:cs typeface="Times New Roman" panose="02020603050405020304" pitchFamily="18" charset="0"/>
+                        </a:rPr>
+                        <a:t>5</a:t>
+                      </a:r>
+                      <a:endParaRPr lang="zh-TW" altLang="en-US" dirty="0">
+                        <a:latin typeface="Times New Roman" panose="02020603050405020304" pitchFamily="18" charset="0"/>
+                        <a:cs typeface="Times New Roman" panose="02020603050405020304" pitchFamily="18" charset="0"/>
+                      </a:endParaRPr>
+                    </a:p>
+                  </a:txBody>
+                  <a:tcPr/>
+                </a:tc>
+                <a:tc>
+                  <a:txBody>
+                    <a:bodyPr/>
+                    <a:lstStyle/>
+                    <a:p>
+                      <a:r>
+                        <a:rPr lang="en-US" altLang="zh-TW" sz="1800" dirty="0">
+                          <a:latin typeface="Times New Roman" panose="02020603050405020304" pitchFamily="18" charset="0"/>
+                          <a:cs typeface="Times New Roman" panose="02020603050405020304" pitchFamily="18" charset="0"/>
+                        </a:rPr>
+                        <a:t>mem counter</a:t>
+                      </a:r>
+                      <a:r>
+                        <a:rPr lang="zh-TW" altLang="en-US" sz="1800" dirty="0">
+                          <a:latin typeface="標楷體" panose="03000509000000000000" pitchFamily="65" charset="-120"/>
+                          <a:ea typeface="標楷體" panose="03000509000000000000" pitchFamily="65" charset="-120"/>
+                          <a:cs typeface="Times New Roman" panose="02020603050405020304" pitchFamily="18" charset="0"/>
+                        </a:rPr>
+                        <a:t>數到</a:t>
+                      </a:r>
+                      <a:r>
+                        <a:rPr lang="en-US" altLang="zh-TW" sz="1800" dirty="0">
+                          <a:latin typeface="Times New Roman" panose="02020603050405020304" pitchFamily="18" charset="0"/>
+                          <a:cs typeface="Times New Roman" panose="02020603050405020304" pitchFamily="18" charset="0"/>
+                        </a:rPr>
+                        <a:t>15</a:t>
+                      </a:r>
+                      <a:r>
+                        <a:rPr lang="zh-TW" altLang="en-US" sz="1800" dirty="0">
+                          <a:latin typeface="標楷體" panose="03000509000000000000" pitchFamily="65" charset="-120"/>
+                          <a:ea typeface="標楷體" panose="03000509000000000000" pitchFamily="65" charset="-120"/>
+                          <a:cs typeface="Times New Roman" panose="02020603050405020304" pitchFamily="18" charset="0"/>
+                        </a:rPr>
+                        <a:t>時此記數器便會加</a:t>
+                      </a:r>
+                      <a:r>
+                        <a:rPr lang="en-US" altLang="zh-TW" sz="1800" dirty="0">
+                          <a:latin typeface="Times New Roman" panose="02020603050405020304" pitchFamily="18" charset="0"/>
+                          <a:cs typeface="Times New Roman" panose="02020603050405020304" pitchFamily="18" charset="0"/>
+                        </a:rPr>
+                        <a:t>1</a:t>
+                      </a:r>
+                      <a:r>
+                        <a:rPr lang="zh-TW" altLang="en-US" sz="1800" dirty="0">
+                          <a:latin typeface="Times New Roman" panose="02020603050405020304" pitchFamily="18" charset="0"/>
+                          <a:ea typeface="標楷體" panose="03000509000000000000" pitchFamily="65" charset="-120"/>
+                          <a:cs typeface="Times New Roman" panose="02020603050405020304" pitchFamily="18" charset="0"/>
+                        </a:rPr>
+                        <a:t>，總共會從</a:t>
+                      </a:r>
+                      <a:r>
+                        <a:rPr lang="en-US" altLang="zh-TW" sz="1800" dirty="0">
+                          <a:latin typeface="Times New Roman" panose="02020603050405020304" pitchFamily="18" charset="0"/>
+                          <a:ea typeface="標楷體" panose="03000509000000000000" pitchFamily="65" charset="-120"/>
+                          <a:cs typeface="Times New Roman" panose="02020603050405020304" pitchFamily="18" charset="0"/>
+                        </a:rPr>
+                        <a:t>0</a:t>
+                      </a:r>
+                      <a:r>
+                        <a:rPr lang="zh-TW" altLang="en-US" sz="1800" dirty="0">
+                          <a:latin typeface="Times New Roman" panose="02020603050405020304" pitchFamily="18" charset="0"/>
+                          <a:ea typeface="標楷體" panose="03000509000000000000" pitchFamily="65" charset="-120"/>
+                          <a:cs typeface="Times New Roman" panose="02020603050405020304" pitchFamily="18" charset="0"/>
+                        </a:rPr>
+                        <a:t>數到</a:t>
+                      </a:r>
+                      <a:r>
+                        <a:rPr lang="en-US" altLang="zh-TW" sz="1800" dirty="0">
+                          <a:latin typeface="Times New Roman" panose="02020603050405020304" pitchFamily="18" charset="0"/>
+                          <a:ea typeface="標楷體" panose="03000509000000000000" pitchFamily="65" charset="-120"/>
+                          <a:cs typeface="Times New Roman" panose="02020603050405020304" pitchFamily="18" charset="0"/>
+                        </a:rPr>
+                        <a:t>31</a:t>
+                      </a:r>
+                      <a:r>
+                        <a:rPr lang="zh-TW" altLang="en-US" sz="1800" dirty="0">
+                          <a:latin typeface="Times New Roman" panose="02020603050405020304" pitchFamily="18" charset="0"/>
+                          <a:ea typeface="標楷體" panose="03000509000000000000" pitchFamily="65" charset="-120"/>
+                          <a:cs typeface="Times New Roman" panose="02020603050405020304" pitchFamily="18" charset="0"/>
+                        </a:rPr>
+                        <a:t>共</a:t>
+                      </a:r>
+                      <a:r>
+                        <a:rPr lang="en-US" altLang="zh-TW" sz="1800" dirty="0">
+                          <a:latin typeface="Times New Roman" panose="02020603050405020304" pitchFamily="18" charset="0"/>
+                          <a:ea typeface="標楷體" panose="03000509000000000000" pitchFamily="65" charset="-120"/>
+                          <a:cs typeface="Times New Roman" panose="02020603050405020304" pitchFamily="18" charset="0"/>
+                        </a:rPr>
+                        <a:t>32</a:t>
+                      </a:r>
+                      <a:r>
+                        <a:rPr lang="zh-TW" altLang="en-US" sz="1800" dirty="0">
+                          <a:latin typeface="Times New Roman" panose="02020603050405020304" pitchFamily="18" charset="0"/>
+                          <a:ea typeface="標楷體" panose="03000509000000000000" pitchFamily="65" charset="-120"/>
+                          <a:cs typeface="Times New Roman" panose="02020603050405020304" pitchFamily="18" charset="0"/>
+                        </a:rPr>
+                        <a:t>次，</a:t>
+                      </a:r>
+                      <a:r>
+                        <a:rPr lang="en-US" altLang="zh-TW" sz="1800" dirty="0">
+                          <a:latin typeface="Times New Roman" panose="02020603050405020304" pitchFamily="18" charset="0"/>
+                          <a:ea typeface="標楷體" panose="03000509000000000000" pitchFamily="65" charset="-120"/>
+                          <a:cs typeface="Times New Roman" panose="02020603050405020304" pitchFamily="18" charset="0"/>
+                        </a:rPr>
+                        <a:t>odd</a:t>
+                      </a:r>
+                      <a:r>
+                        <a:rPr lang="zh-TW" altLang="en-US" sz="1800" dirty="0">
+                          <a:latin typeface="Times New Roman" panose="02020603050405020304" pitchFamily="18" charset="0"/>
+                          <a:ea typeface="標楷體" panose="03000509000000000000" pitchFamily="65" charset="-120"/>
+                          <a:cs typeface="Times New Roman" panose="02020603050405020304" pitchFamily="18" charset="0"/>
+                        </a:rPr>
+                        <a:t>和</a:t>
+                      </a:r>
+                      <a:r>
+                        <a:rPr lang="en-US" altLang="zh-TW" sz="1800" dirty="0">
+                          <a:latin typeface="Times New Roman" panose="02020603050405020304" pitchFamily="18" charset="0"/>
+                          <a:ea typeface="標楷體" panose="03000509000000000000" pitchFamily="65" charset="-120"/>
+                          <a:cs typeface="Times New Roman" panose="02020603050405020304" pitchFamily="18" charset="0"/>
+                        </a:rPr>
+                        <a:t>even</a:t>
+                      </a:r>
+                      <a:r>
+                        <a:rPr lang="zh-TW" altLang="en-US" sz="1800" dirty="0">
+                          <a:latin typeface="Times New Roman" panose="02020603050405020304" pitchFamily="18" charset="0"/>
+                          <a:ea typeface="標楷體" panose="03000509000000000000" pitchFamily="65" charset="-120"/>
+                          <a:cs typeface="Times New Roman" panose="02020603050405020304" pitchFamily="18" charset="0"/>
+                        </a:rPr>
+                        <a:t>記憶體都只能各存</a:t>
+                      </a:r>
+                      <a:r>
+                        <a:rPr lang="en-US" altLang="zh-TW" sz="1800" dirty="0">
+                          <a:latin typeface="Times New Roman" panose="02020603050405020304" pitchFamily="18" charset="0"/>
+                          <a:ea typeface="標楷體" panose="03000509000000000000" pitchFamily="65" charset="-120"/>
+                          <a:cs typeface="Times New Roman" panose="02020603050405020304" pitchFamily="18" charset="0"/>
+                        </a:rPr>
+                        <a:t>32</a:t>
+                      </a:r>
+                      <a:r>
+                        <a:rPr lang="zh-TW" altLang="en-US" sz="1800" dirty="0">
+                          <a:latin typeface="Times New Roman" panose="02020603050405020304" pitchFamily="18" charset="0"/>
+                          <a:ea typeface="標楷體" panose="03000509000000000000" pitchFamily="65" charset="-120"/>
+                          <a:cs typeface="Times New Roman" panose="02020603050405020304" pitchFamily="18" charset="0"/>
+                        </a:rPr>
+                        <a:t>個單位的資料</a:t>
+                      </a:r>
+                      <a:r>
+                        <a:rPr lang="zh-TW" altLang="en-US" sz="1800" baseline="0" dirty="0">
+                          <a:latin typeface="Times New Roman" panose="02020603050405020304" pitchFamily="18" charset="0"/>
+                          <a:ea typeface="標楷體" panose="03000509000000000000" pitchFamily="65" charset="-120"/>
+                          <a:cs typeface="Times New Roman" panose="02020603050405020304" pitchFamily="18" charset="0"/>
+                        </a:rPr>
+                        <a:t>。</a:t>
+                      </a:r>
+                      <a:endParaRPr lang="zh-TW" altLang="en-US" dirty="0">
+                        <a:latin typeface="Times New Roman" panose="02020603050405020304" pitchFamily="18" charset="0"/>
+                        <a:ea typeface="標楷體" panose="03000509000000000000" pitchFamily="65" charset="-120"/>
+                        <a:cs typeface="Times New Roman" panose="02020603050405020304" pitchFamily="18" charset="0"/>
+                      </a:endParaRPr>
+                    </a:p>
+                  </a:txBody>
+                  <a:tcPr/>
+                </a:tc>
+                <a:extLst>
+                  <a:ext uri="{0D108BD9-81ED-4DB2-BD59-A6C34878D82A}">
+                    <a16:rowId xmlns:a16="http://schemas.microsoft.com/office/drawing/2014/main" val="187096021"/>
+                  </a:ext>
+                </a:extLst>
+              </a:tr>
+            </a:tbl>
+          </a:graphicData>
+        </a:graphic>
+      </p:graphicFrame>
       <p:pic>
         <p:nvPicPr>
-          <p:cNvPr id="6" name="圖片 5">
+          <p:cNvPr id="7" name="圖片 6">
             <a:extLst>
               <a:ext uri="{FF2B5EF4-FFF2-40B4-BE49-F238E27FC236}">
-                <a16:creationId xmlns:a16="http://schemas.microsoft.com/office/drawing/2014/main" id="{27144D63-A2D1-ECAA-561C-C61B3BDCEDA8}"/>
+                <a16:creationId xmlns:a16="http://schemas.microsoft.com/office/drawing/2014/main" id="{02E28069-D4DC-94EE-BA8D-5FBC4EED8C6A}"/>
               </a:ext>
             </a:extLst>
           </p:cNvPr>
@@ -4703,18 +5805,158 @@
         </p:blipFill>
         <p:spPr>
           <a:xfrm>
-            <a:off x="2775824" y="422952"/>
-            <a:ext cx="8667493" cy="6246025"/>
+            <a:off x="3380499" y="3559891"/>
+            <a:ext cx="1850341" cy="3298109"/>
           </a:xfrm>
           <a:prstGeom prst="rect">
             <a:avLst/>
           </a:prstGeom>
         </p:spPr>
       </p:pic>
+      <p:pic>
+        <p:nvPicPr>
+          <p:cNvPr id="13" name="圖片 12">
+            <a:extLst>
+              <a:ext uri="{FF2B5EF4-FFF2-40B4-BE49-F238E27FC236}">
+                <a16:creationId xmlns:a16="http://schemas.microsoft.com/office/drawing/2014/main" id="{C37AFF79-B7E5-05A2-216A-32A64BE70E4E}"/>
+              </a:ext>
+            </a:extLst>
+          </p:cNvPr>
+          <p:cNvPicPr>
+            <a:picLocks noChangeAspect="1"/>
+          </p:cNvPicPr>
+          <p:nvPr/>
+        </p:nvPicPr>
+        <p:blipFill>
+          <a:blip r:embed="rId3">
+            <a:extLst>
+              <a:ext uri="{28A0092B-C50C-407E-A947-70E740481C1C}">
+                <a14:useLocalDpi xmlns:a14="http://schemas.microsoft.com/office/drawing/2010/main" val="0"/>
+              </a:ext>
+            </a:extLst>
+          </a:blip>
+          <a:stretch>
+            <a:fillRect/>
+          </a:stretch>
+        </p:blipFill>
+        <p:spPr>
+          <a:xfrm>
+            <a:off x="6336785" y="3559890"/>
+            <a:ext cx="1850341" cy="3298110"/>
+          </a:xfrm>
+          <a:prstGeom prst="rect">
+            <a:avLst/>
+          </a:prstGeom>
+        </p:spPr>
+      </p:pic>
+      <p:sp>
+        <p:nvSpPr>
+          <p:cNvPr id="14" name="文字方塊 13">
+            <a:extLst>
+              <a:ext uri="{FF2B5EF4-FFF2-40B4-BE49-F238E27FC236}">
+                <a16:creationId xmlns:a16="http://schemas.microsoft.com/office/drawing/2014/main" id="{8161441E-4E1D-51B9-E83E-6472F2E09A44}"/>
+              </a:ext>
+            </a:extLst>
+          </p:cNvPr>
+          <p:cNvSpPr txBox="1"/>
+          <p:nvPr/>
+        </p:nvSpPr>
+        <p:spPr>
+          <a:xfrm>
+            <a:off x="8650637" y="4608780"/>
+            <a:ext cx="2703163" cy="1200329"/>
+          </a:xfrm>
+          <a:prstGeom prst="rect">
+            <a:avLst/>
+          </a:prstGeom>
+        </p:spPr>
+        <p:style>
+          <a:lnRef idx="2">
+            <a:schemeClr val="dk1"/>
+          </a:lnRef>
+          <a:fillRef idx="1">
+            <a:schemeClr val="lt1"/>
+          </a:fillRef>
+          <a:effectRef idx="0">
+            <a:schemeClr val="dk1"/>
+          </a:effectRef>
+          <a:fontRef idx="minor">
+            <a:schemeClr val="dk1"/>
+          </a:fontRef>
+        </p:style>
+        <p:txBody>
+          <a:bodyPr wrap="square" rtlCol="0">
+            <a:spAutoFit/>
+          </a:bodyPr>
+          <a:lstStyle/>
+          <a:p>
+            <a:pPr algn="just"/>
+            <a:r>
+              <a:rPr lang="zh-TW" altLang="en-US" dirty="0">
+                <a:latin typeface="標楷體" panose="03000509000000000000" pitchFamily="65" charset="-120"/>
+                <a:ea typeface="標楷體" panose="03000509000000000000" pitchFamily="65" charset="-120"/>
+                <a:cs typeface="Times New Roman" panose="02020603050405020304" pitchFamily="18" charset="0"/>
+              </a:rPr>
+              <a:t>圖片上的數字代表的是存第幾個單位的資料</a:t>
+            </a:r>
+            <a:r>
+              <a:rPr lang="zh-TW" altLang="en-US" sz="1800" dirty="0">
+                <a:latin typeface="標楷體" panose="03000509000000000000" pitchFamily="65" charset="-120"/>
+                <a:ea typeface="標楷體" panose="03000509000000000000" pitchFamily="65" charset="-120"/>
+                <a:cs typeface="Times New Roman" panose="02020603050405020304" pitchFamily="18" charset="0"/>
+              </a:rPr>
+              <a:t>，</a:t>
+            </a:r>
+            <a:r>
+              <a:rPr lang="zh-TW" altLang="en-US" dirty="0">
+                <a:latin typeface="標楷體" panose="03000509000000000000" pitchFamily="65" charset="-120"/>
+                <a:ea typeface="標楷體" panose="03000509000000000000" pitchFamily="65" charset="-120"/>
+                <a:cs typeface="Times New Roman" panose="02020603050405020304" pitchFamily="18" charset="0"/>
+              </a:rPr>
+              <a:t>每個記憶體都是從位址</a:t>
+            </a:r>
+            <a:r>
+              <a:rPr lang="en-US" altLang="zh-TW" dirty="0">
+                <a:latin typeface="Times New Roman" panose="02020603050405020304" pitchFamily="18" charset="0"/>
+                <a:ea typeface="標楷體" panose="03000509000000000000" pitchFamily="65" charset="-120"/>
+                <a:cs typeface="Times New Roman" panose="02020603050405020304" pitchFamily="18" charset="0"/>
+              </a:rPr>
+              <a:t>0</a:t>
+            </a:r>
+            <a:r>
+              <a:rPr lang="zh-TW" altLang="en-US" dirty="0">
+                <a:latin typeface="標楷體" panose="03000509000000000000" pitchFamily="65" charset="-120"/>
+                <a:ea typeface="標楷體" panose="03000509000000000000" pitchFamily="65" charset="-120"/>
+                <a:cs typeface="Times New Roman" panose="02020603050405020304" pitchFamily="18" charset="0"/>
+              </a:rPr>
+              <a:t>開始到位址</a:t>
+            </a:r>
+            <a:r>
+              <a:rPr lang="en-US" altLang="zh-TW" dirty="0">
+                <a:latin typeface="Times New Roman" panose="02020603050405020304" pitchFamily="18" charset="0"/>
+                <a:cs typeface="Times New Roman" panose="02020603050405020304" pitchFamily="18" charset="0"/>
+              </a:rPr>
+              <a:t>31</a:t>
+            </a:r>
+            <a:r>
+              <a:rPr lang="zh-TW" altLang="en-US" sz="1800" baseline="0" dirty="0">
+                <a:latin typeface="Times New Roman" panose="02020603050405020304" pitchFamily="18" charset="0"/>
+                <a:ea typeface="標楷體" panose="03000509000000000000" pitchFamily="65" charset="-120"/>
+                <a:cs typeface="Times New Roman" panose="02020603050405020304" pitchFamily="18" charset="0"/>
+              </a:rPr>
+              <a:t>。</a:t>
+            </a:r>
+            <a:endParaRPr lang="zh-TW" altLang="en-US" dirty="0">
+              <a:latin typeface="Times New Roman" panose="02020603050405020304" pitchFamily="18" charset="0"/>
+              <a:cs typeface="Times New Roman" panose="02020603050405020304" pitchFamily="18" charset="0"/>
+            </a:endParaRPr>
+          </a:p>
+        </p:txBody>
+      </p:sp>
     </p:spTree>
     <p:extLst>
       <p:ext uri="{BB962C8B-B14F-4D97-AF65-F5344CB8AC3E}">
-        <p14:creationId xmlns:p14="http://schemas.microsoft.com/office/powerpoint/2010/main" val="2174739812"/>
+        <p14:creationId xmlns:p14="http://schemas.microsoft.com/office/powerpoint/2010/main" val="498147236"/>
       </p:ext>
     </p:extLst>
   </p:cSld>
@@ -4743,10 +5985,86 @@
       </p:grpSpPr>
       <p:sp>
         <p:nvSpPr>
+          <p:cNvPr id="2" name="標題 1">
+            <a:extLst>
+              <a:ext uri="{FF2B5EF4-FFF2-40B4-BE49-F238E27FC236}">
+                <a16:creationId xmlns:a16="http://schemas.microsoft.com/office/drawing/2014/main" id="{D6829631-1A27-23C0-BDD8-B2EBCC5435B8}"/>
+              </a:ext>
+            </a:extLst>
+          </p:cNvPr>
+          <p:cNvSpPr>
+            <a:spLocks noGrp="1"/>
+          </p:cNvSpPr>
+          <p:nvPr>
+            <p:ph type="title"/>
+          </p:nvPr>
+        </p:nvSpPr>
+        <p:spPr>
+          <a:xfrm>
+            <a:off x="838200" y="213399"/>
+            <a:ext cx="6308324" cy="513763"/>
+          </a:xfrm>
+        </p:spPr>
+        <p:txBody>
+          <a:bodyPr>
+            <a:noAutofit/>
+          </a:bodyPr>
+          <a:lstStyle/>
+          <a:p>
+            <a:r>
+              <a:rPr lang="en-US" altLang="zh-TW" sz="2900" dirty="0">
+                <a:latin typeface="Times New Roman" panose="02020603050405020304" pitchFamily="18" charset="0"/>
+                <a:ea typeface="標楷體" panose="03000509000000000000" pitchFamily="65" charset="-120"/>
+                <a:cs typeface="Times New Roman" panose="02020603050405020304" pitchFamily="18" charset="0"/>
+              </a:rPr>
+              <a:t>STI</a:t>
+            </a:r>
+            <a:r>
+              <a:rPr lang="zh-TW" altLang="en-US" sz="2900" dirty="0">
+                <a:latin typeface="Times New Roman" panose="02020603050405020304" pitchFamily="18" charset="0"/>
+                <a:ea typeface="標楷體" panose="03000509000000000000" pitchFamily="65" charset="-120"/>
+                <a:cs typeface="Times New Roman" panose="02020603050405020304" pitchFamily="18" charset="0"/>
+              </a:rPr>
+              <a:t>波形圖</a:t>
+            </a:r>
+            <a:r>
+              <a:rPr lang="en-US" altLang="zh-TW" sz="2900" dirty="0">
+                <a:latin typeface="Times New Roman" panose="02020603050405020304" pitchFamily="18" charset="0"/>
+                <a:ea typeface="標楷體" panose="03000509000000000000" pitchFamily="65" charset="-120"/>
+                <a:cs typeface="Times New Roman" panose="02020603050405020304" pitchFamily="18" charset="0"/>
+              </a:rPr>
+              <a:t>(</a:t>
+            </a:r>
+            <a:r>
+              <a:rPr lang="en-US" altLang="zh-TW" sz="2900" dirty="0" err="1">
+                <a:latin typeface="Times New Roman" panose="02020603050405020304" pitchFamily="18" charset="0"/>
+                <a:ea typeface="標楷體" panose="03000509000000000000" pitchFamily="65" charset="-120"/>
+                <a:cs typeface="Times New Roman" panose="02020603050405020304" pitchFamily="18" charset="0"/>
+              </a:rPr>
+              <a:t>reset,load,so_valid</a:t>
+            </a:r>
+            <a:r>
+              <a:rPr lang="en-US" altLang="zh-TW" sz="2900" dirty="0">
+                <a:latin typeface="Times New Roman" panose="02020603050405020304" pitchFamily="18" charset="0"/>
+                <a:ea typeface="標楷體" panose="03000509000000000000" pitchFamily="65" charset="-120"/>
+                <a:cs typeface="Times New Roman" panose="02020603050405020304" pitchFamily="18" charset="0"/>
+              </a:rPr>
+              <a:t>)</a:t>
+            </a:r>
+            <a:endParaRPr lang="zh-TW" altLang="en-US" sz="2900" dirty="0">
+              <a:latin typeface="Times New Roman" panose="02020603050405020304" pitchFamily="18" charset="0"/>
+              <a:ea typeface="標楷體" panose="03000509000000000000" pitchFamily="65" charset="-120"/>
+              <a:cs typeface="Times New Roman" panose="02020603050405020304" pitchFamily="18" charset="0"/>
+            </a:endParaRPr>
+          </a:p>
+        </p:txBody>
+      </p:sp>
+      <p:sp>
+        <p:nvSpPr>
           <p:cNvPr id="3" name="內容版面配置區 2">
             <a:extLst>
               <a:ext uri="{FF2B5EF4-FFF2-40B4-BE49-F238E27FC236}">
-                <a16:creationId xmlns:a16="http://schemas.microsoft.com/office/drawing/2014/main" id="{5DA835CD-DB32-0098-AA29-D56FCC416481}"/>
+                <a16:creationId xmlns:a16="http://schemas.microsoft.com/office/drawing/2014/main" id="{494286DB-3494-E083-7F2E-2EFE8CBC3D90}"/>
               </a:ext>
             </a:extLst>
           </p:cNvPr>
@@ -4759,21 +6077,30 @@
         </p:nvSpPr>
         <p:spPr>
           <a:xfrm>
-            <a:off x="838200" y="422952"/>
-            <a:ext cx="10515600" cy="873187"/>
+            <a:off x="838200" y="883717"/>
+            <a:ext cx="10515600" cy="1504376"/>
           </a:xfrm>
         </p:spPr>
         <p:txBody>
-          <a:bodyPr/>
+          <a:bodyPr>
+            <a:noAutofit/>
+          </a:bodyPr>
           <a:lstStyle/>
           <a:p>
             <a:r>
+              <a:rPr lang="en-US" altLang="zh-TW" dirty="0">
+                <a:latin typeface="Times New Roman" panose="02020603050405020304" pitchFamily="18" charset="0"/>
+                <a:ea typeface="標楷體" panose="03000509000000000000" pitchFamily="65" charset="-120"/>
+                <a:cs typeface="Times New Roman" panose="02020603050405020304" pitchFamily="18" charset="0"/>
+              </a:rPr>
+              <a:t>Reset</a:t>
+            </a:r>
+            <a:r>
               <a:rPr lang="zh-TW" altLang="en-US" dirty="0">
-                <a:latin typeface="Times New Roman" panose="02020603050405020304" pitchFamily="18" charset="0"/>
-                <a:ea typeface="標楷體" panose="03000509000000000000" pitchFamily="65" charset="-120"/>
-                <a:cs typeface="Times New Roman" panose="02020603050405020304" pitchFamily="18" charset="0"/>
-              </a:rPr>
-              <a:t>波形圖</a:t>
+                <a:latin typeface="標楷體" panose="03000509000000000000" pitchFamily="65" charset="-120"/>
+                <a:ea typeface="標楷體" panose="03000509000000000000" pitchFamily="65" charset="-120"/>
+              </a:rPr>
+              <a:t>結束後偵測到</a:t>
             </a:r>
             <a:r>
               <a:rPr lang="en-US" altLang="zh-TW" dirty="0">
@@ -4781,7 +6108,15 @@
                 <a:ea typeface="標楷體" panose="03000509000000000000" pitchFamily="65" charset="-120"/>
                 <a:cs typeface="Times New Roman" panose="02020603050405020304" pitchFamily="18" charset="0"/>
               </a:rPr>
-              <a:t>(</a:t>
+              <a:t>load=1</a:t>
+            </a:r>
+            <a:r>
+              <a:rPr lang="zh-TW" altLang="en-US" dirty="0">
+                <a:latin typeface="標楷體" panose="03000509000000000000" pitchFamily="65" charset="-120"/>
+                <a:ea typeface="標楷體" panose="03000509000000000000" pitchFamily="65" charset="-120"/>
+                <a:cs typeface="Times New Roman" panose="02020603050405020304" pitchFamily="18" charset="0"/>
+              </a:rPr>
+              <a:t>且</a:t>
             </a:r>
             <a:r>
               <a:rPr lang="en-US" altLang="zh-TW" dirty="0" err="1">
@@ -4789,7 +6124,63 @@
                 <a:ea typeface="標楷體" panose="03000509000000000000" pitchFamily="65" charset="-120"/>
                 <a:cs typeface="Times New Roman" panose="02020603050405020304" pitchFamily="18" charset="0"/>
               </a:rPr>
-              <a:t>reset,load,so_valid</a:t>
+              <a:t>clk</a:t>
+            </a:r>
+            <a:r>
+              <a:rPr lang="zh-TW" altLang="en-US" dirty="0">
+                <a:latin typeface="標楷體" panose="03000509000000000000" pitchFamily="65" charset="-120"/>
+                <a:ea typeface="標楷體" panose="03000509000000000000" pitchFamily="65" charset="-120"/>
+                <a:cs typeface="Times New Roman" panose="02020603050405020304" pitchFamily="18" charset="0"/>
+              </a:rPr>
+              <a:t>正緣觸發</a:t>
+            </a:r>
+            <a:r>
+              <a:rPr lang="zh-TW" altLang="en-US" dirty="0">
+                <a:latin typeface="Times New Roman" panose="02020603050405020304" pitchFamily="18" charset="0"/>
+                <a:ea typeface="標楷體" panose="03000509000000000000" pitchFamily="65" charset="-120"/>
+                <a:cs typeface="Times New Roman" panose="02020603050405020304" pitchFamily="18" charset="0"/>
+              </a:rPr>
+              <a:t>，</a:t>
+            </a:r>
+            <a:r>
+              <a:rPr lang="zh-TW" altLang="en-US" dirty="0">
+                <a:latin typeface="標楷體" panose="03000509000000000000" pitchFamily="65" charset="-120"/>
+                <a:ea typeface="標楷體" panose="03000509000000000000" pitchFamily="65" charset="-120"/>
+                <a:cs typeface="Times New Roman" panose="02020603050405020304" pitchFamily="18" charset="0"/>
+              </a:rPr>
+              <a:t>開始做資料轉換</a:t>
+            </a:r>
+            <a:r>
+              <a:rPr lang="zh-TW" altLang="en-US" dirty="0">
+                <a:latin typeface="Times New Roman" panose="02020603050405020304" pitchFamily="18" charset="0"/>
+                <a:ea typeface="標楷體" panose="03000509000000000000" pitchFamily="65" charset="-120"/>
+                <a:cs typeface="Times New Roman" panose="02020603050405020304" pitchFamily="18" charset="0"/>
+              </a:rPr>
+              <a:t>，</a:t>
+            </a:r>
+            <a:r>
+              <a:rPr lang="zh-TW" altLang="en-US" dirty="0">
+                <a:latin typeface="標楷體" panose="03000509000000000000" pitchFamily="65" charset="-120"/>
+                <a:ea typeface="標楷體" panose="03000509000000000000" pitchFamily="65" charset="-120"/>
+                <a:cs typeface="Times New Roman" panose="02020603050405020304" pitchFamily="18" charset="0"/>
+              </a:rPr>
+              <a:t>並在結束資料轉換後將</a:t>
+            </a:r>
+            <a:r>
+              <a:rPr lang="en-US" altLang="zh-TW" dirty="0" err="1">
+                <a:latin typeface="Times New Roman" panose="02020603050405020304" pitchFamily="18" charset="0"/>
+                <a:ea typeface="標楷體" panose="03000509000000000000" pitchFamily="65" charset="-120"/>
+                <a:cs typeface="Times New Roman" panose="02020603050405020304" pitchFamily="18" charset="0"/>
+              </a:rPr>
+              <a:t>so_valid</a:t>
+            </a:r>
+            <a:r>
+              <a:rPr lang="zh-TW" altLang="en-US" dirty="0">
+                <a:latin typeface="標楷體" panose="03000509000000000000" pitchFamily="65" charset="-120"/>
+                <a:ea typeface="標楷體" panose="03000509000000000000" pitchFamily="65" charset="-120"/>
+                <a:cs typeface="Times New Roman" panose="02020603050405020304" pitchFamily="18" charset="0"/>
+              </a:rPr>
+              <a:t>設成</a:t>
             </a:r>
             <a:r>
               <a:rPr lang="en-US" altLang="zh-TW" dirty="0">
@@ -4797,7 +6188,55 @@
                 <a:ea typeface="標楷體" panose="03000509000000000000" pitchFamily="65" charset="-120"/>
                 <a:cs typeface="Times New Roman" panose="02020603050405020304" pitchFamily="18" charset="0"/>
               </a:rPr>
-              <a:t>)</a:t>
+              <a:t>1</a:t>
+            </a:r>
+            <a:r>
+              <a:rPr lang="zh-TW" altLang="en-US" dirty="0">
+                <a:latin typeface="Times New Roman" panose="02020603050405020304" pitchFamily="18" charset="0"/>
+                <a:ea typeface="標楷體" panose="03000509000000000000" pitchFamily="65" charset="-120"/>
+                <a:cs typeface="Times New Roman" panose="02020603050405020304" pitchFamily="18" charset="0"/>
+              </a:rPr>
+              <a:t>，</a:t>
+            </a:r>
+            <a:r>
+              <a:rPr lang="zh-TW" altLang="en-US" dirty="0">
+                <a:latin typeface="標楷體" panose="03000509000000000000" pitchFamily="65" charset="-120"/>
+                <a:ea typeface="標楷體" panose="03000509000000000000" pitchFamily="65" charset="-120"/>
+                <a:cs typeface="Times New Roman" panose="02020603050405020304" pitchFamily="18" charset="0"/>
+              </a:rPr>
+              <a:t>並在完成序列輸出後將</a:t>
+            </a:r>
+            <a:r>
+              <a:rPr lang="en-US" altLang="zh-TW" dirty="0" err="1">
+                <a:latin typeface="Times New Roman" panose="02020603050405020304" pitchFamily="18" charset="0"/>
+                <a:ea typeface="標楷體" panose="03000509000000000000" pitchFamily="65" charset="-120"/>
+                <a:cs typeface="Times New Roman" panose="02020603050405020304" pitchFamily="18" charset="0"/>
+              </a:rPr>
+              <a:t>so_valid</a:t>
+            </a:r>
+            <a:r>
+              <a:rPr lang="zh-TW" altLang="en-US" dirty="0">
+                <a:latin typeface="標楷體" panose="03000509000000000000" pitchFamily="65" charset="-120"/>
+                <a:ea typeface="標楷體" panose="03000509000000000000" pitchFamily="65" charset="-120"/>
+                <a:cs typeface="Times New Roman" panose="02020603050405020304" pitchFamily="18" charset="0"/>
+              </a:rPr>
+              <a:t>設成</a:t>
+            </a:r>
+            <a:r>
+              <a:rPr lang="en-US" altLang="zh-TW" dirty="0">
+                <a:latin typeface="Times New Roman" panose="02020603050405020304" pitchFamily="18" charset="0"/>
+                <a:ea typeface="標楷體" panose="03000509000000000000" pitchFamily="65" charset="-120"/>
+                <a:cs typeface="Times New Roman" panose="02020603050405020304" pitchFamily="18" charset="0"/>
+              </a:rPr>
+              <a:t>0</a:t>
+            </a:r>
+            <a:r>
+              <a:rPr lang="zh-TW" altLang="en-US" baseline="0" dirty="0">
+                <a:latin typeface="Times New Roman" panose="02020603050405020304" pitchFamily="18" charset="0"/>
+                <a:ea typeface="標楷體" panose="03000509000000000000" pitchFamily="65" charset="-120"/>
+                <a:cs typeface="Times New Roman" panose="02020603050405020304" pitchFamily="18" charset="0"/>
+              </a:rPr>
+              <a:t> 。</a:t>
             </a:r>
             <a:endParaRPr lang="zh-TW" altLang="en-US" dirty="0">
               <a:latin typeface="Times New Roman" panose="02020603050405020304" pitchFamily="18" charset="0"/>
@@ -4807,41 +6246,12 @@
           </a:p>
         </p:txBody>
       </p:sp>
-      <p:sp>
-        <p:nvSpPr>
-          <p:cNvPr id="6" name="投影片編號版面配置區 5">
-            <a:extLst>
-              <a:ext uri="{FF2B5EF4-FFF2-40B4-BE49-F238E27FC236}">
-                <a16:creationId xmlns:a16="http://schemas.microsoft.com/office/drawing/2014/main" id="{4C3D0DD2-C035-2F8A-10BC-80B30A419816}"/>
-              </a:ext>
-            </a:extLst>
-          </p:cNvPr>
-          <p:cNvSpPr>
-            <a:spLocks noGrp="1"/>
-          </p:cNvSpPr>
-          <p:nvPr>
-            <p:ph type="sldNum" sz="quarter" idx="12"/>
-          </p:nvPr>
-        </p:nvSpPr>
-        <p:spPr/>
-        <p:txBody>
-          <a:bodyPr/>
-          <a:lstStyle/>
-          <a:p>
-            <a:fld id="{7D3C2007-09EB-4B8E-B7A7-F48258516163}" type="slidenum">
-              <a:rPr lang="zh-TW" altLang="en-US" smtClean="0"/>
-              <a:t>12</a:t>
-            </a:fld>
-            <a:endParaRPr lang="zh-TW" altLang="en-US"/>
-          </a:p>
-        </p:txBody>
-      </p:sp>
       <p:pic>
         <p:nvPicPr>
-          <p:cNvPr id="4" name="圖片 3">
+          <p:cNvPr id="5" name="圖片 4">
             <a:extLst>
               <a:ext uri="{FF2B5EF4-FFF2-40B4-BE49-F238E27FC236}">
-                <a16:creationId xmlns:a16="http://schemas.microsoft.com/office/drawing/2014/main" id="{93274FA8-1FB9-41F8-EB3C-816A03C81D6D}"/>
+                <a16:creationId xmlns:a16="http://schemas.microsoft.com/office/drawing/2014/main" id="{9CE6D790-F723-E0EF-BC00-7B7D7436FBD7}"/>
               </a:ext>
             </a:extLst>
           </p:cNvPr>
@@ -4874,10 +6284,10 @@
       </p:pic>
       <p:sp>
         <p:nvSpPr>
-          <p:cNvPr id="5" name="矩形 4">
+          <p:cNvPr id="8" name="矩形 7">
             <a:extLst>
               <a:ext uri="{FF2B5EF4-FFF2-40B4-BE49-F238E27FC236}">
-                <a16:creationId xmlns:a16="http://schemas.microsoft.com/office/drawing/2014/main" id="{147CC9A4-F461-91CF-599F-D5EC3962DAAB}"/>
+                <a16:creationId xmlns:a16="http://schemas.microsoft.com/office/drawing/2014/main" id="{C2DAD57F-CC8C-7827-18BF-DFEDE079A022}"/>
               </a:ext>
             </a:extLst>
           </p:cNvPr>
@@ -4926,197 +6336,10 @@
           </a:p>
         </p:txBody>
       </p:sp>
-      <p:sp>
-        <p:nvSpPr>
-          <p:cNvPr id="7" name="文字方塊 6">
-            <a:extLst>
-              <a:ext uri="{FF2B5EF4-FFF2-40B4-BE49-F238E27FC236}">
-                <a16:creationId xmlns:a16="http://schemas.microsoft.com/office/drawing/2014/main" id="{112A45F6-12C3-A90F-E450-620373DF6A7A}"/>
-              </a:ext>
-            </a:extLst>
-          </p:cNvPr>
-          <p:cNvSpPr txBox="1"/>
-          <p:nvPr/>
-        </p:nvSpPr>
-        <p:spPr>
-          <a:xfrm>
-            <a:off x="838200" y="1404692"/>
-            <a:ext cx="10241132" cy="830997"/>
-          </a:xfrm>
-          <a:prstGeom prst="rect">
-            <a:avLst/>
-          </a:prstGeom>
-          <a:noFill/>
-        </p:spPr>
-        <p:txBody>
-          <a:bodyPr wrap="square" rtlCol="0">
-            <a:spAutoFit/>
-          </a:bodyPr>
-          <a:lstStyle/>
-          <a:p>
-            <a:r>
-              <a:rPr lang="en-US" altLang="zh-TW" sz="2400" dirty="0">
-                <a:latin typeface="Times New Roman" panose="02020603050405020304" pitchFamily="18" charset="0"/>
-                <a:ea typeface="標楷體" panose="03000509000000000000" pitchFamily="65" charset="-120"/>
-                <a:cs typeface="Times New Roman" panose="02020603050405020304" pitchFamily="18" charset="0"/>
-              </a:rPr>
-              <a:t>Reset</a:t>
-            </a:r>
-            <a:r>
-              <a:rPr lang="zh-TW" altLang="en-US" sz="2400" dirty="0">
-                <a:latin typeface="標楷體" panose="03000509000000000000" pitchFamily="65" charset="-120"/>
-                <a:ea typeface="標楷體" panose="03000509000000000000" pitchFamily="65" charset="-120"/>
-              </a:rPr>
-              <a:t>結束後偵測到</a:t>
-            </a:r>
-            <a:r>
-              <a:rPr lang="en-US" altLang="zh-TW" sz="2400" dirty="0">
-                <a:latin typeface="Times New Roman" panose="02020603050405020304" pitchFamily="18" charset="0"/>
-                <a:ea typeface="標楷體" panose="03000509000000000000" pitchFamily="65" charset="-120"/>
-                <a:cs typeface="Times New Roman" panose="02020603050405020304" pitchFamily="18" charset="0"/>
-              </a:rPr>
-              <a:t>load=1</a:t>
-            </a:r>
-            <a:r>
-              <a:rPr lang="zh-TW" altLang="en-US" sz="2400" dirty="0">
-                <a:latin typeface="標楷體" panose="03000509000000000000" pitchFamily="65" charset="-120"/>
-                <a:ea typeface="標楷體" panose="03000509000000000000" pitchFamily="65" charset="-120"/>
-                <a:cs typeface="Times New Roman" panose="02020603050405020304" pitchFamily="18" charset="0"/>
-              </a:rPr>
-              <a:t>且</a:t>
-            </a:r>
-            <a:r>
-              <a:rPr lang="en-US" altLang="zh-TW" sz="2400" dirty="0" err="1">
-                <a:latin typeface="Times New Roman" panose="02020603050405020304" pitchFamily="18" charset="0"/>
-                <a:ea typeface="標楷體" panose="03000509000000000000" pitchFamily="65" charset="-120"/>
-                <a:cs typeface="Times New Roman" panose="02020603050405020304" pitchFamily="18" charset="0"/>
-              </a:rPr>
-              <a:t>clk</a:t>
-            </a:r>
-            <a:r>
-              <a:rPr lang="zh-TW" altLang="en-US" sz="2400" dirty="0">
-                <a:latin typeface="標楷體" panose="03000509000000000000" pitchFamily="65" charset="-120"/>
-                <a:ea typeface="標楷體" panose="03000509000000000000" pitchFamily="65" charset="-120"/>
-                <a:cs typeface="Times New Roman" panose="02020603050405020304" pitchFamily="18" charset="0"/>
-              </a:rPr>
-              <a:t>正緣觸發</a:t>
-            </a:r>
-            <a:r>
-              <a:rPr lang="zh-TW" altLang="en-US" sz="2400" dirty="0">
-                <a:latin typeface="Times New Roman" panose="02020603050405020304" pitchFamily="18" charset="0"/>
-                <a:ea typeface="標楷體" panose="03000509000000000000" pitchFamily="65" charset="-120"/>
-                <a:cs typeface="Times New Roman" panose="02020603050405020304" pitchFamily="18" charset="0"/>
-              </a:rPr>
-              <a:t>，</a:t>
-            </a:r>
-            <a:r>
-              <a:rPr lang="zh-TW" altLang="en-US" sz="2400" dirty="0">
-                <a:latin typeface="標楷體" panose="03000509000000000000" pitchFamily="65" charset="-120"/>
-                <a:ea typeface="標楷體" panose="03000509000000000000" pitchFamily="65" charset="-120"/>
-                <a:cs typeface="Times New Roman" panose="02020603050405020304" pitchFamily="18" charset="0"/>
-              </a:rPr>
-              <a:t>開始做資料轉換</a:t>
-            </a:r>
-            <a:r>
-              <a:rPr lang="zh-TW" altLang="en-US" sz="2400" dirty="0">
-                <a:latin typeface="Times New Roman" panose="02020603050405020304" pitchFamily="18" charset="0"/>
-                <a:ea typeface="標楷體" panose="03000509000000000000" pitchFamily="65" charset="-120"/>
-                <a:cs typeface="Times New Roman" panose="02020603050405020304" pitchFamily="18" charset="0"/>
-              </a:rPr>
-              <a:t>，</a:t>
-            </a:r>
-            <a:r>
-              <a:rPr lang="zh-TW" altLang="en-US" sz="2400" dirty="0">
-                <a:latin typeface="標楷體" panose="03000509000000000000" pitchFamily="65" charset="-120"/>
-                <a:ea typeface="標楷體" panose="03000509000000000000" pitchFamily="65" charset="-120"/>
-                <a:cs typeface="Times New Roman" panose="02020603050405020304" pitchFamily="18" charset="0"/>
-              </a:rPr>
-              <a:t>並在結束資料轉換後將</a:t>
-            </a:r>
-            <a:r>
-              <a:rPr lang="en-US" altLang="zh-TW" sz="2400" dirty="0" err="1">
-                <a:latin typeface="Times New Roman" panose="02020603050405020304" pitchFamily="18" charset="0"/>
-                <a:ea typeface="標楷體" panose="03000509000000000000" pitchFamily="65" charset="-120"/>
-                <a:cs typeface="Times New Roman" panose="02020603050405020304" pitchFamily="18" charset="0"/>
-              </a:rPr>
-              <a:t>so_valid</a:t>
-            </a:r>
-            <a:r>
-              <a:rPr lang="zh-TW" altLang="en-US" sz="2400" dirty="0">
-                <a:latin typeface="標楷體" panose="03000509000000000000" pitchFamily="65" charset="-120"/>
-                <a:ea typeface="標楷體" panose="03000509000000000000" pitchFamily="65" charset="-120"/>
-                <a:cs typeface="Times New Roman" panose="02020603050405020304" pitchFamily="18" charset="0"/>
-              </a:rPr>
-              <a:t>設成</a:t>
-            </a:r>
-            <a:r>
-              <a:rPr lang="en-US" altLang="zh-TW" sz="2400" dirty="0">
-                <a:latin typeface="Times New Roman" panose="02020603050405020304" pitchFamily="18" charset="0"/>
-                <a:ea typeface="標楷體" panose="03000509000000000000" pitchFamily="65" charset="-120"/>
-                <a:cs typeface="Times New Roman" panose="02020603050405020304" pitchFamily="18" charset="0"/>
-              </a:rPr>
-              <a:t>1</a:t>
-            </a:r>
-            <a:r>
-              <a:rPr lang="zh-TW" altLang="en-US" sz="2400" dirty="0">
-                <a:latin typeface="Times New Roman" panose="02020603050405020304" pitchFamily="18" charset="0"/>
-                <a:ea typeface="標楷體" panose="03000509000000000000" pitchFamily="65" charset="-120"/>
-                <a:cs typeface="Times New Roman" panose="02020603050405020304" pitchFamily="18" charset="0"/>
-              </a:rPr>
-              <a:t>，</a:t>
-            </a:r>
-            <a:r>
-              <a:rPr lang="zh-TW" altLang="en-US" sz="2400" dirty="0">
-                <a:latin typeface="標楷體" panose="03000509000000000000" pitchFamily="65" charset="-120"/>
-                <a:ea typeface="標楷體" panose="03000509000000000000" pitchFamily="65" charset="-120"/>
-                <a:cs typeface="Times New Roman" panose="02020603050405020304" pitchFamily="18" charset="0"/>
-              </a:rPr>
-              <a:t>並在完成序列輸出後將</a:t>
-            </a:r>
-            <a:r>
-              <a:rPr lang="en-US" altLang="zh-TW" sz="2400" dirty="0" err="1">
-                <a:latin typeface="Times New Roman" panose="02020603050405020304" pitchFamily="18" charset="0"/>
-                <a:ea typeface="標楷體" panose="03000509000000000000" pitchFamily="65" charset="-120"/>
-                <a:cs typeface="Times New Roman" panose="02020603050405020304" pitchFamily="18" charset="0"/>
-              </a:rPr>
-              <a:t>so_valid</a:t>
-            </a:r>
-            <a:r>
-              <a:rPr lang="zh-TW" altLang="en-US" sz="2400" dirty="0">
-                <a:latin typeface="標楷體" panose="03000509000000000000" pitchFamily="65" charset="-120"/>
-                <a:ea typeface="標楷體" panose="03000509000000000000" pitchFamily="65" charset="-120"/>
-                <a:cs typeface="Times New Roman" panose="02020603050405020304" pitchFamily="18" charset="0"/>
-              </a:rPr>
-              <a:t>設成</a:t>
-            </a:r>
-            <a:r>
-              <a:rPr lang="en-US" altLang="zh-TW" sz="2400" dirty="0">
-                <a:latin typeface="Times New Roman" panose="02020603050405020304" pitchFamily="18" charset="0"/>
-                <a:ea typeface="標楷體" panose="03000509000000000000" pitchFamily="65" charset="-120"/>
-                <a:cs typeface="Times New Roman" panose="02020603050405020304" pitchFamily="18" charset="0"/>
-              </a:rPr>
-              <a:t>0</a:t>
-            </a:r>
-            <a:r>
-              <a:rPr lang="zh-TW" altLang="en-US" sz="2400" baseline="0" dirty="0">
-                <a:latin typeface="Times New Roman" panose="02020603050405020304" pitchFamily="18" charset="0"/>
-                <a:ea typeface="標楷體" panose="03000509000000000000" pitchFamily="65" charset="-120"/>
-                <a:cs typeface="Times New Roman" panose="02020603050405020304" pitchFamily="18" charset="0"/>
-              </a:rPr>
-              <a:t> 。</a:t>
-            </a:r>
-            <a:endParaRPr lang="zh-TW" altLang="en-US" sz="2400" dirty="0">
-              <a:latin typeface="Times New Roman" panose="02020603050405020304" pitchFamily="18" charset="0"/>
-              <a:ea typeface="標楷體" panose="03000509000000000000" pitchFamily="65" charset="-120"/>
-              <a:cs typeface="Times New Roman" panose="02020603050405020304" pitchFamily="18" charset="0"/>
-            </a:endParaRPr>
-          </a:p>
-        </p:txBody>
-      </p:sp>
     </p:spTree>
     <p:extLst>
       <p:ext uri="{BB962C8B-B14F-4D97-AF65-F5344CB8AC3E}">
-        <p14:creationId xmlns:p14="http://schemas.microsoft.com/office/powerpoint/2010/main" val="553046987"/>
+        <p14:creationId xmlns:p14="http://schemas.microsoft.com/office/powerpoint/2010/main" val="482074264"/>
       </p:ext>
     </p:extLst>
   </p:cSld>
@@ -5145,10 +6368,86 @@
       </p:grpSpPr>
       <p:sp>
         <p:nvSpPr>
+          <p:cNvPr id="2" name="標題 1">
+            <a:extLst>
+              <a:ext uri="{FF2B5EF4-FFF2-40B4-BE49-F238E27FC236}">
+                <a16:creationId xmlns:a16="http://schemas.microsoft.com/office/drawing/2014/main" id="{D6829631-1A27-23C0-BDD8-B2EBCC5435B8}"/>
+              </a:ext>
+            </a:extLst>
+          </p:cNvPr>
+          <p:cNvSpPr>
+            <a:spLocks noGrp="1"/>
+          </p:cNvSpPr>
+          <p:nvPr>
+            <p:ph type="title"/>
+          </p:nvPr>
+        </p:nvSpPr>
+        <p:spPr>
+          <a:xfrm>
+            <a:off x="838200" y="213399"/>
+            <a:ext cx="6308324" cy="513763"/>
+          </a:xfrm>
+        </p:spPr>
+        <p:txBody>
+          <a:bodyPr>
+            <a:noAutofit/>
+          </a:bodyPr>
+          <a:lstStyle/>
+          <a:p>
+            <a:r>
+              <a:rPr lang="en-US" altLang="zh-TW" sz="2900" dirty="0">
+                <a:latin typeface="Times New Roman" panose="02020603050405020304" pitchFamily="18" charset="0"/>
+                <a:ea typeface="標楷體" panose="03000509000000000000" pitchFamily="65" charset="-120"/>
+                <a:cs typeface="Times New Roman" panose="02020603050405020304" pitchFamily="18" charset="0"/>
+              </a:rPr>
+              <a:t>STI</a:t>
+            </a:r>
+            <a:r>
+              <a:rPr lang="zh-TW" altLang="en-US" sz="2900" dirty="0">
+                <a:latin typeface="Times New Roman" panose="02020603050405020304" pitchFamily="18" charset="0"/>
+                <a:ea typeface="標楷體" panose="03000509000000000000" pitchFamily="65" charset="-120"/>
+                <a:cs typeface="Times New Roman" panose="02020603050405020304" pitchFamily="18" charset="0"/>
+              </a:rPr>
+              <a:t>波形圖</a:t>
+            </a:r>
+            <a:r>
+              <a:rPr lang="en-US" altLang="zh-TW" sz="2900" dirty="0">
+                <a:latin typeface="Times New Roman" panose="02020603050405020304" pitchFamily="18" charset="0"/>
+                <a:ea typeface="標楷體" panose="03000509000000000000" pitchFamily="65" charset="-120"/>
+                <a:cs typeface="Times New Roman" panose="02020603050405020304" pitchFamily="18" charset="0"/>
+              </a:rPr>
+              <a:t>(</a:t>
+            </a:r>
+            <a:r>
+              <a:rPr lang="en-US" altLang="zh-TW" sz="2900" dirty="0" err="1">
+                <a:latin typeface="Times New Roman" panose="02020603050405020304" pitchFamily="18" charset="0"/>
+                <a:ea typeface="標楷體" panose="03000509000000000000" pitchFamily="65" charset="-120"/>
+                <a:cs typeface="Times New Roman" panose="02020603050405020304" pitchFamily="18" charset="0"/>
+              </a:rPr>
+              <a:t>pi_end</a:t>
+            </a:r>
+            <a:r>
+              <a:rPr lang="en-US" altLang="zh-TW" sz="2900" dirty="0">
+                <a:latin typeface="Times New Roman" panose="02020603050405020304" pitchFamily="18" charset="0"/>
+                <a:ea typeface="標楷體" panose="03000509000000000000" pitchFamily="65" charset="-120"/>
+                <a:cs typeface="Times New Roman" panose="02020603050405020304" pitchFamily="18" charset="0"/>
+              </a:rPr>
+              <a:t>)</a:t>
+            </a:r>
+            <a:endParaRPr lang="zh-TW" altLang="en-US" sz="2900" dirty="0">
+              <a:latin typeface="Times New Roman" panose="02020603050405020304" pitchFamily="18" charset="0"/>
+              <a:ea typeface="標楷體" panose="03000509000000000000" pitchFamily="65" charset="-120"/>
+              <a:cs typeface="Times New Roman" panose="02020603050405020304" pitchFamily="18" charset="0"/>
+            </a:endParaRPr>
+          </a:p>
+        </p:txBody>
+      </p:sp>
+      <p:sp>
+        <p:nvSpPr>
           <p:cNvPr id="3" name="內容版面配置區 2">
             <a:extLst>
               <a:ext uri="{FF2B5EF4-FFF2-40B4-BE49-F238E27FC236}">
-                <a16:creationId xmlns:a16="http://schemas.microsoft.com/office/drawing/2014/main" id="{5DA835CD-DB32-0098-AA29-D56FCC416481}"/>
+                <a16:creationId xmlns:a16="http://schemas.microsoft.com/office/drawing/2014/main" id="{494286DB-3494-E083-7F2E-2EFE8CBC3D90}"/>
               </a:ext>
             </a:extLst>
           </p:cNvPr>
@@ -5161,32 +6460,26 @@
         </p:nvSpPr>
         <p:spPr>
           <a:xfrm>
-            <a:off x="838200" y="422952"/>
-            <a:ext cx="10515600" cy="873187"/>
+            <a:off x="838200" y="883717"/>
+            <a:ext cx="10515600" cy="1338773"/>
           </a:xfrm>
         </p:spPr>
         <p:txBody>
-          <a:bodyPr/>
+          <a:bodyPr>
+            <a:noAutofit/>
+          </a:bodyPr>
           <a:lstStyle/>
           <a:p>
             <a:r>
-              <a:rPr lang="zh-TW" altLang="en-US" dirty="0">
-                <a:latin typeface="Times New Roman" panose="02020603050405020304" pitchFamily="18" charset="0"/>
-                <a:ea typeface="標楷體" panose="03000509000000000000" pitchFamily="65" charset="-120"/>
-                <a:cs typeface="Times New Roman" panose="02020603050405020304" pitchFamily="18" charset="0"/>
-              </a:rPr>
-              <a:t>波形圖</a:t>
-            </a:r>
-            <a:r>
-              <a:rPr lang="en-US" altLang="zh-TW" dirty="0">
-                <a:latin typeface="Times New Roman" panose="02020603050405020304" pitchFamily="18" charset="0"/>
-                <a:ea typeface="標楷體" panose="03000509000000000000" pitchFamily="65" charset="-120"/>
-                <a:cs typeface="Times New Roman" panose="02020603050405020304" pitchFamily="18" charset="0"/>
-              </a:rPr>
-              <a:t>(</a:t>
-            </a:r>
-            <a:r>
-              <a:rPr lang="en-US" altLang="zh-TW" dirty="0" err="1">
+              <a:rPr lang="zh-TW" altLang="en-US" sz="2800" dirty="0">
+                <a:latin typeface="Times New Roman" panose="02020603050405020304" pitchFamily="18" charset="0"/>
+                <a:ea typeface="標楷體" panose="03000509000000000000" pitchFamily="65" charset="-120"/>
+                <a:cs typeface="Times New Roman" panose="02020603050405020304" pitchFamily="18" charset="0"/>
+              </a:rPr>
+              <a:t>當偵測到</a:t>
+            </a:r>
+            <a:r>
+              <a:rPr lang="en-US" altLang="zh-TW" sz="2800" dirty="0" err="1">
                 <a:latin typeface="Times New Roman" panose="02020603050405020304" pitchFamily="18" charset="0"/>
                 <a:ea typeface="標楷體" panose="03000509000000000000" pitchFamily="65" charset="-120"/>
                 <a:cs typeface="Times New Roman" panose="02020603050405020304" pitchFamily="18" charset="0"/>
@@ -5194,14 +6487,110 @@
               <a:t>pi_end</a:t>
             </a:r>
             <a:r>
-              <a:rPr lang="en-US" altLang="zh-TW" dirty="0">
-                <a:latin typeface="Times New Roman" panose="02020603050405020304" pitchFamily="18" charset="0"/>
-                <a:ea typeface="標楷體" panose="03000509000000000000" pitchFamily="65" charset="-120"/>
-                <a:cs typeface="Times New Roman" panose="02020603050405020304" pitchFamily="18" charset="0"/>
-              </a:rPr>
-              <a:t>)</a:t>
-            </a:r>
-            <a:endParaRPr lang="zh-TW" altLang="en-US" dirty="0">
+              <a:rPr lang="en-US" altLang="zh-TW" sz="2800" dirty="0">
+                <a:latin typeface="Times New Roman" panose="02020603050405020304" pitchFamily="18" charset="0"/>
+                <a:ea typeface="標楷體" panose="03000509000000000000" pitchFamily="65" charset="-120"/>
+                <a:cs typeface="Times New Roman" panose="02020603050405020304" pitchFamily="18" charset="0"/>
+              </a:rPr>
+              <a:t>=1</a:t>
+            </a:r>
+            <a:r>
+              <a:rPr lang="zh-TW" altLang="en-US" sz="2800" dirty="0">
+                <a:latin typeface="Times New Roman" panose="02020603050405020304" pitchFamily="18" charset="0"/>
+                <a:ea typeface="標楷體" panose="03000509000000000000" pitchFamily="65" charset="-120"/>
+                <a:cs typeface="Times New Roman" panose="02020603050405020304" pitchFamily="18" charset="0"/>
+              </a:rPr>
+              <a:t>時表示不會再輸入並列資料，但是偵測到</a:t>
+            </a:r>
+            <a:r>
+              <a:rPr lang="en-US" altLang="zh-TW" sz="2800" dirty="0" err="1">
+                <a:latin typeface="Times New Roman" panose="02020603050405020304" pitchFamily="18" charset="0"/>
+                <a:ea typeface="標楷體" panose="03000509000000000000" pitchFamily="65" charset="-120"/>
+                <a:cs typeface="Times New Roman" panose="02020603050405020304" pitchFamily="18" charset="0"/>
+              </a:rPr>
+              <a:t>pi_end</a:t>
+            </a:r>
+            <a:r>
+              <a:rPr lang="en-US" altLang="zh-TW" sz="2800" dirty="0">
+                <a:latin typeface="Times New Roman" panose="02020603050405020304" pitchFamily="18" charset="0"/>
+                <a:ea typeface="標楷體" panose="03000509000000000000" pitchFamily="65" charset="-120"/>
+                <a:cs typeface="Times New Roman" panose="02020603050405020304" pitchFamily="18" charset="0"/>
+              </a:rPr>
+              <a:t>=1</a:t>
+            </a:r>
+            <a:r>
+              <a:rPr lang="zh-TW" altLang="en-US" sz="2800" dirty="0">
+                <a:latin typeface="Times New Roman" panose="02020603050405020304" pitchFamily="18" charset="0"/>
+                <a:ea typeface="標楷體" panose="03000509000000000000" pitchFamily="65" charset="-120"/>
+                <a:cs typeface="Times New Roman" panose="02020603050405020304" pitchFamily="18" charset="0"/>
+              </a:rPr>
+              <a:t>前還有資料傳入，所以在</a:t>
+            </a:r>
+            <a:r>
+              <a:rPr lang="zh-TW" altLang="en-US" sz="2800" baseline="0" dirty="0">
+                <a:latin typeface="Times New Roman" panose="02020603050405020304" pitchFamily="18" charset="0"/>
+                <a:ea typeface="標楷體" panose="03000509000000000000" pitchFamily="65" charset="-120"/>
+                <a:cs typeface="Times New Roman" panose="02020603050405020304" pitchFamily="18" charset="0"/>
+              </a:rPr>
+              <a:t> </a:t>
+            </a:r>
+            <a:r>
+              <a:rPr lang="en-US" altLang="zh-TW" sz="2800" dirty="0" err="1">
+                <a:latin typeface="Times New Roman" panose="02020603050405020304" pitchFamily="18" charset="0"/>
+                <a:ea typeface="標楷體" panose="03000509000000000000" pitchFamily="65" charset="-120"/>
+                <a:cs typeface="Times New Roman" panose="02020603050405020304" pitchFamily="18" charset="0"/>
+              </a:rPr>
+              <a:t>pi_end</a:t>
+            </a:r>
+            <a:r>
+              <a:rPr lang="en-US" altLang="zh-TW" sz="2800" dirty="0">
+                <a:latin typeface="Times New Roman" panose="02020603050405020304" pitchFamily="18" charset="0"/>
+                <a:ea typeface="標楷體" panose="03000509000000000000" pitchFamily="65" charset="-120"/>
+                <a:cs typeface="Times New Roman" panose="02020603050405020304" pitchFamily="18" charset="0"/>
+              </a:rPr>
+              <a:t> =1</a:t>
+            </a:r>
+            <a:r>
+              <a:rPr lang="zh-TW" altLang="en-US" sz="2800" dirty="0">
+                <a:latin typeface="Times New Roman" panose="02020603050405020304" pitchFamily="18" charset="0"/>
+                <a:ea typeface="標楷體" panose="03000509000000000000" pitchFamily="65" charset="-120"/>
+                <a:cs typeface="Times New Roman" panose="02020603050405020304" pitchFamily="18" charset="0"/>
+              </a:rPr>
+              <a:t>後</a:t>
+            </a:r>
+            <a:r>
+              <a:rPr lang="en-US" altLang="zh-TW" sz="2800" dirty="0" err="1">
+                <a:latin typeface="Times New Roman" panose="02020603050405020304" pitchFamily="18" charset="0"/>
+                <a:ea typeface="標楷體" panose="03000509000000000000" pitchFamily="65" charset="-120"/>
+                <a:cs typeface="Times New Roman" panose="02020603050405020304" pitchFamily="18" charset="0"/>
+              </a:rPr>
+              <a:t>so_valid</a:t>
+            </a:r>
+            <a:r>
+              <a:rPr lang="zh-TW" altLang="en-US" sz="2800" dirty="0">
+                <a:latin typeface="Times New Roman" panose="02020603050405020304" pitchFamily="18" charset="0"/>
+                <a:ea typeface="標楷體" panose="03000509000000000000" pitchFamily="65" charset="-120"/>
+                <a:cs typeface="Times New Roman" panose="02020603050405020304" pitchFamily="18" charset="0"/>
+              </a:rPr>
+              <a:t>會再有一次設成</a:t>
+            </a:r>
+            <a:r>
+              <a:rPr lang="en-US" altLang="zh-TW" sz="2800" dirty="0">
+                <a:latin typeface="Times New Roman" panose="02020603050405020304" pitchFamily="18" charset="0"/>
+                <a:ea typeface="標楷體" panose="03000509000000000000" pitchFamily="65" charset="-120"/>
+                <a:cs typeface="Times New Roman" panose="02020603050405020304" pitchFamily="18" charset="0"/>
+              </a:rPr>
+              <a:t>1</a:t>
+            </a:r>
+            <a:r>
+              <a:rPr lang="zh-TW" altLang="en-US" sz="2800" baseline="0" dirty="0">
+                <a:latin typeface="Times New Roman" panose="02020603050405020304" pitchFamily="18" charset="0"/>
+                <a:ea typeface="標楷體" panose="03000509000000000000" pitchFamily="65" charset="-120"/>
+                <a:cs typeface="Times New Roman" panose="02020603050405020304" pitchFamily="18" charset="0"/>
+              </a:rPr>
+              <a:t>。</a:t>
+            </a:r>
+            <a:endParaRPr lang="zh-TW" altLang="en-US" sz="2800" dirty="0">
               <a:latin typeface="Times New Roman" panose="02020603050405020304" pitchFamily="18" charset="0"/>
               <a:ea typeface="標楷體" panose="03000509000000000000" pitchFamily="65" charset="-120"/>
               <a:cs typeface="Times New Roman" panose="02020603050405020304" pitchFamily="18" charset="0"/>
@@ -5209,41 +6598,12 @@
           </a:p>
         </p:txBody>
       </p:sp>
-      <p:sp>
-        <p:nvSpPr>
-          <p:cNvPr id="4" name="投影片編號版面配置區 3">
-            <a:extLst>
-              <a:ext uri="{FF2B5EF4-FFF2-40B4-BE49-F238E27FC236}">
-                <a16:creationId xmlns:a16="http://schemas.microsoft.com/office/drawing/2014/main" id="{38048BBE-BDFE-EDB4-76AC-A0E4177319A2}"/>
-              </a:ext>
-            </a:extLst>
-          </p:cNvPr>
-          <p:cNvSpPr>
-            <a:spLocks noGrp="1"/>
-          </p:cNvSpPr>
-          <p:nvPr>
-            <p:ph type="sldNum" sz="quarter" idx="12"/>
-          </p:nvPr>
-        </p:nvSpPr>
-        <p:spPr/>
-        <p:txBody>
-          <a:bodyPr/>
-          <a:lstStyle/>
-          <a:p>
-            <a:fld id="{7D3C2007-09EB-4B8E-B7A7-F48258516163}" type="slidenum">
-              <a:rPr lang="zh-TW" altLang="en-US" smtClean="0"/>
-              <a:t>13</a:t>
-            </a:fld>
-            <a:endParaRPr lang="zh-TW" altLang="en-US"/>
-          </a:p>
-        </p:txBody>
-      </p:sp>
       <p:pic>
         <p:nvPicPr>
-          <p:cNvPr id="6" name="圖片 5">
+          <p:cNvPr id="4" name="圖片 3">
             <a:extLst>
               <a:ext uri="{FF2B5EF4-FFF2-40B4-BE49-F238E27FC236}">
-                <a16:creationId xmlns:a16="http://schemas.microsoft.com/office/drawing/2014/main" id="{04E178F4-94FC-51E0-1497-B4726724B478}"/>
+                <a16:creationId xmlns:a16="http://schemas.microsoft.com/office/drawing/2014/main" id="{45038B03-807B-73A1-388C-4921C4C92815}"/>
               </a:ext>
             </a:extLst>
           </p:cNvPr>
@@ -5276,10 +6636,10 @@
       </p:pic>
       <p:sp>
         <p:nvSpPr>
-          <p:cNvPr id="7" name="矩形 6">
+          <p:cNvPr id="6" name="矩形 5">
             <a:extLst>
               <a:ext uri="{FF2B5EF4-FFF2-40B4-BE49-F238E27FC236}">
-                <a16:creationId xmlns:a16="http://schemas.microsoft.com/office/drawing/2014/main" id="{DCB072B9-D86A-EDF1-F6BB-B2601721A42E}"/>
+                <a16:creationId xmlns:a16="http://schemas.microsoft.com/office/drawing/2014/main" id="{B7F1CE12-8900-C174-19CB-24E99FF1C472}"/>
               </a:ext>
             </a:extLst>
           </p:cNvPr>
@@ -5328,166 +6688,10 @@
           </a:p>
         </p:txBody>
       </p:sp>
-      <p:sp>
-        <p:nvSpPr>
-          <p:cNvPr id="8" name="文字方塊 7">
-            <a:extLst>
-              <a:ext uri="{FF2B5EF4-FFF2-40B4-BE49-F238E27FC236}">
-                <a16:creationId xmlns:a16="http://schemas.microsoft.com/office/drawing/2014/main" id="{57838103-8A7C-8B7E-546A-656D1F68D6F0}"/>
-              </a:ext>
-            </a:extLst>
-          </p:cNvPr>
-          <p:cNvSpPr txBox="1"/>
-          <p:nvPr/>
-        </p:nvSpPr>
-        <p:spPr>
-          <a:xfrm>
-            <a:off x="838200" y="1404692"/>
-            <a:ext cx="10241132" cy="830997"/>
-          </a:xfrm>
-          <a:prstGeom prst="rect">
-            <a:avLst/>
-          </a:prstGeom>
-          <a:noFill/>
-        </p:spPr>
-        <p:txBody>
-          <a:bodyPr wrap="square" rtlCol="0">
-            <a:spAutoFit/>
-          </a:bodyPr>
-          <a:lstStyle/>
-          <a:p>
-            <a:r>
-              <a:rPr lang="zh-TW" altLang="en-US" sz="2400" dirty="0">
-                <a:latin typeface="Times New Roman" panose="02020603050405020304" pitchFamily="18" charset="0"/>
-                <a:ea typeface="標楷體" panose="03000509000000000000" pitchFamily="65" charset="-120"/>
-                <a:cs typeface="Times New Roman" panose="02020603050405020304" pitchFamily="18" charset="0"/>
-              </a:rPr>
-              <a:t>當偵測到</a:t>
-            </a:r>
-            <a:r>
-              <a:rPr lang="en-US" altLang="zh-TW" sz="2400" dirty="0" err="1">
-                <a:latin typeface="Times New Roman" panose="02020603050405020304" pitchFamily="18" charset="0"/>
-                <a:ea typeface="標楷體" panose="03000509000000000000" pitchFamily="65" charset="-120"/>
-                <a:cs typeface="Times New Roman" panose="02020603050405020304" pitchFamily="18" charset="0"/>
-              </a:rPr>
-              <a:t>pi_end</a:t>
-            </a:r>
-            <a:r>
-              <a:rPr lang="en-US" altLang="zh-TW" sz="2400" dirty="0">
-                <a:latin typeface="Times New Roman" panose="02020603050405020304" pitchFamily="18" charset="0"/>
-                <a:ea typeface="標楷體" panose="03000509000000000000" pitchFamily="65" charset="-120"/>
-                <a:cs typeface="Times New Roman" panose="02020603050405020304" pitchFamily="18" charset="0"/>
-              </a:rPr>
-              <a:t>=1</a:t>
-            </a:r>
-            <a:r>
-              <a:rPr lang="zh-TW" altLang="en-US" sz="2400" dirty="0">
-                <a:latin typeface="Times New Roman" panose="02020603050405020304" pitchFamily="18" charset="0"/>
-                <a:ea typeface="標楷體" panose="03000509000000000000" pitchFamily="65" charset="-120"/>
-                <a:cs typeface="Times New Roman" panose="02020603050405020304" pitchFamily="18" charset="0"/>
-              </a:rPr>
-              <a:t>時表示不會再輸入並列資料，但是偵測到</a:t>
-            </a:r>
-            <a:r>
-              <a:rPr lang="en-US" altLang="zh-TW" sz="2400" dirty="0" err="1">
-                <a:latin typeface="Times New Roman" panose="02020603050405020304" pitchFamily="18" charset="0"/>
-                <a:ea typeface="標楷體" panose="03000509000000000000" pitchFamily="65" charset="-120"/>
-                <a:cs typeface="Times New Roman" panose="02020603050405020304" pitchFamily="18" charset="0"/>
-              </a:rPr>
-              <a:t>pi_end</a:t>
-            </a:r>
-            <a:r>
-              <a:rPr lang="en-US" altLang="zh-TW" sz="2400" dirty="0">
-                <a:latin typeface="Times New Roman" panose="02020603050405020304" pitchFamily="18" charset="0"/>
-                <a:ea typeface="標楷體" panose="03000509000000000000" pitchFamily="65" charset="-120"/>
-                <a:cs typeface="Times New Roman" panose="02020603050405020304" pitchFamily="18" charset="0"/>
-              </a:rPr>
-              <a:t>=1</a:t>
-            </a:r>
-            <a:r>
-              <a:rPr lang="zh-TW" altLang="en-US" sz="2400" dirty="0">
-                <a:latin typeface="Times New Roman" panose="02020603050405020304" pitchFamily="18" charset="0"/>
-                <a:ea typeface="標楷體" panose="03000509000000000000" pitchFamily="65" charset="-120"/>
-                <a:cs typeface="Times New Roman" panose="02020603050405020304" pitchFamily="18" charset="0"/>
-              </a:rPr>
-              <a:t>前還有資料傳入，所以在</a:t>
-            </a:r>
-            <a:r>
-              <a:rPr lang="zh-TW" altLang="en-US" sz="2400" baseline="0" dirty="0">
-                <a:latin typeface="Times New Roman" panose="02020603050405020304" pitchFamily="18" charset="0"/>
-                <a:ea typeface="標楷體" panose="03000509000000000000" pitchFamily="65" charset="-120"/>
-                <a:cs typeface="Times New Roman" panose="02020603050405020304" pitchFamily="18" charset="0"/>
-              </a:rPr>
-              <a:t> </a:t>
-            </a:r>
-            <a:r>
-              <a:rPr lang="en-US" altLang="zh-TW" sz="2400" dirty="0" err="1">
-                <a:latin typeface="Times New Roman" panose="02020603050405020304" pitchFamily="18" charset="0"/>
-                <a:ea typeface="標楷體" panose="03000509000000000000" pitchFamily="65" charset="-120"/>
-                <a:cs typeface="Times New Roman" panose="02020603050405020304" pitchFamily="18" charset="0"/>
-              </a:rPr>
-              <a:t>pi_end</a:t>
-            </a:r>
-            <a:r>
-              <a:rPr lang="en-US" altLang="zh-TW" sz="2400" dirty="0">
-                <a:latin typeface="Times New Roman" panose="02020603050405020304" pitchFamily="18" charset="0"/>
-                <a:ea typeface="標楷體" panose="03000509000000000000" pitchFamily="65" charset="-120"/>
-                <a:cs typeface="Times New Roman" panose="02020603050405020304" pitchFamily="18" charset="0"/>
-              </a:rPr>
-              <a:t> =1</a:t>
-            </a:r>
-            <a:r>
-              <a:rPr lang="zh-TW" altLang="en-US" sz="2400" dirty="0">
-                <a:latin typeface="Times New Roman" panose="02020603050405020304" pitchFamily="18" charset="0"/>
-                <a:ea typeface="標楷體" panose="03000509000000000000" pitchFamily="65" charset="-120"/>
-                <a:cs typeface="Times New Roman" panose="02020603050405020304" pitchFamily="18" charset="0"/>
-              </a:rPr>
-              <a:t>後</a:t>
-            </a:r>
-            <a:r>
-              <a:rPr lang="en-US" altLang="zh-TW" sz="2400" dirty="0" err="1">
-                <a:latin typeface="Times New Roman" panose="02020603050405020304" pitchFamily="18" charset="0"/>
-                <a:ea typeface="標楷體" panose="03000509000000000000" pitchFamily="65" charset="-120"/>
-                <a:cs typeface="Times New Roman" panose="02020603050405020304" pitchFamily="18" charset="0"/>
-              </a:rPr>
-              <a:t>so_valid</a:t>
-            </a:r>
-            <a:r>
-              <a:rPr lang="zh-TW" altLang="en-US" sz="2400" dirty="0">
-                <a:latin typeface="Times New Roman" panose="02020603050405020304" pitchFamily="18" charset="0"/>
-                <a:ea typeface="標楷體" panose="03000509000000000000" pitchFamily="65" charset="-120"/>
-                <a:cs typeface="Times New Roman" panose="02020603050405020304" pitchFamily="18" charset="0"/>
-              </a:rPr>
-              <a:t>會再有一次設成</a:t>
-            </a:r>
-            <a:r>
-              <a:rPr lang="en-US" altLang="zh-TW" sz="2400" dirty="0">
-                <a:latin typeface="Times New Roman" panose="02020603050405020304" pitchFamily="18" charset="0"/>
-                <a:ea typeface="標楷體" panose="03000509000000000000" pitchFamily="65" charset="-120"/>
-                <a:cs typeface="Times New Roman" panose="02020603050405020304" pitchFamily="18" charset="0"/>
-              </a:rPr>
-              <a:t>1</a:t>
-            </a:r>
-            <a:r>
-              <a:rPr lang="zh-TW" altLang="en-US" sz="2400" baseline="0" dirty="0">
-                <a:latin typeface="Times New Roman" panose="02020603050405020304" pitchFamily="18" charset="0"/>
-                <a:ea typeface="標楷體" panose="03000509000000000000" pitchFamily="65" charset="-120"/>
-                <a:cs typeface="Times New Roman" panose="02020603050405020304" pitchFamily="18" charset="0"/>
-              </a:rPr>
-              <a:t>。</a:t>
-            </a:r>
-            <a:endParaRPr lang="zh-TW" altLang="en-US" sz="2400" dirty="0">
-              <a:latin typeface="Times New Roman" panose="02020603050405020304" pitchFamily="18" charset="0"/>
-              <a:ea typeface="標楷體" panose="03000509000000000000" pitchFamily="65" charset="-120"/>
-              <a:cs typeface="Times New Roman" panose="02020603050405020304" pitchFamily="18" charset="0"/>
-            </a:endParaRPr>
-          </a:p>
-        </p:txBody>
-      </p:sp>
     </p:spTree>
     <p:extLst>
       <p:ext uri="{BB962C8B-B14F-4D97-AF65-F5344CB8AC3E}">
-        <p14:creationId xmlns:p14="http://schemas.microsoft.com/office/powerpoint/2010/main" val="2070878826"/>
+        <p14:creationId xmlns:p14="http://schemas.microsoft.com/office/powerpoint/2010/main" val="4036155908"/>
       </p:ext>
     </p:extLst>
   </p:cSld>
@@ -5498,6 +6702,739 @@
 </file>
 
 <file path=ppt/slides/slide15.xml><?xml version="1.0" encoding="utf-8"?>
+<p:sld xmlns:a="http://schemas.openxmlformats.org/drawingml/2006/main" xmlns:r="http://schemas.openxmlformats.org/officeDocument/2006/relationships" xmlns:p="http://schemas.openxmlformats.org/presentationml/2006/main">
+  <p:cSld>
+    <p:spTree>
+      <p:nvGrpSpPr>
+        <p:cNvPr id="1" name=""/>
+        <p:cNvGrpSpPr/>
+        <p:nvPr/>
+      </p:nvGrpSpPr>
+      <p:grpSpPr>
+        <a:xfrm>
+          <a:off x="0" y="0"/>
+          <a:ext cx="0" cy="0"/>
+          <a:chOff x="0" y="0"/>
+          <a:chExt cx="0" cy="0"/>
+        </a:xfrm>
+      </p:grpSpPr>
+      <p:sp>
+        <p:nvSpPr>
+          <p:cNvPr id="2" name="標題 1">
+            <a:extLst>
+              <a:ext uri="{FF2B5EF4-FFF2-40B4-BE49-F238E27FC236}">
+                <a16:creationId xmlns:a16="http://schemas.microsoft.com/office/drawing/2014/main" id="{D6829631-1A27-23C0-BDD8-B2EBCC5435B8}"/>
+              </a:ext>
+            </a:extLst>
+          </p:cNvPr>
+          <p:cNvSpPr>
+            <a:spLocks noGrp="1"/>
+          </p:cNvSpPr>
+          <p:nvPr>
+            <p:ph type="title"/>
+          </p:nvPr>
+        </p:nvSpPr>
+        <p:spPr>
+          <a:xfrm>
+            <a:off x="838200" y="213399"/>
+            <a:ext cx="6308324" cy="513763"/>
+          </a:xfrm>
+        </p:spPr>
+        <p:txBody>
+          <a:bodyPr>
+            <a:noAutofit/>
+          </a:bodyPr>
+          <a:lstStyle/>
+          <a:p>
+            <a:r>
+              <a:rPr lang="en-US" altLang="zh-TW" sz="2900" dirty="0">
+                <a:latin typeface="Times New Roman" panose="02020603050405020304" pitchFamily="18" charset="0"/>
+                <a:ea typeface="標楷體" panose="03000509000000000000" pitchFamily="65" charset="-120"/>
+                <a:cs typeface="Times New Roman" panose="02020603050405020304" pitchFamily="18" charset="0"/>
+              </a:rPr>
+              <a:t>DAC</a:t>
+            </a:r>
+            <a:r>
+              <a:rPr lang="zh-TW" altLang="en-US" sz="2900" dirty="0">
+                <a:latin typeface="Times New Roman" panose="02020603050405020304" pitchFamily="18" charset="0"/>
+                <a:ea typeface="標楷體" panose="03000509000000000000" pitchFamily="65" charset="-120"/>
+                <a:cs typeface="Times New Roman" panose="02020603050405020304" pitchFamily="18" charset="0"/>
+              </a:rPr>
+              <a:t>波形圖</a:t>
+            </a:r>
+            <a:r>
+              <a:rPr lang="en-US" altLang="zh-TW" sz="2900" dirty="0">
+                <a:latin typeface="Times New Roman" panose="02020603050405020304" pitchFamily="18" charset="0"/>
+                <a:ea typeface="標楷體" panose="03000509000000000000" pitchFamily="65" charset="-120"/>
+                <a:cs typeface="Times New Roman" panose="02020603050405020304" pitchFamily="18" charset="0"/>
+              </a:rPr>
+              <a:t>(</a:t>
+            </a:r>
+            <a:r>
+              <a:rPr lang="en-US" altLang="zh-TW" sz="2900" dirty="0" err="1">
+                <a:latin typeface="Times New Roman" panose="02020603050405020304" pitchFamily="18" charset="0"/>
+                <a:ea typeface="標楷體" panose="03000509000000000000" pitchFamily="65" charset="-120"/>
+                <a:cs typeface="Times New Roman" panose="02020603050405020304" pitchFamily="18" charset="0"/>
+              </a:rPr>
+              <a:t>odd_wr</a:t>
+            </a:r>
+            <a:r>
+              <a:rPr lang="zh-TW" altLang="en-US" sz="2900" dirty="0">
+                <a:latin typeface="Times New Roman" panose="02020603050405020304" pitchFamily="18" charset="0"/>
+                <a:ea typeface="標楷體" panose="03000509000000000000" pitchFamily="65" charset="-120"/>
+                <a:cs typeface="Times New Roman" panose="02020603050405020304" pitchFamily="18" charset="0"/>
+              </a:rPr>
+              <a:t>、</a:t>
+            </a:r>
+            <a:r>
+              <a:rPr lang="en-US" altLang="zh-TW" sz="2900" dirty="0" err="1">
+                <a:latin typeface="Times New Roman" panose="02020603050405020304" pitchFamily="18" charset="0"/>
+                <a:ea typeface="標楷體" panose="03000509000000000000" pitchFamily="65" charset="-120"/>
+                <a:cs typeface="Times New Roman" panose="02020603050405020304" pitchFamily="18" charset="0"/>
+              </a:rPr>
+              <a:t>even_wr</a:t>
+            </a:r>
+            <a:r>
+              <a:rPr lang="en-US" altLang="zh-TW" sz="2900" dirty="0">
+                <a:latin typeface="Times New Roman" panose="02020603050405020304" pitchFamily="18" charset="0"/>
+                <a:ea typeface="標楷體" panose="03000509000000000000" pitchFamily="65" charset="-120"/>
+                <a:cs typeface="Times New Roman" panose="02020603050405020304" pitchFamily="18" charset="0"/>
+              </a:rPr>
+              <a:t>)</a:t>
+            </a:r>
+            <a:endParaRPr lang="zh-TW" altLang="en-US" sz="2900" dirty="0">
+              <a:latin typeface="Times New Roman" panose="02020603050405020304" pitchFamily="18" charset="0"/>
+              <a:ea typeface="標楷體" panose="03000509000000000000" pitchFamily="65" charset="-120"/>
+              <a:cs typeface="Times New Roman" panose="02020603050405020304" pitchFamily="18" charset="0"/>
+            </a:endParaRPr>
+          </a:p>
+        </p:txBody>
+      </p:sp>
+      <p:sp>
+        <p:nvSpPr>
+          <p:cNvPr id="3" name="內容版面配置區 2">
+            <a:extLst>
+              <a:ext uri="{FF2B5EF4-FFF2-40B4-BE49-F238E27FC236}">
+                <a16:creationId xmlns:a16="http://schemas.microsoft.com/office/drawing/2014/main" id="{494286DB-3494-E083-7F2E-2EFE8CBC3D90}"/>
+              </a:ext>
+            </a:extLst>
+          </p:cNvPr>
+          <p:cNvSpPr>
+            <a:spLocks noGrp="1"/>
+          </p:cNvSpPr>
+          <p:nvPr>
+            <p:ph idx="1"/>
+          </p:nvPr>
+        </p:nvSpPr>
+        <p:spPr>
+          <a:xfrm>
+            <a:off x="838200" y="883717"/>
+            <a:ext cx="10515600" cy="569581"/>
+          </a:xfrm>
+        </p:spPr>
+        <p:txBody>
+          <a:bodyPr>
+            <a:noAutofit/>
+          </a:bodyPr>
+          <a:lstStyle/>
+          <a:p>
+            <a:r>
+              <a:rPr lang="en-US" altLang="zh-TW" sz="2800" dirty="0" err="1">
+                <a:latin typeface="Times New Roman" panose="02020603050405020304" pitchFamily="18" charset="0"/>
+                <a:ea typeface="標楷體" panose="03000509000000000000" pitchFamily="65" charset="-120"/>
+                <a:cs typeface="Times New Roman" panose="02020603050405020304" pitchFamily="18" charset="0"/>
+              </a:rPr>
+              <a:t>odd_wr</a:t>
+            </a:r>
+            <a:r>
+              <a:rPr lang="zh-TW" altLang="en-US" sz="2800" dirty="0">
+                <a:latin typeface="Times New Roman" panose="02020603050405020304" pitchFamily="18" charset="0"/>
+                <a:ea typeface="標楷體" panose="03000509000000000000" pitchFamily="65" charset="-120"/>
+                <a:cs typeface="Times New Roman" panose="02020603050405020304" pitchFamily="18" charset="0"/>
+              </a:rPr>
+              <a:t>、</a:t>
+            </a:r>
+            <a:r>
+              <a:rPr lang="en-US" altLang="zh-TW" sz="2800" dirty="0" err="1">
+                <a:latin typeface="Times New Roman" panose="02020603050405020304" pitchFamily="18" charset="0"/>
+                <a:ea typeface="標楷體" panose="03000509000000000000" pitchFamily="65" charset="-120"/>
+                <a:cs typeface="Times New Roman" panose="02020603050405020304" pitchFamily="18" charset="0"/>
+              </a:rPr>
+              <a:t>even_wr</a:t>
+            </a:r>
+            <a:r>
+              <a:rPr lang="en-US" altLang="zh-TW" sz="2800" dirty="0">
+                <a:latin typeface="Times New Roman" panose="02020603050405020304" pitchFamily="18" charset="0"/>
+                <a:ea typeface="標楷體" panose="03000509000000000000" pitchFamily="65" charset="-120"/>
+                <a:cs typeface="Times New Roman" panose="02020603050405020304" pitchFamily="18" charset="0"/>
+              </a:rPr>
+              <a:t> </a:t>
+            </a:r>
+            <a:r>
+              <a:rPr lang="zh-TW" altLang="en-US" sz="2800" dirty="0">
+                <a:latin typeface="Times New Roman" panose="02020603050405020304" pitchFamily="18" charset="0"/>
+                <a:ea typeface="標楷體" panose="03000509000000000000" pitchFamily="65" charset="-120"/>
+                <a:cs typeface="Times New Roman" panose="02020603050405020304" pitchFamily="18" charset="0"/>
+              </a:rPr>
+              <a:t>兩種訊號輸出都只會維持</a:t>
+            </a:r>
+            <a:r>
+              <a:rPr lang="en-US" altLang="zh-TW" sz="2800" dirty="0">
+                <a:latin typeface="Times New Roman" panose="02020603050405020304" pitchFamily="18" charset="0"/>
+                <a:ea typeface="標楷體" panose="03000509000000000000" pitchFamily="65" charset="-120"/>
+                <a:cs typeface="Times New Roman" panose="02020603050405020304" pitchFamily="18" charset="0"/>
+              </a:rPr>
+              <a:t>1</a:t>
+            </a:r>
+            <a:r>
+              <a:rPr lang="zh-TW" altLang="en-US" sz="2800" dirty="0">
+                <a:latin typeface="Times New Roman" panose="02020603050405020304" pitchFamily="18" charset="0"/>
+                <a:ea typeface="標楷體" panose="03000509000000000000" pitchFamily="65" charset="-120"/>
+                <a:cs typeface="Times New Roman" panose="02020603050405020304" pitchFamily="18" charset="0"/>
+              </a:rPr>
+              <a:t>個</a:t>
+            </a:r>
+            <a:r>
+              <a:rPr lang="en-US" altLang="zh-TW" sz="2800" dirty="0" err="1">
+                <a:latin typeface="Times New Roman" panose="02020603050405020304" pitchFamily="18" charset="0"/>
+                <a:ea typeface="標楷體" panose="03000509000000000000" pitchFamily="65" charset="-120"/>
+                <a:cs typeface="Times New Roman" panose="02020603050405020304" pitchFamily="18" charset="0"/>
+              </a:rPr>
+              <a:t>clk</a:t>
+            </a:r>
+            <a:r>
+              <a:rPr lang="zh-TW" altLang="en-US" sz="2800" dirty="0">
+                <a:latin typeface="Times New Roman" panose="02020603050405020304" pitchFamily="18" charset="0"/>
+                <a:ea typeface="標楷體" panose="03000509000000000000" pitchFamily="65" charset="-120"/>
+                <a:cs typeface="Times New Roman" panose="02020603050405020304" pitchFamily="18" charset="0"/>
+              </a:rPr>
+              <a:t>，</a:t>
+            </a:r>
+            <a:r>
+              <a:rPr lang="zh-TW" altLang="en-US" sz="2800" baseline="0" dirty="0">
+                <a:latin typeface="Times New Roman" panose="02020603050405020304" pitchFamily="18" charset="0"/>
+                <a:ea typeface="標楷體" panose="03000509000000000000" pitchFamily="65" charset="-120"/>
+                <a:cs typeface="Times New Roman" panose="02020603050405020304" pitchFamily="18" charset="0"/>
+              </a:rPr>
+              <a:t>。</a:t>
+            </a:r>
+            <a:endParaRPr lang="zh-TW" altLang="en-US" sz="2800" dirty="0">
+              <a:latin typeface="Times New Roman" panose="02020603050405020304" pitchFamily="18" charset="0"/>
+              <a:ea typeface="標楷體" panose="03000509000000000000" pitchFamily="65" charset="-120"/>
+              <a:cs typeface="Times New Roman" panose="02020603050405020304" pitchFamily="18" charset="0"/>
+            </a:endParaRPr>
+          </a:p>
+        </p:txBody>
+      </p:sp>
+      <p:pic>
+        <p:nvPicPr>
+          <p:cNvPr id="7" name="圖片 6">
+            <a:extLst>
+              <a:ext uri="{FF2B5EF4-FFF2-40B4-BE49-F238E27FC236}">
+                <a16:creationId xmlns:a16="http://schemas.microsoft.com/office/drawing/2014/main" id="{5C4636BD-C518-8632-9DAE-B64300058074}"/>
+              </a:ext>
+            </a:extLst>
+          </p:cNvPr>
+          <p:cNvPicPr>
+            <a:picLocks noChangeAspect="1"/>
+          </p:cNvPicPr>
+          <p:nvPr/>
+        </p:nvPicPr>
+        <p:blipFill>
+          <a:blip r:embed="rId2">
+            <a:extLst>
+              <a:ext uri="{28A0092B-C50C-407E-A947-70E740481C1C}">
+                <a14:useLocalDpi xmlns:a14="http://schemas.microsoft.com/office/drawing/2010/main" val="0"/>
+              </a:ext>
+            </a:extLst>
+          </a:blip>
+          <a:stretch>
+            <a:fillRect/>
+          </a:stretch>
+        </p:blipFill>
+        <p:spPr>
+          <a:xfrm>
+            <a:off x="94695" y="2326611"/>
+            <a:ext cx="12002610" cy="1522143"/>
+          </a:xfrm>
+          <a:prstGeom prst="rect">
+            <a:avLst/>
+          </a:prstGeom>
+        </p:spPr>
+      </p:pic>
+      <p:sp>
+        <p:nvSpPr>
+          <p:cNvPr id="8" name="矩形 7">
+            <a:extLst>
+              <a:ext uri="{FF2B5EF4-FFF2-40B4-BE49-F238E27FC236}">
+                <a16:creationId xmlns:a16="http://schemas.microsoft.com/office/drawing/2014/main" id="{B05DA81D-F47C-B00D-B75A-CDEF2CA64C26}"/>
+              </a:ext>
+            </a:extLst>
+          </p:cNvPr>
+          <p:cNvSpPr/>
+          <p:nvPr/>
+        </p:nvSpPr>
+        <p:spPr>
+          <a:xfrm>
+            <a:off x="2317072" y="2254929"/>
+            <a:ext cx="257452" cy="1686757"/>
+          </a:xfrm>
+          <a:prstGeom prst="rect">
+            <a:avLst/>
+          </a:prstGeom>
+          <a:noFill/>
+          <a:ln w="28575" cap="flat" cmpd="sng" algn="ctr">
+            <a:solidFill>
+              <a:srgbClr val="FF0000"/>
+            </a:solidFill>
+            <a:prstDash val="solid"/>
+            <a:round/>
+            <a:headEnd type="none" w="med" len="med"/>
+            <a:tailEnd type="none" w="med" len="med"/>
+          </a:ln>
+        </p:spPr>
+        <p:style>
+          <a:lnRef idx="0">
+            <a:scrgbClr r="0" g="0" b="0"/>
+          </a:lnRef>
+          <a:fillRef idx="0">
+            <a:scrgbClr r="0" g="0" b="0"/>
+          </a:fillRef>
+          <a:effectRef idx="0">
+            <a:scrgbClr r="0" g="0" b="0"/>
+          </a:effectRef>
+          <a:fontRef idx="minor">
+            <a:schemeClr val="dk1"/>
+          </a:fontRef>
+        </p:style>
+        <p:txBody>
+          <a:bodyPr rtlCol="0" anchor="ctr"/>
+          <a:lstStyle/>
+          <a:p>
+            <a:pPr algn="ctr"/>
+            <a:endParaRPr lang="zh-TW" altLang="en-US"/>
+          </a:p>
+        </p:txBody>
+      </p:sp>
+      <p:cxnSp>
+        <p:nvCxnSpPr>
+          <p:cNvPr id="10" name="直線單箭頭接點 9">
+            <a:extLst>
+              <a:ext uri="{FF2B5EF4-FFF2-40B4-BE49-F238E27FC236}">
+                <a16:creationId xmlns:a16="http://schemas.microsoft.com/office/drawing/2014/main" id="{6967F203-5B3B-C135-4FC3-5F167C8C0A80}"/>
+              </a:ext>
+            </a:extLst>
+          </p:cNvPr>
+          <p:cNvCxnSpPr>
+            <a:cxnSpLocks/>
+            <a:stCxn id="8" idx="2"/>
+          </p:cNvCxnSpPr>
+          <p:nvPr/>
+        </p:nvCxnSpPr>
+        <p:spPr>
+          <a:xfrm>
+            <a:off x="2445798" y="3941686"/>
+            <a:ext cx="670264" cy="663138"/>
+          </a:xfrm>
+          <a:prstGeom prst="straightConnector1">
+            <a:avLst/>
+          </a:prstGeom>
+          <a:ln w="57150">
+            <a:solidFill>
+              <a:srgbClr val="FF0000"/>
+            </a:solidFill>
+            <a:tailEnd type="triangle"/>
+          </a:ln>
+        </p:spPr>
+        <p:style>
+          <a:lnRef idx="3">
+            <a:schemeClr val="accent2"/>
+          </a:lnRef>
+          <a:fillRef idx="0">
+            <a:schemeClr val="accent2"/>
+          </a:fillRef>
+          <a:effectRef idx="2">
+            <a:schemeClr val="accent2"/>
+          </a:effectRef>
+          <a:fontRef idx="minor">
+            <a:schemeClr val="tx1"/>
+          </a:fontRef>
+        </p:style>
+      </p:cxnSp>
+      <p:pic>
+        <p:nvPicPr>
+          <p:cNvPr id="13" name="圖片 12">
+            <a:extLst>
+              <a:ext uri="{FF2B5EF4-FFF2-40B4-BE49-F238E27FC236}">
+                <a16:creationId xmlns:a16="http://schemas.microsoft.com/office/drawing/2014/main" id="{A6911188-2F06-2705-59B1-835421483FB6}"/>
+              </a:ext>
+            </a:extLst>
+          </p:cNvPr>
+          <p:cNvPicPr>
+            <a:picLocks noChangeAspect="1"/>
+          </p:cNvPicPr>
+          <p:nvPr/>
+        </p:nvPicPr>
+        <p:blipFill>
+          <a:blip r:embed="rId3">
+            <a:extLst>
+              <a:ext uri="{28A0092B-C50C-407E-A947-70E740481C1C}">
+                <a14:useLocalDpi xmlns:a14="http://schemas.microsoft.com/office/drawing/2010/main" val="0"/>
+              </a:ext>
+            </a:extLst>
+          </a:blip>
+          <a:stretch>
+            <a:fillRect/>
+          </a:stretch>
+        </p:blipFill>
+        <p:spPr>
+          <a:xfrm>
+            <a:off x="94695" y="4604824"/>
+            <a:ext cx="11819138" cy="1813731"/>
+          </a:xfrm>
+          <a:prstGeom prst="rect">
+            <a:avLst/>
+          </a:prstGeom>
+        </p:spPr>
+      </p:pic>
+    </p:spTree>
+    <p:extLst>
+      <p:ext uri="{BB962C8B-B14F-4D97-AF65-F5344CB8AC3E}">
+        <p14:creationId xmlns:p14="http://schemas.microsoft.com/office/powerpoint/2010/main" val="3889818263"/>
+      </p:ext>
+    </p:extLst>
+  </p:cSld>
+  <p:clrMapOvr>
+    <a:masterClrMapping/>
+  </p:clrMapOvr>
+</p:sld>
+</file>
+
+<file path=ppt/slides/slide16.xml><?xml version="1.0" encoding="utf-8"?>
+<p:sld xmlns:a="http://schemas.openxmlformats.org/drawingml/2006/main" xmlns:r="http://schemas.openxmlformats.org/officeDocument/2006/relationships" xmlns:p="http://schemas.openxmlformats.org/presentationml/2006/main">
+  <p:cSld>
+    <p:spTree>
+      <p:nvGrpSpPr>
+        <p:cNvPr id="1" name=""/>
+        <p:cNvGrpSpPr/>
+        <p:nvPr/>
+      </p:nvGrpSpPr>
+      <p:grpSpPr>
+        <a:xfrm>
+          <a:off x="0" y="0"/>
+          <a:ext cx="0" cy="0"/>
+          <a:chOff x="0" y="0"/>
+          <a:chExt cx="0" cy="0"/>
+        </a:xfrm>
+      </p:grpSpPr>
+      <p:sp>
+        <p:nvSpPr>
+          <p:cNvPr id="2" name="標題 1">
+            <a:extLst>
+              <a:ext uri="{FF2B5EF4-FFF2-40B4-BE49-F238E27FC236}">
+                <a16:creationId xmlns:a16="http://schemas.microsoft.com/office/drawing/2014/main" id="{D6829631-1A27-23C0-BDD8-B2EBCC5435B8}"/>
+              </a:ext>
+            </a:extLst>
+          </p:cNvPr>
+          <p:cNvSpPr>
+            <a:spLocks noGrp="1"/>
+          </p:cNvSpPr>
+          <p:nvPr>
+            <p:ph type="title"/>
+          </p:nvPr>
+        </p:nvSpPr>
+        <p:spPr>
+          <a:xfrm>
+            <a:off x="838200" y="213399"/>
+            <a:ext cx="6308324" cy="513763"/>
+          </a:xfrm>
+        </p:spPr>
+        <p:txBody>
+          <a:bodyPr>
+            <a:noAutofit/>
+          </a:bodyPr>
+          <a:lstStyle/>
+          <a:p>
+            <a:r>
+              <a:rPr lang="en-US" altLang="zh-TW" sz="2900" dirty="0">
+                <a:latin typeface="Times New Roman" panose="02020603050405020304" pitchFamily="18" charset="0"/>
+                <a:ea typeface="標楷體" panose="03000509000000000000" pitchFamily="65" charset="-120"/>
+                <a:cs typeface="Times New Roman" panose="02020603050405020304" pitchFamily="18" charset="0"/>
+              </a:rPr>
+              <a:t>DAC</a:t>
+            </a:r>
+            <a:r>
+              <a:rPr lang="zh-TW" altLang="en-US" sz="2900" dirty="0">
+                <a:latin typeface="Times New Roman" panose="02020603050405020304" pitchFamily="18" charset="0"/>
+                <a:ea typeface="標楷體" panose="03000509000000000000" pitchFamily="65" charset="-120"/>
+                <a:cs typeface="Times New Roman" panose="02020603050405020304" pitchFamily="18" charset="0"/>
+              </a:rPr>
+              <a:t>波形圖</a:t>
+            </a:r>
+            <a:r>
+              <a:rPr lang="en-US" altLang="zh-TW" sz="2900" dirty="0">
+                <a:latin typeface="Times New Roman" panose="02020603050405020304" pitchFamily="18" charset="0"/>
+                <a:ea typeface="標楷體" panose="03000509000000000000" pitchFamily="65" charset="-120"/>
+                <a:cs typeface="Times New Roman" panose="02020603050405020304" pitchFamily="18" charset="0"/>
+              </a:rPr>
+              <a:t>(</a:t>
+            </a:r>
+            <a:r>
+              <a:rPr lang="en-US" altLang="zh-TW" sz="2900" dirty="0" err="1">
+                <a:latin typeface="Times New Roman" panose="02020603050405020304" pitchFamily="18" charset="0"/>
+                <a:ea typeface="標楷體" panose="03000509000000000000" pitchFamily="65" charset="-120"/>
+                <a:cs typeface="Times New Roman" panose="02020603050405020304" pitchFamily="18" charset="0"/>
+              </a:rPr>
+              <a:t>oem_addr</a:t>
+            </a:r>
+            <a:r>
+              <a:rPr lang="en-US" altLang="zh-TW" sz="2900" dirty="0">
+                <a:latin typeface="Times New Roman" panose="02020603050405020304" pitchFamily="18" charset="0"/>
+                <a:ea typeface="標楷體" panose="03000509000000000000" pitchFamily="65" charset="-120"/>
+                <a:cs typeface="Times New Roman" panose="02020603050405020304" pitchFamily="18" charset="0"/>
+              </a:rPr>
+              <a:t>)</a:t>
+            </a:r>
+            <a:endParaRPr lang="zh-TW" altLang="en-US" sz="2900" dirty="0">
+              <a:latin typeface="Times New Roman" panose="02020603050405020304" pitchFamily="18" charset="0"/>
+              <a:ea typeface="標楷體" panose="03000509000000000000" pitchFamily="65" charset="-120"/>
+              <a:cs typeface="Times New Roman" panose="02020603050405020304" pitchFamily="18" charset="0"/>
+            </a:endParaRPr>
+          </a:p>
+        </p:txBody>
+      </p:sp>
+      <p:pic>
+        <p:nvPicPr>
+          <p:cNvPr id="7" name="圖片 6">
+            <a:extLst>
+              <a:ext uri="{FF2B5EF4-FFF2-40B4-BE49-F238E27FC236}">
+                <a16:creationId xmlns:a16="http://schemas.microsoft.com/office/drawing/2014/main" id="{DBDED83D-F646-11A6-BF98-F6158C78BCDA}"/>
+              </a:ext>
+            </a:extLst>
+          </p:cNvPr>
+          <p:cNvPicPr>
+            <a:picLocks noChangeAspect="1"/>
+          </p:cNvPicPr>
+          <p:nvPr/>
+        </p:nvPicPr>
+        <p:blipFill>
+          <a:blip r:embed="rId2">
+            <a:extLst>
+              <a:ext uri="{28A0092B-C50C-407E-A947-70E740481C1C}">
+                <a14:useLocalDpi xmlns:a14="http://schemas.microsoft.com/office/drawing/2010/main" val="0"/>
+              </a:ext>
+            </a:extLst>
+          </a:blip>
+          <a:stretch>
+            <a:fillRect/>
+          </a:stretch>
+        </p:blipFill>
+        <p:spPr>
+          <a:xfrm>
+            <a:off x="87297" y="3179656"/>
+            <a:ext cx="12017406" cy="1365710"/>
+          </a:xfrm>
+          <a:prstGeom prst="rect">
+            <a:avLst/>
+          </a:prstGeom>
+        </p:spPr>
+      </p:pic>
+      <p:sp>
+        <p:nvSpPr>
+          <p:cNvPr id="10" name="矩形 9">
+            <a:extLst>
+              <a:ext uri="{FF2B5EF4-FFF2-40B4-BE49-F238E27FC236}">
+                <a16:creationId xmlns:a16="http://schemas.microsoft.com/office/drawing/2014/main" id="{69E0D92F-C453-E0EE-A821-277085757876}"/>
+              </a:ext>
+            </a:extLst>
+          </p:cNvPr>
+          <p:cNvSpPr/>
+          <p:nvPr/>
+        </p:nvSpPr>
+        <p:spPr>
+          <a:xfrm>
+            <a:off x="2041863" y="2938509"/>
+            <a:ext cx="2246051" cy="2086252"/>
+          </a:xfrm>
+          <a:prstGeom prst="rect">
+            <a:avLst/>
+          </a:prstGeom>
+          <a:noFill/>
+          <a:ln w="28575" cap="flat" cmpd="sng" algn="ctr">
+            <a:solidFill>
+              <a:srgbClr val="FF0000"/>
+            </a:solidFill>
+            <a:prstDash val="solid"/>
+            <a:round/>
+            <a:headEnd type="none" w="med" len="med"/>
+            <a:tailEnd type="none" w="med" len="med"/>
+          </a:ln>
+        </p:spPr>
+        <p:style>
+          <a:lnRef idx="0">
+            <a:scrgbClr r="0" g="0" b="0"/>
+          </a:lnRef>
+          <a:fillRef idx="0">
+            <a:scrgbClr r="0" g="0" b="0"/>
+          </a:fillRef>
+          <a:effectRef idx="0">
+            <a:scrgbClr r="0" g="0" b="0"/>
+          </a:effectRef>
+          <a:fontRef idx="minor">
+            <a:schemeClr val="dk1"/>
+          </a:fontRef>
+        </p:style>
+        <p:txBody>
+          <a:bodyPr rtlCol="0" anchor="ctr"/>
+          <a:lstStyle/>
+          <a:p>
+            <a:pPr algn="ctr"/>
+            <a:endParaRPr lang="zh-TW" altLang="en-US"/>
+          </a:p>
+        </p:txBody>
+      </p:sp>
+      <p:sp>
+        <p:nvSpPr>
+          <p:cNvPr id="15" name="內容版面配置區 2">
+            <a:extLst>
+              <a:ext uri="{FF2B5EF4-FFF2-40B4-BE49-F238E27FC236}">
+                <a16:creationId xmlns:a16="http://schemas.microsoft.com/office/drawing/2014/main" id="{6F4BE004-9F90-AEDB-B643-F753C4038D46}"/>
+              </a:ext>
+            </a:extLst>
+          </p:cNvPr>
+          <p:cNvSpPr>
+            <a:spLocks noGrp="1"/>
+          </p:cNvSpPr>
+          <p:nvPr>
+            <p:ph idx="1"/>
+          </p:nvPr>
+        </p:nvSpPr>
+        <p:spPr>
+          <a:xfrm>
+            <a:off x="838200" y="883717"/>
+            <a:ext cx="10515600" cy="909572"/>
+          </a:xfrm>
+        </p:spPr>
+        <p:txBody>
+          <a:bodyPr>
+            <a:noAutofit/>
+          </a:bodyPr>
+          <a:lstStyle/>
+          <a:p>
+            <a:r>
+              <a:rPr lang="en-US" altLang="zh-TW" sz="2800" dirty="0" err="1">
+                <a:latin typeface="Times New Roman" panose="02020603050405020304" pitchFamily="18" charset="0"/>
+                <a:ea typeface="標楷體" panose="03000509000000000000" pitchFamily="65" charset="-120"/>
+                <a:cs typeface="Times New Roman" panose="02020603050405020304" pitchFamily="18" charset="0"/>
+              </a:rPr>
+              <a:t>oem_addr</a:t>
+            </a:r>
+            <a:r>
+              <a:rPr lang="en-US" altLang="zh-TW" sz="2800" dirty="0">
+                <a:latin typeface="Times New Roman" panose="02020603050405020304" pitchFamily="18" charset="0"/>
+                <a:ea typeface="標楷體" panose="03000509000000000000" pitchFamily="65" charset="-120"/>
+                <a:cs typeface="Times New Roman" panose="02020603050405020304" pitchFamily="18" charset="0"/>
+              </a:rPr>
+              <a:t>=0</a:t>
+            </a:r>
+            <a:r>
+              <a:rPr lang="zh-TW" altLang="en-US" sz="2800" dirty="0">
+                <a:latin typeface="Times New Roman" panose="02020603050405020304" pitchFamily="18" charset="0"/>
+                <a:ea typeface="標楷體" panose="03000509000000000000" pitchFamily="65" charset="-120"/>
+                <a:cs typeface="Times New Roman" panose="02020603050405020304" pitchFamily="18" charset="0"/>
+              </a:rPr>
+              <a:t>時各有一個記憶體的</a:t>
+            </a:r>
+            <a:r>
+              <a:rPr lang="en-US" altLang="zh-TW" sz="2800" dirty="0" err="1">
+                <a:latin typeface="Times New Roman" panose="02020603050405020304" pitchFamily="18" charset="0"/>
+                <a:ea typeface="標楷體" panose="03000509000000000000" pitchFamily="65" charset="-120"/>
+                <a:cs typeface="Times New Roman" panose="02020603050405020304" pitchFamily="18" charset="0"/>
+              </a:rPr>
+              <a:t>wr</a:t>
+            </a:r>
+            <a:r>
+              <a:rPr lang="zh-TW" altLang="en-US" sz="2800" dirty="0">
+                <a:latin typeface="Times New Roman" panose="02020603050405020304" pitchFamily="18" charset="0"/>
+                <a:ea typeface="標楷體" panose="03000509000000000000" pitchFamily="65" charset="-120"/>
+                <a:cs typeface="Times New Roman" panose="02020603050405020304" pitchFamily="18" charset="0"/>
+              </a:rPr>
+              <a:t>訊號設成</a:t>
+            </a:r>
+            <a:r>
+              <a:rPr lang="en-US" altLang="zh-TW" sz="2800" dirty="0">
+                <a:latin typeface="Times New Roman" panose="02020603050405020304" pitchFamily="18" charset="0"/>
+                <a:ea typeface="標楷體" panose="03000509000000000000" pitchFamily="65" charset="-120"/>
+                <a:cs typeface="Times New Roman" panose="02020603050405020304" pitchFamily="18" charset="0"/>
+              </a:rPr>
+              <a:t>1</a:t>
+            </a:r>
+            <a:r>
+              <a:rPr lang="zh-TW" altLang="en-US" sz="2800" dirty="0">
+                <a:latin typeface="Times New Roman" panose="02020603050405020304" pitchFamily="18" charset="0"/>
+                <a:ea typeface="標楷體" panose="03000509000000000000" pitchFamily="65" charset="-120"/>
+                <a:cs typeface="Times New Roman" panose="02020603050405020304" pitchFamily="18" charset="0"/>
+              </a:rPr>
+              <a:t> ，</a:t>
+            </a:r>
+            <a:r>
+              <a:rPr lang="en-US" altLang="zh-TW" sz="2800" dirty="0" err="1">
+                <a:latin typeface="Times New Roman" panose="02020603050405020304" pitchFamily="18" charset="0"/>
+                <a:ea typeface="標楷體" panose="03000509000000000000" pitchFamily="65" charset="-120"/>
+                <a:cs typeface="Times New Roman" panose="02020603050405020304" pitchFamily="18" charset="0"/>
+              </a:rPr>
+              <a:t>oem_addr</a:t>
+            </a:r>
+            <a:r>
+              <a:rPr lang="zh-TW" altLang="en-US" sz="2800" dirty="0">
+                <a:latin typeface="Times New Roman" panose="02020603050405020304" pitchFamily="18" charset="0"/>
+                <a:ea typeface="標楷體" panose="03000509000000000000" pitchFamily="65" charset="-120"/>
+                <a:cs typeface="Times New Roman" panose="02020603050405020304" pitchFamily="18" charset="0"/>
+              </a:rPr>
+              <a:t>每數一次就會各有一個</a:t>
+            </a:r>
+            <a:r>
+              <a:rPr lang="en-US" altLang="zh-TW" sz="2800" dirty="0" err="1">
+                <a:latin typeface="Times New Roman" panose="02020603050405020304" pitchFamily="18" charset="0"/>
+                <a:ea typeface="標楷體" panose="03000509000000000000" pitchFamily="65" charset="-120"/>
+                <a:cs typeface="Times New Roman" panose="02020603050405020304" pitchFamily="18" charset="0"/>
+              </a:rPr>
+              <a:t>wr</a:t>
+            </a:r>
+            <a:r>
+              <a:rPr lang="zh-TW" altLang="en-US" sz="2800" dirty="0">
+                <a:latin typeface="Times New Roman" panose="02020603050405020304" pitchFamily="18" charset="0"/>
+                <a:ea typeface="標楷體" panose="03000509000000000000" pitchFamily="65" charset="-120"/>
+                <a:cs typeface="Times New Roman" panose="02020603050405020304" pitchFamily="18" charset="0"/>
+              </a:rPr>
+              <a:t>訊號設成</a:t>
+            </a:r>
+            <a:r>
+              <a:rPr lang="en-US" altLang="zh-TW" sz="2800" dirty="0">
+                <a:latin typeface="Times New Roman" panose="02020603050405020304" pitchFamily="18" charset="0"/>
+                <a:ea typeface="標楷體" panose="03000509000000000000" pitchFamily="65" charset="-120"/>
+                <a:cs typeface="Times New Roman" panose="02020603050405020304" pitchFamily="18" charset="0"/>
+              </a:rPr>
+              <a:t>1</a:t>
+            </a:r>
+            <a:endParaRPr lang="zh-TW" altLang="en-US" dirty="0"/>
+          </a:p>
+        </p:txBody>
+      </p:sp>
+    </p:spTree>
+    <p:extLst>
+      <p:ext uri="{BB962C8B-B14F-4D97-AF65-F5344CB8AC3E}">
+        <p14:creationId xmlns:p14="http://schemas.microsoft.com/office/powerpoint/2010/main" val="2126615438"/>
+      </p:ext>
+    </p:extLst>
+  </p:cSld>
+  <p:clrMapOvr>
+    <a:masterClrMapping/>
+  </p:clrMapOvr>
+</p:sld>
+</file>
+
+<file path=ppt/slides/slide17.xml><?xml version="1.0" encoding="utf-8"?>
 <p:sld xmlns:a="http://schemas.openxmlformats.org/drawingml/2006/main" xmlns:r="http://schemas.openxmlformats.org/officeDocument/2006/relationships" xmlns:p="http://schemas.openxmlformats.org/presentationml/2006/main">
   <p:cSld>
     <p:spTree>
@@ -5605,7 +7542,7 @@
                 <a:latin typeface="Times New Roman" panose="02020603050405020304" pitchFamily="18" charset="0"/>
                 <a:cs typeface="Times New Roman" panose="02020603050405020304" pitchFamily="18" charset="0"/>
               </a:rPr>
-              <a:t>Contents</a:t>
+              <a:t>Outline</a:t>
             </a:r>
             <a:endParaRPr lang="zh-TW" altLang="en-US" dirty="0">
               <a:latin typeface="Times New Roman" panose="02020603050405020304" pitchFamily="18" charset="0"/>
@@ -5653,7 +7590,7 @@
                 <a:latin typeface="標楷體" panose="03000509000000000000" pitchFamily="65" charset="-120"/>
                 <a:ea typeface="標楷體" panose="03000509000000000000" pitchFamily="65" charset="-120"/>
               </a:rPr>
-              <a:t>輸入訊號</a:t>
+              <a:t>輸入輸出訊號</a:t>
             </a:r>
             <a:endParaRPr lang="en-US" altLang="zh-TW" dirty="0">
               <a:latin typeface="標楷體" panose="03000509000000000000" pitchFamily="65" charset="-120"/>
@@ -5662,11 +7599,19 @@
           </a:p>
           <a:p>
             <a:r>
+              <a:rPr lang="en-US" altLang="zh-TW" dirty="0">
+                <a:latin typeface="Times New Roman" panose="02020603050405020304" pitchFamily="18" charset="0"/>
+                <a:ea typeface="標楷體" panose="03000509000000000000" pitchFamily="65" charset="-120"/>
+                <a:cs typeface="Times New Roman" panose="02020603050405020304" pitchFamily="18" charset="0"/>
+              </a:rPr>
+              <a:t>STI</a:t>
+            </a:r>
+            <a:r>
               <a:rPr lang="zh-TW" altLang="en-US" dirty="0">
                 <a:latin typeface="標楷體" panose="03000509000000000000" pitchFamily="65" charset="-120"/>
                 <a:ea typeface="標楷體" panose="03000509000000000000" pitchFamily="65" charset="-120"/>
               </a:rPr>
-              <a:t>輸出訊號</a:t>
+              <a:t>電路介紹</a:t>
             </a:r>
             <a:endParaRPr lang="en-US" altLang="zh-TW" dirty="0">
               <a:latin typeface="標楷體" panose="03000509000000000000" pitchFamily="65" charset="-120"/>
@@ -5687,7 +7632,7 @@
                 <a:latin typeface="標楷體" panose="03000509000000000000" pitchFamily="65" charset="-120"/>
                 <a:ea typeface="標楷體" panose="03000509000000000000" pitchFamily="65" charset="-120"/>
               </a:rPr>
-              <a:t>電路介紹</a:t>
+              <a:t>流程圖</a:t>
             </a:r>
             <a:endParaRPr lang="en-US" altLang="zh-TW" dirty="0">
               <a:latin typeface="標楷體" panose="03000509000000000000" pitchFamily="65" charset="-120"/>
@@ -5696,11 +7641,65 @@
           </a:p>
           <a:p>
             <a:r>
+              <a:rPr lang="en-US" altLang="zh-TW" sz="2800" dirty="0">
+                <a:latin typeface="Times New Roman" panose="02020603050405020304" pitchFamily="18" charset="0"/>
+                <a:ea typeface="標楷體" panose="03000509000000000000" pitchFamily="65" charset="-120"/>
+                <a:cs typeface="Times New Roman" panose="02020603050405020304" pitchFamily="18" charset="0"/>
+              </a:rPr>
+              <a:t>DAC</a:t>
+            </a:r>
+            <a:r>
+              <a:rPr lang="zh-TW" altLang="en-US" sz="2800" dirty="0">
+                <a:latin typeface="Times New Roman" panose="02020603050405020304" pitchFamily="18" charset="0"/>
+                <a:ea typeface="標楷體" panose="03000509000000000000" pitchFamily="65" charset="-120"/>
+                <a:cs typeface="Times New Roman" panose="02020603050405020304" pitchFamily="18" charset="0"/>
+              </a:rPr>
+              <a:t>電路介紹</a:t>
+            </a:r>
+            <a:endParaRPr lang="en-US" altLang="zh-TW" sz="2800" dirty="0">
+              <a:latin typeface="Times New Roman" panose="02020603050405020304" pitchFamily="18" charset="0"/>
+              <a:ea typeface="標楷體" panose="03000509000000000000" pitchFamily="65" charset="-120"/>
+              <a:cs typeface="Times New Roman" panose="02020603050405020304" pitchFamily="18" charset="0"/>
+            </a:endParaRPr>
+          </a:p>
+          <a:p>
+            <a:r>
+              <a:rPr lang="en-US" altLang="zh-TW" dirty="0">
+                <a:latin typeface="Times New Roman" panose="02020603050405020304" pitchFamily="18" charset="0"/>
+                <a:ea typeface="標楷體" panose="03000509000000000000" pitchFamily="65" charset="-120"/>
+                <a:cs typeface="Times New Roman" panose="02020603050405020304" pitchFamily="18" charset="0"/>
+              </a:rPr>
+              <a:t>DAC</a:t>
+            </a:r>
+            <a:r>
+              <a:rPr lang="zh-TW" altLang="en-US" dirty="0">
+                <a:latin typeface="Times New Roman" panose="02020603050405020304" pitchFamily="18" charset="0"/>
+                <a:ea typeface="標楷體" panose="03000509000000000000" pitchFamily="65" charset="-120"/>
+                <a:cs typeface="Times New Roman" panose="02020603050405020304" pitchFamily="18" charset="0"/>
+              </a:rPr>
+              <a:t>電路設計方式</a:t>
+            </a:r>
+            <a:endParaRPr lang="en-US" altLang="zh-TW" sz="2800" dirty="0">
+              <a:latin typeface="Times New Roman" panose="02020603050405020304" pitchFamily="18" charset="0"/>
+              <a:ea typeface="標楷體" panose="03000509000000000000" pitchFamily="65" charset="-120"/>
+              <a:cs typeface="Times New Roman" panose="02020603050405020304" pitchFamily="18" charset="0"/>
+            </a:endParaRPr>
+          </a:p>
+          <a:p>
+            <a:r>
+              <a:rPr lang="en-US" altLang="zh-TW" dirty="0">
+                <a:latin typeface="Times New Roman" panose="02020603050405020304" pitchFamily="18" charset="0"/>
+                <a:ea typeface="標楷體" panose="03000509000000000000" pitchFamily="65" charset="-120"/>
+                <a:cs typeface="Times New Roman" panose="02020603050405020304" pitchFamily="18" charset="0"/>
+              </a:rPr>
+              <a:t>STI</a:t>
+            </a:r>
+            <a:r>
               <a:rPr lang="zh-TW" altLang="en-US" dirty="0">
                 <a:latin typeface="標楷體" panose="03000509000000000000" pitchFamily="65" charset="-120"/>
                 <a:ea typeface="標楷體" panose="03000509000000000000" pitchFamily="65" charset="-120"/>
               </a:rPr>
-              <a:t>記憶體儲存方式</a:t>
+              <a:t>波形圖</a:t>
             </a:r>
             <a:endParaRPr lang="en-US" altLang="zh-TW" dirty="0">
               <a:latin typeface="標楷體" panose="03000509000000000000" pitchFamily="65" charset="-120"/>
@@ -5714,14 +7713,14 @@
                 <a:ea typeface="標楷體" panose="03000509000000000000" pitchFamily="65" charset="-120"/>
                 <a:cs typeface="Times New Roman" panose="02020603050405020304" pitchFamily="18" charset="0"/>
               </a:rPr>
-              <a:t>STI</a:t>
+              <a:t>DAC</a:t>
             </a:r>
             <a:r>
               <a:rPr lang="zh-TW" altLang="en-US" dirty="0">
                 <a:latin typeface="標楷體" panose="03000509000000000000" pitchFamily="65" charset="-120"/>
                 <a:ea typeface="標楷體" panose="03000509000000000000" pitchFamily="65" charset="-120"/>
               </a:rPr>
-              <a:t>流程圖</a:t>
+              <a:t>波形圖</a:t>
             </a:r>
             <a:endParaRPr lang="en-US" altLang="zh-TW" dirty="0">
               <a:latin typeface="標楷體" panose="03000509000000000000" pitchFamily="65" charset="-120"/>
@@ -5729,52 +7728,10 @@
             </a:endParaRPr>
           </a:p>
           <a:p>
-            <a:r>
-              <a:rPr lang="zh-TW" altLang="en-US" dirty="0">
-                <a:latin typeface="標楷體" panose="03000509000000000000" pitchFamily="65" charset="-120"/>
-                <a:ea typeface="標楷體" panose="03000509000000000000" pitchFamily="65" charset="-120"/>
-              </a:rPr>
-              <a:t>波形圖</a:t>
-            </a:r>
-            <a:endParaRPr lang="en-US" altLang="zh-TW" dirty="0">
-              <a:latin typeface="標楷體" panose="03000509000000000000" pitchFamily="65" charset="-120"/>
-              <a:ea typeface="標楷體" panose="03000509000000000000" pitchFamily="65" charset="-120"/>
-            </a:endParaRPr>
-          </a:p>
-          <a:p>
             <a:endParaRPr lang="zh-TW" altLang="en-US" dirty="0">
               <a:latin typeface="標楷體" panose="03000509000000000000" pitchFamily="65" charset="-120"/>
               <a:ea typeface="標楷體" panose="03000509000000000000" pitchFamily="65" charset="-120"/>
             </a:endParaRPr>
-          </a:p>
-        </p:txBody>
-      </p:sp>
-      <p:sp>
-        <p:nvSpPr>
-          <p:cNvPr id="5" name="投影片編號版面配置區 4">
-            <a:extLst>
-              <a:ext uri="{FF2B5EF4-FFF2-40B4-BE49-F238E27FC236}">
-                <a16:creationId xmlns:a16="http://schemas.microsoft.com/office/drawing/2014/main" id="{FC5C3724-0941-6D16-C09A-B7DF27897B03}"/>
-              </a:ext>
-            </a:extLst>
-          </p:cNvPr>
-          <p:cNvSpPr>
-            <a:spLocks noGrp="1"/>
-          </p:cNvSpPr>
-          <p:nvPr>
-            <p:ph type="sldNum" sz="quarter" idx="12"/>
-          </p:nvPr>
-        </p:nvSpPr>
-        <p:spPr/>
-        <p:txBody>
-          <a:bodyPr/>
-          <a:lstStyle/>
-          <a:p>
-            <a:fld id="{7D3C2007-09EB-4B8E-B7A7-F48258516163}" type="slidenum">
-              <a:rPr lang="zh-TW" altLang="en-US" smtClean="0"/>
-              <a:t>1</a:t>
-            </a:fld>
-            <a:endParaRPr lang="zh-TW" altLang="en-US"/>
           </a:p>
         </p:txBody>
       </p:sp>
@@ -5810,10 +7767,10 @@
       </p:grpSpPr>
       <p:sp>
         <p:nvSpPr>
-          <p:cNvPr id="3" name="內容版面配置區 2">
+          <p:cNvPr id="2" name="標題 1">
             <a:extLst>
               <a:ext uri="{FF2B5EF4-FFF2-40B4-BE49-F238E27FC236}">
-                <a16:creationId xmlns:a16="http://schemas.microsoft.com/office/drawing/2014/main" id="{4312038F-ABC9-E232-D9AD-3DFAB398F074}"/>
+                <a16:creationId xmlns:a16="http://schemas.microsoft.com/office/drawing/2014/main" id="{D6829631-1A27-23C0-BDD8-B2EBCC5435B8}"/>
               </a:ext>
             </a:extLst>
           </p:cNvPr>
@@ -5821,64 +7778,38 @@
             <a:spLocks noGrp="1"/>
           </p:cNvSpPr>
           <p:nvPr>
-            <p:ph idx="1"/>
+            <p:ph type="title"/>
           </p:nvPr>
         </p:nvSpPr>
         <p:spPr>
           <a:xfrm>
-            <a:off x="838200" y="422953"/>
-            <a:ext cx="10515600" cy="811043"/>
+            <a:off x="838200" y="213399"/>
+            <a:ext cx="2783890" cy="513763"/>
           </a:xfrm>
         </p:spPr>
         <p:txBody>
-          <a:bodyPr/>
+          <a:bodyPr>
+            <a:normAutofit fontScale="90000"/>
+          </a:bodyPr>
           <a:lstStyle/>
           <a:p>
             <a:r>
-              <a:rPr lang="zh-TW" altLang="en-US" dirty="0">
+              <a:rPr lang="zh-TW" altLang="en-US" sz="3200" dirty="0">
                 <a:latin typeface="標楷體" panose="03000509000000000000" pitchFamily="65" charset="-120"/>
                 <a:ea typeface="標楷體" panose="03000509000000000000" pitchFamily="65" charset="-120"/>
               </a:rPr>
               <a:t>系統架構</a:t>
             </a:r>
-          </a:p>
-        </p:txBody>
-      </p:sp>
-      <p:sp>
-        <p:nvSpPr>
-          <p:cNvPr id="4" name="投影片編號版面配置區 3">
-            <a:extLst>
-              <a:ext uri="{FF2B5EF4-FFF2-40B4-BE49-F238E27FC236}">
-                <a16:creationId xmlns:a16="http://schemas.microsoft.com/office/drawing/2014/main" id="{D9F9F2A3-B170-0A69-A486-6547F1259427}"/>
-              </a:ext>
-            </a:extLst>
-          </p:cNvPr>
-          <p:cNvSpPr>
-            <a:spLocks noGrp="1"/>
-          </p:cNvSpPr>
-          <p:nvPr>
-            <p:ph type="sldNum" sz="quarter" idx="12"/>
-          </p:nvPr>
-        </p:nvSpPr>
-        <p:spPr/>
-        <p:txBody>
-          <a:bodyPr/>
-          <a:lstStyle/>
-          <a:p>
-            <a:fld id="{7D3C2007-09EB-4B8E-B7A7-F48258516163}" type="slidenum">
-              <a:rPr lang="zh-TW" altLang="en-US" smtClean="0"/>
-              <a:t>2</a:t>
-            </a:fld>
-            <a:endParaRPr lang="zh-TW" altLang="en-US"/>
+            <a:endParaRPr lang="zh-TW" altLang="en-US" sz="3200" dirty="0"/>
           </a:p>
         </p:txBody>
       </p:sp>
       <p:pic>
         <p:nvPicPr>
-          <p:cNvPr id="5" name="圖片 4">
+          <p:cNvPr id="5" name="內容版面配置區 3">
             <a:extLst>
               <a:ext uri="{FF2B5EF4-FFF2-40B4-BE49-F238E27FC236}">
-                <a16:creationId xmlns:a16="http://schemas.microsoft.com/office/drawing/2014/main" id="{3CD7D4E4-C13D-CE90-5D61-E3AD64E70C44}"/>
+                <a16:creationId xmlns:a16="http://schemas.microsoft.com/office/drawing/2014/main" id="{9D95A075-B7CC-FA97-13DB-ABB2D05F1CC0}"/>
               </a:ext>
             </a:extLst>
           </p:cNvPr>
@@ -5901,8 +7832,8 @@
         </p:blipFill>
         <p:spPr>
           <a:xfrm>
-            <a:off x="2695178" y="1141905"/>
-            <a:ext cx="6801644" cy="5716095"/>
+            <a:off x="2727158" y="1126192"/>
+            <a:ext cx="6737683" cy="4907456"/>
           </a:xfrm>
           <a:prstGeom prst="rect">
             <a:avLst/>
@@ -5912,7 +7843,7 @@
     </p:spTree>
     <p:extLst>
       <p:ext uri="{BB962C8B-B14F-4D97-AF65-F5344CB8AC3E}">
-        <p14:creationId xmlns:p14="http://schemas.microsoft.com/office/powerpoint/2010/main" val="3856039877"/>
+        <p14:creationId xmlns:p14="http://schemas.microsoft.com/office/powerpoint/2010/main" val="2030882156"/>
       </p:ext>
     </p:extLst>
   </p:cSld>
@@ -5941,10 +7872,10 @@
       </p:grpSpPr>
       <p:sp>
         <p:nvSpPr>
-          <p:cNvPr id="3" name="內容版面配置區 2">
+          <p:cNvPr id="2" name="標題 1">
             <a:extLst>
               <a:ext uri="{FF2B5EF4-FFF2-40B4-BE49-F238E27FC236}">
-                <a16:creationId xmlns:a16="http://schemas.microsoft.com/office/drawing/2014/main" id="{5DA835CD-DB32-0098-AA29-D56FCC416481}"/>
+                <a16:creationId xmlns:a16="http://schemas.microsoft.com/office/drawing/2014/main" id="{D6829631-1A27-23C0-BDD8-B2EBCC5435B8}"/>
               </a:ext>
             </a:extLst>
           </p:cNvPr>
@@ -5952,64 +7883,38 @@
             <a:spLocks noGrp="1"/>
           </p:cNvSpPr>
           <p:nvPr>
-            <p:ph idx="1"/>
+            <p:ph type="title"/>
           </p:nvPr>
         </p:nvSpPr>
         <p:spPr>
           <a:xfrm>
-            <a:off x="838200" y="422952"/>
-            <a:ext cx="10515600" cy="873187"/>
+            <a:off x="838200" y="213399"/>
+            <a:ext cx="2783890" cy="513763"/>
           </a:xfrm>
         </p:spPr>
         <p:txBody>
-          <a:bodyPr/>
+          <a:bodyPr>
+            <a:normAutofit fontScale="90000"/>
+          </a:bodyPr>
           <a:lstStyle/>
           <a:p>
             <a:r>
-              <a:rPr lang="zh-TW" altLang="en-US" dirty="0">
+              <a:rPr lang="zh-TW" altLang="en-US" sz="3200" dirty="0">
                 <a:latin typeface="標楷體" panose="03000509000000000000" pitchFamily="65" charset="-120"/>
                 <a:ea typeface="標楷體" panose="03000509000000000000" pitchFamily="65" charset="-120"/>
               </a:rPr>
-              <a:t>輸入訊號</a:t>
-            </a:r>
-          </a:p>
-        </p:txBody>
-      </p:sp>
-      <p:sp>
-        <p:nvSpPr>
-          <p:cNvPr id="4" name="投影片編號版面配置區 3">
-            <a:extLst>
-              <a:ext uri="{FF2B5EF4-FFF2-40B4-BE49-F238E27FC236}">
-                <a16:creationId xmlns:a16="http://schemas.microsoft.com/office/drawing/2014/main" id="{88912247-2E2C-BDD5-DCF9-13759678078A}"/>
-              </a:ext>
-            </a:extLst>
-          </p:cNvPr>
-          <p:cNvSpPr>
-            <a:spLocks noGrp="1"/>
-          </p:cNvSpPr>
-          <p:nvPr>
-            <p:ph type="sldNum" sz="quarter" idx="12"/>
-          </p:nvPr>
-        </p:nvSpPr>
-        <p:spPr/>
-        <p:txBody>
-          <a:bodyPr/>
-          <a:lstStyle/>
-          <a:p>
-            <a:fld id="{7D3C2007-09EB-4B8E-B7A7-F48258516163}" type="slidenum">
-              <a:rPr lang="zh-TW" altLang="en-US" smtClean="0"/>
-              <a:t>3</a:t>
-            </a:fld>
-            <a:endParaRPr lang="zh-TW" altLang="en-US"/>
+              <a:t>輸入輸出訊號</a:t>
+            </a:r>
+            <a:endParaRPr lang="zh-TW" altLang="en-US" sz="3200" dirty="0"/>
           </a:p>
         </p:txBody>
       </p:sp>
       <p:graphicFrame>
         <p:nvGraphicFramePr>
-          <p:cNvPr id="5" name="表格 3">
+          <p:cNvPr id="4" name="表格 3">
             <a:extLst>
               <a:ext uri="{FF2B5EF4-FFF2-40B4-BE49-F238E27FC236}">
-                <a16:creationId xmlns:a16="http://schemas.microsoft.com/office/drawing/2014/main" id="{51F38D34-C2FC-FEA3-5E34-AB8021B0EF69}"/>
+                <a16:creationId xmlns:a16="http://schemas.microsoft.com/office/drawing/2014/main" id="{E8770725-1219-74D3-C525-E4B1ACE79F4C}"/>
               </a:ext>
             </a:extLst>
           </p:cNvPr>
@@ -6019,13 +7924,13 @@
           <p:nvPr>
             <p:extLst>
               <p:ext uri="{D42A27DB-BD31-4B8C-83A1-F6EECF244321}">
-                <p14:modId xmlns:p14="http://schemas.microsoft.com/office/powerpoint/2010/main" val="1553564602"/>
+                <p14:modId xmlns:p14="http://schemas.microsoft.com/office/powerpoint/2010/main" val="536028439"/>
               </p:ext>
             </p:extLst>
           </p:nvPr>
         </p:nvGraphicFramePr>
         <p:xfrm>
-          <a:off x="3236924" y="891437"/>
+          <a:off x="2307961" y="1034767"/>
           <a:ext cx="7576078" cy="5706682"/>
         </p:xfrm>
         <a:graphic>
@@ -8329,7 +10234,7 @@
     </p:spTree>
     <p:extLst>
       <p:ext uri="{BB962C8B-B14F-4D97-AF65-F5344CB8AC3E}">
-        <p14:creationId xmlns:p14="http://schemas.microsoft.com/office/powerpoint/2010/main" val="1303812173"/>
+        <p14:creationId xmlns:p14="http://schemas.microsoft.com/office/powerpoint/2010/main" val="1924571159"/>
       </p:ext>
     </p:extLst>
   </p:cSld>
@@ -8358,10 +10263,10 @@
       </p:grpSpPr>
       <p:sp>
         <p:nvSpPr>
-          <p:cNvPr id="3" name="內容版面配置區 2">
+          <p:cNvPr id="2" name="標題 1">
             <a:extLst>
               <a:ext uri="{FF2B5EF4-FFF2-40B4-BE49-F238E27FC236}">
-                <a16:creationId xmlns:a16="http://schemas.microsoft.com/office/drawing/2014/main" id="{5DA835CD-DB32-0098-AA29-D56FCC416481}"/>
+                <a16:creationId xmlns:a16="http://schemas.microsoft.com/office/drawing/2014/main" id="{D6829631-1A27-23C0-BDD8-B2EBCC5435B8}"/>
               </a:ext>
             </a:extLst>
           </p:cNvPr>
@@ -8369,64 +10274,38 @@
             <a:spLocks noGrp="1"/>
           </p:cNvSpPr>
           <p:nvPr>
-            <p:ph idx="1"/>
+            <p:ph type="title"/>
           </p:nvPr>
         </p:nvSpPr>
         <p:spPr>
           <a:xfrm>
-            <a:off x="838200" y="422952"/>
-            <a:ext cx="10515600" cy="873187"/>
+            <a:off x="838200" y="213399"/>
+            <a:ext cx="2783890" cy="513763"/>
           </a:xfrm>
         </p:spPr>
         <p:txBody>
-          <a:bodyPr/>
+          <a:bodyPr>
+            <a:normAutofit fontScale="90000"/>
+          </a:bodyPr>
           <a:lstStyle/>
           <a:p>
             <a:r>
-              <a:rPr lang="zh-TW" altLang="en-US" dirty="0">
+              <a:rPr lang="zh-TW" altLang="en-US" sz="3200" dirty="0">
                 <a:latin typeface="標楷體" panose="03000509000000000000" pitchFamily="65" charset="-120"/>
                 <a:ea typeface="標楷體" panose="03000509000000000000" pitchFamily="65" charset="-120"/>
               </a:rPr>
-              <a:t>輸出訊號</a:t>
-            </a:r>
-          </a:p>
-        </p:txBody>
-      </p:sp>
-      <p:sp>
-        <p:nvSpPr>
-          <p:cNvPr id="8" name="投影片編號版面配置區 7">
-            <a:extLst>
-              <a:ext uri="{FF2B5EF4-FFF2-40B4-BE49-F238E27FC236}">
-                <a16:creationId xmlns:a16="http://schemas.microsoft.com/office/drawing/2014/main" id="{94E35E0B-A2BE-292E-B16A-898833BEFF3C}"/>
-              </a:ext>
-            </a:extLst>
-          </p:cNvPr>
-          <p:cNvSpPr>
-            <a:spLocks noGrp="1"/>
-          </p:cNvSpPr>
-          <p:nvPr>
-            <p:ph type="sldNum" sz="quarter" idx="12"/>
-          </p:nvPr>
-        </p:nvSpPr>
-        <p:spPr/>
-        <p:txBody>
-          <a:bodyPr/>
-          <a:lstStyle/>
-          <a:p>
-            <a:fld id="{7D3C2007-09EB-4B8E-B7A7-F48258516163}" type="slidenum">
-              <a:rPr lang="zh-TW" altLang="en-US" smtClean="0"/>
-              <a:t>4</a:t>
-            </a:fld>
-            <a:endParaRPr lang="zh-TW" altLang="en-US"/>
+              <a:t>輸入輸出訊號</a:t>
+            </a:r>
+            <a:endParaRPr lang="zh-TW" altLang="en-US" sz="3200" dirty="0"/>
           </a:p>
         </p:txBody>
       </p:sp>
       <p:graphicFrame>
         <p:nvGraphicFramePr>
-          <p:cNvPr id="2" name="表格 3">
+          <p:cNvPr id="5" name="表格 3">
             <a:extLst>
               <a:ext uri="{FF2B5EF4-FFF2-40B4-BE49-F238E27FC236}">
-                <a16:creationId xmlns:a16="http://schemas.microsoft.com/office/drawing/2014/main" id="{59EE363C-98A0-0AF5-FEF2-F4355339EC64}"/>
+                <a16:creationId xmlns:a16="http://schemas.microsoft.com/office/drawing/2014/main" id="{A1F33108-9A93-5E7D-6203-2ED510E6C696}"/>
               </a:ext>
             </a:extLst>
           </p:cNvPr>
@@ -8436,7 +10315,7 @@
           <p:nvPr>
             <p:extLst>
               <p:ext uri="{D42A27DB-BD31-4B8C-83A1-F6EECF244321}">
-                <p14:modId xmlns:p14="http://schemas.microsoft.com/office/powerpoint/2010/main" val="3696317539"/>
+                <p14:modId xmlns:p14="http://schemas.microsoft.com/office/powerpoint/2010/main" val="1439774169"/>
               </p:ext>
             </p:extLst>
           </p:nvPr>
@@ -9148,7 +11027,7 @@
                           <a:latin typeface="Times New Roman" panose="02020603050405020304" pitchFamily="18" charset="0"/>
                           <a:ea typeface="標楷體" panose="03000509000000000000" pitchFamily="65" charset="-120"/>
                         </a:rPr>
-                        <a:t>記憶體共用寫入完成指示訊號</a:t>
+                        <a:t>記憶體共用寫入完成只是訊號</a:t>
                       </a:r>
                       <a:r>
                         <a:rPr lang="zh-TW" altLang="en-US" dirty="0">
@@ -10138,10 +12017,10 @@
       </p:graphicFrame>
       <p:sp>
         <p:nvSpPr>
-          <p:cNvPr id="4" name="矩形 3">
+          <p:cNvPr id="6" name="矩形 5">
             <a:extLst>
               <a:ext uri="{FF2B5EF4-FFF2-40B4-BE49-F238E27FC236}">
-                <a16:creationId xmlns:a16="http://schemas.microsoft.com/office/drawing/2014/main" id="{79834155-90AD-46BC-4634-027102B1BED8}"/>
+                <a16:creationId xmlns:a16="http://schemas.microsoft.com/office/drawing/2014/main" id="{5E5C8632-0CD9-E20C-8254-9AB01A298F4B}"/>
               </a:ext>
             </a:extLst>
           </p:cNvPr>
@@ -10150,8 +12029,8 @@
         </p:nvSpPr>
         <p:spPr>
           <a:xfrm>
-            <a:off x="2405849" y="2210540"/>
-            <a:ext cx="8433786" cy="873187"/>
+            <a:off x="2592279" y="2210540"/>
+            <a:ext cx="8247355" cy="873187"/>
           </a:xfrm>
           <a:prstGeom prst="rect">
             <a:avLst/>
@@ -10192,10 +12071,10 @@
       </p:sp>
       <p:sp>
         <p:nvSpPr>
-          <p:cNvPr id="5" name="文字方塊 4">
+          <p:cNvPr id="7" name="文字方塊 6">
             <a:extLst>
               <a:ext uri="{FF2B5EF4-FFF2-40B4-BE49-F238E27FC236}">
-                <a16:creationId xmlns:a16="http://schemas.microsoft.com/office/drawing/2014/main" id="{0D6FCC33-8E8D-B745-6200-AAB05DEB5C93}"/>
+                <a16:creationId xmlns:a16="http://schemas.microsoft.com/office/drawing/2014/main" id="{FE0F31E9-13D5-D64B-8862-501DC837E257}"/>
               </a:ext>
             </a:extLst>
           </p:cNvPr>
@@ -10251,23 +12130,23 @@
       </p:sp>
       <p:cxnSp>
         <p:nvCxnSpPr>
-          <p:cNvPr id="7" name="直線單箭頭接點 6">
+          <p:cNvPr id="8" name="直線單箭頭接點 7">
             <a:extLst>
               <a:ext uri="{FF2B5EF4-FFF2-40B4-BE49-F238E27FC236}">
-                <a16:creationId xmlns:a16="http://schemas.microsoft.com/office/drawing/2014/main" id="{AAE0CAC2-18EC-EBC0-FEC6-82DF507834F2}"/>
+                <a16:creationId xmlns:a16="http://schemas.microsoft.com/office/drawing/2014/main" id="{7BDF03D8-A437-5712-7136-57DF5F62A418}"/>
               </a:ext>
             </a:extLst>
           </p:cNvPr>
           <p:cNvCxnSpPr>
             <a:cxnSpLocks/>
-            <a:stCxn id="5" idx="3"/>
+            <a:stCxn id="7" idx="3"/>
           </p:cNvCxnSpPr>
           <p:nvPr/>
         </p:nvCxnSpPr>
         <p:spPr>
           <a:xfrm>
             <a:off x="1352365" y="2395206"/>
-            <a:ext cx="1053484" cy="0"/>
+            <a:ext cx="1239914" cy="0"/>
           </a:xfrm>
           <a:prstGeom prst="straightConnector1">
             <a:avLst/>
@@ -10293,10 +12172,10 @@
       </p:cxnSp>
       <p:sp>
         <p:nvSpPr>
-          <p:cNvPr id="11" name="矩形 10">
+          <p:cNvPr id="9" name="矩形 8">
             <a:extLst>
               <a:ext uri="{FF2B5EF4-FFF2-40B4-BE49-F238E27FC236}">
-                <a16:creationId xmlns:a16="http://schemas.microsoft.com/office/drawing/2014/main" id="{D1A2C807-02CC-9052-B31E-B06FD7C30EA5}"/>
+                <a16:creationId xmlns:a16="http://schemas.microsoft.com/office/drawing/2014/main" id="{436ADE4F-6E6C-055D-EE95-7AA8D6471833}"/>
               </a:ext>
             </a:extLst>
           </p:cNvPr>
@@ -10305,8 +12184,8 @@
         </p:nvSpPr>
         <p:spPr>
           <a:xfrm>
-            <a:off x="2405849" y="3124941"/>
-            <a:ext cx="8519603" cy="2747539"/>
+            <a:off x="2592279" y="3124941"/>
+            <a:ext cx="8333173" cy="2747539"/>
           </a:xfrm>
           <a:prstGeom prst="rect">
             <a:avLst/>
@@ -10351,10 +12230,10 @@
       </p:sp>
       <p:sp>
         <p:nvSpPr>
-          <p:cNvPr id="13" name="文字方塊 12">
+          <p:cNvPr id="10" name="文字方塊 9">
             <a:extLst>
               <a:ext uri="{FF2B5EF4-FFF2-40B4-BE49-F238E27FC236}">
-                <a16:creationId xmlns:a16="http://schemas.microsoft.com/office/drawing/2014/main" id="{CF4E33B5-1BBE-61BC-F4CF-E1C3C2235E5F}"/>
+                <a16:creationId xmlns:a16="http://schemas.microsoft.com/office/drawing/2014/main" id="{02625509-5519-8A8A-575C-A126F5CC8F1D}"/>
               </a:ext>
             </a:extLst>
           </p:cNvPr>
@@ -10411,23 +12290,23 @@
       </p:sp>
       <p:cxnSp>
         <p:nvCxnSpPr>
-          <p:cNvPr id="14" name="直線單箭頭接點 13">
+          <p:cNvPr id="11" name="直線單箭頭接點 10">
             <a:extLst>
               <a:ext uri="{FF2B5EF4-FFF2-40B4-BE49-F238E27FC236}">
-                <a16:creationId xmlns:a16="http://schemas.microsoft.com/office/drawing/2014/main" id="{151F34A4-60EE-0B87-006F-4FCCAB6ED9B3}"/>
+                <a16:creationId xmlns:a16="http://schemas.microsoft.com/office/drawing/2014/main" id="{80DEB439-FCF1-7812-3090-117C78E4C841}"/>
               </a:ext>
             </a:extLst>
           </p:cNvPr>
           <p:cNvCxnSpPr>
             <a:cxnSpLocks/>
-            <a:stCxn id="13" idx="3"/>
+            <a:stCxn id="10" idx="3"/>
           </p:cNvCxnSpPr>
           <p:nvPr/>
         </p:nvCxnSpPr>
         <p:spPr>
           <a:xfrm>
             <a:off x="1483359" y="3429000"/>
-            <a:ext cx="922490" cy="0"/>
+            <a:ext cx="1108920" cy="0"/>
           </a:xfrm>
           <a:prstGeom prst="straightConnector1">
             <a:avLst/>
@@ -10454,7 +12333,7 @@
     </p:spTree>
     <p:extLst>
       <p:ext uri="{BB962C8B-B14F-4D97-AF65-F5344CB8AC3E}">
-        <p14:creationId xmlns:p14="http://schemas.microsoft.com/office/powerpoint/2010/main" val="956918449"/>
+        <p14:creationId xmlns:p14="http://schemas.microsoft.com/office/powerpoint/2010/main" val="1404575272"/>
       </p:ext>
     </p:extLst>
   </p:cSld>
@@ -10483,10 +12362,61 @@
       </p:grpSpPr>
       <p:sp>
         <p:nvSpPr>
+          <p:cNvPr id="2" name="標題 1">
+            <a:extLst>
+              <a:ext uri="{FF2B5EF4-FFF2-40B4-BE49-F238E27FC236}">
+                <a16:creationId xmlns:a16="http://schemas.microsoft.com/office/drawing/2014/main" id="{D6829631-1A27-23C0-BDD8-B2EBCC5435B8}"/>
+              </a:ext>
+            </a:extLst>
+          </p:cNvPr>
+          <p:cNvSpPr>
+            <a:spLocks noGrp="1"/>
+          </p:cNvSpPr>
+          <p:nvPr>
+            <p:ph type="title"/>
+          </p:nvPr>
+        </p:nvSpPr>
+        <p:spPr>
+          <a:xfrm>
+            <a:off x="838200" y="213399"/>
+            <a:ext cx="3094608" cy="513763"/>
+          </a:xfrm>
+        </p:spPr>
+        <p:txBody>
+          <a:bodyPr>
+            <a:normAutofit fontScale="90000"/>
+          </a:bodyPr>
+          <a:lstStyle/>
+          <a:p>
+            <a:r>
+              <a:rPr lang="en-US" altLang="zh-TW" sz="3200" dirty="0">
+                <a:latin typeface="Times New Roman" panose="02020603050405020304" pitchFamily="18" charset="0"/>
+                <a:ea typeface="標楷體" panose="03000509000000000000" pitchFamily="65" charset="-120"/>
+                <a:cs typeface="Times New Roman" panose="02020603050405020304" pitchFamily="18" charset="0"/>
+              </a:rPr>
+              <a:t>STI</a:t>
+            </a:r>
+            <a:r>
+              <a:rPr lang="zh-TW" altLang="en-US" sz="3200" dirty="0">
+                <a:latin typeface="Times New Roman" panose="02020603050405020304" pitchFamily="18" charset="0"/>
+                <a:ea typeface="標楷體" panose="03000509000000000000" pitchFamily="65" charset="-120"/>
+                <a:cs typeface="Times New Roman" panose="02020603050405020304" pitchFamily="18" charset="0"/>
+              </a:rPr>
+              <a:t>電路運作原理</a:t>
+            </a:r>
+            <a:endParaRPr lang="zh-TW" altLang="en-US" sz="3200" dirty="0">
+              <a:latin typeface="Times New Roman" panose="02020603050405020304" pitchFamily="18" charset="0"/>
+              <a:cs typeface="Times New Roman" panose="02020603050405020304" pitchFamily="18" charset="0"/>
+            </a:endParaRPr>
+          </a:p>
+        </p:txBody>
+      </p:sp>
+      <p:sp>
+        <p:nvSpPr>
           <p:cNvPr id="3" name="內容版面配置區 2">
             <a:extLst>
               <a:ext uri="{FF2B5EF4-FFF2-40B4-BE49-F238E27FC236}">
-                <a16:creationId xmlns:a16="http://schemas.microsoft.com/office/drawing/2014/main" id="{5DA835CD-DB32-0098-AA29-D56FCC416481}"/>
+                <a16:creationId xmlns:a16="http://schemas.microsoft.com/office/drawing/2014/main" id="{494286DB-3494-E083-7F2E-2EFE8CBC3D90}"/>
               </a:ext>
             </a:extLst>
           </p:cNvPr>
@@ -10499,8 +12429,8 @@
         </p:nvSpPr>
         <p:spPr>
           <a:xfrm>
-            <a:off x="838200" y="422952"/>
-            <a:ext cx="10515600" cy="873187"/>
+            <a:off x="838200" y="883717"/>
+            <a:ext cx="10515600" cy="569581"/>
           </a:xfrm>
         </p:spPr>
         <p:txBody>
@@ -10521,51 +12451,106 @@
                 <a:ea typeface="標楷體" panose="03000509000000000000" pitchFamily="65" charset="-120"/>
                 <a:cs typeface="Times New Roman" panose="02020603050405020304" pitchFamily="18" charset="0"/>
               </a:rPr>
-              <a:t>(STI)</a:t>
-            </a:r>
-            <a:endParaRPr lang="zh-TW" altLang="en-US" dirty="0">
-              <a:latin typeface="Times New Roman" panose="02020603050405020304" pitchFamily="18" charset="0"/>
-              <a:ea typeface="標楷體" panose="03000509000000000000" pitchFamily="65" charset="-120"/>
-              <a:cs typeface="Times New Roman" panose="02020603050405020304" pitchFamily="18" charset="0"/>
-            </a:endParaRPr>
+              <a:t>(</a:t>
+            </a:r>
+            <a:r>
+              <a:rPr lang="zh-TW" altLang="en-US" dirty="0">
+                <a:latin typeface="Times New Roman" panose="02020603050405020304" pitchFamily="18" charset="0"/>
+                <a:ea typeface="標楷體" panose="03000509000000000000" pitchFamily="65" charset="-120"/>
+                <a:cs typeface="Times New Roman" panose="02020603050405020304" pitchFamily="18" charset="0"/>
+              </a:rPr>
+              <a:t>方向</a:t>
+            </a:r>
+            <a:r>
+              <a:rPr lang="en-US" altLang="zh-TW" dirty="0">
+                <a:latin typeface="Times New Roman" panose="02020603050405020304" pitchFamily="18" charset="0"/>
+                <a:ea typeface="標楷體" panose="03000509000000000000" pitchFamily="65" charset="-120"/>
+                <a:cs typeface="Times New Roman" panose="02020603050405020304" pitchFamily="18" charset="0"/>
+              </a:rPr>
+              <a:t>)</a:t>
+            </a:r>
+            <a:endParaRPr lang="zh-TW" altLang="en-US" dirty="0"/>
           </a:p>
         </p:txBody>
       </p:sp>
+      <p:pic>
+        <p:nvPicPr>
+          <p:cNvPr id="14" name="圖片 13">
+            <a:extLst>
+              <a:ext uri="{FF2B5EF4-FFF2-40B4-BE49-F238E27FC236}">
+                <a16:creationId xmlns:a16="http://schemas.microsoft.com/office/drawing/2014/main" id="{5DDF97C4-4DB0-F1C8-B659-FBF9D1527507}"/>
+              </a:ext>
+            </a:extLst>
+          </p:cNvPr>
+          <p:cNvPicPr>
+            <a:picLocks noChangeAspect="1"/>
+          </p:cNvPicPr>
+          <p:nvPr/>
+        </p:nvPicPr>
+        <p:blipFill>
+          <a:blip r:embed="rId2">
+            <a:extLst>
+              <a:ext uri="{28A0092B-C50C-407E-A947-70E740481C1C}">
+                <a14:useLocalDpi xmlns:a14="http://schemas.microsoft.com/office/drawing/2010/main" val="0"/>
+              </a:ext>
+            </a:extLst>
+          </a:blip>
+          <a:stretch>
+            <a:fillRect/>
+          </a:stretch>
+        </p:blipFill>
+        <p:spPr>
+          <a:xfrm>
+            <a:off x="2300911" y="2853876"/>
+            <a:ext cx="7590178" cy="1226926"/>
+          </a:xfrm>
+          <a:prstGeom prst="rect">
+            <a:avLst/>
+          </a:prstGeom>
+        </p:spPr>
+      </p:pic>
+      <p:pic>
+        <p:nvPicPr>
+          <p:cNvPr id="15" name="圖片 14">
+            <a:extLst>
+              <a:ext uri="{FF2B5EF4-FFF2-40B4-BE49-F238E27FC236}">
+                <a16:creationId xmlns:a16="http://schemas.microsoft.com/office/drawing/2014/main" id="{0C5C2BD9-E7AC-E248-9A5B-651267972AD0}"/>
+              </a:ext>
+            </a:extLst>
+          </p:cNvPr>
+          <p:cNvPicPr>
+            <a:picLocks noChangeAspect="1"/>
+          </p:cNvPicPr>
+          <p:nvPr/>
+        </p:nvPicPr>
+        <p:blipFill>
+          <a:blip r:embed="rId3">
+            <a:extLst>
+              <a:ext uri="{28A0092B-C50C-407E-A947-70E740481C1C}">
+                <a14:useLocalDpi xmlns:a14="http://schemas.microsoft.com/office/drawing/2010/main" val="0"/>
+              </a:ext>
+            </a:extLst>
+          </a:blip>
+          <a:stretch>
+            <a:fillRect/>
+          </a:stretch>
+        </p:blipFill>
+        <p:spPr>
+          <a:xfrm>
+            <a:off x="2182791" y="4775997"/>
+            <a:ext cx="7826418" cy="1257409"/>
+          </a:xfrm>
+          <a:prstGeom prst="rect">
+            <a:avLst/>
+          </a:prstGeom>
+        </p:spPr>
+      </p:pic>
       <p:sp>
         <p:nvSpPr>
-          <p:cNvPr id="5" name="投影片編號版面配置區 4">
+          <p:cNvPr id="18" name="文字方塊 17">
             <a:extLst>
               <a:ext uri="{FF2B5EF4-FFF2-40B4-BE49-F238E27FC236}">
-                <a16:creationId xmlns:a16="http://schemas.microsoft.com/office/drawing/2014/main" id="{BE9E64C3-8FD5-DE7C-62F6-6EB647620FE2}"/>
-              </a:ext>
-            </a:extLst>
-          </p:cNvPr>
-          <p:cNvSpPr>
-            <a:spLocks noGrp="1"/>
-          </p:cNvSpPr>
-          <p:nvPr>
-            <p:ph type="sldNum" sz="quarter" idx="12"/>
-          </p:nvPr>
-        </p:nvSpPr>
-        <p:spPr/>
-        <p:txBody>
-          <a:bodyPr/>
-          <a:lstStyle/>
-          <a:p>
-            <a:fld id="{7D3C2007-09EB-4B8E-B7A7-F48258516163}" type="slidenum">
-              <a:rPr lang="zh-TW" altLang="en-US" smtClean="0"/>
-              <a:t>5</a:t>
-            </a:fld>
-            <a:endParaRPr lang="zh-TW" altLang="en-US"/>
-          </a:p>
-        </p:txBody>
-      </p:sp>
-      <p:sp>
-        <p:nvSpPr>
-          <p:cNvPr id="4" name="文字方塊 3">
-            <a:extLst>
-              <a:ext uri="{FF2B5EF4-FFF2-40B4-BE49-F238E27FC236}">
-                <a16:creationId xmlns:a16="http://schemas.microsoft.com/office/drawing/2014/main" id="{8C40B6B8-AA9B-6BE2-98AD-02F352791FF0}"/>
+                <a16:creationId xmlns:a16="http://schemas.microsoft.com/office/drawing/2014/main" id="{F0AA39F4-8107-4F70-60BB-092A408784E7}"/>
               </a:ext>
             </a:extLst>
           </p:cNvPr>
@@ -10574,7 +12559,7 @@
         </p:nvSpPr>
         <p:spPr>
           <a:xfrm>
-            <a:off x="838200" y="1404692"/>
+            <a:off x="1479240" y="1453298"/>
             <a:ext cx="10241132" cy="830997"/>
           </a:xfrm>
           <a:prstGeom prst="rect">
@@ -10664,12 +12649,11 @@
               <a:t>開始</a:t>
             </a:r>
             <a:r>
-              <a:rPr lang="zh-TW" altLang="en-US" sz="2400" dirty="0">
-                <a:latin typeface="Times New Roman" panose="02020603050405020304" pitchFamily="18" charset="0"/>
-                <a:ea typeface="標楷體" panose="03000509000000000000" pitchFamily="65" charset="-120"/>
-                <a:cs typeface="Times New Roman" panose="02020603050405020304" pitchFamily="18" charset="0"/>
-              </a:rPr>
-              <a:t>，</a:t>
+              <a:rPr lang="zh-TW" altLang="en-US" sz="2400" baseline="0" dirty="0">
+                <a:latin typeface="Times New Roman" panose="02020603050405020304" pitchFamily="18" charset="0"/>
+                <a:ea typeface="標楷體" panose="03000509000000000000" pitchFamily="65" charset="-120"/>
+              </a:rPr>
+              <a:t>。</a:t>
             </a:r>
             <a:r>
               <a:rPr lang="zh-TW" altLang="en-US" sz="2400" dirty="0">
@@ -10709,7 +12693,7 @@
                 <a:ea typeface="標楷體" panose="03000509000000000000" pitchFamily="65" charset="-120"/>
                 <a:cs typeface="Times New Roman" panose="02020603050405020304" pitchFamily="18" charset="0"/>
               </a:rPr>
-              <a:t>， </a:t>
+              <a:t>，</a:t>
             </a:r>
             <a:r>
               <a:rPr lang="en-US" altLang="zh-TW" sz="2400" dirty="0" err="1">
@@ -10760,82 +12744,10 @@
           </a:p>
         </p:txBody>
       </p:sp>
-      <p:pic>
-        <p:nvPicPr>
-          <p:cNvPr id="6" name="圖片 5">
-            <a:extLst>
-              <a:ext uri="{FF2B5EF4-FFF2-40B4-BE49-F238E27FC236}">
-                <a16:creationId xmlns:a16="http://schemas.microsoft.com/office/drawing/2014/main" id="{3674FFC9-4D0E-BEF6-A615-8D053E67550F}"/>
-              </a:ext>
-            </a:extLst>
-          </p:cNvPr>
-          <p:cNvPicPr>
-            <a:picLocks noChangeAspect="1"/>
-          </p:cNvPicPr>
-          <p:nvPr/>
-        </p:nvPicPr>
-        <p:blipFill>
-          <a:blip r:embed="rId2">
-            <a:extLst>
-              <a:ext uri="{28A0092B-C50C-407E-A947-70E740481C1C}">
-                <a14:useLocalDpi xmlns:a14="http://schemas.microsoft.com/office/drawing/2010/main" val="0"/>
-              </a:ext>
-            </a:extLst>
-          </a:blip>
-          <a:stretch>
-            <a:fillRect/>
-          </a:stretch>
-        </p:blipFill>
-        <p:spPr>
-          <a:xfrm>
-            <a:off x="2300911" y="2815537"/>
-            <a:ext cx="7590178" cy="1226926"/>
-          </a:xfrm>
-          <a:prstGeom prst="rect">
-            <a:avLst/>
-          </a:prstGeom>
-        </p:spPr>
-      </p:pic>
-      <p:pic>
-        <p:nvPicPr>
-          <p:cNvPr id="8" name="圖片 7">
-            <a:extLst>
-              <a:ext uri="{FF2B5EF4-FFF2-40B4-BE49-F238E27FC236}">
-                <a16:creationId xmlns:a16="http://schemas.microsoft.com/office/drawing/2014/main" id="{05FEFCFB-5CE0-8D9E-5AC2-F57235A7A11E}"/>
-              </a:ext>
-            </a:extLst>
-          </p:cNvPr>
-          <p:cNvPicPr>
-            <a:picLocks noChangeAspect="1"/>
-          </p:cNvPicPr>
-          <p:nvPr/>
-        </p:nvPicPr>
-        <p:blipFill>
-          <a:blip r:embed="rId3">
-            <a:extLst>
-              <a:ext uri="{28A0092B-C50C-407E-A947-70E740481C1C}">
-                <a14:useLocalDpi xmlns:a14="http://schemas.microsoft.com/office/drawing/2010/main" val="0"/>
-              </a:ext>
-            </a:extLst>
-          </a:blip>
-          <a:stretch>
-            <a:fillRect/>
-          </a:stretch>
-        </p:blipFill>
-        <p:spPr>
-          <a:xfrm>
-            <a:off x="2064671" y="4735627"/>
-            <a:ext cx="7826418" cy="1257409"/>
-          </a:xfrm>
-          <a:prstGeom prst="rect">
-            <a:avLst/>
-          </a:prstGeom>
-        </p:spPr>
-      </p:pic>
     </p:spTree>
     <p:extLst>
       <p:ext uri="{BB962C8B-B14F-4D97-AF65-F5344CB8AC3E}">
-        <p14:creationId xmlns:p14="http://schemas.microsoft.com/office/powerpoint/2010/main" val="3478099580"/>
+        <p14:creationId xmlns:p14="http://schemas.microsoft.com/office/powerpoint/2010/main" val="3125593019"/>
       </p:ext>
     </p:extLst>
   </p:cSld>
@@ -10864,10 +12776,61 @@
       </p:grpSpPr>
       <p:sp>
         <p:nvSpPr>
+          <p:cNvPr id="2" name="標題 1">
+            <a:extLst>
+              <a:ext uri="{FF2B5EF4-FFF2-40B4-BE49-F238E27FC236}">
+                <a16:creationId xmlns:a16="http://schemas.microsoft.com/office/drawing/2014/main" id="{D6829631-1A27-23C0-BDD8-B2EBCC5435B8}"/>
+              </a:ext>
+            </a:extLst>
+          </p:cNvPr>
+          <p:cNvSpPr>
+            <a:spLocks noGrp="1"/>
+          </p:cNvSpPr>
+          <p:nvPr>
+            <p:ph type="title"/>
+          </p:nvPr>
+        </p:nvSpPr>
+        <p:spPr>
+          <a:xfrm>
+            <a:off x="838200" y="213399"/>
+            <a:ext cx="3094608" cy="513763"/>
+          </a:xfrm>
+        </p:spPr>
+        <p:txBody>
+          <a:bodyPr>
+            <a:normAutofit fontScale="90000"/>
+          </a:bodyPr>
+          <a:lstStyle/>
+          <a:p>
+            <a:r>
+              <a:rPr lang="en-US" altLang="zh-TW" sz="3200" dirty="0">
+                <a:latin typeface="Times New Roman" panose="02020603050405020304" pitchFamily="18" charset="0"/>
+                <a:ea typeface="標楷體" panose="03000509000000000000" pitchFamily="65" charset="-120"/>
+                <a:cs typeface="Times New Roman" panose="02020603050405020304" pitchFamily="18" charset="0"/>
+              </a:rPr>
+              <a:t>STI</a:t>
+            </a:r>
+            <a:r>
+              <a:rPr lang="zh-TW" altLang="en-US" sz="3200" dirty="0">
+                <a:latin typeface="Times New Roman" panose="02020603050405020304" pitchFamily="18" charset="0"/>
+                <a:ea typeface="標楷體" panose="03000509000000000000" pitchFamily="65" charset="-120"/>
+                <a:cs typeface="Times New Roman" panose="02020603050405020304" pitchFamily="18" charset="0"/>
+              </a:rPr>
+              <a:t>電路運作原理</a:t>
+            </a:r>
+            <a:endParaRPr lang="zh-TW" altLang="en-US" sz="3200" dirty="0">
+              <a:latin typeface="Times New Roman" panose="02020603050405020304" pitchFamily="18" charset="0"/>
+              <a:cs typeface="Times New Roman" panose="02020603050405020304" pitchFamily="18" charset="0"/>
+            </a:endParaRPr>
+          </a:p>
+        </p:txBody>
+      </p:sp>
+      <p:sp>
+        <p:nvSpPr>
           <p:cNvPr id="3" name="內容版面配置區 2">
             <a:extLst>
               <a:ext uri="{FF2B5EF4-FFF2-40B4-BE49-F238E27FC236}">
-                <a16:creationId xmlns:a16="http://schemas.microsoft.com/office/drawing/2014/main" id="{5DA835CD-DB32-0098-AA29-D56FCC416481}"/>
+                <a16:creationId xmlns:a16="http://schemas.microsoft.com/office/drawing/2014/main" id="{494286DB-3494-E083-7F2E-2EFE8CBC3D90}"/>
               </a:ext>
             </a:extLst>
           </p:cNvPr>
@@ -10880,8 +12843,8 @@
         </p:nvSpPr>
         <p:spPr>
           <a:xfrm>
-            <a:off x="838200" y="422952"/>
-            <a:ext cx="10515600" cy="873187"/>
+            <a:off x="838200" y="883717"/>
+            <a:ext cx="10515600" cy="569581"/>
           </a:xfrm>
         </p:spPr>
         <p:txBody>
@@ -10897,11 +12860,20 @@
               <a:t>pi_fill</a:t>
             </a:r>
             <a:r>
+              <a:rPr lang="en-US" altLang="zh-TW" dirty="0">
+                <a:latin typeface="Times New Roman" panose="02020603050405020304" pitchFamily="18" charset="0"/>
+                <a:ea typeface="標楷體" panose="03000509000000000000" pitchFamily="65" charset="-120"/>
+                <a:cs typeface="Times New Roman" panose="02020603050405020304" pitchFamily="18" charset="0"/>
+              </a:rPr>
+              <a:t>(</a:t>
+            </a:r>
+            <a:r>
               <a:rPr lang="zh-TW" altLang="en-US" dirty="0">
-                <a:latin typeface="標楷體" panose="03000509000000000000" pitchFamily="65" charset="-120"/>
-                <a:ea typeface="標楷體" panose="03000509000000000000" pitchFamily="65" charset="-120"/>
-              </a:rPr>
-              <a:t>輸入</a:t>
+                <a:latin typeface="Times New Roman" panose="02020603050405020304" pitchFamily="18" charset="0"/>
+                <a:ea typeface="標楷體" panose="03000509000000000000" pitchFamily="65" charset="-120"/>
+                <a:cs typeface="Times New Roman" panose="02020603050405020304" pitchFamily="18" charset="0"/>
+              </a:rPr>
+              <a:t>高位元輸出模式</a:t>
             </a:r>
             <a:r>
               <a:rPr lang="en-US" altLang="zh-TW" dirty="0">
@@ -10909,42 +12881,9 @@
                 <a:ea typeface="標楷體" panose="03000509000000000000" pitchFamily="65" charset="-120"/>
                 <a:cs typeface="Times New Roman" panose="02020603050405020304" pitchFamily="18" charset="0"/>
               </a:rPr>
-              <a:t>1’b1 (STI)</a:t>
-            </a:r>
-            <a:endParaRPr lang="zh-TW" altLang="en-US" dirty="0">
-              <a:latin typeface="Times New Roman" panose="02020603050405020304" pitchFamily="18" charset="0"/>
-              <a:ea typeface="標楷體" panose="03000509000000000000" pitchFamily="65" charset="-120"/>
-              <a:cs typeface="Times New Roman" panose="02020603050405020304" pitchFamily="18" charset="0"/>
-            </a:endParaRPr>
-          </a:p>
-        </p:txBody>
-      </p:sp>
-      <p:sp>
-        <p:nvSpPr>
-          <p:cNvPr id="6" name="投影片編號版面配置區 5">
-            <a:extLst>
-              <a:ext uri="{FF2B5EF4-FFF2-40B4-BE49-F238E27FC236}">
-                <a16:creationId xmlns:a16="http://schemas.microsoft.com/office/drawing/2014/main" id="{6820363B-85BC-FDA0-30A3-F0C01BBFC4AB}"/>
-              </a:ext>
-            </a:extLst>
-          </p:cNvPr>
-          <p:cNvSpPr>
-            <a:spLocks noGrp="1"/>
-          </p:cNvSpPr>
-          <p:nvPr>
-            <p:ph type="sldNum" sz="quarter" idx="12"/>
-          </p:nvPr>
-        </p:nvSpPr>
-        <p:spPr/>
-        <p:txBody>
-          <a:bodyPr/>
-          <a:lstStyle/>
-          <a:p>
-            <a:fld id="{7D3C2007-09EB-4B8E-B7A7-F48258516163}" type="slidenum">
-              <a:rPr lang="zh-TW" altLang="en-US" smtClean="0"/>
-              <a:t>6</a:t>
-            </a:fld>
-            <a:endParaRPr lang="zh-TW" altLang="en-US"/>
+              <a:t>)</a:t>
+            </a:r>
+            <a:endParaRPr lang="zh-TW" altLang="en-US" dirty="0"/>
           </a:p>
         </p:txBody>
       </p:sp>
@@ -10953,7 +12892,7 @@
           <p:cNvPr id="4" name="文字方塊 3">
             <a:extLst>
               <a:ext uri="{FF2B5EF4-FFF2-40B4-BE49-F238E27FC236}">
-                <a16:creationId xmlns:a16="http://schemas.microsoft.com/office/drawing/2014/main" id="{8C40B6B8-AA9B-6BE2-98AD-02F352791FF0}"/>
+                <a16:creationId xmlns:a16="http://schemas.microsoft.com/office/drawing/2014/main" id="{3C84F69D-E82B-B9B5-46A4-545C9B528E58}"/>
               </a:ext>
             </a:extLst>
           </p:cNvPr>
@@ -10962,7 +12901,7 @@
         </p:nvSpPr>
         <p:spPr>
           <a:xfrm>
-            <a:off x="838200" y="1404692"/>
+            <a:off x="1479240" y="1453298"/>
             <a:ext cx="10241132" cy="1200329"/>
           </a:xfrm>
           <a:prstGeom prst="rect">
@@ -10977,36 +12916,76 @@
           <a:lstStyle/>
           <a:p>
             <a:r>
+              <a:rPr lang="en-US" altLang="zh-TW" sz="2400" dirty="0" err="1">
+                <a:latin typeface="Times New Roman" panose="02020603050405020304" pitchFamily="18" charset="0"/>
+                <a:ea typeface="標楷體" panose="03000509000000000000" pitchFamily="65" charset="-120"/>
+                <a:cs typeface="Times New Roman" panose="02020603050405020304" pitchFamily="18" charset="0"/>
+              </a:rPr>
+              <a:t>pi_fill</a:t>
+            </a:r>
+            <a:r>
+              <a:rPr lang="en-US" altLang="zh-TW" sz="2400" dirty="0">
+                <a:latin typeface="Times New Roman" panose="02020603050405020304" pitchFamily="18" charset="0"/>
+                <a:ea typeface="標楷體" panose="03000509000000000000" pitchFamily="65" charset="-120"/>
+                <a:cs typeface="Times New Roman" panose="02020603050405020304" pitchFamily="18" charset="0"/>
+              </a:rPr>
+              <a:t> </a:t>
+            </a:r>
+            <a:r>
+              <a:rPr lang="zh-TW" altLang="en-US" sz="2400" dirty="0">
+                <a:latin typeface="Times New Roman" panose="02020603050405020304" pitchFamily="18" charset="0"/>
+                <a:ea typeface="標楷體" panose="03000509000000000000" pitchFamily="65" charset="-120"/>
+                <a:cs typeface="Times New Roman" panose="02020603050405020304" pitchFamily="18" charset="0"/>
+              </a:rPr>
+              <a:t>輸入</a:t>
+            </a:r>
+            <a:r>
+              <a:rPr lang="en-US" altLang="zh-TW" sz="2400" dirty="0">
+                <a:latin typeface="Times New Roman" panose="02020603050405020304" pitchFamily="18" charset="0"/>
+                <a:ea typeface="標楷體" panose="03000509000000000000" pitchFamily="65" charset="-120"/>
+                <a:cs typeface="Times New Roman" panose="02020603050405020304" pitchFamily="18" charset="0"/>
+              </a:rPr>
+              <a:t>1</a:t>
+            </a:r>
+            <a:r>
+              <a:rPr lang="zh-TW" altLang="en-US" sz="2400" dirty="0">
+                <a:latin typeface="Times New Roman" panose="02020603050405020304" pitchFamily="18" charset="0"/>
+                <a:ea typeface="標楷體" panose="03000509000000000000" pitchFamily="65" charset="-120"/>
+                <a:cs typeface="Times New Roman" panose="02020603050405020304" pitchFamily="18" charset="0"/>
+              </a:rPr>
+              <a:t>且</a:t>
+            </a:r>
+            <a:r>
+              <a:rPr lang="en-US" altLang="zh-TW" sz="2400" dirty="0" err="1">
+                <a:latin typeface="Times New Roman" panose="02020603050405020304" pitchFamily="18" charset="0"/>
+                <a:ea typeface="標楷體" panose="03000509000000000000" pitchFamily="65" charset="-120"/>
+                <a:cs typeface="Times New Roman" panose="02020603050405020304" pitchFamily="18" charset="0"/>
+              </a:rPr>
+              <a:t>pi_length</a:t>
+            </a:r>
+            <a:r>
+              <a:rPr lang="en-US" altLang="zh-TW" sz="2400" dirty="0">
+                <a:latin typeface="Times New Roman" panose="02020603050405020304" pitchFamily="18" charset="0"/>
+                <a:ea typeface="標楷體" panose="03000509000000000000" pitchFamily="65" charset="-120"/>
+                <a:cs typeface="Times New Roman" panose="02020603050405020304" pitchFamily="18" charset="0"/>
+              </a:rPr>
+              <a:t> = 2’b10</a:t>
+            </a:r>
+            <a:r>
+              <a:rPr lang="zh-TW" altLang="en-US" sz="2400" dirty="0">
+                <a:latin typeface="Times New Roman" panose="02020603050405020304" pitchFamily="18" charset="0"/>
+                <a:ea typeface="標楷體" panose="03000509000000000000" pitchFamily="65" charset="-120"/>
+                <a:cs typeface="Times New Roman" panose="02020603050405020304" pitchFamily="18" charset="0"/>
+              </a:rPr>
+              <a:t>時，</a:t>
+            </a:r>
+            <a:r>
               <a:rPr lang="zh-TW" altLang="en-US" sz="2400" dirty="0">
                 <a:latin typeface="標楷體" panose="03000509000000000000" pitchFamily="65" charset="-120"/>
                 <a:ea typeface="標楷體" panose="03000509000000000000" pitchFamily="65" charset="-120"/>
                 <a:cs typeface="Times New Roman" panose="02020603050405020304" pitchFamily="18" charset="0"/>
               </a:rPr>
-              <a:t>當</a:t>
-            </a:r>
-            <a:r>
-              <a:rPr lang="en-US" altLang="zh-TW" sz="2400" dirty="0" err="1">
-                <a:latin typeface="Times New Roman" panose="02020603050405020304" pitchFamily="18" charset="0"/>
-                <a:ea typeface="標楷體" panose="03000509000000000000" pitchFamily="65" charset="-120"/>
-                <a:cs typeface="Times New Roman" panose="02020603050405020304" pitchFamily="18" charset="0"/>
-              </a:rPr>
-              <a:t>pi_length</a:t>
-            </a:r>
-            <a:r>
-              <a:rPr lang="en-US" altLang="zh-TW" sz="2400" dirty="0">
-                <a:latin typeface="Times New Roman" panose="02020603050405020304" pitchFamily="18" charset="0"/>
-                <a:ea typeface="標楷體" panose="03000509000000000000" pitchFamily="65" charset="-120"/>
-                <a:cs typeface="Times New Roman" panose="02020603050405020304" pitchFamily="18" charset="0"/>
-              </a:rPr>
-              <a:t> = 2’b10</a:t>
-            </a:r>
-            <a:r>
-              <a:rPr lang="zh-TW" altLang="en-US" sz="2400" dirty="0">
-                <a:latin typeface="標楷體" panose="03000509000000000000" pitchFamily="65" charset="-120"/>
-                <a:ea typeface="標楷體" panose="03000509000000000000" pitchFamily="65" charset="-120"/>
-                <a:cs typeface="Times New Roman" panose="02020603050405020304" pitchFamily="18" charset="0"/>
-              </a:rPr>
-              <a:t>，序列資料輸出則需要</a:t>
+              <a:t>序列資料輸出需要</a:t>
             </a:r>
             <a:r>
               <a:rPr lang="en-US" altLang="zh-TW" sz="2400" dirty="0">
@@ -11206,7 +13185,7 @@
           <p:cNvPr id="5" name="圖片 4">
             <a:extLst>
               <a:ext uri="{FF2B5EF4-FFF2-40B4-BE49-F238E27FC236}">
-                <a16:creationId xmlns:a16="http://schemas.microsoft.com/office/drawing/2014/main" id="{0FF57846-B994-EEEC-2348-B76B85150C85}"/>
+                <a16:creationId xmlns:a16="http://schemas.microsoft.com/office/drawing/2014/main" id="{7D7DAFF3-EBA8-7AB9-364A-099938D87A4D}"/>
               </a:ext>
             </a:extLst>
           </p:cNvPr>
@@ -11229,18 +13208,166 @@
         </p:blipFill>
         <p:spPr>
           <a:xfrm>
-            <a:off x="471994" y="2930118"/>
-            <a:ext cx="11248012" cy="2446232"/>
+            <a:off x="1479240" y="2653627"/>
+            <a:ext cx="9737326" cy="1615249"/>
           </a:xfrm>
           <a:prstGeom prst="rect">
             <a:avLst/>
           </a:prstGeom>
         </p:spPr>
       </p:pic>
+      <p:pic>
+        <p:nvPicPr>
+          <p:cNvPr id="6" name="圖片 5">
+            <a:extLst>
+              <a:ext uri="{FF2B5EF4-FFF2-40B4-BE49-F238E27FC236}">
+                <a16:creationId xmlns:a16="http://schemas.microsoft.com/office/drawing/2014/main" id="{F8DFBBBF-8EAA-4B96-FC80-F380DE311E1A}"/>
+              </a:ext>
+            </a:extLst>
+          </p:cNvPr>
+          <p:cNvPicPr>
+            <a:picLocks noChangeAspect="1"/>
+          </p:cNvPicPr>
+          <p:nvPr/>
+        </p:nvPicPr>
+        <p:blipFill>
+          <a:blip r:embed="rId3">
+            <a:extLst>
+              <a:ext uri="{28A0092B-C50C-407E-A947-70E740481C1C}">
+                <a14:useLocalDpi xmlns:a14="http://schemas.microsoft.com/office/drawing/2010/main" val="0"/>
+              </a:ext>
+            </a:extLst>
+          </a:blip>
+          <a:stretch>
+            <a:fillRect/>
+          </a:stretch>
+        </p:blipFill>
+        <p:spPr>
+          <a:xfrm>
+            <a:off x="1479240" y="4886823"/>
+            <a:ext cx="10378366" cy="1757778"/>
+          </a:xfrm>
+          <a:prstGeom prst="rect">
+            <a:avLst/>
+          </a:prstGeom>
+        </p:spPr>
+      </p:pic>
+      <p:sp>
+        <p:nvSpPr>
+          <p:cNvPr id="7" name="文字方塊 6">
+            <a:extLst>
+              <a:ext uri="{FF2B5EF4-FFF2-40B4-BE49-F238E27FC236}">
+                <a16:creationId xmlns:a16="http://schemas.microsoft.com/office/drawing/2014/main" id="{F8A13232-4208-D2C1-EF50-E50CB27A72A7}"/>
+              </a:ext>
+            </a:extLst>
+          </p:cNvPr>
+          <p:cNvSpPr txBox="1"/>
+          <p:nvPr/>
+        </p:nvSpPr>
+        <p:spPr>
+          <a:xfrm>
+            <a:off x="1479240" y="4347017"/>
+            <a:ext cx="7702119" cy="461665"/>
+          </a:xfrm>
+          <a:prstGeom prst="rect">
+            <a:avLst/>
+          </a:prstGeom>
+          <a:noFill/>
+        </p:spPr>
+        <p:txBody>
+          <a:bodyPr wrap="square" rtlCol="0">
+            <a:spAutoFit/>
+          </a:bodyPr>
+          <a:lstStyle/>
+          <a:p>
+            <a:r>
+              <a:rPr lang="en-US" altLang="zh-TW" sz="2400" dirty="0" err="1">
+                <a:latin typeface="Times New Roman" panose="02020603050405020304" pitchFamily="18" charset="0"/>
+                <a:ea typeface="標楷體" panose="03000509000000000000" pitchFamily="65" charset="-120"/>
+                <a:cs typeface="Times New Roman" panose="02020603050405020304" pitchFamily="18" charset="0"/>
+              </a:rPr>
+              <a:t>pi_fill</a:t>
+            </a:r>
+            <a:r>
+              <a:rPr lang="en-US" altLang="zh-TW" sz="2400" dirty="0">
+                <a:latin typeface="Times New Roman" panose="02020603050405020304" pitchFamily="18" charset="0"/>
+                <a:ea typeface="標楷體" panose="03000509000000000000" pitchFamily="65" charset="-120"/>
+                <a:cs typeface="Times New Roman" panose="02020603050405020304" pitchFamily="18" charset="0"/>
+              </a:rPr>
+              <a:t> </a:t>
+            </a:r>
+            <a:r>
+              <a:rPr lang="zh-TW" altLang="en-US" sz="2400" dirty="0">
+                <a:latin typeface="Times New Roman" panose="02020603050405020304" pitchFamily="18" charset="0"/>
+                <a:ea typeface="標楷體" panose="03000509000000000000" pitchFamily="65" charset="-120"/>
+                <a:cs typeface="Times New Roman" panose="02020603050405020304" pitchFamily="18" charset="0"/>
+              </a:rPr>
+              <a:t>輸入</a:t>
+            </a:r>
+            <a:r>
+              <a:rPr lang="en-US" altLang="zh-TW" sz="2400" dirty="0">
+                <a:latin typeface="Times New Roman" panose="02020603050405020304" pitchFamily="18" charset="0"/>
+                <a:ea typeface="標楷體" panose="03000509000000000000" pitchFamily="65" charset="-120"/>
+                <a:cs typeface="Times New Roman" panose="02020603050405020304" pitchFamily="18" charset="0"/>
+              </a:rPr>
+              <a:t>0</a:t>
+            </a:r>
+            <a:r>
+              <a:rPr lang="zh-TW" altLang="en-US" sz="2400" dirty="0">
+                <a:latin typeface="Times New Roman" panose="02020603050405020304" pitchFamily="18" charset="0"/>
+                <a:ea typeface="標楷體" panose="03000509000000000000" pitchFamily="65" charset="-120"/>
+                <a:cs typeface="Times New Roman" panose="02020603050405020304" pitchFamily="18" charset="0"/>
+              </a:rPr>
+              <a:t>時</a:t>
+            </a:r>
+            <a:r>
+              <a:rPr lang="zh-TW" altLang="en-US" sz="2400" dirty="0">
+                <a:solidFill>
+                  <a:srgbClr val="FF0000"/>
+                </a:solidFill>
+                <a:latin typeface="標楷體" panose="03000509000000000000" pitchFamily="65" charset="-120"/>
+                <a:ea typeface="標楷體" panose="03000509000000000000" pitchFamily="65" charset="-120"/>
+                <a:cs typeface="Times New Roman" panose="02020603050405020304" pitchFamily="18" charset="0"/>
+              </a:rPr>
+              <a:t>序列輸出緩衝資料則為由</a:t>
+            </a:r>
+            <a:r>
+              <a:rPr lang="en-US" altLang="zh-TW" sz="2400" dirty="0">
+                <a:solidFill>
+                  <a:srgbClr val="FF0000"/>
+                </a:solidFill>
+                <a:latin typeface="Times New Roman" panose="02020603050405020304" pitchFamily="18" charset="0"/>
+                <a:ea typeface="標楷體" panose="03000509000000000000" pitchFamily="65" charset="-120"/>
+                <a:cs typeface="Times New Roman" panose="02020603050405020304" pitchFamily="18" charset="0"/>
+              </a:rPr>
+              <a:t>LSB</a:t>
+            </a:r>
+            <a:r>
+              <a:rPr lang="zh-TW" altLang="en-US" sz="2400" dirty="0">
+                <a:solidFill>
+                  <a:srgbClr val="FF0000"/>
+                </a:solidFill>
+                <a:latin typeface="標楷體" panose="03000509000000000000" pitchFamily="65" charset="-120"/>
+                <a:ea typeface="標楷體" panose="03000509000000000000" pitchFamily="65" charset="-120"/>
+                <a:cs typeface="Times New Roman" panose="02020603050405020304" pitchFamily="18" charset="0"/>
+              </a:rPr>
+              <a:t>對齊</a:t>
+            </a:r>
+            <a:r>
+              <a:rPr lang="zh-TW" altLang="en-US" sz="2400" baseline="0" dirty="0">
+                <a:latin typeface="Times New Roman" panose="02020603050405020304" pitchFamily="18" charset="0"/>
+                <a:ea typeface="標楷體" panose="03000509000000000000" pitchFamily="65" charset="-120"/>
+              </a:rPr>
+              <a:t>。</a:t>
+            </a:r>
+            <a:endParaRPr lang="zh-TW" altLang="en-US" sz="2400" dirty="0"/>
+          </a:p>
+        </p:txBody>
+      </p:sp>
     </p:spTree>
     <p:extLst>
       <p:ext uri="{BB962C8B-B14F-4D97-AF65-F5344CB8AC3E}">
-        <p14:creationId xmlns:p14="http://schemas.microsoft.com/office/powerpoint/2010/main" val="2470351562"/>
+        <p14:creationId xmlns:p14="http://schemas.microsoft.com/office/powerpoint/2010/main" val="3934971003"/>
       </p:ext>
     </p:extLst>
   </p:cSld>
@@ -11269,10 +13396,61 @@
       </p:grpSpPr>
       <p:sp>
         <p:nvSpPr>
+          <p:cNvPr id="2" name="標題 1">
+            <a:extLst>
+              <a:ext uri="{FF2B5EF4-FFF2-40B4-BE49-F238E27FC236}">
+                <a16:creationId xmlns:a16="http://schemas.microsoft.com/office/drawing/2014/main" id="{D6829631-1A27-23C0-BDD8-B2EBCC5435B8}"/>
+              </a:ext>
+            </a:extLst>
+          </p:cNvPr>
+          <p:cNvSpPr>
+            <a:spLocks noGrp="1"/>
+          </p:cNvSpPr>
+          <p:nvPr>
+            <p:ph type="title"/>
+          </p:nvPr>
+        </p:nvSpPr>
+        <p:spPr>
+          <a:xfrm>
+            <a:off x="838200" y="213399"/>
+            <a:ext cx="3094608" cy="513763"/>
+          </a:xfrm>
+        </p:spPr>
+        <p:txBody>
+          <a:bodyPr>
+            <a:normAutofit fontScale="90000"/>
+          </a:bodyPr>
+          <a:lstStyle/>
+          <a:p>
+            <a:r>
+              <a:rPr lang="en-US" altLang="zh-TW" sz="3200" dirty="0">
+                <a:latin typeface="Times New Roman" panose="02020603050405020304" pitchFamily="18" charset="0"/>
+                <a:ea typeface="標楷體" panose="03000509000000000000" pitchFamily="65" charset="-120"/>
+                <a:cs typeface="Times New Roman" panose="02020603050405020304" pitchFamily="18" charset="0"/>
+              </a:rPr>
+              <a:t>STI</a:t>
+            </a:r>
+            <a:r>
+              <a:rPr lang="zh-TW" altLang="en-US" sz="3200" dirty="0">
+                <a:latin typeface="Times New Roman" panose="02020603050405020304" pitchFamily="18" charset="0"/>
+                <a:ea typeface="標楷體" panose="03000509000000000000" pitchFamily="65" charset="-120"/>
+                <a:cs typeface="Times New Roman" panose="02020603050405020304" pitchFamily="18" charset="0"/>
+              </a:rPr>
+              <a:t>電路運作原理</a:t>
+            </a:r>
+            <a:endParaRPr lang="zh-TW" altLang="en-US" sz="3200" dirty="0">
+              <a:latin typeface="Times New Roman" panose="02020603050405020304" pitchFamily="18" charset="0"/>
+              <a:cs typeface="Times New Roman" panose="02020603050405020304" pitchFamily="18" charset="0"/>
+            </a:endParaRPr>
+          </a:p>
+        </p:txBody>
+      </p:sp>
+      <p:sp>
+        <p:nvSpPr>
           <p:cNvPr id="3" name="內容版面配置區 2">
             <a:extLst>
               <a:ext uri="{FF2B5EF4-FFF2-40B4-BE49-F238E27FC236}">
-                <a16:creationId xmlns:a16="http://schemas.microsoft.com/office/drawing/2014/main" id="{5DA835CD-DB32-0098-AA29-D56FCC416481}"/>
+                <a16:creationId xmlns:a16="http://schemas.microsoft.com/office/drawing/2014/main" id="{494286DB-3494-E083-7F2E-2EFE8CBC3D90}"/>
               </a:ext>
             </a:extLst>
           </p:cNvPr>
@@ -11285,8 +13463,8 @@
         </p:nvSpPr>
         <p:spPr>
           <a:xfrm>
-            <a:off x="838200" y="422952"/>
-            <a:ext cx="10515600" cy="873187"/>
+            <a:off x="838200" y="883717"/>
+            <a:ext cx="10515600" cy="569581"/>
           </a:xfrm>
         </p:spPr>
         <p:txBody>
@@ -11299,14 +13477,23 @@
                 <a:ea typeface="標楷體" panose="03000509000000000000" pitchFamily="65" charset="-120"/>
                 <a:cs typeface="Times New Roman" panose="02020603050405020304" pitchFamily="18" charset="0"/>
               </a:rPr>
-              <a:t>pi_fill</a:t>
+              <a:t>pi_low</a:t>
+            </a:r>
+            <a:r>
+              <a:rPr lang="en-US" altLang="zh-TW" dirty="0">
+                <a:latin typeface="Times New Roman" panose="02020603050405020304" pitchFamily="18" charset="0"/>
+                <a:ea typeface="標楷體" panose="03000509000000000000" pitchFamily="65" charset="-120"/>
+                <a:cs typeface="Times New Roman" panose="02020603050405020304" pitchFamily="18" charset="0"/>
+              </a:rPr>
+              <a:t>(</a:t>
             </a:r>
             <a:r>
               <a:rPr lang="zh-TW" altLang="en-US" dirty="0">
-                <a:latin typeface="標楷體" panose="03000509000000000000" pitchFamily="65" charset="-120"/>
-                <a:ea typeface="標楷體" panose="03000509000000000000" pitchFamily="65" charset="-120"/>
-              </a:rPr>
-              <a:t>輸入</a:t>
+                <a:latin typeface="Times New Roman" panose="02020603050405020304" pitchFamily="18" charset="0"/>
+                <a:ea typeface="標楷體" panose="03000509000000000000" pitchFamily="65" charset="-120"/>
+                <a:cs typeface="Times New Roman" panose="02020603050405020304" pitchFamily="18" charset="0"/>
+              </a:rPr>
+              <a:t>低位元輸出模式</a:t>
             </a:r>
             <a:r>
               <a:rPr lang="en-US" altLang="zh-TW" dirty="0">
@@ -11314,42 +13501,41 @@
                 <a:ea typeface="標楷體" panose="03000509000000000000" pitchFamily="65" charset="-120"/>
                 <a:cs typeface="Times New Roman" panose="02020603050405020304" pitchFamily="18" charset="0"/>
               </a:rPr>
-              <a:t>1’b0 (STI)</a:t>
-            </a:r>
-            <a:endParaRPr lang="zh-TW" altLang="en-US" dirty="0">
-              <a:latin typeface="Times New Roman" panose="02020603050405020304" pitchFamily="18" charset="0"/>
-              <a:ea typeface="標楷體" panose="03000509000000000000" pitchFamily="65" charset="-120"/>
-              <a:cs typeface="Times New Roman" panose="02020603050405020304" pitchFamily="18" charset="0"/>
-            </a:endParaRPr>
-          </a:p>
-        </p:txBody>
-      </p:sp>
-      <p:sp>
-        <p:nvSpPr>
-          <p:cNvPr id="6" name="投影片編號版面配置區 5">
-            <a:extLst>
-              <a:ext uri="{FF2B5EF4-FFF2-40B4-BE49-F238E27FC236}">
-                <a16:creationId xmlns:a16="http://schemas.microsoft.com/office/drawing/2014/main" id="{6EE6F662-1C5E-D820-791C-FC77D5400F33}"/>
-              </a:ext>
-            </a:extLst>
-          </p:cNvPr>
-          <p:cNvSpPr>
-            <a:spLocks noGrp="1"/>
-          </p:cNvSpPr>
-          <p:nvPr>
-            <p:ph type="sldNum" sz="quarter" idx="12"/>
-          </p:nvPr>
-        </p:nvSpPr>
-        <p:spPr/>
-        <p:txBody>
-          <a:bodyPr/>
-          <a:lstStyle/>
-          <a:p>
-            <a:fld id="{7D3C2007-09EB-4B8E-B7A7-F48258516163}" type="slidenum">
-              <a:rPr lang="zh-TW" altLang="en-US" smtClean="0"/>
-              <a:t>7</a:t>
-            </a:fld>
-            <a:endParaRPr lang="zh-TW" altLang="en-US"/>
+              <a:t>-</a:t>
+            </a:r>
+            <a:r>
+              <a:rPr lang="en-US" altLang="zh-TW" sz="2800" dirty="0">
+                <a:latin typeface="Times New Roman" panose="02020603050405020304" pitchFamily="18" charset="0"/>
+                <a:ea typeface="標楷體" panose="03000509000000000000" pitchFamily="65" charset="-120"/>
+                <a:cs typeface="Times New Roman" panose="02020603050405020304" pitchFamily="18" charset="0"/>
+              </a:rPr>
+              <a:t> </a:t>
+            </a:r>
+            <a:r>
+              <a:rPr lang="en-US" altLang="zh-TW" sz="2800" dirty="0" err="1">
+                <a:latin typeface="Times New Roman" panose="02020603050405020304" pitchFamily="18" charset="0"/>
+                <a:ea typeface="標楷體" panose="03000509000000000000" pitchFamily="65" charset="-120"/>
+                <a:cs typeface="Times New Roman" panose="02020603050405020304" pitchFamily="18" charset="0"/>
+              </a:rPr>
+              <a:t>pi_length</a:t>
+            </a:r>
+            <a:r>
+              <a:rPr lang="en-US" altLang="zh-TW" sz="2800" dirty="0">
+                <a:latin typeface="Times New Roman" panose="02020603050405020304" pitchFamily="18" charset="0"/>
+                <a:ea typeface="標楷體" panose="03000509000000000000" pitchFamily="65" charset="-120"/>
+                <a:cs typeface="Times New Roman" panose="02020603050405020304" pitchFamily="18" charset="0"/>
+              </a:rPr>
+              <a:t> = 2’b00</a:t>
+            </a:r>
+            <a:r>
+              <a:rPr lang="en-US" altLang="zh-TW" dirty="0">
+                <a:latin typeface="Times New Roman" panose="02020603050405020304" pitchFamily="18" charset="0"/>
+                <a:ea typeface="標楷體" panose="03000509000000000000" pitchFamily="65" charset="-120"/>
+                <a:cs typeface="Times New Roman" panose="02020603050405020304" pitchFamily="18" charset="0"/>
+              </a:rPr>
+              <a:t>)</a:t>
+            </a:r>
+            <a:endParaRPr lang="zh-TW" altLang="en-US" dirty="0"/>
           </a:p>
         </p:txBody>
       </p:sp>
@@ -11358,7 +13544,7 @@
           <p:cNvPr id="4" name="文字方塊 3">
             <a:extLst>
               <a:ext uri="{FF2B5EF4-FFF2-40B4-BE49-F238E27FC236}">
-                <a16:creationId xmlns:a16="http://schemas.microsoft.com/office/drawing/2014/main" id="{8C40B6B8-AA9B-6BE2-98AD-02F352791FF0}"/>
+                <a16:creationId xmlns:a16="http://schemas.microsoft.com/office/drawing/2014/main" id="{3C84F69D-E82B-B9B5-46A4-545C9B528E58}"/>
               </a:ext>
             </a:extLst>
           </p:cNvPr>
@@ -11367,8 +13553,8 @@
         </p:nvSpPr>
         <p:spPr>
           <a:xfrm>
-            <a:off x="838200" y="1404692"/>
-            <a:ext cx="10241132" cy="1200329"/>
+            <a:off x="1479240" y="1453298"/>
+            <a:ext cx="10241132" cy="830997"/>
           </a:xfrm>
           <a:prstGeom prst="rect">
             <a:avLst/>
@@ -11382,20 +13568,20 @@
           <a:lstStyle/>
           <a:p>
             <a:r>
+              <a:rPr lang="en-US" altLang="zh-TW" sz="2400" dirty="0" err="1">
+                <a:latin typeface="Times New Roman" panose="02020603050405020304" pitchFamily="18" charset="0"/>
+                <a:ea typeface="標楷體" panose="03000509000000000000" pitchFamily="65" charset="-120"/>
+                <a:cs typeface="Times New Roman" panose="02020603050405020304" pitchFamily="18" charset="0"/>
+              </a:rPr>
+              <a:t>pi_low</a:t>
+            </a:r>
+            <a:r>
               <a:rPr lang="zh-TW" altLang="en-US" sz="2400" dirty="0">
-                <a:latin typeface="標楷體" panose="03000509000000000000" pitchFamily="65" charset="-120"/>
-                <a:ea typeface="標楷體" panose="03000509000000000000" pitchFamily="65" charset="-120"/>
-                <a:cs typeface="Times New Roman" panose="02020603050405020304" pitchFamily="18" charset="0"/>
-              </a:rPr>
-              <a:t>當</a:t>
-            </a:r>
-            <a:r>
-              <a:rPr lang="en-US" altLang="zh-TW" sz="2400" dirty="0" err="1">
-                <a:latin typeface="Times New Roman" panose="02020603050405020304" pitchFamily="18" charset="0"/>
-                <a:ea typeface="標楷體" panose="03000509000000000000" pitchFamily="65" charset="-120"/>
-                <a:cs typeface="Times New Roman" panose="02020603050405020304" pitchFamily="18" charset="0"/>
-              </a:rPr>
-              <a:t>pi_length</a:t>
+                <a:latin typeface="Times New Roman" panose="02020603050405020304" pitchFamily="18" charset="0"/>
+                <a:ea typeface="標楷體" panose="03000509000000000000" pitchFamily="65" charset="-120"/>
+                <a:cs typeface="Times New Roman" panose="02020603050405020304" pitchFamily="18" charset="0"/>
+              </a:rPr>
+              <a:t>輸入</a:t>
             </a:r>
             <a:r>
               <a:rPr lang="en-US" altLang="zh-TW" sz="2400" dirty="0">
@@ -11403,31 +13589,15 @@
                 <a:ea typeface="標楷體" panose="03000509000000000000" pitchFamily="65" charset="-120"/>
                 <a:cs typeface="Times New Roman" panose="02020603050405020304" pitchFamily="18" charset="0"/>
               </a:rPr>
-              <a:t> = 2’b10</a:t>
+              <a:t>1</a:t>
             </a:r>
             <a:r>
               <a:rPr lang="zh-TW" altLang="en-US" sz="2400" dirty="0">
-                <a:latin typeface="標楷體" panose="03000509000000000000" pitchFamily="65" charset="-120"/>
-                <a:ea typeface="標楷體" panose="03000509000000000000" pitchFamily="65" charset="-120"/>
-                <a:cs typeface="Times New Roman" panose="02020603050405020304" pitchFamily="18" charset="0"/>
-              </a:rPr>
-              <a:t>，序列資料輸出則需要</a:t>
-            </a:r>
-            <a:r>
-              <a:rPr lang="en-US" altLang="zh-TW" sz="2400" dirty="0">
-                <a:latin typeface="Times New Roman" panose="02020603050405020304" pitchFamily="18" charset="0"/>
-                <a:ea typeface="標楷體" panose="03000509000000000000" pitchFamily="65" charset="-120"/>
-                <a:cs typeface="Times New Roman" panose="02020603050405020304" pitchFamily="18" charset="0"/>
-              </a:rPr>
-              <a:t>24bits</a:t>
-            </a:r>
-            <a:r>
-              <a:rPr lang="zh-TW" altLang="en-US" sz="2400" dirty="0">
-                <a:latin typeface="Times New Roman" panose="02020603050405020304" pitchFamily="18" charset="0"/>
-                <a:ea typeface="標楷體" panose="03000509000000000000" pitchFamily="65" charset="-120"/>
-                <a:cs typeface="Times New Roman" panose="02020603050405020304" pitchFamily="18" charset="0"/>
-              </a:rPr>
-              <a:t>，</a:t>
+                <a:latin typeface="Times New Roman" panose="02020603050405020304" pitchFamily="18" charset="0"/>
+                <a:ea typeface="標楷體" panose="03000509000000000000" pitchFamily="65" charset="-120"/>
+                <a:cs typeface="Times New Roman" panose="02020603050405020304" pitchFamily="18" charset="0"/>
+              </a:rPr>
+              <a:t>時，</a:t>
             </a:r>
             <a:r>
               <a:rPr lang="en-US" altLang="zh-TW" sz="2400" dirty="0" err="1">
@@ -11460,7 +13630,7 @@
                 <a:ea typeface="標楷體" panose="03000509000000000000" pitchFamily="65" charset="-120"/>
                 <a:cs typeface="Times New Roman" panose="02020603050405020304" pitchFamily="18" charset="0"/>
               </a:rPr>
-              <a:t>LSB</a:t>
+              <a:t>MSB</a:t>
             </a:r>
             <a:r>
               <a:rPr lang="zh-TW" altLang="en-US" sz="2400" dirty="0">
@@ -11479,7 +13649,23 @@
                 <a:ea typeface="標楷體" panose="03000509000000000000" pitchFamily="65" charset="-120"/>
                 <a:cs typeface="Times New Roman" panose="02020603050405020304" pitchFamily="18" charset="0"/>
               </a:rPr>
-              <a:t>，需要補上</a:t>
+              <a:t>，序列資料輸出 </a:t>
+            </a:r>
+            <a:r>
+              <a:rPr lang="en-US" altLang="zh-TW" sz="2400" dirty="0" err="1">
+                <a:latin typeface="Times New Roman" panose="02020603050405020304" pitchFamily="18" charset="0"/>
+                <a:ea typeface="標楷體" panose="03000509000000000000" pitchFamily="65" charset="-120"/>
+                <a:cs typeface="Times New Roman" panose="02020603050405020304" pitchFamily="18" charset="0"/>
+              </a:rPr>
+              <a:t>pi_data</a:t>
+            </a:r>
+            <a:r>
+              <a:rPr lang="zh-TW" altLang="en-US" sz="2400" dirty="0">
+                <a:latin typeface="Times New Roman" panose="02020603050405020304" pitchFamily="18" charset="0"/>
+                <a:ea typeface="標楷體" panose="03000509000000000000" pitchFamily="65" charset="-120"/>
+                <a:cs typeface="Times New Roman" panose="02020603050405020304" pitchFamily="18" charset="0"/>
+              </a:rPr>
+              <a:t>的高位元組</a:t>
             </a:r>
             <a:r>
               <a:rPr lang="en-US" altLang="zh-TW" sz="2400" dirty="0">
@@ -11487,110 +13673,7 @@
                 <a:ea typeface="標楷體" panose="03000509000000000000" pitchFamily="65" charset="-120"/>
                 <a:cs typeface="Times New Roman" panose="02020603050405020304" pitchFamily="18" charset="0"/>
               </a:rPr>
-              <a:t>8</a:t>
-            </a:r>
-            <a:r>
-              <a:rPr lang="zh-TW" altLang="en-US" sz="2400" dirty="0">
-                <a:latin typeface="Times New Roman" panose="02020603050405020304" pitchFamily="18" charset="0"/>
-                <a:ea typeface="標楷體" panose="03000509000000000000" pitchFamily="65" charset="-120"/>
-                <a:cs typeface="Times New Roman" panose="02020603050405020304" pitchFamily="18" charset="0"/>
-              </a:rPr>
-              <a:t>個</a:t>
-            </a:r>
-            <a:r>
-              <a:rPr lang="en-US" altLang="zh-TW" sz="2400" dirty="0">
-                <a:latin typeface="Times New Roman" panose="02020603050405020304" pitchFamily="18" charset="0"/>
-                <a:ea typeface="標楷體" panose="03000509000000000000" pitchFamily="65" charset="-120"/>
-                <a:cs typeface="Times New Roman" panose="02020603050405020304" pitchFamily="18" charset="0"/>
-              </a:rPr>
-              <a:t>0</a:t>
-            </a:r>
-            <a:r>
-              <a:rPr lang="zh-TW" altLang="en-US" sz="2400" dirty="0">
-                <a:latin typeface="Times New Roman" panose="02020603050405020304" pitchFamily="18" charset="0"/>
-                <a:ea typeface="標楷體" panose="03000509000000000000" pitchFamily="65" charset="-120"/>
-                <a:cs typeface="Times New Roman" panose="02020603050405020304" pitchFamily="18" charset="0"/>
-              </a:rPr>
-              <a:t> ，若是</a:t>
-            </a:r>
-            <a:r>
-              <a:rPr lang="en-US" altLang="zh-TW" sz="2400" dirty="0" err="1">
-                <a:latin typeface="Times New Roman" panose="02020603050405020304" pitchFamily="18" charset="0"/>
-                <a:ea typeface="標楷體" panose="03000509000000000000" pitchFamily="65" charset="-120"/>
-                <a:cs typeface="Times New Roman" panose="02020603050405020304" pitchFamily="18" charset="0"/>
-              </a:rPr>
-              <a:t>pi_length</a:t>
-            </a:r>
-            <a:r>
-              <a:rPr lang="en-US" altLang="zh-TW" sz="2400" dirty="0">
-                <a:latin typeface="Times New Roman" panose="02020603050405020304" pitchFamily="18" charset="0"/>
-                <a:ea typeface="標楷體" panose="03000509000000000000" pitchFamily="65" charset="-120"/>
-                <a:cs typeface="Times New Roman" panose="02020603050405020304" pitchFamily="18" charset="0"/>
-              </a:rPr>
-              <a:t> = 2’b11</a:t>
-            </a:r>
-            <a:r>
-              <a:rPr lang="zh-TW" altLang="en-US" sz="2400" dirty="0">
-                <a:latin typeface="Times New Roman" panose="02020603050405020304" pitchFamily="18" charset="0"/>
-                <a:ea typeface="標楷體" panose="03000509000000000000" pitchFamily="65" charset="-120"/>
-                <a:cs typeface="Times New Roman" panose="02020603050405020304" pitchFamily="18" charset="0"/>
-              </a:rPr>
-              <a:t>，</a:t>
-            </a:r>
-            <a:r>
-              <a:rPr lang="zh-TW" altLang="en-US" sz="2400" dirty="0">
-                <a:latin typeface="標楷體" panose="03000509000000000000" pitchFamily="65" charset="-120"/>
-                <a:ea typeface="標楷體" panose="03000509000000000000" pitchFamily="65" charset="-120"/>
-                <a:cs typeface="Times New Roman" panose="02020603050405020304" pitchFamily="18" charset="0"/>
-              </a:rPr>
-              <a:t>序列資料輸出則需要</a:t>
-            </a:r>
-            <a:r>
-              <a:rPr lang="en-US" altLang="zh-TW" sz="2400" dirty="0">
-                <a:latin typeface="Times New Roman" panose="02020603050405020304" pitchFamily="18" charset="0"/>
-                <a:ea typeface="標楷體" panose="03000509000000000000" pitchFamily="65" charset="-120"/>
-                <a:cs typeface="Times New Roman" panose="02020603050405020304" pitchFamily="18" charset="0"/>
-              </a:rPr>
-              <a:t>32bits</a:t>
-            </a:r>
-            <a:r>
-              <a:rPr lang="zh-TW" altLang="en-US" sz="2400" baseline="0" dirty="0">
-                <a:latin typeface="Times New Roman" panose="02020603050405020304" pitchFamily="18" charset="0"/>
-                <a:ea typeface="標楷體" panose="03000509000000000000" pitchFamily="65" charset="-120"/>
-              </a:rPr>
-              <a:t> </a:t>
-            </a:r>
-            <a:r>
-              <a:rPr lang="zh-TW" altLang="en-US" sz="2400" dirty="0">
-                <a:latin typeface="Times New Roman" panose="02020603050405020304" pitchFamily="18" charset="0"/>
-                <a:ea typeface="標楷體" panose="03000509000000000000" pitchFamily="65" charset="-120"/>
-                <a:cs typeface="Times New Roman" panose="02020603050405020304" pitchFamily="18" charset="0"/>
-              </a:rPr>
-              <a:t>，需要補上</a:t>
-            </a:r>
-            <a:r>
-              <a:rPr lang="en-US" altLang="zh-TW" sz="2400" dirty="0">
-                <a:latin typeface="Times New Roman" panose="02020603050405020304" pitchFamily="18" charset="0"/>
-                <a:ea typeface="標楷體" panose="03000509000000000000" pitchFamily="65" charset="-120"/>
-                <a:cs typeface="Times New Roman" panose="02020603050405020304" pitchFamily="18" charset="0"/>
-              </a:rPr>
-              <a:t>16</a:t>
-            </a:r>
-            <a:r>
-              <a:rPr lang="zh-TW" altLang="en-US" sz="2400" dirty="0">
-                <a:latin typeface="Times New Roman" panose="02020603050405020304" pitchFamily="18" charset="0"/>
-                <a:ea typeface="標楷體" panose="03000509000000000000" pitchFamily="65" charset="-120"/>
-                <a:cs typeface="Times New Roman" panose="02020603050405020304" pitchFamily="18" charset="0"/>
-              </a:rPr>
-              <a:t>個</a:t>
-            </a:r>
-            <a:r>
-              <a:rPr lang="en-US" altLang="zh-TW" sz="2400" dirty="0">
-                <a:latin typeface="Times New Roman" panose="02020603050405020304" pitchFamily="18" charset="0"/>
-                <a:ea typeface="標楷體" panose="03000509000000000000" pitchFamily="65" charset="-120"/>
-                <a:cs typeface="Times New Roman" panose="02020603050405020304" pitchFamily="18" charset="0"/>
-              </a:rPr>
-              <a:t>0</a:t>
+              <a:t>8bits </a:t>
             </a:r>
             <a:r>
               <a:rPr lang="zh-TW" altLang="en-US" sz="2400" baseline="0" dirty="0">
@@ -11606,12 +13689,167 @@
           </a:p>
         </p:txBody>
       </p:sp>
+      <p:sp>
+        <p:nvSpPr>
+          <p:cNvPr id="7" name="文字方塊 6">
+            <a:extLst>
+              <a:ext uri="{FF2B5EF4-FFF2-40B4-BE49-F238E27FC236}">
+                <a16:creationId xmlns:a16="http://schemas.microsoft.com/office/drawing/2014/main" id="{F8A13232-4208-D2C1-EF50-E50CB27A72A7}"/>
+              </a:ext>
+            </a:extLst>
+          </p:cNvPr>
+          <p:cNvSpPr txBox="1"/>
+          <p:nvPr/>
+        </p:nvSpPr>
+        <p:spPr>
+          <a:xfrm>
+            <a:off x="1479238" y="4100583"/>
+            <a:ext cx="10136313" cy="830997"/>
+          </a:xfrm>
+          <a:prstGeom prst="rect">
+            <a:avLst/>
+          </a:prstGeom>
+          <a:noFill/>
+        </p:spPr>
+        <p:txBody>
+          <a:bodyPr wrap="square" rtlCol="0">
+            <a:spAutoFit/>
+          </a:bodyPr>
+          <a:lstStyle/>
+          <a:p>
+            <a:r>
+              <a:rPr lang="en-US" altLang="zh-TW" sz="2400" dirty="0" err="1">
+                <a:latin typeface="Times New Roman" panose="02020603050405020304" pitchFamily="18" charset="0"/>
+                <a:ea typeface="標楷體" panose="03000509000000000000" pitchFamily="65" charset="-120"/>
+                <a:cs typeface="Times New Roman" panose="02020603050405020304" pitchFamily="18" charset="0"/>
+              </a:rPr>
+              <a:t>pi_low</a:t>
+            </a:r>
+            <a:r>
+              <a:rPr lang="en-US" altLang="zh-TW" sz="2400" dirty="0">
+                <a:latin typeface="Times New Roman" panose="02020603050405020304" pitchFamily="18" charset="0"/>
+                <a:ea typeface="標楷體" panose="03000509000000000000" pitchFamily="65" charset="-120"/>
+                <a:cs typeface="Times New Roman" panose="02020603050405020304" pitchFamily="18" charset="0"/>
+              </a:rPr>
+              <a:t> </a:t>
+            </a:r>
+            <a:r>
+              <a:rPr lang="zh-TW" altLang="en-US" sz="2400" dirty="0">
+                <a:latin typeface="Times New Roman" panose="02020603050405020304" pitchFamily="18" charset="0"/>
+                <a:ea typeface="標楷體" panose="03000509000000000000" pitchFamily="65" charset="-120"/>
+                <a:cs typeface="Times New Roman" panose="02020603050405020304" pitchFamily="18" charset="0"/>
+              </a:rPr>
+              <a:t>輸入</a:t>
+            </a:r>
+            <a:r>
+              <a:rPr lang="en-US" altLang="zh-TW" sz="2400" dirty="0">
+                <a:latin typeface="Times New Roman" panose="02020603050405020304" pitchFamily="18" charset="0"/>
+                <a:ea typeface="標楷體" panose="03000509000000000000" pitchFamily="65" charset="-120"/>
+                <a:cs typeface="Times New Roman" panose="02020603050405020304" pitchFamily="18" charset="0"/>
+              </a:rPr>
+              <a:t>0</a:t>
+            </a:r>
+            <a:r>
+              <a:rPr lang="zh-TW" altLang="en-US" sz="2400" dirty="0">
+                <a:latin typeface="Times New Roman" panose="02020603050405020304" pitchFamily="18" charset="0"/>
+                <a:ea typeface="標楷體" panose="03000509000000000000" pitchFamily="65" charset="-120"/>
+                <a:cs typeface="Times New Roman" panose="02020603050405020304" pitchFamily="18" charset="0"/>
+              </a:rPr>
+              <a:t>時</a:t>
+            </a:r>
+            <a:r>
+              <a:rPr lang="en-US" altLang="zh-TW" sz="2400" dirty="0" err="1">
+                <a:solidFill>
+                  <a:srgbClr val="FF0000"/>
+                </a:solidFill>
+                <a:latin typeface="Times New Roman" panose="02020603050405020304" pitchFamily="18" charset="0"/>
+                <a:ea typeface="標楷體" panose="03000509000000000000" pitchFamily="65" charset="-120"/>
+                <a:cs typeface="Times New Roman" panose="02020603050405020304" pitchFamily="18" charset="0"/>
+              </a:rPr>
+              <a:t>pi_data</a:t>
+            </a:r>
+            <a:r>
+              <a:rPr lang="zh-TW" altLang="en-US" sz="2400" dirty="0">
+                <a:solidFill>
+                  <a:srgbClr val="FF0000"/>
+                </a:solidFill>
+                <a:latin typeface="標楷體" panose="03000509000000000000" pitchFamily="65" charset="-120"/>
+                <a:ea typeface="標楷體" panose="03000509000000000000" pitchFamily="65" charset="-120"/>
+                <a:cs typeface="Times New Roman" panose="02020603050405020304" pitchFamily="18" charset="0"/>
+              </a:rPr>
+              <a:t>與序列輸出緩衝資料為由</a:t>
+            </a:r>
+            <a:r>
+              <a:rPr lang="en-US" altLang="zh-TW" sz="2400" dirty="0">
+                <a:solidFill>
+                  <a:srgbClr val="FF0000"/>
+                </a:solidFill>
+                <a:latin typeface="Times New Roman" panose="02020603050405020304" pitchFamily="18" charset="0"/>
+                <a:ea typeface="標楷體" panose="03000509000000000000" pitchFamily="65" charset="-120"/>
+                <a:cs typeface="Times New Roman" panose="02020603050405020304" pitchFamily="18" charset="0"/>
+              </a:rPr>
+              <a:t>LSB</a:t>
+            </a:r>
+            <a:r>
+              <a:rPr lang="zh-TW" altLang="en-US" sz="2400" dirty="0">
+                <a:solidFill>
+                  <a:srgbClr val="FF0000"/>
+                </a:solidFill>
+                <a:latin typeface="標楷體" panose="03000509000000000000" pitchFamily="65" charset="-120"/>
+                <a:ea typeface="標楷體" panose="03000509000000000000" pitchFamily="65" charset="-120"/>
+                <a:cs typeface="Times New Roman" panose="02020603050405020304" pitchFamily="18" charset="0"/>
+              </a:rPr>
+              <a:t>對齊</a:t>
+            </a:r>
+            <a:r>
+              <a:rPr lang="zh-TW" altLang="en-US" sz="2400" dirty="0">
+                <a:latin typeface="Times New Roman" panose="02020603050405020304" pitchFamily="18" charset="0"/>
+                <a:ea typeface="標楷體" panose="03000509000000000000" pitchFamily="65" charset="-120"/>
+                <a:cs typeface="Times New Roman" panose="02020603050405020304" pitchFamily="18" charset="0"/>
+              </a:rPr>
+              <a:t>，序列資料輸出 </a:t>
+            </a:r>
+            <a:r>
+              <a:rPr lang="en-US" altLang="zh-TW" sz="2400" dirty="0" err="1">
+                <a:latin typeface="Times New Roman" panose="02020603050405020304" pitchFamily="18" charset="0"/>
+                <a:ea typeface="標楷體" panose="03000509000000000000" pitchFamily="65" charset="-120"/>
+                <a:cs typeface="Times New Roman" panose="02020603050405020304" pitchFamily="18" charset="0"/>
+              </a:rPr>
+              <a:t>pi_data</a:t>
+            </a:r>
+            <a:r>
+              <a:rPr lang="zh-TW" altLang="en-US" sz="2400" dirty="0">
+                <a:latin typeface="Times New Roman" panose="02020603050405020304" pitchFamily="18" charset="0"/>
+                <a:ea typeface="標楷體" panose="03000509000000000000" pitchFamily="65" charset="-120"/>
+                <a:cs typeface="Times New Roman" panose="02020603050405020304" pitchFamily="18" charset="0"/>
+              </a:rPr>
+              <a:t>的低位元組</a:t>
+            </a:r>
+            <a:r>
+              <a:rPr lang="en-US" altLang="zh-TW" sz="2400" dirty="0">
+                <a:latin typeface="Times New Roman" panose="02020603050405020304" pitchFamily="18" charset="0"/>
+                <a:ea typeface="標楷體" panose="03000509000000000000" pitchFamily="65" charset="-120"/>
+                <a:cs typeface="Times New Roman" panose="02020603050405020304" pitchFamily="18" charset="0"/>
+              </a:rPr>
+              <a:t>8bits</a:t>
+            </a:r>
+            <a:r>
+              <a:rPr lang="zh-TW" altLang="en-US" sz="2400" baseline="0" dirty="0">
+                <a:latin typeface="Times New Roman" panose="02020603050405020304" pitchFamily="18" charset="0"/>
+                <a:ea typeface="標楷體" panose="03000509000000000000" pitchFamily="65" charset="-120"/>
+              </a:rPr>
+              <a:t> 。</a:t>
+            </a:r>
+            <a:endParaRPr lang="zh-TW" altLang="en-US" sz="2400" dirty="0"/>
+          </a:p>
+        </p:txBody>
+      </p:sp>
       <p:pic>
         <p:nvPicPr>
-          <p:cNvPr id="2" name="圖片 1">
+          <p:cNvPr id="8" name="圖片 7">
             <a:extLst>
               <a:ext uri="{FF2B5EF4-FFF2-40B4-BE49-F238E27FC236}">
-                <a16:creationId xmlns:a16="http://schemas.microsoft.com/office/drawing/2014/main" id="{86DE2492-99CE-B0EA-E002-7E2AAD23EC41}"/>
+                <a16:creationId xmlns:a16="http://schemas.microsoft.com/office/drawing/2014/main" id="{9DF79C1D-C57D-72F2-D62B-AB220E9AF9E6}"/>
               </a:ext>
             </a:extLst>
           </p:cNvPr>
@@ -11634,8 +13872,44 @@
         </p:blipFill>
         <p:spPr>
           <a:xfrm>
-            <a:off x="408991" y="2809609"/>
-            <a:ext cx="11374017" cy="2657036"/>
+            <a:off x="1479240" y="2284295"/>
+            <a:ext cx="10136313" cy="1746167"/>
+          </a:xfrm>
+          <a:prstGeom prst="rect">
+            <a:avLst/>
+          </a:prstGeom>
+        </p:spPr>
+      </p:pic>
+      <p:pic>
+        <p:nvPicPr>
+          <p:cNvPr id="9" name="圖片 8">
+            <a:extLst>
+              <a:ext uri="{FF2B5EF4-FFF2-40B4-BE49-F238E27FC236}">
+                <a16:creationId xmlns:a16="http://schemas.microsoft.com/office/drawing/2014/main" id="{1D4048DF-A67D-0E31-2B95-CA7F6D85A352}"/>
+              </a:ext>
+            </a:extLst>
+          </p:cNvPr>
+          <p:cNvPicPr>
+            <a:picLocks noChangeAspect="1"/>
+          </p:cNvPicPr>
+          <p:nvPr/>
+        </p:nvPicPr>
+        <p:blipFill>
+          <a:blip r:embed="rId3">
+            <a:extLst>
+              <a:ext uri="{28A0092B-C50C-407E-A947-70E740481C1C}">
+                <a14:useLocalDpi xmlns:a14="http://schemas.microsoft.com/office/drawing/2010/main" val="0"/>
+              </a:ext>
+            </a:extLst>
+          </a:blip>
+          <a:stretch>
+            <a:fillRect/>
+          </a:stretch>
+        </p:blipFill>
+        <p:spPr>
+          <a:xfrm>
+            <a:off x="1479239" y="5001702"/>
+            <a:ext cx="10136313" cy="1746167"/>
           </a:xfrm>
           <a:prstGeom prst="rect">
             <a:avLst/>
@@ -11645,7 +13919,7 @@
     </p:spTree>
     <p:extLst>
       <p:ext uri="{BB962C8B-B14F-4D97-AF65-F5344CB8AC3E}">
-        <p14:creationId xmlns:p14="http://schemas.microsoft.com/office/powerpoint/2010/main" val="1580849845"/>
+        <p14:creationId xmlns:p14="http://schemas.microsoft.com/office/powerpoint/2010/main" val="1149311250"/>
       </p:ext>
     </p:extLst>
   </p:cSld>
@@ -11674,10 +13948,10 @@
       </p:grpSpPr>
       <p:sp>
         <p:nvSpPr>
-          <p:cNvPr id="3" name="內容版面配置區 2">
+          <p:cNvPr id="2" name="標題 1">
             <a:extLst>
               <a:ext uri="{FF2B5EF4-FFF2-40B4-BE49-F238E27FC236}">
-                <a16:creationId xmlns:a16="http://schemas.microsoft.com/office/drawing/2014/main" id="{5DA835CD-DB32-0098-AA29-D56FCC416481}"/>
+                <a16:creationId xmlns:a16="http://schemas.microsoft.com/office/drawing/2014/main" id="{D6829631-1A27-23C0-BDD8-B2EBCC5435B8}"/>
               </a:ext>
             </a:extLst>
           </p:cNvPr>
@@ -11685,251 +13959,46 @@
             <a:spLocks noGrp="1"/>
           </p:cNvSpPr>
           <p:nvPr>
-            <p:ph idx="1"/>
+            <p:ph type="title"/>
           </p:nvPr>
         </p:nvSpPr>
         <p:spPr>
           <a:xfrm>
-            <a:off x="838200" y="422952"/>
-            <a:ext cx="10515600" cy="873187"/>
+            <a:off x="838200" y="213399"/>
+            <a:ext cx="3094608" cy="513763"/>
           </a:xfrm>
         </p:spPr>
         <p:txBody>
-          <a:bodyPr/>
-          <a:lstStyle/>
-          <a:p>
-            <a:r>
-              <a:rPr lang="en-US" altLang="zh-TW" dirty="0" err="1">
-                <a:latin typeface="Times New Roman" panose="02020603050405020304" pitchFamily="18" charset="0"/>
-                <a:ea typeface="標楷體" panose="03000509000000000000" pitchFamily="65" charset="-120"/>
-                <a:cs typeface="Times New Roman" panose="02020603050405020304" pitchFamily="18" charset="0"/>
-              </a:rPr>
-              <a:t>pi_low</a:t>
-            </a:r>
-            <a:r>
-              <a:rPr lang="zh-TW" altLang="en-US" dirty="0">
-                <a:latin typeface="標楷體" panose="03000509000000000000" pitchFamily="65" charset="-120"/>
-                <a:ea typeface="標楷體" panose="03000509000000000000" pitchFamily="65" charset="-120"/>
-              </a:rPr>
-              <a:t>輸入</a:t>
-            </a:r>
-            <a:r>
-              <a:rPr lang="en-US" altLang="zh-TW" dirty="0">
-                <a:latin typeface="Times New Roman" panose="02020603050405020304" pitchFamily="18" charset="0"/>
-                <a:ea typeface="標楷體" panose="03000509000000000000" pitchFamily="65" charset="-120"/>
-                <a:cs typeface="Times New Roman" panose="02020603050405020304" pitchFamily="18" charset="0"/>
-              </a:rPr>
-              <a:t>1’b1 (STI)</a:t>
-            </a:r>
-            <a:endParaRPr lang="zh-TW" altLang="en-US" dirty="0">
-              <a:latin typeface="Times New Roman" panose="02020603050405020304" pitchFamily="18" charset="0"/>
-              <a:ea typeface="標楷體" panose="03000509000000000000" pitchFamily="65" charset="-120"/>
-              <a:cs typeface="Times New Roman" panose="02020603050405020304" pitchFamily="18" charset="0"/>
-            </a:endParaRPr>
-          </a:p>
-        </p:txBody>
-      </p:sp>
-      <p:sp>
-        <p:nvSpPr>
-          <p:cNvPr id="6" name="投影片編號版面配置區 5">
-            <a:extLst>
-              <a:ext uri="{FF2B5EF4-FFF2-40B4-BE49-F238E27FC236}">
-                <a16:creationId xmlns:a16="http://schemas.microsoft.com/office/drawing/2014/main" id="{E159345B-31C4-6A47-2772-8D140EAC4694}"/>
-              </a:ext>
-            </a:extLst>
-          </p:cNvPr>
-          <p:cNvSpPr>
-            <a:spLocks noGrp="1"/>
-          </p:cNvSpPr>
-          <p:nvPr>
-            <p:ph type="sldNum" sz="quarter" idx="12"/>
-          </p:nvPr>
-        </p:nvSpPr>
-        <p:spPr/>
-        <p:txBody>
-          <a:bodyPr/>
-          <a:lstStyle/>
-          <a:p>
-            <a:fld id="{7D3C2007-09EB-4B8E-B7A7-F48258516163}" type="slidenum">
-              <a:rPr lang="zh-TW" altLang="en-US" smtClean="0"/>
-              <a:t>8</a:t>
-            </a:fld>
-            <a:endParaRPr lang="zh-TW" altLang="en-US"/>
-          </a:p>
-        </p:txBody>
-      </p:sp>
-      <p:sp>
-        <p:nvSpPr>
-          <p:cNvPr id="4" name="文字方塊 3">
-            <a:extLst>
-              <a:ext uri="{FF2B5EF4-FFF2-40B4-BE49-F238E27FC236}">
-                <a16:creationId xmlns:a16="http://schemas.microsoft.com/office/drawing/2014/main" id="{8C40B6B8-AA9B-6BE2-98AD-02F352791FF0}"/>
-              </a:ext>
-            </a:extLst>
-          </p:cNvPr>
-          <p:cNvSpPr txBox="1"/>
-          <p:nvPr/>
-        </p:nvSpPr>
-        <p:spPr>
-          <a:xfrm>
-            <a:off x="838200" y="1404692"/>
-            <a:ext cx="10241132" cy="830997"/>
-          </a:xfrm>
-          <a:prstGeom prst="rect">
-            <a:avLst/>
-          </a:prstGeom>
-          <a:noFill/>
-        </p:spPr>
-        <p:txBody>
-          <a:bodyPr wrap="square" rtlCol="0">
-            <a:spAutoFit/>
+          <a:bodyPr>
+            <a:normAutofit/>
           </a:bodyPr>
           <a:lstStyle/>
           <a:p>
             <a:r>
-              <a:rPr lang="zh-TW" altLang="en-US" sz="2400" dirty="0">
-                <a:latin typeface="標楷體" panose="03000509000000000000" pitchFamily="65" charset="-120"/>
-                <a:ea typeface="標楷體" panose="03000509000000000000" pitchFamily="65" charset="-120"/>
-                <a:cs typeface="Times New Roman" panose="02020603050405020304" pitchFamily="18" charset="0"/>
-              </a:rPr>
-              <a:t>當</a:t>
-            </a:r>
-            <a:r>
-              <a:rPr lang="en-US" altLang="zh-TW" sz="2400" dirty="0" err="1">
-                <a:latin typeface="Times New Roman" panose="02020603050405020304" pitchFamily="18" charset="0"/>
-                <a:ea typeface="標楷體" panose="03000509000000000000" pitchFamily="65" charset="-120"/>
-                <a:cs typeface="Times New Roman" panose="02020603050405020304" pitchFamily="18" charset="0"/>
-              </a:rPr>
-              <a:t>pi_length</a:t>
-            </a:r>
-            <a:r>
-              <a:rPr lang="en-US" altLang="zh-TW" sz="2400" dirty="0">
-                <a:latin typeface="Times New Roman" panose="02020603050405020304" pitchFamily="18" charset="0"/>
-                <a:ea typeface="標楷體" panose="03000509000000000000" pitchFamily="65" charset="-120"/>
-                <a:cs typeface="Times New Roman" panose="02020603050405020304" pitchFamily="18" charset="0"/>
-              </a:rPr>
-              <a:t> = 2’b00</a:t>
-            </a:r>
-            <a:r>
-              <a:rPr lang="zh-TW" altLang="en-US" sz="2400" dirty="0">
-                <a:latin typeface="標楷體" panose="03000509000000000000" pitchFamily="65" charset="-120"/>
-                <a:ea typeface="標楷體" panose="03000509000000000000" pitchFamily="65" charset="-120"/>
-                <a:cs typeface="Times New Roman" panose="02020603050405020304" pitchFamily="18" charset="0"/>
-              </a:rPr>
-              <a:t>，序列資料輸出則需要</a:t>
-            </a:r>
-            <a:r>
-              <a:rPr lang="en-US" altLang="zh-TW" sz="2400" dirty="0">
-                <a:latin typeface="Times New Roman" panose="02020603050405020304" pitchFamily="18" charset="0"/>
-                <a:ea typeface="標楷體" panose="03000509000000000000" pitchFamily="65" charset="-120"/>
-                <a:cs typeface="Times New Roman" panose="02020603050405020304" pitchFamily="18" charset="0"/>
-              </a:rPr>
-              <a:t>8bits</a:t>
-            </a:r>
-            <a:r>
-              <a:rPr lang="zh-TW" altLang="en-US" sz="2400" dirty="0">
-                <a:latin typeface="Times New Roman" panose="02020603050405020304" pitchFamily="18" charset="0"/>
-                <a:ea typeface="標楷體" panose="03000509000000000000" pitchFamily="65" charset="-120"/>
-                <a:cs typeface="Times New Roman" panose="02020603050405020304" pitchFamily="18" charset="0"/>
-              </a:rPr>
-              <a:t>，</a:t>
-            </a:r>
-            <a:r>
-              <a:rPr lang="en-US" altLang="zh-TW" sz="2400" dirty="0" err="1">
-                <a:solidFill>
-                  <a:srgbClr val="FF0000"/>
-                </a:solidFill>
-                <a:latin typeface="Times New Roman" panose="02020603050405020304" pitchFamily="18" charset="0"/>
-                <a:ea typeface="標楷體" panose="03000509000000000000" pitchFamily="65" charset="-120"/>
-                <a:cs typeface="Times New Roman" panose="02020603050405020304" pitchFamily="18" charset="0"/>
-              </a:rPr>
-              <a:t>pi_data</a:t>
-            </a:r>
-            <a:r>
-              <a:rPr lang="zh-TW" altLang="en-US" sz="2400" dirty="0">
-                <a:solidFill>
-                  <a:srgbClr val="FF0000"/>
-                </a:solidFill>
-                <a:latin typeface="標楷體" panose="03000509000000000000" pitchFamily="65" charset="-120"/>
-                <a:ea typeface="標楷體" panose="03000509000000000000" pitchFamily="65" charset="-120"/>
-                <a:cs typeface="Times New Roman" panose="02020603050405020304" pitchFamily="18" charset="0"/>
-              </a:rPr>
-              <a:t>與序列輸出緩衝資料為由</a:t>
-            </a:r>
-            <a:r>
-              <a:rPr lang="en-US" altLang="zh-TW" sz="2400" dirty="0">
-                <a:solidFill>
-                  <a:srgbClr val="FF0000"/>
-                </a:solidFill>
-                <a:latin typeface="Times New Roman" panose="02020603050405020304" pitchFamily="18" charset="0"/>
-                <a:ea typeface="標楷體" panose="03000509000000000000" pitchFamily="65" charset="-120"/>
-                <a:cs typeface="Times New Roman" panose="02020603050405020304" pitchFamily="18" charset="0"/>
-              </a:rPr>
-              <a:t>MSB</a:t>
-            </a:r>
-            <a:r>
-              <a:rPr lang="zh-TW" altLang="en-US" sz="2400" dirty="0">
-                <a:solidFill>
-                  <a:srgbClr val="FF0000"/>
-                </a:solidFill>
-                <a:latin typeface="標楷體" panose="03000509000000000000" pitchFamily="65" charset="-120"/>
-                <a:ea typeface="標楷體" panose="03000509000000000000" pitchFamily="65" charset="-120"/>
-                <a:cs typeface="Times New Roman" panose="02020603050405020304" pitchFamily="18" charset="0"/>
-              </a:rPr>
-              <a:t>對齊</a:t>
-            </a:r>
-            <a:r>
-              <a:rPr lang="zh-TW" altLang="en-US" sz="2400" dirty="0">
-                <a:latin typeface="Times New Roman" panose="02020603050405020304" pitchFamily="18" charset="0"/>
-                <a:ea typeface="標楷體" panose="03000509000000000000" pitchFamily="65" charset="-120"/>
-                <a:cs typeface="Times New Roman" panose="02020603050405020304" pitchFamily="18" charset="0"/>
-              </a:rPr>
-              <a:t>，序列資料輸出 </a:t>
-            </a:r>
-            <a:r>
-              <a:rPr lang="en-US" altLang="zh-TW" sz="2400" dirty="0" err="1">
-                <a:latin typeface="Times New Roman" panose="02020603050405020304" pitchFamily="18" charset="0"/>
-                <a:ea typeface="標楷體" panose="03000509000000000000" pitchFamily="65" charset="-120"/>
-                <a:cs typeface="Times New Roman" panose="02020603050405020304" pitchFamily="18" charset="0"/>
-              </a:rPr>
-              <a:t>pi_data</a:t>
-            </a:r>
-            <a:r>
-              <a:rPr lang="zh-TW" altLang="en-US" sz="2400" dirty="0">
-                <a:latin typeface="Times New Roman" panose="02020603050405020304" pitchFamily="18" charset="0"/>
-                <a:ea typeface="標楷體" panose="03000509000000000000" pitchFamily="65" charset="-120"/>
-                <a:cs typeface="Times New Roman" panose="02020603050405020304" pitchFamily="18" charset="0"/>
-              </a:rPr>
-              <a:t>的高位元組</a:t>
-            </a:r>
-            <a:r>
-              <a:rPr lang="en-US" altLang="zh-TW" sz="2400" dirty="0">
-                <a:latin typeface="Times New Roman" panose="02020603050405020304" pitchFamily="18" charset="0"/>
-                <a:ea typeface="標楷體" panose="03000509000000000000" pitchFamily="65" charset="-120"/>
-                <a:cs typeface="Times New Roman" panose="02020603050405020304" pitchFamily="18" charset="0"/>
-              </a:rPr>
-              <a:t>8bits </a:t>
-            </a:r>
-            <a:r>
-              <a:rPr lang="zh-TW" altLang="en-US" sz="2400" baseline="0" dirty="0">
-                <a:latin typeface="Times New Roman" panose="02020603050405020304" pitchFamily="18" charset="0"/>
-                <a:ea typeface="標楷體" panose="03000509000000000000" pitchFamily="65" charset="-120"/>
-              </a:rPr>
-              <a:t>。</a:t>
-            </a:r>
-            <a:endParaRPr lang="zh-TW" altLang="en-US" sz="2400" dirty="0">
-              <a:latin typeface="標楷體" panose="03000509000000000000" pitchFamily="65" charset="-120"/>
-              <a:ea typeface="標楷體" panose="03000509000000000000" pitchFamily="65" charset="-120"/>
-            </a:endParaRPr>
+              <a:rPr lang="en-US" altLang="zh-TW" sz="2900" dirty="0">
+                <a:latin typeface="Times New Roman" panose="02020603050405020304" pitchFamily="18" charset="0"/>
+                <a:ea typeface="標楷體" panose="03000509000000000000" pitchFamily="65" charset="-120"/>
+                <a:cs typeface="Times New Roman" panose="02020603050405020304" pitchFamily="18" charset="0"/>
+              </a:rPr>
+              <a:t>STI</a:t>
+            </a:r>
+            <a:r>
+              <a:rPr lang="zh-TW" altLang="en-US" sz="2900" dirty="0">
+                <a:latin typeface="Times New Roman" panose="02020603050405020304" pitchFamily="18" charset="0"/>
+                <a:ea typeface="標楷體" panose="03000509000000000000" pitchFamily="65" charset="-120"/>
+                <a:cs typeface="Times New Roman" panose="02020603050405020304" pitchFamily="18" charset="0"/>
+              </a:rPr>
+              <a:t>流程圖</a:t>
+            </a:r>
           </a:p>
         </p:txBody>
       </p:sp>
       <p:pic>
         <p:nvPicPr>
-          <p:cNvPr id="5" name="圖片 4">
+          <p:cNvPr id="11" name="圖片 10">
             <a:extLst>
               <a:ext uri="{FF2B5EF4-FFF2-40B4-BE49-F238E27FC236}">
-                <a16:creationId xmlns:a16="http://schemas.microsoft.com/office/drawing/2014/main" id="{F25327E1-E8C5-DCD8-914A-CE3BC8D55ECB}"/>
+                <a16:creationId xmlns:a16="http://schemas.microsoft.com/office/drawing/2014/main" id="{E0F44E92-3CB1-0108-24A6-49948C67BDBC}"/>
               </a:ext>
             </a:extLst>
           </p:cNvPr>
@@ -11952,18 +14021,666 @@
         </p:blipFill>
         <p:spPr>
           <a:xfrm>
-            <a:off x="339337" y="2438943"/>
-            <a:ext cx="11246022" cy="3076509"/>
+            <a:off x="1857648" y="727162"/>
+            <a:ext cx="8476703" cy="6041254"/>
           </a:xfrm>
           <a:prstGeom prst="rect">
             <a:avLst/>
           </a:prstGeom>
         </p:spPr>
       </p:pic>
+      <p:cxnSp>
+        <p:nvCxnSpPr>
+          <p:cNvPr id="13" name="直線單箭頭接點 12">
+            <a:extLst>
+              <a:ext uri="{FF2B5EF4-FFF2-40B4-BE49-F238E27FC236}">
+                <a16:creationId xmlns:a16="http://schemas.microsoft.com/office/drawing/2014/main" id="{A603282C-CE72-61B2-1643-FDCF5571BC08}"/>
+              </a:ext>
+            </a:extLst>
+          </p:cNvPr>
+          <p:cNvCxnSpPr>
+            <a:cxnSpLocks/>
+          </p:cNvCxnSpPr>
+          <p:nvPr/>
+        </p:nvCxnSpPr>
+        <p:spPr>
+          <a:xfrm>
+            <a:off x="9463596" y="3429000"/>
+            <a:ext cx="0" cy="1306300"/>
+          </a:xfrm>
+          <a:prstGeom prst="straightConnector1">
+            <a:avLst/>
+          </a:prstGeom>
+          <a:ln w="28575">
+            <a:solidFill>
+              <a:srgbClr val="FF0000"/>
+            </a:solidFill>
+            <a:tailEnd type="triangle"/>
+          </a:ln>
+        </p:spPr>
+        <p:style>
+          <a:lnRef idx="1">
+            <a:schemeClr val="accent2"/>
+          </a:lnRef>
+          <a:fillRef idx="0">
+            <a:schemeClr val="accent2"/>
+          </a:fillRef>
+          <a:effectRef idx="0">
+            <a:schemeClr val="accent2"/>
+          </a:effectRef>
+          <a:fontRef idx="minor">
+            <a:schemeClr val="tx1"/>
+          </a:fontRef>
+        </p:style>
+      </p:cxnSp>
+      <p:sp>
+        <p:nvSpPr>
+          <p:cNvPr id="14" name="文字方塊 13">
+            <a:extLst>
+              <a:ext uri="{FF2B5EF4-FFF2-40B4-BE49-F238E27FC236}">
+                <a16:creationId xmlns:a16="http://schemas.microsoft.com/office/drawing/2014/main" id="{89644AAA-1ABE-5D0C-CD94-9AF9EBC97A5C}"/>
+              </a:ext>
+            </a:extLst>
+          </p:cNvPr>
+          <p:cNvSpPr txBox="1"/>
+          <p:nvPr/>
+        </p:nvSpPr>
+        <p:spPr>
+          <a:xfrm>
+            <a:off x="9211128" y="4746200"/>
+            <a:ext cx="2457631" cy="738664"/>
+          </a:xfrm>
+          <a:prstGeom prst="rect">
+            <a:avLst/>
+          </a:prstGeom>
+          <a:ln w="28575">
+            <a:solidFill>
+              <a:srgbClr val="FF0000"/>
+            </a:solidFill>
+          </a:ln>
+        </p:spPr>
+        <p:style>
+          <a:lnRef idx="2">
+            <a:schemeClr val="accent2"/>
+          </a:lnRef>
+          <a:fillRef idx="1">
+            <a:schemeClr val="lt1"/>
+          </a:fillRef>
+          <a:effectRef idx="0">
+            <a:schemeClr val="accent2"/>
+          </a:effectRef>
+          <a:fontRef idx="minor">
+            <a:schemeClr val="dk1"/>
+          </a:fontRef>
+        </p:style>
+        <p:txBody>
+          <a:bodyPr wrap="square" rtlCol="0">
+            <a:spAutoFit/>
+          </a:bodyPr>
+          <a:lstStyle/>
+          <a:p>
+            <a:r>
+              <a:rPr lang="en-US" altLang="zh-TW" sz="1400" b="0" i="0" dirty="0">
+                <a:solidFill>
+                  <a:srgbClr val="000000"/>
+                </a:solidFill>
+                <a:effectLst/>
+                <a:latin typeface="Times New Roman" panose="02020603050405020304" pitchFamily="18" charset="0"/>
+                <a:cs typeface="Times New Roman" panose="02020603050405020304" pitchFamily="18" charset="0"/>
+              </a:rPr>
+              <a:t>data buffer[23:8]=</a:t>
+            </a:r>
+            <a:r>
+              <a:rPr lang="en-US" altLang="zh-TW" sz="1400" b="0" i="0" dirty="0" err="1">
+                <a:solidFill>
+                  <a:srgbClr val="000000"/>
+                </a:solidFill>
+                <a:effectLst/>
+                <a:latin typeface="Times New Roman" panose="02020603050405020304" pitchFamily="18" charset="0"/>
+                <a:cs typeface="Times New Roman" panose="02020603050405020304" pitchFamily="18" charset="0"/>
+              </a:rPr>
+              <a:t>pi_data</a:t>
+            </a:r>
+            <a:r>
+              <a:rPr lang="en-US" altLang="zh-TW" sz="1400" b="0" i="0" dirty="0">
+                <a:solidFill>
+                  <a:srgbClr val="000000"/>
+                </a:solidFill>
+                <a:effectLst/>
+                <a:latin typeface="Times New Roman" panose="02020603050405020304" pitchFamily="18" charset="0"/>
+                <a:cs typeface="Times New Roman" panose="02020603050405020304" pitchFamily="18" charset="0"/>
+              </a:rPr>
+              <a:t>[15:0]</a:t>
+            </a:r>
+            <a:br>
+              <a:rPr lang="en-US" altLang="zh-TW" sz="1400" dirty="0">
+                <a:latin typeface="Times New Roman" panose="02020603050405020304" pitchFamily="18" charset="0"/>
+                <a:cs typeface="Times New Roman" panose="02020603050405020304" pitchFamily="18" charset="0"/>
+              </a:rPr>
+            </a:br>
+            <a:r>
+              <a:rPr lang="en-US" altLang="zh-TW" sz="1400" b="0" i="0" dirty="0">
+                <a:solidFill>
+                  <a:srgbClr val="000000"/>
+                </a:solidFill>
+                <a:effectLst/>
+                <a:latin typeface="Times New Roman" panose="02020603050405020304" pitchFamily="18" charset="0"/>
+                <a:cs typeface="Times New Roman" panose="02020603050405020304" pitchFamily="18" charset="0"/>
+              </a:rPr>
+              <a:t>data buffer[31:24]=8'd0</a:t>
+            </a:r>
+            <a:br>
+              <a:rPr lang="en-US" altLang="zh-TW" sz="1400" b="0" i="0" dirty="0">
+                <a:solidFill>
+                  <a:srgbClr val="000000"/>
+                </a:solidFill>
+                <a:effectLst/>
+                <a:latin typeface="Times New Roman" panose="02020603050405020304" pitchFamily="18" charset="0"/>
+                <a:cs typeface="Times New Roman" panose="02020603050405020304" pitchFamily="18" charset="0"/>
+              </a:rPr>
+            </a:br>
+            <a:r>
+              <a:rPr lang="en-US" altLang="zh-TW" sz="1400" b="0" i="0" dirty="0">
+                <a:solidFill>
+                  <a:srgbClr val="000000"/>
+                </a:solidFill>
+                <a:effectLst/>
+                <a:latin typeface="Times New Roman" panose="02020603050405020304" pitchFamily="18" charset="0"/>
+                <a:cs typeface="Times New Roman" panose="02020603050405020304" pitchFamily="18" charset="0"/>
+              </a:rPr>
+              <a:t>data buffer[7:0]=8'd0</a:t>
+            </a:r>
+            <a:endParaRPr lang="zh-TW" altLang="en-US" sz="1400" dirty="0">
+              <a:latin typeface="Times New Roman" panose="02020603050405020304" pitchFamily="18" charset="0"/>
+              <a:cs typeface="Times New Roman" panose="02020603050405020304" pitchFamily="18" charset="0"/>
+            </a:endParaRPr>
+          </a:p>
+        </p:txBody>
+      </p:sp>
+      <p:sp>
+        <p:nvSpPr>
+          <p:cNvPr id="19" name="文字方塊 18">
+            <a:extLst>
+              <a:ext uri="{FF2B5EF4-FFF2-40B4-BE49-F238E27FC236}">
+                <a16:creationId xmlns:a16="http://schemas.microsoft.com/office/drawing/2014/main" id="{C17807F7-432D-C97E-D056-677861BEC0CC}"/>
+              </a:ext>
+            </a:extLst>
+          </p:cNvPr>
+          <p:cNvSpPr txBox="1"/>
+          <p:nvPr/>
+        </p:nvSpPr>
+        <p:spPr>
+          <a:xfrm>
+            <a:off x="6492239" y="4961644"/>
+            <a:ext cx="2590798" cy="523220"/>
+          </a:xfrm>
+          <a:prstGeom prst="rect">
+            <a:avLst/>
+          </a:prstGeom>
+          <a:ln w="28575">
+            <a:solidFill>
+              <a:srgbClr val="FF0000"/>
+            </a:solidFill>
+          </a:ln>
+        </p:spPr>
+        <p:style>
+          <a:lnRef idx="2">
+            <a:schemeClr val="dk1"/>
+          </a:lnRef>
+          <a:fillRef idx="1">
+            <a:schemeClr val="lt1"/>
+          </a:fillRef>
+          <a:effectRef idx="0">
+            <a:schemeClr val="dk1"/>
+          </a:effectRef>
+          <a:fontRef idx="minor">
+            <a:schemeClr val="dk1"/>
+          </a:fontRef>
+        </p:style>
+        <p:txBody>
+          <a:bodyPr wrap="square" rtlCol="0">
+            <a:spAutoFit/>
+          </a:bodyPr>
+          <a:lstStyle/>
+          <a:p>
+            <a:r>
+              <a:rPr lang="it-IT" altLang="zh-TW" sz="1400" b="0" i="0" dirty="0">
+                <a:solidFill>
+                  <a:srgbClr val="000000"/>
+                </a:solidFill>
+                <a:effectLst/>
+                <a:latin typeface="Times New Roman" panose="02020603050405020304" pitchFamily="18" charset="0"/>
+                <a:cs typeface="Times New Roman" panose="02020603050405020304" pitchFamily="18" charset="0"/>
+              </a:rPr>
+              <a:t>data buffer[31:16]=pi_data[15:0]</a:t>
+            </a:r>
+            <a:br>
+              <a:rPr lang="it-IT" altLang="zh-TW" sz="1400" dirty="0">
+                <a:latin typeface="Times New Roman" panose="02020603050405020304" pitchFamily="18" charset="0"/>
+                <a:cs typeface="Times New Roman" panose="02020603050405020304" pitchFamily="18" charset="0"/>
+              </a:rPr>
+            </a:br>
+            <a:r>
+              <a:rPr lang="it-IT" altLang="zh-TW" sz="1400" b="0" i="0" dirty="0">
+                <a:solidFill>
+                  <a:srgbClr val="000000"/>
+                </a:solidFill>
+                <a:effectLst/>
+                <a:latin typeface="Times New Roman" panose="02020603050405020304" pitchFamily="18" charset="0"/>
+                <a:cs typeface="Times New Roman" panose="02020603050405020304" pitchFamily="18" charset="0"/>
+              </a:rPr>
+              <a:t>data buffer[15:0]=16'd0</a:t>
+            </a:r>
+            <a:endParaRPr lang="zh-TW" altLang="en-US" sz="1400" dirty="0">
+              <a:latin typeface="Times New Roman" panose="02020603050405020304" pitchFamily="18" charset="0"/>
+              <a:cs typeface="Times New Roman" panose="02020603050405020304" pitchFamily="18" charset="0"/>
+            </a:endParaRPr>
+          </a:p>
+        </p:txBody>
+      </p:sp>
+      <p:cxnSp>
+        <p:nvCxnSpPr>
+          <p:cNvPr id="20" name="直線單箭頭接點 19">
+            <a:extLst>
+              <a:ext uri="{FF2B5EF4-FFF2-40B4-BE49-F238E27FC236}">
+                <a16:creationId xmlns:a16="http://schemas.microsoft.com/office/drawing/2014/main" id="{1D1D0B01-ECB0-8DBB-4159-03A236538FE8}"/>
+              </a:ext>
+            </a:extLst>
+          </p:cNvPr>
+          <p:cNvCxnSpPr>
+            <a:cxnSpLocks/>
+          </p:cNvCxnSpPr>
+          <p:nvPr/>
+        </p:nvCxnSpPr>
+        <p:spPr>
+          <a:xfrm>
+            <a:off x="7147116" y="4178564"/>
+            <a:ext cx="0" cy="783080"/>
+          </a:xfrm>
+          <a:prstGeom prst="straightConnector1">
+            <a:avLst/>
+          </a:prstGeom>
+          <a:ln w="28575">
+            <a:solidFill>
+              <a:srgbClr val="FF0000"/>
+            </a:solidFill>
+            <a:tailEnd type="triangle"/>
+          </a:ln>
+        </p:spPr>
+        <p:style>
+          <a:lnRef idx="1">
+            <a:schemeClr val="accent2"/>
+          </a:lnRef>
+          <a:fillRef idx="0">
+            <a:schemeClr val="accent2"/>
+          </a:fillRef>
+          <a:effectRef idx="0">
+            <a:schemeClr val="accent2"/>
+          </a:effectRef>
+          <a:fontRef idx="minor">
+            <a:schemeClr val="tx1"/>
+          </a:fontRef>
+        </p:style>
+      </p:cxnSp>
+      <p:sp>
+        <p:nvSpPr>
+          <p:cNvPr id="22" name="文字方塊 21">
+            <a:extLst>
+              <a:ext uri="{FF2B5EF4-FFF2-40B4-BE49-F238E27FC236}">
+                <a16:creationId xmlns:a16="http://schemas.microsoft.com/office/drawing/2014/main" id="{B83948C3-0142-3BBD-1F3B-0EE1B35CF540}"/>
+              </a:ext>
+            </a:extLst>
+          </p:cNvPr>
+          <p:cNvSpPr txBox="1"/>
+          <p:nvPr/>
+        </p:nvSpPr>
+        <p:spPr>
+          <a:xfrm>
+            <a:off x="223520" y="1158240"/>
+            <a:ext cx="2728401" cy="523220"/>
+          </a:xfrm>
+          <a:prstGeom prst="rect">
+            <a:avLst/>
+          </a:prstGeom>
+          <a:ln w="28575">
+            <a:solidFill>
+              <a:srgbClr val="FF0000"/>
+            </a:solidFill>
+          </a:ln>
+        </p:spPr>
+        <p:style>
+          <a:lnRef idx="2">
+            <a:schemeClr val="dk1"/>
+          </a:lnRef>
+          <a:fillRef idx="1">
+            <a:schemeClr val="lt1"/>
+          </a:fillRef>
+          <a:effectRef idx="0">
+            <a:schemeClr val="dk1"/>
+          </a:effectRef>
+          <a:fontRef idx="minor">
+            <a:schemeClr val="dk1"/>
+          </a:fontRef>
+        </p:style>
+        <p:txBody>
+          <a:bodyPr wrap="square" rtlCol="0">
+            <a:spAutoFit/>
+          </a:bodyPr>
+          <a:lstStyle/>
+          <a:p>
+            <a:r>
+              <a:rPr lang="it-IT" altLang="zh-TW" sz="1400" b="0" i="0" dirty="0">
+                <a:solidFill>
+                  <a:srgbClr val="000000"/>
+                </a:solidFill>
+                <a:effectLst/>
+                <a:latin typeface="Times New Roman" panose="02020603050405020304" pitchFamily="18" charset="0"/>
+                <a:cs typeface="Times New Roman" panose="02020603050405020304" pitchFamily="18" charset="0"/>
+              </a:rPr>
+              <a:t>data buffer[31:24]=pi_data[7:0]</a:t>
+            </a:r>
+            <a:br>
+              <a:rPr lang="it-IT" altLang="zh-TW" sz="1400" dirty="0">
+                <a:latin typeface="Times New Roman" panose="02020603050405020304" pitchFamily="18" charset="0"/>
+                <a:cs typeface="Times New Roman" panose="02020603050405020304" pitchFamily="18" charset="0"/>
+              </a:rPr>
+            </a:br>
+            <a:r>
+              <a:rPr lang="it-IT" altLang="zh-TW" sz="1400" b="0" i="0" dirty="0">
+                <a:solidFill>
+                  <a:srgbClr val="000000"/>
+                </a:solidFill>
+                <a:effectLst/>
+                <a:latin typeface="Times New Roman" panose="02020603050405020304" pitchFamily="18" charset="0"/>
+                <a:cs typeface="Times New Roman" panose="02020603050405020304" pitchFamily="18" charset="0"/>
+              </a:rPr>
+              <a:t>data buffer[23:0]=24'd0</a:t>
+            </a:r>
+            <a:endParaRPr lang="zh-TW" altLang="en-US" sz="1400" dirty="0">
+              <a:latin typeface="Times New Roman" panose="02020603050405020304" pitchFamily="18" charset="0"/>
+              <a:cs typeface="Times New Roman" panose="02020603050405020304" pitchFamily="18" charset="0"/>
+            </a:endParaRPr>
+          </a:p>
+        </p:txBody>
+      </p:sp>
+      <p:cxnSp>
+        <p:nvCxnSpPr>
+          <p:cNvPr id="23" name="直線單箭頭接點 22">
+            <a:extLst>
+              <a:ext uri="{FF2B5EF4-FFF2-40B4-BE49-F238E27FC236}">
+                <a16:creationId xmlns:a16="http://schemas.microsoft.com/office/drawing/2014/main" id="{C46E11F1-58F8-6045-35E5-49254F09E6E5}"/>
+              </a:ext>
+            </a:extLst>
+          </p:cNvPr>
+          <p:cNvCxnSpPr>
+            <a:cxnSpLocks/>
+            <a:endCxn id="22" idx="2"/>
+          </p:cNvCxnSpPr>
+          <p:nvPr/>
+        </p:nvCxnSpPr>
+        <p:spPr>
+          <a:xfrm flipH="1" flipV="1">
+            <a:off x="1587721" y="1681460"/>
+            <a:ext cx="1364200" cy="1285260"/>
+          </a:xfrm>
+          <a:prstGeom prst="straightConnector1">
+            <a:avLst/>
+          </a:prstGeom>
+          <a:ln w="28575">
+            <a:solidFill>
+              <a:srgbClr val="FF0000"/>
+            </a:solidFill>
+            <a:tailEnd type="triangle"/>
+          </a:ln>
+        </p:spPr>
+        <p:style>
+          <a:lnRef idx="1">
+            <a:schemeClr val="accent2"/>
+          </a:lnRef>
+          <a:fillRef idx="0">
+            <a:schemeClr val="accent2"/>
+          </a:fillRef>
+          <a:effectRef idx="0">
+            <a:schemeClr val="accent2"/>
+          </a:effectRef>
+          <a:fontRef idx="minor">
+            <a:schemeClr val="tx1"/>
+          </a:fontRef>
+        </p:style>
+      </p:cxnSp>
+      <p:sp>
+        <p:nvSpPr>
+          <p:cNvPr id="27" name="文字方塊 26">
+            <a:extLst>
+              <a:ext uri="{FF2B5EF4-FFF2-40B4-BE49-F238E27FC236}">
+                <a16:creationId xmlns:a16="http://schemas.microsoft.com/office/drawing/2014/main" id="{B70EDB09-47FA-69ED-EE1F-1709F55F28E3}"/>
+              </a:ext>
+            </a:extLst>
+          </p:cNvPr>
+          <p:cNvSpPr txBox="1"/>
+          <p:nvPr/>
+        </p:nvSpPr>
+        <p:spPr>
+          <a:xfrm>
+            <a:off x="640080" y="5484864"/>
+            <a:ext cx="2728401" cy="523220"/>
+          </a:xfrm>
+          <a:prstGeom prst="rect">
+            <a:avLst/>
+          </a:prstGeom>
+          <a:ln w="28575">
+            <a:solidFill>
+              <a:srgbClr val="FF0000"/>
+            </a:solidFill>
+          </a:ln>
+        </p:spPr>
+        <p:style>
+          <a:lnRef idx="2">
+            <a:schemeClr val="dk1"/>
+          </a:lnRef>
+          <a:fillRef idx="1">
+            <a:schemeClr val="lt1"/>
+          </a:fillRef>
+          <a:effectRef idx="0">
+            <a:schemeClr val="dk1"/>
+          </a:effectRef>
+          <a:fontRef idx="minor">
+            <a:schemeClr val="dk1"/>
+          </a:fontRef>
+        </p:style>
+        <p:txBody>
+          <a:bodyPr wrap="square" rtlCol="0">
+            <a:spAutoFit/>
+          </a:bodyPr>
+          <a:lstStyle/>
+          <a:p>
+            <a:r>
+              <a:rPr lang="it-IT" altLang="zh-TW" sz="1400" b="0" i="0" dirty="0">
+                <a:solidFill>
+                  <a:srgbClr val="000000"/>
+                </a:solidFill>
+                <a:effectLst/>
+                <a:latin typeface="Times New Roman" panose="02020603050405020304" pitchFamily="18" charset="0"/>
+                <a:cs typeface="Times New Roman" panose="02020603050405020304" pitchFamily="18" charset="0"/>
+              </a:rPr>
+              <a:t>data buffer[31:24]=pi_data[7:0]</a:t>
+            </a:r>
+            <a:br>
+              <a:rPr lang="it-IT" altLang="zh-TW" sz="1400" dirty="0">
+                <a:latin typeface="Times New Roman" panose="02020603050405020304" pitchFamily="18" charset="0"/>
+                <a:cs typeface="Times New Roman" panose="02020603050405020304" pitchFamily="18" charset="0"/>
+              </a:rPr>
+            </a:br>
+            <a:r>
+              <a:rPr lang="it-IT" altLang="zh-TW" sz="1400" b="0" i="0" dirty="0">
+                <a:solidFill>
+                  <a:srgbClr val="000000"/>
+                </a:solidFill>
+                <a:effectLst/>
+                <a:latin typeface="Times New Roman" panose="02020603050405020304" pitchFamily="18" charset="0"/>
+                <a:cs typeface="Times New Roman" panose="02020603050405020304" pitchFamily="18" charset="0"/>
+              </a:rPr>
+              <a:t>data buffer[23:0]=24'd0</a:t>
+            </a:r>
+            <a:endParaRPr lang="zh-TW" altLang="en-US" sz="1400" dirty="0">
+              <a:latin typeface="Times New Roman" panose="02020603050405020304" pitchFamily="18" charset="0"/>
+              <a:cs typeface="Times New Roman" panose="02020603050405020304" pitchFamily="18" charset="0"/>
+            </a:endParaRPr>
+          </a:p>
+        </p:txBody>
+      </p:sp>
+      <p:cxnSp>
+        <p:nvCxnSpPr>
+          <p:cNvPr id="28" name="直線單箭頭接點 27">
+            <a:extLst>
+              <a:ext uri="{FF2B5EF4-FFF2-40B4-BE49-F238E27FC236}">
+                <a16:creationId xmlns:a16="http://schemas.microsoft.com/office/drawing/2014/main" id="{3284235B-C276-1D46-3018-A06B3A6AA61B}"/>
+              </a:ext>
+            </a:extLst>
+          </p:cNvPr>
+          <p:cNvCxnSpPr>
+            <a:cxnSpLocks/>
+          </p:cNvCxnSpPr>
+          <p:nvPr/>
+        </p:nvCxnSpPr>
+        <p:spPr>
+          <a:xfrm flipH="1">
+            <a:off x="1857648" y="3992880"/>
+            <a:ext cx="1860738" cy="1491984"/>
+          </a:xfrm>
+          <a:prstGeom prst="straightConnector1">
+            <a:avLst/>
+          </a:prstGeom>
+          <a:ln w="28575">
+            <a:solidFill>
+              <a:srgbClr val="FF0000"/>
+            </a:solidFill>
+            <a:tailEnd type="triangle"/>
+          </a:ln>
+        </p:spPr>
+        <p:style>
+          <a:lnRef idx="1">
+            <a:schemeClr val="accent2"/>
+          </a:lnRef>
+          <a:fillRef idx="0">
+            <a:schemeClr val="accent2"/>
+          </a:fillRef>
+          <a:effectRef idx="0">
+            <a:schemeClr val="accent2"/>
+          </a:effectRef>
+          <a:fontRef idx="minor">
+            <a:schemeClr val="tx1"/>
+          </a:fontRef>
+        </p:style>
+      </p:cxnSp>
+      <p:sp>
+        <p:nvSpPr>
+          <p:cNvPr id="31" name="文字方塊 30">
+            <a:extLst>
+              <a:ext uri="{FF2B5EF4-FFF2-40B4-BE49-F238E27FC236}">
+                <a16:creationId xmlns:a16="http://schemas.microsoft.com/office/drawing/2014/main" id="{F4681692-3D07-5B50-B0CD-7C4BA76D8A82}"/>
+              </a:ext>
+            </a:extLst>
+          </p:cNvPr>
+          <p:cNvSpPr txBox="1"/>
+          <p:nvPr/>
+        </p:nvSpPr>
+        <p:spPr>
+          <a:xfrm>
+            <a:off x="7147116" y="634651"/>
+            <a:ext cx="2728400" cy="523220"/>
+          </a:xfrm>
+          <a:prstGeom prst="rect">
+            <a:avLst/>
+          </a:prstGeom>
+          <a:noFill/>
+          <a:ln w="28575">
+            <a:solidFill>
+              <a:srgbClr val="FF0000"/>
+            </a:solidFill>
+          </a:ln>
+        </p:spPr>
+        <p:txBody>
+          <a:bodyPr wrap="square" rtlCol="0">
+            <a:spAutoFit/>
+          </a:bodyPr>
+          <a:lstStyle/>
+          <a:p>
+            <a:r>
+              <a:rPr lang="it-IT" altLang="zh-TW" sz="1400" b="0" i="0" dirty="0">
+                <a:solidFill>
+                  <a:srgbClr val="000000"/>
+                </a:solidFill>
+                <a:effectLst/>
+                <a:latin typeface="Helvetica" panose="020B0604020202020204" pitchFamily="34" charset="0"/>
+              </a:rPr>
+              <a:t>data buffer[15:0]=pi_data[15:0]</a:t>
+            </a:r>
+            <a:br>
+              <a:rPr lang="it-IT" altLang="zh-TW" sz="1400" dirty="0"/>
+            </a:br>
+            <a:r>
+              <a:rPr lang="it-IT" altLang="zh-TW" sz="1400" b="0" i="0" dirty="0">
+                <a:solidFill>
+                  <a:srgbClr val="000000"/>
+                </a:solidFill>
+                <a:effectLst/>
+                <a:latin typeface="Helvetica" panose="020B0604020202020204" pitchFamily="34" charset="0"/>
+              </a:rPr>
+              <a:t>data buffer[31:16]=16'd0</a:t>
+            </a:r>
+            <a:endParaRPr lang="zh-TW" altLang="en-US" sz="1400" dirty="0"/>
+          </a:p>
+        </p:txBody>
+      </p:sp>
+      <p:cxnSp>
+        <p:nvCxnSpPr>
+          <p:cNvPr id="32" name="直線單箭頭接點 31">
+            <a:extLst>
+              <a:ext uri="{FF2B5EF4-FFF2-40B4-BE49-F238E27FC236}">
+                <a16:creationId xmlns:a16="http://schemas.microsoft.com/office/drawing/2014/main" id="{2D14ABC8-FB60-C60B-8D18-1E7E7D9D04F2}"/>
+              </a:ext>
+            </a:extLst>
+          </p:cNvPr>
+          <p:cNvCxnSpPr>
+            <a:cxnSpLocks/>
+          </p:cNvCxnSpPr>
+          <p:nvPr/>
+        </p:nvCxnSpPr>
+        <p:spPr>
+          <a:xfrm flipV="1">
+            <a:off x="7787638" y="1157871"/>
+            <a:ext cx="0" cy="965569"/>
+          </a:xfrm>
+          <a:prstGeom prst="straightConnector1">
+            <a:avLst/>
+          </a:prstGeom>
+          <a:ln w="28575">
+            <a:solidFill>
+              <a:srgbClr val="FF0000"/>
+            </a:solidFill>
+            <a:tailEnd type="triangle"/>
+          </a:ln>
+        </p:spPr>
+        <p:style>
+          <a:lnRef idx="1">
+            <a:schemeClr val="accent2"/>
+          </a:lnRef>
+          <a:fillRef idx="0">
+            <a:schemeClr val="accent2"/>
+          </a:fillRef>
+          <a:effectRef idx="0">
+            <a:schemeClr val="accent2"/>
+          </a:effectRef>
+          <a:fontRef idx="minor">
+            <a:schemeClr val="tx1"/>
+          </a:fontRef>
+        </p:style>
+      </p:cxnSp>
     </p:spTree>
     <p:extLst>
       <p:ext uri="{BB962C8B-B14F-4D97-AF65-F5344CB8AC3E}">
-        <p14:creationId xmlns:p14="http://schemas.microsoft.com/office/powerpoint/2010/main" val="1330858216"/>
+        <p14:creationId xmlns:p14="http://schemas.microsoft.com/office/powerpoint/2010/main" val="2560791322"/>
       </p:ext>
     </p:extLst>
   </p:cSld>
@@ -12266,299 +14983,4 @@
     </a:ext>
   </a:extLst>
 </a:theme>
-</file>
-
-<file path=ppt/theme/theme2.xml><?xml version="1.0" encoding="utf-8"?>
-<a:theme xmlns:a="http://schemas.openxmlformats.org/drawingml/2006/main" name="Office 佈景主題">
-  <a:themeElements>
-    <a:clrScheme name="Office">
-      <a:dk1>
-        <a:sysClr val="windowText" lastClr="000000"/>
-      </a:dk1>
-      <a:lt1>
-        <a:sysClr val="window" lastClr="FFFFFF"/>
-      </a:lt1>
-      <a:dk2>
-        <a:srgbClr val="44546A"/>
-      </a:dk2>
-      <a:lt2>
-        <a:srgbClr val="E7E6E6"/>
-      </a:lt2>
-      <a:accent1>
-        <a:srgbClr val="4472C4"/>
-      </a:accent1>
-      <a:accent2>
-        <a:srgbClr val="ED7D31"/>
-      </a:accent2>
-      <a:accent3>
-        <a:srgbClr val="A5A5A5"/>
-      </a:accent3>
-      <a:accent4>
-        <a:srgbClr val="FFC000"/>
-      </a:accent4>
-      <a:accent5>
-        <a:srgbClr val="5B9BD5"/>
-      </a:accent5>
-      <a:accent6>
-        <a:srgbClr val="70AD47"/>
-      </a:accent6>
-      <a:hlink>
-        <a:srgbClr val="0563C1"/>
-      </a:hlink>
-      <a:folHlink>
-        <a:srgbClr val="954F72"/>
-      </a:folHlink>
-    </a:clrScheme>
-    <a:fontScheme name="Office">
-      <a:majorFont>
-        <a:latin typeface="Calibri Light" panose="020F0302020204030204"/>
-        <a:ea typeface=""/>
-        <a:cs typeface=""/>
-        <a:font script="Jpan" typeface="游ゴシック Light"/>
-        <a:font script="Hang" typeface="맑은 고딕"/>
-        <a:font script="Hans" typeface="等线 Light"/>
-        <a:font script="Hant" typeface="新細明體"/>
-        <a:font script="Arab" typeface="Times New Roman"/>
-        <a:font script="Hebr" typeface="Times New Roman"/>
-        <a:font script="Thai" typeface="Angsana New"/>
-        <a:font script="Ethi" typeface="Nyala"/>
-        <a:font script="Beng" typeface="Vrinda"/>
-        <a:font script="Gujr" typeface="Shruti"/>
-        <a:font script="Khmr" typeface="MoolBoran"/>
-        <a:font script="Knda" typeface="Tunga"/>
-        <a:font script="Guru" typeface="Raavi"/>
-        <a:font script="Cans" typeface="Euphemia"/>
-        <a:font script="Cher" typeface="Plantagenet Cherokee"/>
-        <a:font script="Yiii" typeface="Microsoft Yi Baiti"/>
-        <a:font script="Tibt" typeface="Microsoft Himalaya"/>
-        <a:font script="Thaa" typeface="MV Boli"/>
-        <a:font script="Deva" typeface="Mangal"/>
-        <a:font script="Telu" typeface="Gautami"/>
-        <a:font script="Taml" typeface="Latha"/>
-        <a:font script="Syrc" typeface="Estrangelo Edessa"/>
-        <a:font script="Orya" typeface="Kalinga"/>
-        <a:font script="Mlym" typeface="Kartika"/>
-        <a:font script="Laoo" typeface="DokChampa"/>
-        <a:font script="Sinh" typeface="Iskoola Pota"/>
-        <a:font script="Mong" typeface="Mongolian Baiti"/>
-        <a:font script="Viet" typeface="Times New Roman"/>
-        <a:font script="Uigh" typeface="Microsoft Uighur"/>
-        <a:font script="Geor" typeface="Sylfaen"/>
-        <a:font script="Armn" typeface="Arial"/>
-        <a:font script="Bugi" typeface="Leelawadee UI"/>
-        <a:font script="Bopo" typeface="Microsoft JhengHei"/>
-        <a:font script="Java" typeface="Javanese Text"/>
-        <a:font script="Lisu" typeface="Segoe UI"/>
-        <a:font script="Mymr" typeface="Myanmar Text"/>
-        <a:font script="Nkoo" typeface="Ebrima"/>
-        <a:font script="Olck" typeface="Nirmala UI"/>
-        <a:font script="Osma" typeface="Ebrima"/>
-        <a:font script="Phag" typeface="Phagspa"/>
-        <a:font script="Syrn" typeface="Estrangelo Edessa"/>
-        <a:font script="Syrj" typeface="Estrangelo Edessa"/>
-        <a:font script="Syre" typeface="Estrangelo Edessa"/>
-        <a:font script="Sora" typeface="Nirmala UI"/>
-        <a:font script="Tale" typeface="Microsoft Tai Le"/>
-        <a:font script="Talu" typeface="Microsoft New Tai Lue"/>
-        <a:font script="Tfng" typeface="Ebrima"/>
-      </a:majorFont>
-      <a:minorFont>
-        <a:latin typeface="Calibri" panose="020F0502020204030204"/>
-        <a:ea typeface=""/>
-        <a:cs typeface=""/>
-        <a:font script="Jpan" typeface="游ゴシック"/>
-        <a:font script="Hang" typeface="맑은 고딕"/>
-        <a:font script="Hans" typeface="等线"/>
-        <a:font script="Hant" typeface="新細明體"/>
-        <a:font script="Arab" typeface="Arial"/>
-        <a:font script="Hebr" typeface="Arial"/>
-        <a:font script="Thai" typeface="Cordia New"/>
-        <a:font script="Ethi" typeface="Nyala"/>
-        <a:font script="Beng" typeface="Vrinda"/>
-        <a:font script="Gujr" typeface="Shruti"/>
-        <a:font script="Khmr" typeface="DaunPenh"/>
-        <a:font script="Knda" typeface="Tunga"/>
-        <a:font script="Guru" typeface="Raavi"/>
-        <a:font script="Cans" typeface="Euphemia"/>
-        <a:font script="Cher" typeface="Plantagenet Cherokee"/>
-        <a:font script="Yiii" typeface="Microsoft Yi Baiti"/>
-        <a:font script="Tibt" typeface="Microsoft Himalaya"/>
-        <a:font script="Thaa" typeface="MV Boli"/>
-        <a:font script="Deva" typeface="Mangal"/>
-        <a:font script="Telu" typeface="Gautami"/>
-        <a:font script="Taml" typeface="Latha"/>
-        <a:font script="Syrc" typeface="Estrangelo Edessa"/>
-        <a:font script="Orya" typeface="Kalinga"/>
-        <a:font script="Mlym" typeface="Kartika"/>
-        <a:font script="Laoo" typeface="DokChampa"/>
-        <a:font script="Sinh" typeface="Iskoola Pota"/>
-        <a:font script="Mong" typeface="Mongolian Baiti"/>
-        <a:font script="Viet" typeface="Arial"/>
-        <a:font script="Uigh" typeface="Microsoft Uighur"/>
-        <a:font script="Geor" typeface="Sylfaen"/>
-        <a:font script="Armn" typeface="Arial"/>
-        <a:font script="Bugi" typeface="Leelawadee UI"/>
-        <a:font script="Bopo" typeface="Microsoft JhengHei"/>
-        <a:font script="Java" typeface="Javanese Text"/>
-        <a:font script="Lisu" typeface="Segoe UI"/>
-        <a:font script="Mymr" typeface="Myanmar Text"/>
-        <a:font script="Nkoo" typeface="Ebrima"/>
-        <a:font script="Olck" typeface="Nirmala UI"/>
-        <a:font script="Osma" typeface="Ebrima"/>
-        <a:font script="Phag" typeface="Phagspa"/>
-        <a:font script="Syrn" typeface="Estrangelo Edessa"/>
-        <a:font script="Syrj" typeface="Estrangelo Edessa"/>
-        <a:font script="Syre" typeface="Estrangelo Edessa"/>
-        <a:font script="Sora" typeface="Nirmala UI"/>
-        <a:font script="Tale" typeface="Microsoft Tai Le"/>
-        <a:font script="Talu" typeface="Microsoft New Tai Lue"/>
-        <a:font script="Tfng" typeface="Ebrima"/>
-      </a:minorFont>
-    </a:fontScheme>
-    <a:fmtScheme name="Office">
-      <a:fillStyleLst>
-        <a:solidFill>
-          <a:schemeClr val="phClr"/>
-        </a:solidFill>
-        <a:gradFill rotWithShape="1">
-          <a:gsLst>
-            <a:gs pos="0">
-              <a:schemeClr val="phClr">
-                <a:lumMod val="110000"/>
-                <a:satMod val="105000"/>
-                <a:tint val="67000"/>
-              </a:schemeClr>
-            </a:gs>
-            <a:gs pos="50000">
-              <a:schemeClr val="phClr">
-                <a:lumMod val="105000"/>
-                <a:satMod val="103000"/>
-                <a:tint val="73000"/>
-              </a:schemeClr>
-            </a:gs>
-            <a:gs pos="100000">
-              <a:schemeClr val="phClr">
-                <a:lumMod val="105000"/>
-                <a:satMod val="109000"/>
-                <a:tint val="81000"/>
-              </a:schemeClr>
-            </a:gs>
-          </a:gsLst>
-          <a:lin ang="5400000" scaled="0"/>
-        </a:gradFill>
-        <a:gradFill rotWithShape="1">
-          <a:gsLst>
-            <a:gs pos="0">
-              <a:schemeClr val="phClr">
-                <a:satMod val="103000"/>
-                <a:lumMod val="102000"/>
-                <a:tint val="94000"/>
-              </a:schemeClr>
-            </a:gs>
-            <a:gs pos="50000">
-              <a:schemeClr val="phClr">
-                <a:satMod val="110000"/>
-                <a:lumMod val="100000"/>
-                <a:shade val="100000"/>
-              </a:schemeClr>
-            </a:gs>
-            <a:gs pos="100000">
-              <a:schemeClr val="phClr">
-                <a:lumMod val="99000"/>
-                <a:satMod val="120000"/>
-                <a:shade val="78000"/>
-              </a:schemeClr>
-            </a:gs>
-          </a:gsLst>
-          <a:lin ang="5400000" scaled="0"/>
-        </a:gradFill>
-      </a:fillStyleLst>
-      <a:lnStyleLst>
-        <a:ln w="6350" cap="flat" cmpd="sng" algn="ctr">
-          <a:solidFill>
-            <a:schemeClr val="phClr"/>
-          </a:solidFill>
-          <a:prstDash val="solid"/>
-          <a:miter lim="800000"/>
-        </a:ln>
-        <a:ln w="12700" cap="flat" cmpd="sng" algn="ctr">
-          <a:solidFill>
-            <a:schemeClr val="phClr"/>
-          </a:solidFill>
-          <a:prstDash val="solid"/>
-          <a:miter lim="800000"/>
-        </a:ln>
-        <a:ln w="19050" cap="flat" cmpd="sng" algn="ctr">
-          <a:solidFill>
-            <a:schemeClr val="phClr"/>
-          </a:solidFill>
-          <a:prstDash val="solid"/>
-          <a:miter lim="800000"/>
-        </a:ln>
-      </a:lnStyleLst>
-      <a:effectStyleLst>
-        <a:effectStyle>
-          <a:effectLst/>
-        </a:effectStyle>
-        <a:effectStyle>
-          <a:effectLst/>
-        </a:effectStyle>
-        <a:effectStyle>
-          <a:effectLst>
-            <a:outerShdw blurRad="57150" dist="19050" dir="5400000" algn="ctr" rotWithShape="0">
-              <a:srgbClr val="000000">
-                <a:alpha val="63000"/>
-              </a:srgbClr>
-            </a:outerShdw>
-          </a:effectLst>
-        </a:effectStyle>
-      </a:effectStyleLst>
-      <a:bgFillStyleLst>
-        <a:solidFill>
-          <a:schemeClr val="phClr"/>
-        </a:solidFill>
-        <a:solidFill>
-          <a:schemeClr val="phClr">
-            <a:tint val="95000"/>
-            <a:satMod val="170000"/>
-          </a:schemeClr>
-        </a:solidFill>
-        <a:gradFill rotWithShape="1">
-          <a:gsLst>
-            <a:gs pos="0">
-              <a:schemeClr val="phClr">
-                <a:tint val="93000"/>
-                <a:satMod val="150000"/>
-                <a:shade val="98000"/>
-                <a:lumMod val="102000"/>
-              </a:schemeClr>
-            </a:gs>
-            <a:gs pos="50000">
-              <a:schemeClr val="phClr">
-                <a:tint val="98000"/>
-                <a:satMod val="130000"/>
-                <a:shade val="90000"/>
-                <a:lumMod val="103000"/>
-              </a:schemeClr>
-            </a:gs>
-            <a:gs pos="100000">
-              <a:schemeClr val="phClr">
-                <a:shade val="63000"/>
-                <a:satMod val="120000"/>
-              </a:schemeClr>
-            </a:gs>
-          </a:gsLst>
-          <a:lin ang="5400000" scaled="0"/>
-        </a:gradFill>
-      </a:bgFillStyleLst>
-    </a:fmtScheme>
-  </a:themeElements>
-  <a:objectDefaults/>
-  <a:extraClrSchemeLst/>
-  <a:extLst>
-    <a:ext uri="{05A4C25C-085E-4340-85A3-A5531E510DB2}">
-      <thm15:themeFamily xmlns:thm15="http://schemas.microsoft.com/office/thememl/2012/main" name="Office Theme" id="{62F939B6-93AF-4DB8-9C6B-D6C7DFDC589F}" vid="{4A3C46E8-61CC-4603-A589-7422A47A8E4A}"/>
-    </a:ext>
-  </a:extLst>
-</a:theme>
 </file>
--- a/報告.pptx
+++ b/報告.pptx
@@ -2,7 +2,7 @@
 <file path=ppt/presentation.xml><?xml version="1.0" encoding="utf-8"?>
 <p:presentation xmlns:a="http://schemas.openxmlformats.org/drawingml/2006/main" xmlns:r="http://schemas.openxmlformats.org/officeDocument/2006/relationships" xmlns:p="http://schemas.openxmlformats.org/presentationml/2006/main" saveSubsetFonts="1">
   <p:sldMasterIdLst>
-    <p:sldMasterId id="2147483718" r:id="rId1"/>
+    <p:sldMasterId id="2147483771" r:id="rId1"/>
   </p:sldMasterIdLst>
   <p:sldIdLst>
     <p:sldId id="264" r:id="rId2"/>
@@ -150,7 +150,7 @@
           <p:cNvPr id="2" name="標題 1">
             <a:extLst>
               <a:ext uri="{FF2B5EF4-FFF2-40B4-BE49-F238E27FC236}">
-                <a16:creationId xmlns:a16="http://schemas.microsoft.com/office/drawing/2014/main" id="{8C2D6BBE-DCAF-42DB-B92E-2B143328E166}"/>
+                <a16:creationId xmlns:a16="http://schemas.microsoft.com/office/drawing/2014/main" id="{C2E8113F-03C4-1B41-BF13-F89ED4A1056A}"/>
               </a:ext>
             </a:extLst>
           </p:cNvPr>
@@ -187,7 +187,7 @@
           <p:cNvPr id="3" name="副標題 2">
             <a:extLst>
               <a:ext uri="{FF2B5EF4-FFF2-40B4-BE49-F238E27FC236}">
-                <a16:creationId xmlns:a16="http://schemas.microsoft.com/office/drawing/2014/main" id="{5028BBD7-F077-3664-79E9-9DF1CA37F5BB}"/>
+                <a16:creationId xmlns:a16="http://schemas.microsoft.com/office/drawing/2014/main" id="{CD3D4064-32C0-EEC2-223E-A8BE2F5AE87D}"/>
               </a:ext>
             </a:extLst>
           </p:cNvPr>
@@ -257,7 +257,7 @@
           <p:cNvPr id="4" name="日期版面配置區 3">
             <a:extLst>
               <a:ext uri="{FF2B5EF4-FFF2-40B4-BE49-F238E27FC236}">
-                <a16:creationId xmlns:a16="http://schemas.microsoft.com/office/drawing/2014/main" id="{43B8921C-2922-66A9-7E61-79B771964D34}"/>
+                <a16:creationId xmlns:a16="http://schemas.microsoft.com/office/drawing/2014/main" id="{4B213D08-95BC-59F8-2F1F-A189EE90A05F}"/>
               </a:ext>
             </a:extLst>
           </p:cNvPr>
@@ -286,7 +286,7 @@
           <p:cNvPr id="5" name="頁尾版面配置區 4">
             <a:extLst>
               <a:ext uri="{FF2B5EF4-FFF2-40B4-BE49-F238E27FC236}">
-                <a16:creationId xmlns:a16="http://schemas.microsoft.com/office/drawing/2014/main" id="{13E775D5-465F-012E-1F00-30B9EE135EFD}"/>
+                <a16:creationId xmlns:a16="http://schemas.microsoft.com/office/drawing/2014/main" id="{4FE8251B-439A-54A2-845F-914E6CC8620E}"/>
               </a:ext>
             </a:extLst>
           </p:cNvPr>
@@ -311,7 +311,7 @@
           <p:cNvPr id="6" name="投影片編號版面配置區 5">
             <a:extLst>
               <a:ext uri="{FF2B5EF4-FFF2-40B4-BE49-F238E27FC236}">
-                <a16:creationId xmlns:a16="http://schemas.microsoft.com/office/drawing/2014/main" id="{EFC15278-A471-18A6-5BAD-20D628244D17}"/>
+                <a16:creationId xmlns:a16="http://schemas.microsoft.com/office/drawing/2014/main" id="{5C6AF85D-940C-97D4-3879-3B834B37CB95}"/>
               </a:ext>
             </a:extLst>
           </p:cNvPr>
@@ -338,7 +338,7 @@
     </p:spTree>
     <p:extLst>
       <p:ext uri="{BB962C8B-B14F-4D97-AF65-F5344CB8AC3E}">
-        <p14:creationId xmlns:p14="http://schemas.microsoft.com/office/powerpoint/2010/main" val="298133916"/>
+        <p14:creationId xmlns:p14="http://schemas.microsoft.com/office/powerpoint/2010/main" val="4151904842"/>
       </p:ext>
     </p:extLst>
   </p:cSld>
@@ -370,7 +370,7 @@
           <p:cNvPr id="2" name="標題 1">
             <a:extLst>
               <a:ext uri="{FF2B5EF4-FFF2-40B4-BE49-F238E27FC236}">
-                <a16:creationId xmlns:a16="http://schemas.microsoft.com/office/drawing/2014/main" id="{16756B6D-C6F2-9FD0-AE13-21AE34E415B1}"/>
+                <a16:creationId xmlns:a16="http://schemas.microsoft.com/office/drawing/2014/main" id="{705F1599-D727-70F0-023F-422396CE53C8}"/>
               </a:ext>
             </a:extLst>
           </p:cNvPr>
@@ -398,7 +398,7 @@
           <p:cNvPr id="3" name="直排文字版面配置區 2">
             <a:extLst>
               <a:ext uri="{FF2B5EF4-FFF2-40B4-BE49-F238E27FC236}">
-                <a16:creationId xmlns:a16="http://schemas.microsoft.com/office/drawing/2014/main" id="{F7AA1A40-2D42-4BDA-6467-493F34E21B39}"/>
+                <a16:creationId xmlns:a16="http://schemas.microsoft.com/office/drawing/2014/main" id="{8B121450-EDFC-96F7-F641-98ABAE3598F9}"/>
               </a:ext>
             </a:extLst>
           </p:cNvPr>
@@ -455,7 +455,7 @@
           <p:cNvPr id="4" name="日期版面配置區 3">
             <a:extLst>
               <a:ext uri="{FF2B5EF4-FFF2-40B4-BE49-F238E27FC236}">
-                <a16:creationId xmlns:a16="http://schemas.microsoft.com/office/drawing/2014/main" id="{F04C6CCA-3CA0-FA17-AC66-9054A9D48F29}"/>
+                <a16:creationId xmlns:a16="http://schemas.microsoft.com/office/drawing/2014/main" id="{B3E36FC7-7F07-7A18-B5C1-C28887742037}"/>
               </a:ext>
             </a:extLst>
           </p:cNvPr>
@@ -484,7 +484,7 @@
           <p:cNvPr id="5" name="頁尾版面配置區 4">
             <a:extLst>
               <a:ext uri="{FF2B5EF4-FFF2-40B4-BE49-F238E27FC236}">
-                <a16:creationId xmlns:a16="http://schemas.microsoft.com/office/drawing/2014/main" id="{27E14647-CCC2-1CF6-B28A-DF5103A09C6A}"/>
+                <a16:creationId xmlns:a16="http://schemas.microsoft.com/office/drawing/2014/main" id="{4701DF29-9DD8-D92B-1314-C1FBDF3BC9CE}"/>
               </a:ext>
             </a:extLst>
           </p:cNvPr>
@@ -509,7 +509,7 @@
           <p:cNvPr id="6" name="投影片編號版面配置區 5">
             <a:extLst>
               <a:ext uri="{FF2B5EF4-FFF2-40B4-BE49-F238E27FC236}">
-                <a16:creationId xmlns:a16="http://schemas.microsoft.com/office/drawing/2014/main" id="{D508D85D-A61A-6D42-F331-0DBEA5CE066E}"/>
+                <a16:creationId xmlns:a16="http://schemas.microsoft.com/office/drawing/2014/main" id="{CC18C561-E019-3450-B556-A104E15D8BED}"/>
               </a:ext>
             </a:extLst>
           </p:cNvPr>
@@ -536,7 +536,7 @@
     </p:spTree>
     <p:extLst>
       <p:ext uri="{BB962C8B-B14F-4D97-AF65-F5344CB8AC3E}">
-        <p14:creationId xmlns:p14="http://schemas.microsoft.com/office/powerpoint/2010/main" val="2487464686"/>
+        <p14:creationId xmlns:p14="http://schemas.microsoft.com/office/powerpoint/2010/main" val="1363379877"/>
       </p:ext>
     </p:extLst>
   </p:cSld>
@@ -568,7 +568,7 @@
           <p:cNvPr id="2" name="直排標題 1">
             <a:extLst>
               <a:ext uri="{FF2B5EF4-FFF2-40B4-BE49-F238E27FC236}">
-                <a16:creationId xmlns:a16="http://schemas.microsoft.com/office/drawing/2014/main" id="{CFBFB124-6ACD-A030-4CF1-96AF0A1CD843}"/>
+                <a16:creationId xmlns:a16="http://schemas.microsoft.com/office/drawing/2014/main" id="{B3F68AF7-2E4A-5179-95DD-77A15E98ADA7}"/>
               </a:ext>
             </a:extLst>
           </p:cNvPr>
@@ -601,7 +601,7 @@
           <p:cNvPr id="3" name="直排文字版面配置區 2">
             <a:extLst>
               <a:ext uri="{FF2B5EF4-FFF2-40B4-BE49-F238E27FC236}">
-                <a16:creationId xmlns:a16="http://schemas.microsoft.com/office/drawing/2014/main" id="{215FBA49-02CA-4290-0E7B-C4699EC223B2}"/>
+                <a16:creationId xmlns:a16="http://schemas.microsoft.com/office/drawing/2014/main" id="{D5FD632C-477A-5C70-684A-197F726B226A}"/>
               </a:ext>
             </a:extLst>
           </p:cNvPr>
@@ -663,7 +663,7 @@
           <p:cNvPr id="4" name="日期版面配置區 3">
             <a:extLst>
               <a:ext uri="{FF2B5EF4-FFF2-40B4-BE49-F238E27FC236}">
-                <a16:creationId xmlns:a16="http://schemas.microsoft.com/office/drawing/2014/main" id="{EF024FF5-CBD8-8087-9415-EEC7788188B7}"/>
+                <a16:creationId xmlns:a16="http://schemas.microsoft.com/office/drawing/2014/main" id="{E0801D7F-9E55-122C-93C7-CE2771B6EE92}"/>
               </a:ext>
             </a:extLst>
           </p:cNvPr>
@@ -692,7 +692,7 @@
           <p:cNvPr id="5" name="頁尾版面配置區 4">
             <a:extLst>
               <a:ext uri="{FF2B5EF4-FFF2-40B4-BE49-F238E27FC236}">
-                <a16:creationId xmlns:a16="http://schemas.microsoft.com/office/drawing/2014/main" id="{1F8153AC-0012-5F3A-2735-31EDD01982B1}"/>
+                <a16:creationId xmlns:a16="http://schemas.microsoft.com/office/drawing/2014/main" id="{EEC9C23C-B147-70A0-0111-F75FFC78C33D}"/>
               </a:ext>
             </a:extLst>
           </p:cNvPr>
@@ -717,7 +717,7 @@
           <p:cNvPr id="6" name="投影片編號版面配置區 5">
             <a:extLst>
               <a:ext uri="{FF2B5EF4-FFF2-40B4-BE49-F238E27FC236}">
-                <a16:creationId xmlns:a16="http://schemas.microsoft.com/office/drawing/2014/main" id="{38E607EC-AB20-F8B1-878C-E5A67B828548}"/>
+                <a16:creationId xmlns:a16="http://schemas.microsoft.com/office/drawing/2014/main" id="{F9F7453D-2E70-9F9B-A8E0-4DBD2542FCED}"/>
               </a:ext>
             </a:extLst>
           </p:cNvPr>
@@ -744,7 +744,7 @@
     </p:spTree>
     <p:extLst>
       <p:ext uri="{BB962C8B-B14F-4D97-AF65-F5344CB8AC3E}">
-        <p14:creationId xmlns:p14="http://schemas.microsoft.com/office/powerpoint/2010/main" val="562572813"/>
+        <p14:creationId xmlns:p14="http://schemas.microsoft.com/office/powerpoint/2010/main" val="4108224768"/>
       </p:ext>
     </p:extLst>
   </p:cSld>
@@ -776,7 +776,7 @@
           <p:cNvPr id="2" name="標題 1">
             <a:extLst>
               <a:ext uri="{FF2B5EF4-FFF2-40B4-BE49-F238E27FC236}">
-                <a16:creationId xmlns:a16="http://schemas.microsoft.com/office/drawing/2014/main" id="{14963795-0F11-448E-44D6-F714C522F805}"/>
+                <a16:creationId xmlns:a16="http://schemas.microsoft.com/office/drawing/2014/main" id="{18559A8E-959B-9581-9183-9EB08B3D165C}"/>
               </a:ext>
             </a:extLst>
           </p:cNvPr>
@@ -804,7 +804,7 @@
           <p:cNvPr id="3" name="內容版面配置區 2">
             <a:extLst>
               <a:ext uri="{FF2B5EF4-FFF2-40B4-BE49-F238E27FC236}">
-                <a16:creationId xmlns:a16="http://schemas.microsoft.com/office/drawing/2014/main" id="{CE698D47-A24F-991A-EB0D-5512AA2CD8B2}"/>
+                <a16:creationId xmlns:a16="http://schemas.microsoft.com/office/drawing/2014/main" id="{5BCA5226-7109-9110-BAFF-C89982FAD7F4}"/>
               </a:ext>
             </a:extLst>
           </p:cNvPr>
@@ -861,7 +861,7 @@
           <p:cNvPr id="4" name="日期版面配置區 3">
             <a:extLst>
               <a:ext uri="{FF2B5EF4-FFF2-40B4-BE49-F238E27FC236}">
-                <a16:creationId xmlns:a16="http://schemas.microsoft.com/office/drawing/2014/main" id="{2DD82DDC-01C7-E10D-D9FA-71045DF012BB}"/>
+                <a16:creationId xmlns:a16="http://schemas.microsoft.com/office/drawing/2014/main" id="{F2020B47-D300-4033-CD49-A78A093591B6}"/>
               </a:ext>
             </a:extLst>
           </p:cNvPr>
@@ -890,7 +890,7 @@
           <p:cNvPr id="5" name="頁尾版面配置區 4">
             <a:extLst>
               <a:ext uri="{FF2B5EF4-FFF2-40B4-BE49-F238E27FC236}">
-                <a16:creationId xmlns:a16="http://schemas.microsoft.com/office/drawing/2014/main" id="{D21690ED-210C-4EE9-A85B-C495D92DC78B}"/>
+                <a16:creationId xmlns:a16="http://schemas.microsoft.com/office/drawing/2014/main" id="{4CFC4053-BA27-9A0A-B343-780FF5210772}"/>
               </a:ext>
             </a:extLst>
           </p:cNvPr>
@@ -915,7 +915,7 @@
           <p:cNvPr id="6" name="投影片編號版面配置區 5">
             <a:extLst>
               <a:ext uri="{FF2B5EF4-FFF2-40B4-BE49-F238E27FC236}">
-                <a16:creationId xmlns:a16="http://schemas.microsoft.com/office/drawing/2014/main" id="{4ED80FC3-8CF9-4A10-318B-F564005D86FA}"/>
+                <a16:creationId xmlns:a16="http://schemas.microsoft.com/office/drawing/2014/main" id="{EBD11F45-78BF-9E8D-2342-0DA41812AA91}"/>
               </a:ext>
             </a:extLst>
           </p:cNvPr>
@@ -942,7 +942,7 @@
     </p:spTree>
     <p:extLst>
       <p:ext uri="{BB962C8B-B14F-4D97-AF65-F5344CB8AC3E}">
-        <p14:creationId xmlns:p14="http://schemas.microsoft.com/office/powerpoint/2010/main" val="2972095333"/>
+        <p14:creationId xmlns:p14="http://schemas.microsoft.com/office/powerpoint/2010/main" val="2935457151"/>
       </p:ext>
     </p:extLst>
   </p:cSld>
@@ -974,7 +974,7 @@
           <p:cNvPr id="2" name="標題 1">
             <a:extLst>
               <a:ext uri="{FF2B5EF4-FFF2-40B4-BE49-F238E27FC236}">
-                <a16:creationId xmlns:a16="http://schemas.microsoft.com/office/drawing/2014/main" id="{CE591A96-D298-B9CD-B5BF-0CDE7BDA0BC5}"/>
+                <a16:creationId xmlns:a16="http://schemas.microsoft.com/office/drawing/2014/main" id="{F6DDFC6A-0D12-9745-C06D-C374A8251A3E}"/>
               </a:ext>
             </a:extLst>
           </p:cNvPr>
@@ -1011,7 +1011,7 @@
           <p:cNvPr id="3" name="文字版面配置區 2">
             <a:extLst>
               <a:ext uri="{FF2B5EF4-FFF2-40B4-BE49-F238E27FC236}">
-                <a16:creationId xmlns:a16="http://schemas.microsoft.com/office/drawing/2014/main" id="{A4C36EE3-2665-F1E7-EE85-6079F1E24728}"/>
+                <a16:creationId xmlns:a16="http://schemas.microsoft.com/office/drawing/2014/main" id="{4676B4A9-E53D-B31F-DC77-2F08BDC7362E}"/>
               </a:ext>
             </a:extLst>
           </p:cNvPr>
@@ -1136,7 +1136,7 @@
           <p:cNvPr id="4" name="日期版面配置區 3">
             <a:extLst>
               <a:ext uri="{FF2B5EF4-FFF2-40B4-BE49-F238E27FC236}">
-                <a16:creationId xmlns:a16="http://schemas.microsoft.com/office/drawing/2014/main" id="{5877CFC9-058B-D489-795D-DDBDEC6A0FBB}"/>
+                <a16:creationId xmlns:a16="http://schemas.microsoft.com/office/drawing/2014/main" id="{62FBDC4C-4A74-CDD9-8400-C1C06361C174}"/>
               </a:ext>
             </a:extLst>
           </p:cNvPr>
@@ -1165,7 +1165,7 @@
           <p:cNvPr id="5" name="頁尾版面配置區 4">
             <a:extLst>
               <a:ext uri="{FF2B5EF4-FFF2-40B4-BE49-F238E27FC236}">
-                <a16:creationId xmlns:a16="http://schemas.microsoft.com/office/drawing/2014/main" id="{D7A924D9-B423-0AA1-8297-17377BA0438C}"/>
+                <a16:creationId xmlns:a16="http://schemas.microsoft.com/office/drawing/2014/main" id="{E4516A67-0C07-EF6B-7708-F90DC1883013}"/>
               </a:ext>
             </a:extLst>
           </p:cNvPr>
@@ -1190,7 +1190,7 @@
           <p:cNvPr id="6" name="投影片編號版面配置區 5">
             <a:extLst>
               <a:ext uri="{FF2B5EF4-FFF2-40B4-BE49-F238E27FC236}">
-                <a16:creationId xmlns:a16="http://schemas.microsoft.com/office/drawing/2014/main" id="{6FE01AF1-F99B-16F6-D177-171B5E26FDDF}"/>
+                <a16:creationId xmlns:a16="http://schemas.microsoft.com/office/drawing/2014/main" id="{571E261C-387B-E7CE-C8C1-BDFA26AEF5A5}"/>
               </a:ext>
             </a:extLst>
           </p:cNvPr>
@@ -1217,7 +1217,7 @@
     </p:spTree>
     <p:extLst>
       <p:ext uri="{BB962C8B-B14F-4D97-AF65-F5344CB8AC3E}">
-        <p14:creationId xmlns:p14="http://schemas.microsoft.com/office/powerpoint/2010/main" val="1475238768"/>
+        <p14:creationId xmlns:p14="http://schemas.microsoft.com/office/powerpoint/2010/main" val="1683923239"/>
       </p:ext>
     </p:extLst>
   </p:cSld>
@@ -1249,7 +1249,7 @@
           <p:cNvPr id="2" name="標題 1">
             <a:extLst>
               <a:ext uri="{FF2B5EF4-FFF2-40B4-BE49-F238E27FC236}">
-                <a16:creationId xmlns:a16="http://schemas.microsoft.com/office/drawing/2014/main" id="{501DEDA8-2CC8-E6A9-E73C-1F21103B0720}"/>
+                <a16:creationId xmlns:a16="http://schemas.microsoft.com/office/drawing/2014/main" id="{26579FB6-BA30-C734-833B-7E016B36570A}"/>
               </a:ext>
             </a:extLst>
           </p:cNvPr>
@@ -1277,7 +1277,7 @@
           <p:cNvPr id="3" name="內容版面配置區 2">
             <a:extLst>
               <a:ext uri="{FF2B5EF4-FFF2-40B4-BE49-F238E27FC236}">
-                <a16:creationId xmlns:a16="http://schemas.microsoft.com/office/drawing/2014/main" id="{7503159D-30C8-335D-750C-8B26E4AA14C8}"/>
+                <a16:creationId xmlns:a16="http://schemas.microsoft.com/office/drawing/2014/main" id="{119289FA-30B6-A4F4-C96D-CEFFE26AA5F7}"/>
               </a:ext>
             </a:extLst>
           </p:cNvPr>
@@ -1339,7 +1339,7 @@
           <p:cNvPr id="4" name="內容版面配置區 3">
             <a:extLst>
               <a:ext uri="{FF2B5EF4-FFF2-40B4-BE49-F238E27FC236}">
-                <a16:creationId xmlns:a16="http://schemas.microsoft.com/office/drawing/2014/main" id="{8B57F354-FB08-BA7B-8EA4-4DDED3B6F929}"/>
+                <a16:creationId xmlns:a16="http://schemas.microsoft.com/office/drawing/2014/main" id="{55670F39-A085-EFEE-CDBA-9D5E15B5D8A3}"/>
               </a:ext>
             </a:extLst>
           </p:cNvPr>
@@ -1401,7 +1401,7 @@
           <p:cNvPr id="5" name="日期版面配置區 4">
             <a:extLst>
               <a:ext uri="{FF2B5EF4-FFF2-40B4-BE49-F238E27FC236}">
-                <a16:creationId xmlns:a16="http://schemas.microsoft.com/office/drawing/2014/main" id="{A07A2580-44B7-9536-0ECD-06E55B9F802D}"/>
+                <a16:creationId xmlns:a16="http://schemas.microsoft.com/office/drawing/2014/main" id="{51EEFBF0-C778-9143-C040-158B373AE6C9}"/>
               </a:ext>
             </a:extLst>
           </p:cNvPr>
@@ -1430,7 +1430,7 @@
           <p:cNvPr id="6" name="頁尾版面配置區 5">
             <a:extLst>
               <a:ext uri="{FF2B5EF4-FFF2-40B4-BE49-F238E27FC236}">
-                <a16:creationId xmlns:a16="http://schemas.microsoft.com/office/drawing/2014/main" id="{36A1C0B1-904A-207E-9BF3-AD5934E29AC9}"/>
+                <a16:creationId xmlns:a16="http://schemas.microsoft.com/office/drawing/2014/main" id="{2C795B02-D9A1-42C4-B6B6-810BA14D15F5}"/>
               </a:ext>
             </a:extLst>
           </p:cNvPr>
@@ -1455,7 +1455,7 @@
           <p:cNvPr id="7" name="投影片編號版面配置區 6">
             <a:extLst>
               <a:ext uri="{FF2B5EF4-FFF2-40B4-BE49-F238E27FC236}">
-                <a16:creationId xmlns:a16="http://schemas.microsoft.com/office/drawing/2014/main" id="{EA76B321-8840-488B-792A-782981487FCB}"/>
+                <a16:creationId xmlns:a16="http://schemas.microsoft.com/office/drawing/2014/main" id="{A917D7D3-656E-AB9F-4FE9-274ED6ADA0FF}"/>
               </a:ext>
             </a:extLst>
           </p:cNvPr>
@@ -1482,7 +1482,7 @@
     </p:spTree>
     <p:extLst>
       <p:ext uri="{BB962C8B-B14F-4D97-AF65-F5344CB8AC3E}">
-        <p14:creationId xmlns:p14="http://schemas.microsoft.com/office/powerpoint/2010/main" val="1925651874"/>
+        <p14:creationId xmlns:p14="http://schemas.microsoft.com/office/powerpoint/2010/main" val="543907355"/>
       </p:ext>
     </p:extLst>
   </p:cSld>
@@ -1514,7 +1514,7 @@
           <p:cNvPr id="2" name="標題 1">
             <a:extLst>
               <a:ext uri="{FF2B5EF4-FFF2-40B4-BE49-F238E27FC236}">
-                <a16:creationId xmlns:a16="http://schemas.microsoft.com/office/drawing/2014/main" id="{FA0F6505-C10D-A5BE-BD0E-3913CBA7CE1A}"/>
+                <a16:creationId xmlns:a16="http://schemas.microsoft.com/office/drawing/2014/main" id="{7FC29315-C6A2-DE11-9AE1-E19A457DC4D6}"/>
               </a:ext>
             </a:extLst>
           </p:cNvPr>
@@ -1547,7 +1547,7 @@
           <p:cNvPr id="3" name="文字版面配置區 2">
             <a:extLst>
               <a:ext uri="{FF2B5EF4-FFF2-40B4-BE49-F238E27FC236}">
-                <a16:creationId xmlns:a16="http://schemas.microsoft.com/office/drawing/2014/main" id="{B817ACCE-D05E-EB0A-8987-9D36EB330055}"/>
+                <a16:creationId xmlns:a16="http://schemas.microsoft.com/office/drawing/2014/main" id="{10833D73-470F-7091-F60A-D691704C9BE7}"/>
               </a:ext>
             </a:extLst>
           </p:cNvPr>
@@ -1618,7 +1618,7 @@
           <p:cNvPr id="4" name="內容版面配置區 3">
             <a:extLst>
               <a:ext uri="{FF2B5EF4-FFF2-40B4-BE49-F238E27FC236}">
-                <a16:creationId xmlns:a16="http://schemas.microsoft.com/office/drawing/2014/main" id="{65322072-859A-7BAA-E454-7A3614CD3288}"/>
+                <a16:creationId xmlns:a16="http://schemas.microsoft.com/office/drawing/2014/main" id="{79078284-BF30-73D9-8BFC-B4D58D292798}"/>
               </a:ext>
             </a:extLst>
           </p:cNvPr>
@@ -1680,7 +1680,7 @@
           <p:cNvPr id="5" name="文字版面配置區 4">
             <a:extLst>
               <a:ext uri="{FF2B5EF4-FFF2-40B4-BE49-F238E27FC236}">
-                <a16:creationId xmlns:a16="http://schemas.microsoft.com/office/drawing/2014/main" id="{C71F3A6B-CAFC-4761-6878-22B02A452751}"/>
+                <a16:creationId xmlns:a16="http://schemas.microsoft.com/office/drawing/2014/main" id="{306D880A-3C83-9D0E-0306-161D7E2B0D42}"/>
               </a:ext>
             </a:extLst>
           </p:cNvPr>
@@ -1751,7 +1751,7 @@
           <p:cNvPr id="6" name="內容版面配置區 5">
             <a:extLst>
               <a:ext uri="{FF2B5EF4-FFF2-40B4-BE49-F238E27FC236}">
-                <a16:creationId xmlns:a16="http://schemas.microsoft.com/office/drawing/2014/main" id="{5977D43E-EC76-0C3A-2CA9-E645E2B2925A}"/>
+                <a16:creationId xmlns:a16="http://schemas.microsoft.com/office/drawing/2014/main" id="{928BFB80-AC88-E91D-846A-10D7CCE432C9}"/>
               </a:ext>
             </a:extLst>
           </p:cNvPr>
@@ -1813,7 +1813,7 @@
           <p:cNvPr id="7" name="日期版面配置區 6">
             <a:extLst>
               <a:ext uri="{FF2B5EF4-FFF2-40B4-BE49-F238E27FC236}">
-                <a16:creationId xmlns:a16="http://schemas.microsoft.com/office/drawing/2014/main" id="{5B72D8F4-B36E-4C89-90A3-8B338E92B05B}"/>
+                <a16:creationId xmlns:a16="http://schemas.microsoft.com/office/drawing/2014/main" id="{92FDF728-C6E4-B4AD-1859-BDC76666D8C8}"/>
               </a:ext>
             </a:extLst>
           </p:cNvPr>
@@ -1842,7 +1842,7 @@
           <p:cNvPr id="8" name="頁尾版面配置區 7">
             <a:extLst>
               <a:ext uri="{FF2B5EF4-FFF2-40B4-BE49-F238E27FC236}">
-                <a16:creationId xmlns:a16="http://schemas.microsoft.com/office/drawing/2014/main" id="{7EDBF459-8927-F954-AB0F-D8D4DFCBEA82}"/>
+                <a16:creationId xmlns:a16="http://schemas.microsoft.com/office/drawing/2014/main" id="{56EA00FE-0307-83C1-7E73-5CD7DCA04CB6}"/>
               </a:ext>
             </a:extLst>
           </p:cNvPr>
@@ -1867,7 +1867,7 @@
           <p:cNvPr id="9" name="投影片編號版面配置區 8">
             <a:extLst>
               <a:ext uri="{FF2B5EF4-FFF2-40B4-BE49-F238E27FC236}">
-                <a16:creationId xmlns:a16="http://schemas.microsoft.com/office/drawing/2014/main" id="{FC8B9624-910F-E08C-2044-30C95BC21943}"/>
+                <a16:creationId xmlns:a16="http://schemas.microsoft.com/office/drawing/2014/main" id="{FE03BC3F-FD50-68C8-F1F5-0F943C6B94C7}"/>
               </a:ext>
             </a:extLst>
           </p:cNvPr>
@@ -1894,7 +1894,7 @@
     </p:spTree>
     <p:extLst>
       <p:ext uri="{BB962C8B-B14F-4D97-AF65-F5344CB8AC3E}">
-        <p14:creationId xmlns:p14="http://schemas.microsoft.com/office/powerpoint/2010/main" val="903460457"/>
+        <p14:creationId xmlns:p14="http://schemas.microsoft.com/office/powerpoint/2010/main" val="3480370601"/>
       </p:ext>
     </p:extLst>
   </p:cSld>
@@ -1926,7 +1926,7 @@
           <p:cNvPr id="2" name="標題 1">
             <a:extLst>
               <a:ext uri="{FF2B5EF4-FFF2-40B4-BE49-F238E27FC236}">
-                <a16:creationId xmlns:a16="http://schemas.microsoft.com/office/drawing/2014/main" id="{0B387D01-74A8-BC54-A20B-C5AE2D014352}"/>
+                <a16:creationId xmlns:a16="http://schemas.microsoft.com/office/drawing/2014/main" id="{7FE0A7B9-7B51-E5AF-53AF-0CECEFC4272F}"/>
               </a:ext>
             </a:extLst>
           </p:cNvPr>
@@ -1954,7 +1954,7 @@
           <p:cNvPr id="3" name="日期版面配置區 2">
             <a:extLst>
               <a:ext uri="{FF2B5EF4-FFF2-40B4-BE49-F238E27FC236}">
-                <a16:creationId xmlns:a16="http://schemas.microsoft.com/office/drawing/2014/main" id="{DC5CF14C-1875-340A-B6E4-2D95B9DA9F42}"/>
+                <a16:creationId xmlns:a16="http://schemas.microsoft.com/office/drawing/2014/main" id="{579F9668-DF98-C04C-5F68-6A201190A7E2}"/>
               </a:ext>
             </a:extLst>
           </p:cNvPr>
@@ -1983,7 +1983,7 @@
           <p:cNvPr id="4" name="頁尾版面配置區 3">
             <a:extLst>
               <a:ext uri="{FF2B5EF4-FFF2-40B4-BE49-F238E27FC236}">
-                <a16:creationId xmlns:a16="http://schemas.microsoft.com/office/drawing/2014/main" id="{934C13E2-7D53-687E-18C8-786FFBEC1E32}"/>
+                <a16:creationId xmlns:a16="http://schemas.microsoft.com/office/drawing/2014/main" id="{72882B0B-DD11-07CA-CD9E-ACDFEC88E818}"/>
               </a:ext>
             </a:extLst>
           </p:cNvPr>
@@ -2008,7 +2008,7 @@
           <p:cNvPr id="5" name="投影片編號版面配置區 4">
             <a:extLst>
               <a:ext uri="{FF2B5EF4-FFF2-40B4-BE49-F238E27FC236}">
-                <a16:creationId xmlns:a16="http://schemas.microsoft.com/office/drawing/2014/main" id="{0243851F-D5F9-DAF0-201D-95BBBDD14652}"/>
+                <a16:creationId xmlns:a16="http://schemas.microsoft.com/office/drawing/2014/main" id="{B0BB38BD-8CA3-C361-1ED3-B91BA33ED2D0}"/>
               </a:ext>
             </a:extLst>
           </p:cNvPr>
@@ -2035,7 +2035,7 @@
     </p:spTree>
     <p:extLst>
       <p:ext uri="{BB962C8B-B14F-4D97-AF65-F5344CB8AC3E}">
-        <p14:creationId xmlns:p14="http://schemas.microsoft.com/office/powerpoint/2010/main" val="2125533132"/>
+        <p14:creationId xmlns:p14="http://schemas.microsoft.com/office/powerpoint/2010/main" val="1206147329"/>
       </p:ext>
     </p:extLst>
   </p:cSld>
@@ -2067,7 +2067,7 @@
           <p:cNvPr id="2" name="日期版面配置區 1">
             <a:extLst>
               <a:ext uri="{FF2B5EF4-FFF2-40B4-BE49-F238E27FC236}">
-                <a16:creationId xmlns:a16="http://schemas.microsoft.com/office/drawing/2014/main" id="{57736C10-81D4-D0F5-C2E4-56973D0CEE01}"/>
+                <a16:creationId xmlns:a16="http://schemas.microsoft.com/office/drawing/2014/main" id="{2A0F5627-18FF-E724-988F-CBC33898CDF4}"/>
               </a:ext>
             </a:extLst>
           </p:cNvPr>
@@ -2096,7 +2096,7 @@
           <p:cNvPr id="3" name="頁尾版面配置區 2">
             <a:extLst>
               <a:ext uri="{FF2B5EF4-FFF2-40B4-BE49-F238E27FC236}">
-                <a16:creationId xmlns:a16="http://schemas.microsoft.com/office/drawing/2014/main" id="{6D2FF100-5D68-7584-A7E5-1C85BA6054A6}"/>
+                <a16:creationId xmlns:a16="http://schemas.microsoft.com/office/drawing/2014/main" id="{94C67AD3-9848-1D0B-5B55-E3A193204E76}"/>
               </a:ext>
             </a:extLst>
           </p:cNvPr>
@@ -2121,7 +2121,7 @@
           <p:cNvPr id="4" name="投影片編號版面配置區 3">
             <a:extLst>
               <a:ext uri="{FF2B5EF4-FFF2-40B4-BE49-F238E27FC236}">
-                <a16:creationId xmlns:a16="http://schemas.microsoft.com/office/drawing/2014/main" id="{168E0BCB-DF9B-E002-55DF-08C19EF73436}"/>
+                <a16:creationId xmlns:a16="http://schemas.microsoft.com/office/drawing/2014/main" id="{0D326B17-DC7D-D52C-2492-EA9C99D50F76}"/>
               </a:ext>
             </a:extLst>
           </p:cNvPr>
@@ -2148,7 +2148,7 @@
     </p:spTree>
     <p:extLst>
       <p:ext uri="{BB962C8B-B14F-4D97-AF65-F5344CB8AC3E}">
-        <p14:creationId xmlns:p14="http://schemas.microsoft.com/office/powerpoint/2010/main" val="4129818819"/>
+        <p14:creationId xmlns:p14="http://schemas.microsoft.com/office/powerpoint/2010/main" val="1501712973"/>
       </p:ext>
     </p:extLst>
   </p:cSld>
@@ -2180,7 +2180,7 @@
           <p:cNvPr id="2" name="標題 1">
             <a:extLst>
               <a:ext uri="{FF2B5EF4-FFF2-40B4-BE49-F238E27FC236}">
-                <a16:creationId xmlns:a16="http://schemas.microsoft.com/office/drawing/2014/main" id="{0DD67FDB-A165-2125-ED95-6F0F5721FD02}"/>
+                <a16:creationId xmlns:a16="http://schemas.microsoft.com/office/drawing/2014/main" id="{1832E654-2B89-65ED-D351-CE35559740AA}"/>
               </a:ext>
             </a:extLst>
           </p:cNvPr>
@@ -2217,7 +2217,7 @@
           <p:cNvPr id="3" name="內容版面配置區 2">
             <a:extLst>
               <a:ext uri="{FF2B5EF4-FFF2-40B4-BE49-F238E27FC236}">
-                <a16:creationId xmlns:a16="http://schemas.microsoft.com/office/drawing/2014/main" id="{0E3C7670-1DBA-E884-4266-E5FC1876E2F9}"/>
+                <a16:creationId xmlns:a16="http://schemas.microsoft.com/office/drawing/2014/main" id="{7C2BAD67-8AD2-597E-5BFE-D4FA5D5955E5}"/>
               </a:ext>
             </a:extLst>
           </p:cNvPr>
@@ -2307,7 +2307,7 @@
           <p:cNvPr id="4" name="文字版面配置區 3">
             <a:extLst>
               <a:ext uri="{FF2B5EF4-FFF2-40B4-BE49-F238E27FC236}">
-                <a16:creationId xmlns:a16="http://schemas.microsoft.com/office/drawing/2014/main" id="{ACF0C56D-7322-84DD-E834-C7E09DBAD358}"/>
+                <a16:creationId xmlns:a16="http://schemas.microsoft.com/office/drawing/2014/main" id="{8326AB52-7A12-84D2-FEAB-AE02294E83F0}"/>
               </a:ext>
             </a:extLst>
           </p:cNvPr>
@@ -2378,7 +2378,7 @@
           <p:cNvPr id="5" name="日期版面配置區 4">
             <a:extLst>
               <a:ext uri="{FF2B5EF4-FFF2-40B4-BE49-F238E27FC236}">
-                <a16:creationId xmlns:a16="http://schemas.microsoft.com/office/drawing/2014/main" id="{9979C793-1C62-82AD-04D9-020D178E6E6D}"/>
+                <a16:creationId xmlns:a16="http://schemas.microsoft.com/office/drawing/2014/main" id="{D8C8E147-F87B-CC0E-5E5E-51FD9910D904}"/>
               </a:ext>
             </a:extLst>
           </p:cNvPr>
@@ -2407,7 +2407,7 @@
           <p:cNvPr id="6" name="頁尾版面配置區 5">
             <a:extLst>
               <a:ext uri="{FF2B5EF4-FFF2-40B4-BE49-F238E27FC236}">
-                <a16:creationId xmlns:a16="http://schemas.microsoft.com/office/drawing/2014/main" id="{22F3AEB5-25F5-2B88-59A5-B235CD97CF8A}"/>
+                <a16:creationId xmlns:a16="http://schemas.microsoft.com/office/drawing/2014/main" id="{6F48E105-5D84-1118-7BE1-00CC244A347A}"/>
               </a:ext>
             </a:extLst>
           </p:cNvPr>
@@ -2432,7 +2432,7 @@
           <p:cNvPr id="7" name="投影片編號版面配置區 6">
             <a:extLst>
               <a:ext uri="{FF2B5EF4-FFF2-40B4-BE49-F238E27FC236}">
-                <a16:creationId xmlns:a16="http://schemas.microsoft.com/office/drawing/2014/main" id="{FE896C10-9E7C-B348-9E4C-A15DEA81DD61}"/>
+                <a16:creationId xmlns:a16="http://schemas.microsoft.com/office/drawing/2014/main" id="{99F99E03-C81F-2CAD-F474-8470DB6A73C4}"/>
               </a:ext>
             </a:extLst>
           </p:cNvPr>
@@ -2459,7 +2459,7 @@
     </p:spTree>
     <p:extLst>
       <p:ext uri="{BB962C8B-B14F-4D97-AF65-F5344CB8AC3E}">
-        <p14:creationId xmlns:p14="http://schemas.microsoft.com/office/powerpoint/2010/main" val="2687857798"/>
+        <p14:creationId xmlns:p14="http://schemas.microsoft.com/office/powerpoint/2010/main" val="2413335332"/>
       </p:ext>
     </p:extLst>
   </p:cSld>
@@ -2491,7 +2491,7 @@
           <p:cNvPr id="2" name="標題 1">
             <a:extLst>
               <a:ext uri="{FF2B5EF4-FFF2-40B4-BE49-F238E27FC236}">
-                <a16:creationId xmlns:a16="http://schemas.microsoft.com/office/drawing/2014/main" id="{48677A05-7AF8-D834-6732-DC4A4B060A24}"/>
+                <a16:creationId xmlns:a16="http://schemas.microsoft.com/office/drawing/2014/main" id="{A3DC0DEA-7B7C-75E6-D9DF-317AE5438CC5}"/>
               </a:ext>
             </a:extLst>
           </p:cNvPr>
@@ -2528,7 +2528,7 @@
           <p:cNvPr id="3" name="圖片版面配置區 2">
             <a:extLst>
               <a:ext uri="{FF2B5EF4-FFF2-40B4-BE49-F238E27FC236}">
-                <a16:creationId xmlns:a16="http://schemas.microsoft.com/office/drawing/2014/main" id="{D03E5349-A6F4-9807-BE9D-A90394936EF2}"/>
+                <a16:creationId xmlns:a16="http://schemas.microsoft.com/office/drawing/2014/main" id="{6E00F0B4-1602-58E4-5865-DB98167E29E0}"/>
               </a:ext>
             </a:extLst>
           </p:cNvPr>
@@ -2595,7 +2595,7 @@
           <p:cNvPr id="4" name="文字版面配置區 3">
             <a:extLst>
               <a:ext uri="{FF2B5EF4-FFF2-40B4-BE49-F238E27FC236}">
-                <a16:creationId xmlns:a16="http://schemas.microsoft.com/office/drawing/2014/main" id="{7A522562-A655-2DD5-5AA6-C8321B7B10BA}"/>
+                <a16:creationId xmlns:a16="http://schemas.microsoft.com/office/drawing/2014/main" id="{630B1E91-F014-275A-6E4D-F4619C4EACCA}"/>
               </a:ext>
             </a:extLst>
           </p:cNvPr>
@@ -2666,7 +2666,7 @@
           <p:cNvPr id="5" name="日期版面配置區 4">
             <a:extLst>
               <a:ext uri="{FF2B5EF4-FFF2-40B4-BE49-F238E27FC236}">
-                <a16:creationId xmlns:a16="http://schemas.microsoft.com/office/drawing/2014/main" id="{0EE5FAF4-1880-3251-ECF1-9C631CDAD6DC}"/>
+                <a16:creationId xmlns:a16="http://schemas.microsoft.com/office/drawing/2014/main" id="{105BBF16-F7F1-6D05-9950-CF86326C6705}"/>
               </a:ext>
             </a:extLst>
           </p:cNvPr>
@@ -2695,7 +2695,7 @@
           <p:cNvPr id="6" name="頁尾版面配置區 5">
             <a:extLst>
               <a:ext uri="{FF2B5EF4-FFF2-40B4-BE49-F238E27FC236}">
-                <a16:creationId xmlns:a16="http://schemas.microsoft.com/office/drawing/2014/main" id="{FEC71061-E506-D22B-5E24-EC293C91D68F}"/>
+                <a16:creationId xmlns:a16="http://schemas.microsoft.com/office/drawing/2014/main" id="{47386E12-750C-63B9-4687-B9837FD0CCA5}"/>
               </a:ext>
             </a:extLst>
           </p:cNvPr>
@@ -2720,7 +2720,7 @@
           <p:cNvPr id="7" name="投影片編號版面配置區 6">
             <a:extLst>
               <a:ext uri="{FF2B5EF4-FFF2-40B4-BE49-F238E27FC236}">
-                <a16:creationId xmlns:a16="http://schemas.microsoft.com/office/drawing/2014/main" id="{21FBE18B-B19A-188E-18C9-AD73579C1C2D}"/>
+                <a16:creationId xmlns:a16="http://schemas.microsoft.com/office/drawing/2014/main" id="{A6F8760F-6180-702F-8D3C-810B6787A8E9}"/>
               </a:ext>
             </a:extLst>
           </p:cNvPr>
@@ -2747,7 +2747,7 @@
     </p:spTree>
     <p:extLst>
       <p:ext uri="{BB962C8B-B14F-4D97-AF65-F5344CB8AC3E}">
-        <p14:creationId xmlns:p14="http://schemas.microsoft.com/office/powerpoint/2010/main" val="2086239555"/>
+        <p14:creationId xmlns:p14="http://schemas.microsoft.com/office/powerpoint/2010/main" val="4191477089"/>
       </p:ext>
     </p:extLst>
   </p:cSld>
@@ -2784,7 +2784,7 @@
           <p:cNvPr id="2" name="標題版面配置區 1">
             <a:extLst>
               <a:ext uri="{FF2B5EF4-FFF2-40B4-BE49-F238E27FC236}">
-                <a16:creationId xmlns:a16="http://schemas.microsoft.com/office/drawing/2014/main" id="{6E596F99-C06D-762B-6BDF-690DC64DD67A}"/>
+                <a16:creationId xmlns:a16="http://schemas.microsoft.com/office/drawing/2014/main" id="{D9D9DDFC-77FF-E031-9D2A-8F3BD8DEEE61}"/>
               </a:ext>
             </a:extLst>
           </p:cNvPr>
@@ -2822,7 +2822,7 @@
           <p:cNvPr id="3" name="文字版面配置區 2">
             <a:extLst>
               <a:ext uri="{FF2B5EF4-FFF2-40B4-BE49-F238E27FC236}">
-                <a16:creationId xmlns:a16="http://schemas.microsoft.com/office/drawing/2014/main" id="{7D187FF2-3F0A-4D5F-87E7-7E36E3605B15}"/>
+                <a16:creationId xmlns:a16="http://schemas.microsoft.com/office/drawing/2014/main" id="{F1C614A0-31D7-59DA-A816-A2F72BFAD3DD}"/>
               </a:ext>
             </a:extLst>
           </p:cNvPr>
@@ -2889,7 +2889,7 @@
           <p:cNvPr id="4" name="日期版面配置區 3">
             <a:extLst>
               <a:ext uri="{FF2B5EF4-FFF2-40B4-BE49-F238E27FC236}">
-                <a16:creationId xmlns:a16="http://schemas.microsoft.com/office/drawing/2014/main" id="{A48D6EF7-F44C-01F1-5D4A-69065E4A064B}"/>
+                <a16:creationId xmlns:a16="http://schemas.microsoft.com/office/drawing/2014/main" id="{4D14F80D-4A2B-1CE8-441A-3F346D38EB7D}"/>
               </a:ext>
             </a:extLst>
           </p:cNvPr>
@@ -2936,7 +2936,7 @@
           <p:cNvPr id="5" name="頁尾版面配置區 4">
             <a:extLst>
               <a:ext uri="{FF2B5EF4-FFF2-40B4-BE49-F238E27FC236}">
-                <a16:creationId xmlns:a16="http://schemas.microsoft.com/office/drawing/2014/main" id="{26A88AE2-9597-1397-9DD9-C7474F81E962}"/>
+                <a16:creationId xmlns:a16="http://schemas.microsoft.com/office/drawing/2014/main" id="{B7E9973B-1757-0D8B-196F-E6F453AAF9C1}"/>
               </a:ext>
             </a:extLst>
           </p:cNvPr>
@@ -2979,7 +2979,7 @@
           <p:cNvPr id="6" name="投影片編號版面配置區 5">
             <a:extLst>
               <a:ext uri="{FF2B5EF4-FFF2-40B4-BE49-F238E27FC236}">
-                <a16:creationId xmlns:a16="http://schemas.microsoft.com/office/drawing/2014/main" id="{26D3786A-F4B5-0497-D82A-CC018DD97037}"/>
+                <a16:creationId xmlns:a16="http://schemas.microsoft.com/office/drawing/2014/main" id="{4AFBE7EC-F329-5301-57D3-D0F373AA8604}"/>
               </a:ext>
             </a:extLst>
           </p:cNvPr>
@@ -3024,23 +3024,23 @@
     </p:spTree>
     <p:extLst>
       <p:ext uri="{BB962C8B-B14F-4D97-AF65-F5344CB8AC3E}">
-        <p14:creationId xmlns:p14="http://schemas.microsoft.com/office/powerpoint/2010/main" val="3149831227"/>
+        <p14:creationId xmlns:p14="http://schemas.microsoft.com/office/powerpoint/2010/main" val="1763592463"/>
       </p:ext>
     </p:extLst>
   </p:cSld>
   <p:clrMap bg1="lt1" tx1="dk1" bg2="lt2" tx2="dk2" accent1="accent1" accent2="accent2" accent3="accent3" accent4="accent4" accent5="accent5" accent6="accent6" hlink="hlink" folHlink="folHlink"/>
   <p:sldLayoutIdLst>
-    <p:sldLayoutId id="2147483719" r:id="rId1"/>
-    <p:sldLayoutId id="2147483720" r:id="rId2"/>
-    <p:sldLayoutId id="2147483721" r:id="rId3"/>
-    <p:sldLayoutId id="2147483722" r:id="rId4"/>
-    <p:sldLayoutId id="2147483723" r:id="rId5"/>
-    <p:sldLayoutId id="2147483724" r:id="rId6"/>
-    <p:sldLayoutId id="2147483725" r:id="rId7"/>
-    <p:sldLayoutId id="2147483726" r:id="rId8"/>
-    <p:sldLayoutId id="2147483727" r:id="rId9"/>
-    <p:sldLayoutId id="2147483728" r:id="rId10"/>
-    <p:sldLayoutId id="2147483729" r:id="rId11"/>
+    <p:sldLayoutId id="2147483772" r:id="rId1"/>
+    <p:sldLayoutId id="2147483773" r:id="rId2"/>
+    <p:sldLayoutId id="2147483774" r:id="rId3"/>
+    <p:sldLayoutId id="2147483775" r:id="rId4"/>
+    <p:sldLayoutId id="2147483776" r:id="rId5"/>
+    <p:sldLayoutId id="2147483777" r:id="rId6"/>
+    <p:sldLayoutId id="2147483778" r:id="rId7"/>
+    <p:sldLayoutId id="2147483779" r:id="rId8"/>
+    <p:sldLayoutId id="2147483780" r:id="rId9"/>
+    <p:sldLayoutId id="2147483781" r:id="rId10"/>
+    <p:sldLayoutId id="2147483782" r:id="rId11"/>
   </p:sldLayoutIdLst>
   <p:txStyles>
     <p:titleStyle>
@@ -4329,14 +4329,14 @@
           <p:nvPr>
             <p:extLst>
               <p:ext uri="{D42A27DB-BD31-4B8C-83A1-F6EECF244321}">
-                <p14:modId xmlns:p14="http://schemas.microsoft.com/office/powerpoint/2010/main" val="1710298983"/>
+                <p14:modId xmlns:p14="http://schemas.microsoft.com/office/powerpoint/2010/main" val="2899640137"/>
               </p:ext>
             </p:extLst>
           </p:nvPr>
         </p:nvGraphicFramePr>
         <p:xfrm>
-          <a:off x="1479240" y="2933286"/>
-          <a:ext cx="9874560" cy="3114040"/>
+          <a:off x="1479239" y="2933286"/>
+          <a:ext cx="10258671" cy="3388360"/>
         </p:xfrm>
         <a:graphic>
           <a:graphicData uri="http://schemas.openxmlformats.org/drawingml/2006/table">
@@ -4345,21 +4345,21 @@
                 <a:tableStyleId>{5940675A-B579-460E-94D1-54222C63F5DA}</a:tableStyleId>
               </a:tblPr>
               <a:tblGrid>
-                <a:gridCol w="2959223">
+                <a:gridCol w="3074334">
                   <a:extLst>
                     <a:ext uri="{9D8B030D-6E8A-4147-A177-3AD203B41FA5}">
                       <a16:colId xmlns:a16="http://schemas.microsoft.com/office/drawing/2014/main" val="3062068515"/>
                     </a:ext>
                   </a:extLst>
                 </a:gridCol>
-                <a:gridCol w="1244503">
+                <a:gridCol w="1292913">
                   <a:extLst>
                     <a:ext uri="{9D8B030D-6E8A-4147-A177-3AD203B41FA5}">
                       <a16:colId xmlns:a16="http://schemas.microsoft.com/office/drawing/2014/main" val="2365152458"/>
                     </a:ext>
                   </a:extLst>
                 </a:gridCol>
-                <a:gridCol w="5670834">
+                <a:gridCol w="5891424">
                   <a:extLst>
                     <a:ext uri="{9D8B030D-6E8A-4147-A177-3AD203B41FA5}">
                       <a16:colId xmlns:a16="http://schemas.microsoft.com/office/drawing/2014/main" val="2173993281"/>
@@ -4432,7 +4432,7 @@
                     <a:p>
                       <a:pPr>
                         <a:lnSpc>
-                          <a:spcPct val="200000"/>
+                          <a:spcPct val="300000"/>
                         </a:lnSpc>
                       </a:pPr>
                       <a:r>
@@ -4480,19 +4480,123 @@
                     <a:bodyPr/>
                     <a:lstStyle/>
                     <a:p>
-                      <a:r>
-                        <a:rPr lang="en-US" altLang="zh-TW" dirty="0" err="1">
-                          <a:latin typeface="Times New Roman" panose="02020603050405020304" pitchFamily="18" charset="0"/>
-                          <a:cs typeface="Times New Roman" panose="02020603050405020304" pitchFamily="18" charset="0"/>
-                        </a:rPr>
-                        <a:t>clk</a:t>
-                      </a:r>
+                      <a:pPr marL="0" marR="0" lvl="0" indent="0" algn="just" defTabSz="914400" rtl="0" eaLnBrk="1" fontAlgn="auto" latinLnBrk="0" hangingPunct="1">
+                        <a:lnSpc>
+                          <a:spcPct val="100000"/>
+                        </a:lnSpc>
+                        <a:spcBef>
+                          <a:spcPts val="0"/>
+                        </a:spcBef>
+                        <a:spcAft>
+                          <a:spcPts val="0"/>
+                        </a:spcAft>
+                        <a:buClrTx/>
+                        <a:buSzTx/>
+                        <a:buFontTx/>
+                        <a:buNone/>
+                        <a:tabLst/>
+                        <a:defRPr/>
+                      </a:pPr>
                       <a:r>
                         <a:rPr lang="zh-TW" altLang="en-US" dirty="0">
                           <a:latin typeface="標楷體" panose="03000509000000000000" pitchFamily="65" charset="-120"/>
                           <a:ea typeface="標楷體" panose="03000509000000000000" pitchFamily="65" charset="-120"/>
-                        </a:rPr>
-                        <a:t>每正緣觸發一次此記數器便會加一</a:t>
+                          <a:cs typeface="Times New Roman" panose="02020603050405020304" pitchFamily="18" charset="0"/>
+                        </a:rPr>
+                        <a:t>當</a:t>
+                      </a:r>
+                      <a:r>
+                        <a:rPr lang="en-US" altLang="zh-TW" dirty="0" err="1">
+                          <a:latin typeface="Times New Roman" panose="02020603050405020304" pitchFamily="18" charset="0"/>
+                          <a:ea typeface="標楷體" panose="03000509000000000000" pitchFamily="65" charset="-120"/>
+                          <a:cs typeface="Times New Roman" panose="02020603050405020304" pitchFamily="18" charset="0"/>
+                        </a:rPr>
+                        <a:t>so_valid</a:t>
+                      </a:r>
+                      <a:r>
+                        <a:rPr lang="zh-TW" altLang="en-US" dirty="0">
+                          <a:latin typeface="標楷體" panose="03000509000000000000" pitchFamily="65" charset="-120"/>
+                          <a:ea typeface="標楷體" panose="03000509000000000000" pitchFamily="65" charset="-120"/>
+                          <a:cs typeface="Times New Roman" panose="02020603050405020304" pitchFamily="18" charset="0"/>
+                        </a:rPr>
+                        <a:t>等於</a:t>
+                      </a:r>
+                      <a:r>
+                        <a:rPr lang="en-US" altLang="zh-TW" dirty="0">
+                          <a:latin typeface="Times New Roman" panose="02020603050405020304" pitchFamily="18" charset="0"/>
+                          <a:ea typeface="標楷體" panose="03000509000000000000" pitchFamily="65" charset="-120"/>
+                          <a:cs typeface="Times New Roman" panose="02020603050405020304" pitchFamily="18" charset="0"/>
+                        </a:rPr>
+                        <a:t>1</a:t>
+                      </a:r>
+                      <a:r>
+                        <a:rPr lang="zh-TW" altLang="en-US" dirty="0">
+                          <a:latin typeface="標楷體" panose="03000509000000000000" pitchFamily="65" charset="-120"/>
+                          <a:ea typeface="標楷體" panose="03000509000000000000" pitchFamily="65" charset="-120"/>
+                          <a:cs typeface="Times New Roman" panose="02020603050405020304" pitchFamily="18" charset="0"/>
+                        </a:rPr>
+                        <a:t>時表示有序列資料正在輸出到</a:t>
+                      </a:r>
+                      <a:r>
+                        <a:rPr lang="en-US" altLang="zh-TW" dirty="0">
+                          <a:latin typeface="Times New Roman" panose="02020603050405020304" pitchFamily="18" charset="0"/>
+                          <a:ea typeface="標楷體" panose="03000509000000000000" pitchFamily="65" charset="-120"/>
+                          <a:cs typeface="Times New Roman" panose="02020603050405020304" pitchFamily="18" charset="0"/>
+                        </a:rPr>
+                        <a:t>DAC</a:t>
+                      </a:r>
+                      <a:r>
+                        <a:rPr lang="zh-TW" altLang="en-US" dirty="0">
+                          <a:latin typeface="Times New Roman" panose="02020603050405020304" pitchFamily="18" charset="0"/>
+                          <a:ea typeface="標楷體" panose="03000509000000000000" pitchFamily="65" charset="-120"/>
+                          <a:cs typeface="Times New Roman" panose="02020603050405020304" pitchFamily="18" charset="0"/>
+                        </a:rPr>
+                        <a:t>電路</a:t>
+                      </a:r>
+                      <a:r>
+                        <a:rPr lang="zh-TW" altLang="en-US" sz="1800" dirty="0">
+                          <a:latin typeface="標楷體" panose="03000509000000000000" pitchFamily="65" charset="-120"/>
+                          <a:ea typeface="標楷體" panose="03000509000000000000" pitchFamily="65" charset="-120"/>
+                          <a:cs typeface="Times New Roman" panose="02020603050405020304" pitchFamily="18" charset="0"/>
+                        </a:rPr>
+                        <a:t>，則</a:t>
+                      </a:r>
+                      <a:r>
+                        <a:rPr lang="en-US" altLang="zh-TW" dirty="0">
+                          <a:latin typeface="Times New Roman" panose="02020603050405020304" pitchFamily="18" charset="0"/>
+                          <a:ea typeface="標楷體" panose="03000509000000000000" pitchFamily="65" charset="-120"/>
+                          <a:cs typeface="Times New Roman" panose="02020603050405020304" pitchFamily="18" charset="0"/>
+                        </a:rPr>
+                        <a:t>mem counter</a:t>
+                      </a:r>
+                      <a:r>
+                        <a:rPr lang="zh-TW" altLang="en-US" dirty="0">
+                          <a:latin typeface="標楷體" panose="03000509000000000000" pitchFamily="65" charset="-120"/>
+                          <a:ea typeface="標楷體" panose="03000509000000000000" pitchFamily="65" charset="-120"/>
+                          <a:cs typeface="Times New Roman" panose="02020603050405020304" pitchFamily="18" charset="0"/>
+                        </a:rPr>
+                        <a:t>會以</a:t>
+                      </a:r>
+                      <a:r>
+                        <a:rPr lang="en-US" altLang="zh-TW" dirty="0" err="1">
+                          <a:latin typeface="Times New Roman" panose="02020603050405020304" pitchFamily="18" charset="0"/>
+                          <a:cs typeface="Times New Roman" panose="02020603050405020304" pitchFamily="18" charset="0"/>
+                        </a:rPr>
+                        <a:t>clk</a:t>
+                      </a:r>
+                      <a:r>
+                        <a:rPr lang="zh-TW" altLang="en-US" dirty="0">
+                          <a:latin typeface="標楷體" panose="03000509000000000000" pitchFamily="65" charset="-120"/>
+                          <a:ea typeface="標楷體" panose="03000509000000000000" pitchFamily="65" charset="-120"/>
+                        </a:rPr>
+                        <a:t>每正緣觸發一次就加</a:t>
+                      </a:r>
+                      <a:r>
+                        <a:rPr lang="en-US" altLang="zh-TW" dirty="0">
+                          <a:latin typeface="標楷體" panose="03000509000000000000" pitchFamily="65" charset="-120"/>
+                          <a:ea typeface="標楷體" panose="03000509000000000000" pitchFamily="65" charset="-120"/>
+                        </a:rPr>
+                        <a:t>1</a:t>
                       </a:r>
                       <a:r>
                         <a:rPr lang="zh-TW" altLang="en-US" sz="1800" dirty="0">
@@ -4611,7 +4715,7 @@
                     <a:bodyPr/>
                     <a:lstStyle/>
                     <a:p>
-                      <a:pPr marL="0" marR="0" lvl="0" indent="0" algn="l" defTabSz="914400" rtl="0" eaLnBrk="1" fontAlgn="auto" latinLnBrk="0" hangingPunct="1">
+                      <a:pPr marL="0" marR="0" lvl="0" indent="0" algn="just" defTabSz="914400" rtl="0" eaLnBrk="1" fontAlgn="auto" latinLnBrk="0" hangingPunct="1">
                         <a:lnSpc>
                           <a:spcPct val="100000"/>
                         </a:lnSpc>
@@ -4829,7 +4933,7 @@
                     <a:bodyPr/>
                     <a:lstStyle/>
                     <a:p>
-                      <a:pPr marL="0" marR="0" lvl="0" indent="0" algn="l" defTabSz="914400" rtl="0" eaLnBrk="1" fontAlgn="auto" latinLnBrk="0" hangingPunct="1">
+                      <a:pPr marL="0" marR="0" lvl="0" indent="0" algn="just" defTabSz="914400" rtl="0" eaLnBrk="1" fontAlgn="auto" latinLnBrk="0" hangingPunct="1">
                         <a:lnSpc>
                           <a:spcPct val="100000"/>
                         </a:lnSpc>
@@ -5457,7 +5561,7 @@
           <p:nvPr>
             <p:extLst>
               <p:ext uri="{D42A27DB-BD31-4B8C-83A1-F6EECF244321}">
-                <p14:modId xmlns:p14="http://schemas.microsoft.com/office/powerpoint/2010/main" val="1500340934"/>
+                <p14:modId xmlns:p14="http://schemas.microsoft.com/office/powerpoint/2010/main" val="784441790"/>
               </p:ext>
             </p:extLst>
           </p:nvPr>
@@ -5609,6 +5713,7 @@
                     <a:bodyPr/>
                     <a:lstStyle/>
                     <a:p>
+                      <a:pPr algn="just"/>
                       <a:r>
                         <a:rPr lang="en-US" altLang="zh-TW" sz="1800" dirty="0">
                           <a:latin typeface="Times New Roman" panose="02020603050405020304" pitchFamily="18" charset="0"/>
@@ -6087,13 +6192,14 @@
           </a:bodyPr>
           <a:lstStyle/>
           <a:p>
+            <a:pPr algn="just"/>
             <a:r>
               <a:rPr lang="en-US" altLang="zh-TW" dirty="0">
                 <a:latin typeface="Times New Roman" panose="02020603050405020304" pitchFamily="18" charset="0"/>
                 <a:ea typeface="標楷體" panose="03000509000000000000" pitchFamily="65" charset="-120"/>
                 <a:cs typeface="Times New Roman" panose="02020603050405020304" pitchFamily="18" charset="0"/>
               </a:rPr>
-              <a:t>Reset</a:t>
+              <a:t>reset</a:t>
             </a:r>
             <a:r>
               <a:rPr lang="zh-TW" altLang="en-US" dirty="0">
@@ -6470,6 +6576,7 @@
           </a:bodyPr>
           <a:lstStyle/>
           <a:p>
+            <a:pPr algn="just"/>
             <a:r>
               <a:rPr lang="zh-TW" altLang="en-US" sz="2800" dirty="0">
                 <a:latin typeface="Times New Roman" panose="02020603050405020304" pitchFamily="18" charset="0"/>
@@ -6901,14 +7008,6 @@
                 <a:cs typeface="Times New Roman" panose="02020603050405020304" pitchFamily="18" charset="0"/>
               </a:rPr>
               <a:t>clk</a:t>
-            </a:r>
-            <a:r>
-              <a:rPr lang="zh-TW" altLang="en-US" sz="2800" dirty="0">
-                <a:latin typeface="Times New Roman" panose="02020603050405020304" pitchFamily="18" charset="0"/>
-                <a:ea typeface="標楷體" panose="03000509000000000000" pitchFamily="65" charset="-120"/>
-                <a:cs typeface="Times New Roman" panose="02020603050405020304" pitchFamily="18" charset="0"/>
-              </a:rPr>
-              <a:t>，</a:t>
             </a:r>
             <a:r>
               <a:rPr lang="zh-TW" altLang="en-US" sz="2800" baseline="0" dirty="0">
@@ -7203,6 +7302,143 @@
           </a:p>
         </p:txBody>
       </p:sp>
+      <p:sp>
+        <p:nvSpPr>
+          <p:cNvPr id="15" name="內容版面配置區 2">
+            <a:extLst>
+              <a:ext uri="{FF2B5EF4-FFF2-40B4-BE49-F238E27FC236}">
+                <a16:creationId xmlns:a16="http://schemas.microsoft.com/office/drawing/2014/main" id="{6F4BE004-9F90-AEDB-B643-F753C4038D46}"/>
+              </a:ext>
+            </a:extLst>
+          </p:cNvPr>
+          <p:cNvSpPr>
+            <a:spLocks noGrp="1"/>
+          </p:cNvSpPr>
+          <p:nvPr>
+            <p:ph idx="1"/>
+          </p:nvPr>
+        </p:nvSpPr>
+        <p:spPr>
+          <a:xfrm>
+            <a:off x="838200" y="883717"/>
+            <a:ext cx="10515600" cy="909572"/>
+          </a:xfrm>
+        </p:spPr>
+        <p:txBody>
+          <a:bodyPr>
+            <a:noAutofit/>
+          </a:bodyPr>
+          <a:lstStyle/>
+          <a:p>
+            <a:pPr algn="just"/>
+            <a:r>
+              <a:rPr lang="en-US" altLang="zh-TW" sz="2800" dirty="0" err="1">
+                <a:latin typeface="Times New Roman" panose="02020603050405020304" pitchFamily="18" charset="0"/>
+                <a:ea typeface="標楷體" panose="03000509000000000000" pitchFamily="65" charset="-120"/>
+                <a:cs typeface="Times New Roman" panose="02020603050405020304" pitchFamily="18" charset="0"/>
+              </a:rPr>
+              <a:t>oem_addr</a:t>
+            </a:r>
+            <a:r>
+              <a:rPr lang="en-US" altLang="zh-TW" sz="2800" dirty="0">
+                <a:latin typeface="Times New Roman" panose="02020603050405020304" pitchFamily="18" charset="0"/>
+                <a:ea typeface="標楷體" panose="03000509000000000000" pitchFamily="65" charset="-120"/>
+                <a:cs typeface="Times New Roman" panose="02020603050405020304" pitchFamily="18" charset="0"/>
+              </a:rPr>
+              <a:t>=0</a:t>
+            </a:r>
+            <a:r>
+              <a:rPr lang="zh-TW" altLang="en-US" sz="2800" dirty="0">
+                <a:latin typeface="Times New Roman" panose="02020603050405020304" pitchFamily="18" charset="0"/>
+                <a:ea typeface="標楷體" panose="03000509000000000000" pitchFamily="65" charset="-120"/>
+                <a:cs typeface="Times New Roman" panose="02020603050405020304" pitchFamily="18" charset="0"/>
+              </a:rPr>
+              <a:t>時各有一個記憶體的</a:t>
+            </a:r>
+            <a:r>
+              <a:rPr lang="en-US" altLang="zh-TW" sz="2800" dirty="0" err="1">
+                <a:latin typeface="Times New Roman" panose="02020603050405020304" pitchFamily="18" charset="0"/>
+                <a:ea typeface="標楷體" panose="03000509000000000000" pitchFamily="65" charset="-120"/>
+                <a:cs typeface="Times New Roman" panose="02020603050405020304" pitchFamily="18" charset="0"/>
+              </a:rPr>
+              <a:t>wr</a:t>
+            </a:r>
+            <a:r>
+              <a:rPr lang="zh-TW" altLang="en-US" sz="2800" dirty="0">
+                <a:latin typeface="Times New Roman" panose="02020603050405020304" pitchFamily="18" charset="0"/>
+                <a:ea typeface="標楷體" panose="03000509000000000000" pitchFamily="65" charset="-120"/>
+                <a:cs typeface="Times New Roman" panose="02020603050405020304" pitchFamily="18" charset="0"/>
+              </a:rPr>
+              <a:t>訊號設成</a:t>
+            </a:r>
+            <a:r>
+              <a:rPr lang="en-US" altLang="zh-TW" sz="2800" dirty="0">
+                <a:latin typeface="Times New Roman" panose="02020603050405020304" pitchFamily="18" charset="0"/>
+                <a:ea typeface="標楷體" panose="03000509000000000000" pitchFamily="65" charset="-120"/>
+                <a:cs typeface="Times New Roman" panose="02020603050405020304" pitchFamily="18" charset="0"/>
+              </a:rPr>
+              <a:t>1</a:t>
+            </a:r>
+            <a:r>
+              <a:rPr lang="zh-TW" altLang="en-US" sz="2800" dirty="0">
+                <a:latin typeface="Times New Roman" panose="02020603050405020304" pitchFamily="18" charset="0"/>
+                <a:ea typeface="標楷體" panose="03000509000000000000" pitchFamily="65" charset="-120"/>
+                <a:cs typeface="Times New Roman" panose="02020603050405020304" pitchFamily="18" charset="0"/>
+              </a:rPr>
+              <a:t>，</a:t>
+            </a:r>
+            <a:r>
+              <a:rPr lang="en-US" altLang="zh-TW" sz="2800" dirty="0" err="1">
+                <a:latin typeface="Times New Roman" panose="02020603050405020304" pitchFamily="18" charset="0"/>
+                <a:ea typeface="標楷體" panose="03000509000000000000" pitchFamily="65" charset="-120"/>
+                <a:cs typeface="Times New Roman" panose="02020603050405020304" pitchFamily="18" charset="0"/>
+              </a:rPr>
+              <a:t>oem_addr</a:t>
+            </a:r>
+            <a:r>
+              <a:rPr lang="zh-TW" altLang="en-US" sz="2800" dirty="0">
+                <a:latin typeface="Times New Roman" panose="02020603050405020304" pitchFamily="18" charset="0"/>
+                <a:ea typeface="標楷體" panose="03000509000000000000" pitchFamily="65" charset="-120"/>
+                <a:cs typeface="Times New Roman" panose="02020603050405020304" pitchFamily="18" charset="0"/>
+              </a:rPr>
+              <a:t>每數一次就會各有一個</a:t>
+            </a:r>
+            <a:r>
+              <a:rPr lang="en-US" altLang="zh-TW" sz="2800" dirty="0" err="1">
+                <a:latin typeface="Times New Roman" panose="02020603050405020304" pitchFamily="18" charset="0"/>
+                <a:ea typeface="標楷體" panose="03000509000000000000" pitchFamily="65" charset="-120"/>
+                <a:cs typeface="Times New Roman" panose="02020603050405020304" pitchFamily="18" charset="0"/>
+              </a:rPr>
+              <a:t>wr</a:t>
+            </a:r>
+            <a:r>
+              <a:rPr lang="zh-TW" altLang="en-US" sz="2800" dirty="0">
+                <a:latin typeface="Times New Roman" panose="02020603050405020304" pitchFamily="18" charset="0"/>
+                <a:ea typeface="標楷體" panose="03000509000000000000" pitchFamily="65" charset="-120"/>
+                <a:cs typeface="Times New Roman" panose="02020603050405020304" pitchFamily="18" charset="0"/>
+              </a:rPr>
+              <a:t>訊號設成</a:t>
+            </a:r>
+            <a:r>
+              <a:rPr lang="en-US" altLang="zh-TW" sz="2800" dirty="0">
+                <a:latin typeface="Times New Roman" panose="02020603050405020304" pitchFamily="18" charset="0"/>
+                <a:ea typeface="標楷體" panose="03000509000000000000" pitchFamily="65" charset="-120"/>
+                <a:cs typeface="Times New Roman" panose="02020603050405020304" pitchFamily="18" charset="0"/>
+              </a:rPr>
+              <a:t>1</a:t>
+            </a:r>
+            <a:r>
+              <a:rPr lang="zh-TW" altLang="en-US" sz="2800" baseline="0" dirty="0">
+                <a:latin typeface="Times New Roman" panose="02020603050405020304" pitchFamily="18" charset="0"/>
+                <a:ea typeface="標楷體" panose="03000509000000000000" pitchFamily="65" charset="-120"/>
+                <a:cs typeface="Times New Roman" panose="02020603050405020304" pitchFamily="18" charset="0"/>
+              </a:rPr>
+              <a:t>。</a:t>
+            </a:r>
+            <a:endParaRPr lang="zh-TW" altLang="en-US" dirty="0"/>
+          </a:p>
+        </p:txBody>
+      </p:sp>
       <p:pic>
         <p:nvPicPr>
           <p:cNvPr id="7" name="圖片 6">
@@ -7290,134 +7526,6 @@
           <a:p>
             <a:pPr algn="ctr"/>
             <a:endParaRPr lang="zh-TW" altLang="en-US"/>
-          </a:p>
-        </p:txBody>
-      </p:sp>
-      <p:sp>
-        <p:nvSpPr>
-          <p:cNvPr id="15" name="內容版面配置區 2">
-            <a:extLst>
-              <a:ext uri="{FF2B5EF4-FFF2-40B4-BE49-F238E27FC236}">
-                <a16:creationId xmlns:a16="http://schemas.microsoft.com/office/drawing/2014/main" id="{6F4BE004-9F90-AEDB-B643-F753C4038D46}"/>
-              </a:ext>
-            </a:extLst>
-          </p:cNvPr>
-          <p:cNvSpPr>
-            <a:spLocks noGrp="1"/>
-          </p:cNvSpPr>
-          <p:nvPr>
-            <p:ph idx="1"/>
-          </p:nvPr>
-        </p:nvSpPr>
-        <p:spPr>
-          <a:xfrm>
-            <a:off x="838200" y="883717"/>
-            <a:ext cx="10515600" cy="909572"/>
-          </a:xfrm>
-        </p:spPr>
-        <p:txBody>
-          <a:bodyPr>
-            <a:noAutofit/>
-          </a:bodyPr>
-          <a:lstStyle/>
-          <a:p>
-            <a:r>
-              <a:rPr lang="en-US" altLang="zh-TW" sz="2800" dirty="0" err="1">
-                <a:latin typeface="Times New Roman" panose="02020603050405020304" pitchFamily="18" charset="0"/>
-                <a:ea typeface="標楷體" panose="03000509000000000000" pitchFamily="65" charset="-120"/>
-                <a:cs typeface="Times New Roman" panose="02020603050405020304" pitchFamily="18" charset="0"/>
-              </a:rPr>
-              <a:t>oem_addr</a:t>
-            </a:r>
-            <a:r>
-              <a:rPr lang="en-US" altLang="zh-TW" sz="2800" dirty="0">
-                <a:latin typeface="Times New Roman" panose="02020603050405020304" pitchFamily="18" charset="0"/>
-                <a:ea typeface="標楷體" panose="03000509000000000000" pitchFamily="65" charset="-120"/>
-                <a:cs typeface="Times New Roman" panose="02020603050405020304" pitchFamily="18" charset="0"/>
-              </a:rPr>
-              <a:t>=0</a:t>
-            </a:r>
-            <a:r>
-              <a:rPr lang="zh-TW" altLang="en-US" sz="2800" dirty="0">
-                <a:latin typeface="Times New Roman" panose="02020603050405020304" pitchFamily="18" charset="0"/>
-                <a:ea typeface="標楷體" panose="03000509000000000000" pitchFamily="65" charset="-120"/>
-                <a:cs typeface="Times New Roman" panose="02020603050405020304" pitchFamily="18" charset="0"/>
-              </a:rPr>
-              <a:t>時各有一個記憶體的</a:t>
-            </a:r>
-            <a:r>
-              <a:rPr lang="en-US" altLang="zh-TW" sz="2800" dirty="0" err="1">
-                <a:latin typeface="Times New Roman" panose="02020603050405020304" pitchFamily="18" charset="0"/>
-                <a:ea typeface="標楷體" panose="03000509000000000000" pitchFamily="65" charset="-120"/>
-                <a:cs typeface="Times New Roman" panose="02020603050405020304" pitchFamily="18" charset="0"/>
-              </a:rPr>
-              <a:t>wr</a:t>
-            </a:r>
-            <a:r>
-              <a:rPr lang="zh-TW" altLang="en-US" sz="2800" dirty="0">
-                <a:latin typeface="Times New Roman" panose="02020603050405020304" pitchFamily="18" charset="0"/>
-                <a:ea typeface="標楷體" panose="03000509000000000000" pitchFamily="65" charset="-120"/>
-                <a:cs typeface="Times New Roman" panose="02020603050405020304" pitchFamily="18" charset="0"/>
-              </a:rPr>
-              <a:t>訊號設成</a:t>
-            </a:r>
-            <a:r>
-              <a:rPr lang="en-US" altLang="zh-TW" sz="2800" dirty="0">
-                <a:latin typeface="Times New Roman" panose="02020603050405020304" pitchFamily="18" charset="0"/>
-                <a:ea typeface="標楷體" panose="03000509000000000000" pitchFamily="65" charset="-120"/>
-                <a:cs typeface="Times New Roman" panose="02020603050405020304" pitchFamily="18" charset="0"/>
-              </a:rPr>
-              <a:t>1</a:t>
-            </a:r>
-            <a:r>
-              <a:rPr lang="zh-TW" altLang="en-US" sz="2800" dirty="0">
-                <a:latin typeface="Times New Roman" panose="02020603050405020304" pitchFamily="18" charset="0"/>
-                <a:ea typeface="標楷體" panose="03000509000000000000" pitchFamily="65" charset="-120"/>
-                <a:cs typeface="Times New Roman" panose="02020603050405020304" pitchFamily="18" charset="0"/>
-              </a:rPr>
-              <a:t> ，</a:t>
-            </a:r>
-            <a:r>
-              <a:rPr lang="en-US" altLang="zh-TW" sz="2800" dirty="0" err="1">
-                <a:latin typeface="Times New Roman" panose="02020603050405020304" pitchFamily="18" charset="0"/>
-                <a:ea typeface="標楷體" panose="03000509000000000000" pitchFamily="65" charset="-120"/>
-                <a:cs typeface="Times New Roman" panose="02020603050405020304" pitchFamily="18" charset="0"/>
-              </a:rPr>
-              <a:t>oem_addr</a:t>
-            </a:r>
-            <a:r>
-              <a:rPr lang="zh-TW" altLang="en-US" sz="2800" dirty="0">
-                <a:latin typeface="Times New Roman" panose="02020603050405020304" pitchFamily="18" charset="0"/>
-                <a:ea typeface="標楷體" panose="03000509000000000000" pitchFamily="65" charset="-120"/>
-                <a:cs typeface="Times New Roman" panose="02020603050405020304" pitchFamily="18" charset="0"/>
-              </a:rPr>
-              <a:t>每數一次就會各有一個</a:t>
-            </a:r>
-            <a:r>
-              <a:rPr lang="en-US" altLang="zh-TW" sz="2800" dirty="0" err="1">
-                <a:latin typeface="Times New Roman" panose="02020603050405020304" pitchFamily="18" charset="0"/>
-                <a:ea typeface="標楷體" panose="03000509000000000000" pitchFamily="65" charset="-120"/>
-                <a:cs typeface="Times New Roman" panose="02020603050405020304" pitchFamily="18" charset="0"/>
-              </a:rPr>
-              <a:t>wr</a:t>
-            </a:r>
-            <a:r>
-              <a:rPr lang="zh-TW" altLang="en-US" sz="2800" dirty="0">
-                <a:latin typeface="Times New Roman" panose="02020603050405020304" pitchFamily="18" charset="0"/>
-                <a:ea typeface="標楷體" panose="03000509000000000000" pitchFamily="65" charset="-120"/>
-                <a:cs typeface="Times New Roman" panose="02020603050405020304" pitchFamily="18" charset="0"/>
-              </a:rPr>
-              <a:t>訊號設成</a:t>
-            </a:r>
-            <a:r>
-              <a:rPr lang="en-US" altLang="zh-TW" sz="2800" dirty="0">
-                <a:latin typeface="Times New Roman" panose="02020603050405020304" pitchFamily="18" charset="0"/>
-                <a:ea typeface="標楷體" panose="03000509000000000000" pitchFamily="65" charset="-120"/>
-                <a:cs typeface="Times New Roman" panose="02020603050405020304" pitchFamily="18" charset="0"/>
-              </a:rPr>
-              <a:t>1</a:t>
-            </a:r>
-            <a:endParaRPr lang="zh-TW" altLang="en-US" dirty="0"/>
           </a:p>
         </p:txBody>
       </p:sp>

--- a/報告.pptx
+++ b/報告.pptx
@@ -13023,6 +13023,7 @@
           </a:bodyPr>
           <a:lstStyle/>
           <a:p>
+            <a:pPr algn="just"/>
             <a:r>
               <a:rPr lang="en-US" altLang="zh-TW" sz="2400" dirty="0" err="1">
                 <a:latin typeface="Times New Roman" panose="02020603050405020304" pitchFamily="18" charset="0"/>

--- a/報告.pptx
+++ b/報告.pptx
@@ -16,12 +16,14 @@
     <p:sldId id="296" r:id="rId10"/>
     <p:sldId id="291" r:id="rId11"/>
     <p:sldId id="289" r:id="rId12"/>
-    <p:sldId id="290" r:id="rId13"/>
-    <p:sldId id="292" r:id="rId14"/>
-    <p:sldId id="293" r:id="rId15"/>
-    <p:sldId id="294" r:id="rId16"/>
-    <p:sldId id="295" r:id="rId17"/>
-    <p:sldId id="281" r:id="rId18"/>
+    <p:sldId id="298" r:id="rId13"/>
+    <p:sldId id="299" r:id="rId14"/>
+    <p:sldId id="290" r:id="rId15"/>
+    <p:sldId id="292" r:id="rId16"/>
+    <p:sldId id="293" r:id="rId17"/>
+    <p:sldId id="294" r:id="rId18"/>
+    <p:sldId id="295" r:id="rId19"/>
+    <p:sldId id="281" r:id="rId20"/>
   </p:sldIdLst>
   <p:sldSz cx="12192000" cy="6858000"/>
   <p:notesSz cx="6858000" cy="9144000"/>
@@ -275,7 +277,7 @@
           <a:p>
             <a:fld id="{EFAD279E-6BF3-4279-B7EE-764C02BA97D8}" type="datetimeFigureOut">
               <a:rPr lang="zh-TW" altLang="en-US" smtClean="0"/>
-              <a:t>2023/9/12</a:t>
+              <a:t>2023/9/14</a:t>
             </a:fld>
             <a:endParaRPr lang="zh-TW" altLang="en-US"/>
           </a:p>
@@ -473,7 +475,7 @@
           <a:p>
             <a:fld id="{EFAD279E-6BF3-4279-B7EE-764C02BA97D8}" type="datetimeFigureOut">
               <a:rPr lang="zh-TW" altLang="en-US" smtClean="0"/>
-              <a:t>2023/9/12</a:t>
+              <a:t>2023/9/14</a:t>
             </a:fld>
             <a:endParaRPr lang="zh-TW" altLang="en-US"/>
           </a:p>
@@ -681,7 +683,7 @@
           <a:p>
             <a:fld id="{EFAD279E-6BF3-4279-B7EE-764C02BA97D8}" type="datetimeFigureOut">
               <a:rPr lang="zh-TW" altLang="en-US" smtClean="0"/>
-              <a:t>2023/9/12</a:t>
+              <a:t>2023/9/14</a:t>
             </a:fld>
             <a:endParaRPr lang="zh-TW" altLang="en-US"/>
           </a:p>
@@ -879,7 +881,7 @@
           <a:p>
             <a:fld id="{EFAD279E-6BF3-4279-B7EE-764C02BA97D8}" type="datetimeFigureOut">
               <a:rPr lang="zh-TW" altLang="en-US" smtClean="0"/>
-              <a:t>2023/9/12</a:t>
+              <a:t>2023/9/14</a:t>
             </a:fld>
             <a:endParaRPr lang="zh-TW" altLang="en-US"/>
           </a:p>
@@ -1154,7 +1156,7 @@
           <a:p>
             <a:fld id="{EFAD279E-6BF3-4279-B7EE-764C02BA97D8}" type="datetimeFigureOut">
               <a:rPr lang="zh-TW" altLang="en-US" smtClean="0"/>
-              <a:t>2023/9/12</a:t>
+              <a:t>2023/9/14</a:t>
             </a:fld>
             <a:endParaRPr lang="zh-TW" altLang="en-US"/>
           </a:p>
@@ -1419,7 +1421,7 @@
           <a:p>
             <a:fld id="{EFAD279E-6BF3-4279-B7EE-764C02BA97D8}" type="datetimeFigureOut">
               <a:rPr lang="zh-TW" altLang="en-US" smtClean="0"/>
-              <a:t>2023/9/12</a:t>
+              <a:t>2023/9/14</a:t>
             </a:fld>
             <a:endParaRPr lang="zh-TW" altLang="en-US"/>
           </a:p>
@@ -1831,7 +1833,7 @@
           <a:p>
             <a:fld id="{EFAD279E-6BF3-4279-B7EE-764C02BA97D8}" type="datetimeFigureOut">
               <a:rPr lang="zh-TW" altLang="en-US" smtClean="0"/>
-              <a:t>2023/9/12</a:t>
+              <a:t>2023/9/14</a:t>
             </a:fld>
             <a:endParaRPr lang="zh-TW" altLang="en-US"/>
           </a:p>
@@ -1972,7 +1974,7 @@
           <a:p>
             <a:fld id="{EFAD279E-6BF3-4279-B7EE-764C02BA97D8}" type="datetimeFigureOut">
               <a:rPr lang="zh-TW" altLang="en-US" smtClean="0"/>
-              <a:t>2023/9/12</a:t>
+              <a:t>2023/9/14</a:t>
             </a:fld>
             <a:endParaRPr lang="zh-TW" altLang="en-US"/>
           </a:p>
@@ -2085,7 +2087,7 @@
           <a:p>
             <a:fld id="{EFAD279E-6BF3-4279-B7EE-764C02BA97D8}" type="datetimeFigureOut">
               <a:rPr lang="zh-TW" altLang="en-US" smtClean="0"/>
-              <a:t>2023/9/12</a:t>
+              <a:t>2023/9/14</a:t>
             </a:fld>
             <a:endParaRPr lang="zh-TW" altLang="en-US"/>
           </a:p>
@@ -2396,7 +2398,7 @@
           <a:p>
             <a:fld id="{EFAD279E-6BF3-4279-B7EE-764C02BA97D8}" type="datetimeFigureOut">
               <a:rPr lang="zh-TW" altLang="en-US" smtClean="0"/>
-              <a:t>2023/9/12</a:t>
+              <a:t>2023/9/14</a:t>
             </a:fld>
             <a:endParaRPr lang="zh-TW" altLang="en-US"/>
           </a:p>
@@ -2684,7 +2686,7 @@
           <a:p>
             <a:fld id="{EFAD279E-6BF3-4279-B7EE-764C02BA97D8}" type="datetimeFigureOut">
               <a:rPr lang="zh-TW" altLang="en-US" smtClean="0"/>
-              <a:t>2023/9/12</a:t>
+              <a:t>2023/9/14</a:t>
             </a:fld>
             <a:endParaRPr lang="zh-TW" altLang="en-US"/>
           </a:p>
@@ -2925,7 +2927,7 @@
           <a:p>
             <a:fld id="{EFAD279E-6BF3-4279-B7EE-764C02BA97D8}" type="datetimeFigureOut">
               <a:rPr lang="zh-TW" altLang="en-US" smtClean="0"/>
-              <a:t>2023/9/12</a:t>
+              <a:t>2023/9/14</a:t>
             </a:fld>
             <a:endParaRPr lang="zh-TW" altLang="en-US"/>
           </a:p>
@@ -3685,7 +3687,7 @@
                 <a:ea typeface="標楷體" panose="03000509000000000000" pitchFamily="65" charset="-120"/>
                 <a:cs typeface="Times New Roman" panose="02020603050405020304" pitchFamily="18" charset="0"/>
               </a:rPr>
-              <a:t>圖中每一格數字代表一個記憶體位址</a:t>
+              <a:t>圖中每一格數字代表一個單位</a:t>
             </a:r>
             <a:r>
               <a:rPr lang="zh-TW" altLang="en-US" sz="2400" dirty="0">
@@ -3701,7 +3703,7 @@
                 <a:ea typeface="標楷體" panose="03000509000000000000" pitchFamily="65" charset="-120"/>
                 <a:cs typeface="Times New Roman" panose="02020603050405020304" pitchFamily="18" charset="0"/>
               </a:rPr>
-              <a:t>記憶體位址會儲存</a:t>
+              <a:t>單位會儲存序列輸出資料的</a:t>
             </a:r>
             <a:r>
               <a:rPr lang="en-US" altLang="zh-TW" sz="2400" dirty="0">
@@ -5422,6 +5424,1103 @@
           <a:lstStyle/>
           <a:p>
             <a:r>
+              <a:rPr lang="zh-TW" altLang="en-US" dirty="0">
+                <a:latin typeface="Times New Roman" panose="02020603050405020304" pitchFamily="18" charset="0"/>
+                <a:ea typeface="標楷體" panose="03000509000000000000" pitchFamily="65" charset="-120"/>
+                <a:cs typeface="Times New Roman" panose="02020603050405020304" pitchFamily="18" charset="0"/>
+              </a:rPr>
+              <a:t>記數器程式</a:t>
+            </a:r>
+            <a:endParaRPr lang="zh-TW" altLang="en-US" dirty="0"/>
+          </a:p>
+        </p:txBody>
+      </p:sp>
+      <p:sp>
+        <p:nvSpPr>
+          <p:cNvPr id="4" name="文字方塊 3">
+            <a:extLst>
+              <a:ext uri="{FF2B5EF4-FFF2-40B4-BE49-F238E27FC236}">
+                <a16:creationId xmlns:a16="http://schemas.microsoft.com/office/drawing/2014/main" id="{3C84F69D-E82B-B9B5-46A4-545C9B528E58}"/>
+              </a:ext>
+            </a:extLst>
+          </p:cNvPr>
+          <p:cNvSpPr txBox="1"/>
+          <p:nvPr/>
+        </p:nvSpPr>
+        <p:spPr>
+          <a:xfrm>
+            <a:off x="1479240" y="1453298"/>
+            <a:ext cx="10629902" cy="461665"/>
+          </a:xfrm>
+          <a:prstGeom prst="rect">
+            <a:avLst/>
+          </a:prstGeom>
+          <a:noFill/>
+        </p:spPr>
+        <p:txBody>
+          <a:bodyPr wrap="square" rtlCol="0">
+            <a:spAutoFit/>
+          </a:bodyPr>
+          <a:lstStyle/>
+          <a:p>
+            <a:r>
+              <a:rPr lang="en-US" altLang="zh-TW" sz="2400" dirty="0">
+                <a:latin typeface="Times New Roman" panose="02020603050405020304" pitchFamily="18" charset="0"/>
+                <a:cs typeface="Times New Roman" panose="02020603050405020304" pitchFamily="18" charset="0"/>
+              </a:rPr>
+              <a:t>mem counter</a:t>
+            </a:r>
+            <a:endParaRPr lang="zh-TW" altLang="en-US" sz="2400" dirty="0">
+              <a:latin typeface="Times New Roman" panose="02020603050405020304" pitchFamily="18" charset="0"/>
+              <a:cs typeface="Times New Roman" panose="02020603050405020304" pitchFamily="18" charset="0"/>
+            </a:endParaRPr>
+          </a:p>
+        </p:txBody>
+      </p:sp>
+      <p:sp>
+        <p:nvSpPr>
+          <p:cNvPr id="13" name="文字方塊 12">
+            <a:extLst>
+              <a:ext uri="{FF2B5EF4-FFF2-40B4-BE49-F238E27FC236}">
+                <a16:creationId xmlns:a16="http://schemas.microsoft.com/office/drawing/2014/main" id="{116BFF4F-EA75-7018-DDC5-9BC32AF68ADC}"/>
+              </a:ext>
+            </a:extLst>
+          </p:cNvPr>
+          <p:cNvSpPr txBox="1"/>
+          <p:nvPr/>
+        </p:nvSpPr>
+        <p:spPr>
+          <a:xfrm>
+            <a:off x="1479240" y="3868524"/>
+            <a:ext cx="10629902" cy="461665"/>
+          </a:xfrm>
+          <a:prstGeom prst="rect">
+            <a:avLst/>
+          </a:prstGeom>
+          <a:noFill/>
+        </p:spPr>
+        <p:txBody>
+          <a:bodyPr wrap="square" rtlCol="0">
+            <a:spAutoFit/>
+          </a:bodyPr>
+          <a:lstStyle/>
+          <a:p>
+            <a:r>
+              <a:rPr lang="en-US" altLang="zh-TW" sz="2400" dirty="0">
+                <a:latin typeface="Times New Roman" panose="02020603050405020304" pitchFamily="18" charset="0"/>
+                <a:cs typeface="Times New Roman" panose="02020603050405020304" pitchFamily="18" charset="0"/>
+              </a:rPr>
+              <a:t>mem address counter</a:t>
+            </a:r>
+            <a:endParaRPr lang="zh-TW" altLang="en-US" sz="2400" dirty="0">
+              <a:latin typeface="Times New Roman" panose="02020603050405020304" pitchFamily="18" charset="0"/>
+              <a:cs typeface="Times New Roman" panose="02020603050405020304" pitchFamily="18" charset="0"/>
+            </a:endParaRPr>
+          </a:p>
+        </p:txBody>
+      </p:sp>
+      <p:pic>
+        <p:nvPicPr>
+          <p:cNvPr id="6" name="圖片 5">
+            <a:extLst>
+              <a:ext uri="{FF2B5EF4-FFF2-40B4-BE49-F238E27FC236}">
+                <a16:creationId xmlns:a16="http://schemas.microsoft.com/office/drawing/2014/main" id="{42BC7C63-656B-2D07-204A-A76F10458D27}"/>
+              </a:ext>
+            </a:extLst>
+          </p:cNvPr>
+          <p:cNvPicPr>
+            <a:picLocks noChangeAspect="1"/>
+          </p:cNvPicPr>
+          <p:nvPr/>
+        </p:nvPicPr>
+        <p:blipFill>
+          <a:blip r:embed="rId2">
+            <a:extLst>
+              <a:ext uri="{28A0092B-C50C-407E-A947-70E740481C1C}">
+                <a14:useLocalDpi xmlns:a14="http://schemas.microsoft.com/office/drawing/2010/main" val="0"/>
+              </a:ext>
+            </a:extLst>
+          </a:blip>
+          <a:stretch>
+            <a:fillRect/>
+          </a:stretch>
+        </p:blipFill>
+        <p:spPr>
+          <a:xfrm>
+            <a:off x="2609547" y="2201496"/>
+            <a:ext cx="7859399" cy="1380495"/>
+          </a:xfrm>
+          <a:prstGeom prst="rect">
+            <a:avLst/>
+          </a:prstGeom>
+        </p:spPr>
+      </p:pic>
+      <p:pic>
+        <p:nvPicPr>
+          <p:cNvPr id="8" name="圖片 7">
+            <a:extLst>
+              <a:ext uri="{FF2B5EF4-FFF2-40B4-BE49-F238E27FC236}">
+                <a16:creationId xmlns:a16="http://schemas.microsoft.com/office/drawing/2014/main" id="{30545735-D9F7-C6F5-8A77-44928E6F45EB}"/>
+              </a:ext>
+            </a:extLst>
+          </p:cNvPr>
+          <p:cNvPicPr>
+            <a:picLocks noChangeAspect="1"/>
+          </p:cNvPicPr>
+          <p:nvPr/>
+        </p:nvPicPr>
+        <p:blipFill>
+          <a:blip r:embed="rId3">
+            <a:extLst>
+              <a:ext uri="{28A0092B-C50C-407E-A947-70E740481C1C}">
+                <a14:useLocalDpi xmlns:a14="http://schemas.microsoft.com/office/drawing/2010/main" val="0"/>
+              </a:ext>
+            </a:extLst>
+          </a:blip>
+          <a:stretch>
+            <a:fillRect/>
+          </a:stretch>
+        </p:blipFill>
+        <p:spPr>
+          <a:xfrm>
+            <a:off x="2609547" y="4618943"/>
+            <a:ext cx="5806665" cy="1355340"/>
+          </a:xfrm>
+          <a:prstGeom prst="rect">
+            <a:avLst/>
+          </a:prstGeom>
+        </p:spPr>
+      </p:pic>
+      <p:sp>
+        <p:nvSpPr>
+          <p:cNvPr id="11" name="矩形 10">
+            <a:extLst>
+              <a:ext uri="{FF2B5EF4-FFF2-40B4-BE49-F238E27FC236}">
+                <a16:creationId xmlns:a16="http://schemas.microsoft.com/office/drawing/2014/main" id="{393EBFD5-0329-2F44-E9F3-149B49F8275F}"/>
+              </a:ext>
+            </a:extLst>
+          </p:cNvPr>
+          <p:cNvSpPr/>
+          <p:nvPr/>
+        </p:nvSpPr>
+        <p:spPr>
+          <a:xfrm>
+            <a:off x="2827176" y="2612571"/>
+            <a:ext cx="3442995" cy="550507"/>
+          </a:xfrm>
+          <a:prstGeom prst="rect">
+            <a:avLst/>
+          </a:prstGeom>
+          <a:noFill/>
+          <a:ln w="28575" cap="flat" cmpd="sng" algn="ctr">
+            <a:solidFill>
+              <a:srgbClr val="FF0000"/>
+            </a:solidFill>
+            <a:prstDash val="solid"/>
+            <a:round/>
+            <a:headEnd type="none" w="med" len="med"/>
+            <a:tailEnd type="none" w="med" len="med"/>
+          </a:ln>
+        </p:spPr>
+        <p:style>
+          <a:lnRef idx="0">
+            <a:scrgbClr r="0" g="0" b="0"/>
+          </a:lnRef>
+          <a:fillRef idx="0">
+            <a:scrgbClr r="0" g="0" b="0"/>
+          </a:fillRef>
+          <a:effectRef idx="0">
+            <a:scrgbClr r="0" g="0" b="0"/>
+          </a:effectRef>
+          <a:fontRef idx="minor">
+            <a:schemeClr val="dk1"/>
+          </a:fontRef>
+        </p:style>
+        <p:txBody>
+          <a:bodyPr rtlCol="0" anchor="ctr"/>
+          <a:lstStyle/>
+          <a:p>
+            <a:pPr algn="ctr"/>
+            <a:endParaRPr lang="zh-TW" altLang="en-US"/>
+          </a:p>
+        </p:txBody>
+      </p:sp>
+      <p:sp>
+        <p:nvSpPr>
+          <p:cNvPr id="12" name="矩形 11">
+            <a:extLst>
+              <a:ext uri="{FF2B5EF4-FFF2-40B4-BE49-F238E27FC236}">
+                <a16:creationId xmlns:a16="http://schemas.microsoft.com/office/drawing/2014/main" id="{1C266D2F-2C84-AD83-DA33-D6C97FD559DD}"/>
+              </a:ext>
+            </a:extLst>
+          </p:cNvPr>
+          <p:cNvSpPr/>
+          <p:nvPr/>
+        </p:nvSpPr>
+        <p:spPr>
+          <a:xfrm>
+            <a:off x="2755641" y="5038531"/>
+            <a:ext cx="5567265" cy="662473"/>
+          </a:xfrm>
+          <a:prstGeom prst="rect">
+            <a:avLst/>
+          </a:prstGeom>
+          <a:noFill/>
+          <a:ln w="28575" cap="flat" cmpd="sng" algn="ctr">
+            <a:solidFill>
+              <a:srgbClr val="FF0000"/>
+            </a:solidFill>
+            <a:prstDash val="solid"/>
+            <a:round/>
+            <a:headEnd type="none" w="med" len="med"/>
+            <a:tailEnd type="none" w="med" len="med"/>
+          </a:ln>
+        </p:spPr>
+        <p:style>
+          <a:lnRef idx="0">
+            <a:scrgbClr r="0" g="0" b="0"/>
+          </a:lnRef>
+          <a:fillRef idx="0">
+            <a:scrgbClr r="0" g="0" b="0"/>
+          </a:fillRef>
+          <a:effectRef idx="0">
+            <a:scrgbClr r="0" g="0" b="0"/>
+          </a:effectRef>
+          <a:fontRef idx="minor">
+            <a:schemeClr val="dk1"/>
+          </a:fontRef>
+        </p:style>
+        <p:txBody>
+          <a:bodyPr rtlCol="0" anchor="ctr"/>
+          <a:lstStyle/>
+          <a:p>
+            <a:pPr algn="ctr"/>
+            <a:endParaRPr lang="zh-TW" altLang="en-US"/>
+          </a:p>
+        </p:txBody>
+      </p:sp>
+    </p:spTree>
+    <p:extLst>
+      <p:ext uri="{BB962C8B-B14F-4D97-AF65-F5344CB8AC3E}">
+        <p14:creationId xmlns:p14="http://schemas.microsoft.com/office/powerpoint/2010/main" val="2081532825"/>
+      </p:ext>
+    </p:extLst>
+  </p:cSld>
+  <p:clrMapOvr>
+    <a:masterClrMapping/>
+  </p:clrMapOvr>
+</p:sld>
+</file>
+
+<file path=ppt/slides/slide13.xml><?xml version="1.0" encoding="utf-8"?>
+<p:sld xmlns:a="http://schemas.openxmlformats.org/drawingml/2006/main" xmlns:r="http://schemas.openxmlformats.org/officeDocument/2006/relationships" xmlns:p="http://schemas.openxmlformats.org/presentationml/2006/main">
+  <p:cSld>
+    <p:spTree>
+      <p:nvGrpSpPr>
+        <p:cNvPr id="1" name=""/>
+        <p:cNvGrpSpPr/>
+        <p:nvPr/>
+      </p:nvGrpSpPr>
+      <p:grpSpPr>
+        <a:xfrm>
+          <a:off x="0" y="0"/>
+          <a:ext cx="0" cy="0"/>
+          <a:chOff x="0" y="0"/>
+          <a:chExt cx="0" cy="0"/>
+        </a:xfrm>
+      </p:grpSpPr>
+      <p:sp>
+        <p:nvSpPr>
+          <p:cNvPr id="2" name="標題 1">
+            <a:extLst>
+              <a:ext uri="{FF2B5EF4-FFF2-40B4-BE49-F238E27FC236}">
+                <a16:creationId xmlns:a16="http://schemas.microsoft.com/office/drawing/2014/main" id="{D6829631-1A27-23C0-BDD8-B2EBCC5435B8}"/>
+              </a:ext>
+            </a:extLst>
+          </p:cNvPr>
+          <p:cNvSpPr>
+            <a:spLocks noGrp="1"/>
+          </p:cNvSpPr>
+          <p:nvPr>
+            <p:ph type="title"/>
+          </p:nvPr>
+        </p:nvSpPr>
+        <p:spPr>
+          <a:xfrm>
+            <a:off x="838200" y="213399"/>
+            <a:ext cx="3467470" cy="513763"/>
+          </a:xfrm>
+        </p:spPr>
+        <p:txBody>
+          <a:bodyPr>
+            <a:normAutofit fontScale="90000"/>
+          </a:bodyPr>
+          <a:lstStyle/>
+          <a:p>
+            <a:r>
+              <a:rPr lang="en-US" altLang="zh-TW" sz="3200" dirty="0">
+                <a:latin typeface="Times New Roman" panose="02020603050405020304" pitchFamily="18" charset="0"/>
+                <a:ea typeface="標楷體" panose="03000509000000000000" pitchFamily="65" charset="-120"/>
+                <a:cs typeface="Times New Roman" panose="02020603050405020304" pitchFamily="18" charset="0"/>
+              </a:rPr>
+              <a:t>DAC</a:t>
+            </a:r>
+            <a:r>
+              <a:rPr lang="zh-TW" altLang="en-US" sz="3200" dirty="0">
+                <a:latin typeface="Times New Roman" panose="02020603050405020304" pitchFamily="18" charset="0"/>
+                <a:ea typeface="標楷體" panose="03000509000000000000" pitchFamily="65" charset="-120"/>
+                <a:cs typeface="Times New Roman" panose="02020603050405020304" pitchFamily="18" charset="0"/>
+              </a:rPr>
+              <a:t>電路設計方法</a:t>
+            </a:r>
+            <a:endParaRPr lang="zh-TW" altLang="en-US" sz="3200" dirty="0">
+              <a:latin typeface="Times New Roman" panose="02020603050405020304" pitchFamily="18" charset="0"/>
+              <a:cs typeface="Times New Roman" panose="02020603050405020304" pitchFamily="18" charset="0"/>
+            </a:endParaRPr>
+          </a:p>
+        </p:txBody>
+      </p:sp>
+      <p:sp>
+        <p:nvSpPr>
+          <p:cNvPr id="3" name="內容版面配置區 2">
+            <a:extLst>
+              <a:ext uri="{FF2B5EF4-FFF2-40B4-BE49-F238E27FC236}">
+                <a16:creationId xmlns:a16="http://schemas.microsoft.com/office/drawing/2014/main" id="{494286DB-3494-E083-7F2E-2EFE8CBC3D90}"/>
+              </a:ext>
+            </a:extLst>
+          </p:cNvPr>
+          <p:cNvSpPr>
+            <a:spLocks noGrp="1"/>
+          </p:cNvSpPr>
+          <p:nvPr>
+            <p:ph idx="1"/>
+          </p:nvPr>
+        </p:nvSpPr>
+        <p:spPr>
+          <a:xfrm>
+            <a:off x="838200" y="883717"/>
+            <a:ext cx="10515600" cy="569581"/>
+          </a:xfrm>
+        </p:spPr>
+        <p:txBody>
+          <a:bodyPr/>
+          <a:lstStyle/>
+          <a:p>
+            <a:r>
+              <a:rPr lang="en-US" altLang="zh-TW" dirty="0" err="1">
+                <a:latin typeface="Times New Roman" panose="02020603050405020304" pitchFamily="18" charset="0"/>
+                <a:ea typeface="標楷體" panose="03000509000000000000" pitchFamily="65" charset="-120"/>
+                <a:cs typeface="Times New Roman" panose="02020603050405020304" pitchFamily="18" charset="0"/>
+              </a:rPr>
+              <a:t>odd_wr</a:t>
+            </a:r>
+            <a:r>
+              <a:rPr lang="zh-TW" altLang="en-US" dirty="0">
+                <a:latin typeface="Times New Roman" panose="02020603050405020304" pitchFamily="18" charset="0"/>
+                <a:ea typeface="標楷體" panose="03000509000000000000" pitchFamily="65" charset="-120"/>
+                <a:cs typeface="Times New Roman" panose="02020603050405020304" pitchFamily="18" charset="0"/>
+              </a:rPr>
+              <a:t>和</a:t>
+            </a:r>
+            <a:r>
+              <a:rPr lang="en-US" altLang="zh-TW" dirty="0" err="1">
+                <a:latin typeface="Times New Roman" panose="02020603050405020304" pitchFamily="18" charset="0"/>
+                <a:ea typeface="標楷體" panose="03000509000000000000" pitchFamily="65" charset="-120"/>
+                <a:cs typeface="Times New Roman" panose="02020603050405020304" pitchFamily="18" charset="0"/>
+              </a:rPr>
+              <a:t>even_wr</a:t>
+            </a:r>
+            <a:r>
+              <a:rPr lang="zh-TW" altLang="en-US" dirty="0">
+                <a:latin typeface="Times New Roman" panose="02020603050405020304" pitchFamily="18" charset="0"/>
+                <a:ea typeface="標楷體" panose="03000509000000000000" pitchFamily="65" charset="-120"/>
+                <a:cs typeface="Times New Roman" panose="02020603050405020304" pitchFamily="18" charset="0"/>
+              </a:rPr>
+              <a:t>程式</a:t>
+            </a:r>
+            <a:endParaRPr lang="zh-TW" altLang="en-US" dirty="0"/>
+          </a:p>
+        </p:txBody>
+      </p:sp>
+      <p:pic>
+        <p:nvPicPr>
+          <p:cNvPr id="10" name="圖片 9">
+            <a:extLst>
+              <a:ext uri="{FF2B5EF4-FFF2-40B4-BE49-F238E27FC236}">
+                <a16:creationId xmlns:a16="http://schemas.microsoft.com/office/drawing/2014/main" id="{AB9C7FFE-1795-AD56-8D91-EEFFA0F8131A}"/>
+              </a:ext>
+            </a:extLst>
+          </p:cNvPr>
+          <p:cNvPicPr>
+            <a:picLocks noChangeAspect="1"/>
+          </p:cNvPicPr>
+          <p:nvPr/>
+        </p:nvPicPr>
+        <p:blipFill>
+          <a:blip r:embed="rId2">
+            <a:extLst>
+              <a:ext uri="{28A0092B-C50C-407E-A947-70E740481C1C}">
+                <a14:useLocalDpi xmlns:a14="http://schemas.microsoft.com/office/drawing/2010/main" val="0"/>
+              </a:ext>
+            </a:extLst>
+          </a:blip>
+          <a:stretch>
+            <a:fillRect/>
+          </a:stretch>
+        </p:blipFill>
+        <p:spPr>
+          <a:xfrm>
+            <a:off x="838200" y="1453298"/>
+            <a:ext cx="10515600" cy="4956833"/>
+          </a:xfrm>
+          <a:prstGeom prst="rect">
+            <a:avLst/>
+          </a:prstGeom>
+        </p:spPr>
+      </p:pic>
+      <p:sp>
+        <p:nvSpPr>
+          <p:cNvPr id="14" name="矩形 13">
+            <a:extLst>
+              <a:ext uri="{FF2B5EF4-FFF2-40B4-BE49-F238E27FC236}">
+                <a16:creationId xmlns:a16="http://schemas.microsoft.com/office/drawing/2014/main" id="{37AD3119-D1C2-1F06-0D79-D95B7196F0C6}"/>
+              </a:ext>
+            </a:extLst>
+          </p:cNvPr>
+          <p:cNvSpPr/>
+          <p:nvPr/>
+        </p:nvSpPr>
+        <p:spPr>
+          <a:xfrm>
+            <a:off x="1053951" y="2555449"/>
+            <a:ext cx="6690457" cy="188376"/>
+          </a:xfrm>
+          <a:prstGeom prst="rect">
+            <a:avLst/>
+          </a:prstGeom>
+          <a:noFill/>
+          <a:ln w="19050" cap="flat" cmpd="sng" algn="ctr">
+            <a:solidFill>
+              <a:srgbClr val="FF0000"/>
+            </a:solidFill>
+            <a:prstDash val="solid"/>
+            <a:round/>
+            <a:headEnd type="none" w="med" len="med"/>
+            <a:tailEnd type="none" w="med" len="med"/>
+          </a:ln>
+        </p:spPr>
+        <p:style>
+          <a:lnRef idx="0">
+            <a:scrgbClr r="0" g="0" b="0"/>
+          </a:lnRef>
+          <a:fillRef idx="0">
+            <a:scrgbClr r="0" g="0" b="0"/>
+          </a:fillRef>
+          <a:effectRef idx="0">
+            <a:scrgbClr r="0" g="0" b="0"/>
+          </a:effectRef>
+          <a:fontRef idx="minor">
+            <a:schemeClr val="dk1"/>
+          </a:fontRef>
+        </p:style>
+        <p:txBody>
+          <a:bodyPr rtlCol="0" anchor="ctr"/>
+          <a:lstStyle/>
+          <a:p>
+            <a:pPr algn="ctr"/>
+            <a:endParaRPr lang="zh-TW" altLang="en-US"/>
+          </a:p>
+        </p:txBody>
+      </p:sp>
+      <p:sp>
+        <p:nvSpPr>
+          <p:cNvPr id="15" name="矩形 14">
+            <a:extLst>
+              <a:ext uri="{FF2B5EF4-FFF2-40B4-BE49-F238E27FC236}">
+                <a16:creationId xmlns:a16="http://schemas.microsoft.com/office/drawing/2014/main" id="{F38F8BB6-72FF-6D08-35F5-EDD8C76A16DE}"/>
+              </a:ext>
+            </a:extLst>
+          </p:cNvPr>
+          <p:cNvSpPr/>
+          <p:nvPr/>
+        </p:nvSpPr>
+        <p:spPr>
+          <a:xfrm>
+            <a:off x="1053950" y="3979506"/>
+            <a:ext cx="9797551" cy="214604"/>
+          </a:xfrm>
+          <a:prstGeom prst="rect">
+            <a:avLst/>
+          </a:prstGeom>
+          <a:noFill/>
+          <a:ln w="19050" cap="flat" cmpd="sng" algn="ctr">
+            <a:solidFill>
+              <a:srgbClr val="FF0000"/>
+            </a:solidFill>
+            <a:prstDash val="solid"/>
+            <a:round/>
+            <a:headEnd type="none" w="med" len="med"/>
+            <a:tailEnd type="none" w="med" len="med"/>
+          </a:ln>
+        </p:spPr>
+        <p:style>
+          <a:lnRef idx="0">
+            <a:scrgbClr r="0" g="0" b="0"/>
+          </a:lnRef>
+          <a:fillRef idx="0">
+            <a:scrgbClr r="0" g="0" b="0"/>
+          </a:fillRef>
+          <a:effectRef idx="0">
+            <a:scrgbClr r="0" g="0" b="0"/>
+          </a:effectRef>
+          <a:fontRef idx="minor">
+            <a:schemeClr val="dk1"/>
+          </a:fontRef>
+        </p:style>
+        <p:txBody>
+          <a:bodyPr rtlCol="0" anchor="ctr"/>
+          <a:lstStyle/>
+          <a:p>
+            <a:pPr algn="ctr"/>
+            <a:endParaRPr lang="zh-TW" altLang="en-US"/>
+          </a:p>
+        </p:txBody>
+      </p:sp>
+      <p:sp>
+        <p:nvSpPr>
+          <p:cNvPr id="16" name="矩形 15">
+            <a:extLst>
+              <a:ext uri="{FF2B5EF4-FFF2-40B4-BE49-F238E27FC236}">
+                <a16:creationId xmlns:a16="http://schemas.microsoft.com/office/drawing/2014/main" id="{65B2EA4A-4403-D479-808D-0457518D18D5}"/>
+              </a:ext>
+            </a:extLst>
+          </p:cNvPr>
+          <p:cNvSpPr/>
+          <p:nvPr/>
+        </p:nvSpPr>
+        <p:spPr>
+          <a:xfrm>
+            <a:off x="1053951" y="2770053"/>
+            <a:ext cx="3835292" cy="363894"/>
+          </a:xfrm>
+          <a:prstGeom prst="rect">
+            <a:avLst/>
+          </a:prstGeom>
+          <a:noFill/>
+          <a:ln w="19050" cap="flat" cmpd="sng" algn="ctr">
+            <a:solidFill>
+              <a:srgbClr val="00B0F0"/>
+            </a:solidFill>
+            <a:prstDash val="solid"/>
+            <a:round/>
+            <a:headEnd type="none" w="med" len="med"/>
+            <a:tailEnd type="none" w="med" len="med"/>
+          </a:ln>
+        </p:spPr>
+        <p:style>
+          <a:lnRef idx="0">
+            <a:scrgbClr r="0" g="0" b="0"/>
+          </a:lnRef>
+          <a:fillRef idx="0">
+            <a:scrgbClr r="0" g="0" b="0"/>
+          </a:fillRef>
+          <a:effectRef idx="0">
+            <a:scrgbClr r="0" g="0" b="0"/>
+          </a:effectRef>
+          <a:fontRef idx="minor">
+            <a:schemeClr val="dk1"/>
+          </a:fontRef>
+        </p:style>
+        <p:txBody>
+          <a:bodyPr rtlCol="0" anchor="ctr"/>
+          <a:lstStyle/>
+          <a:p>
+            <a:pPr algn="ctr"/>
+            <a:endParaRPr lang="zh-TW" altLang="en-US"/>
+          </a:p>
+        </p:txBody>
+      </p:sp>
+      <p:sp>
+        <p:nvSpPr>
+          <p:cNvPr id="17" name="矩形 16">
+            <a:extLst>
+              <a:ext uri="{FF2B5EF4-FFF2-40B4-BE49-F238E27FC236}">
+                <a16:creationId xmlns:a16="http://schemas.microsoft.com/office/drawing/2014/main" id="{FE8383E5-AC6E-191E-9863-9F859238B27F}"/>
+              </a:ext>
+            </a:extLst>
+          </p:cNvPr>
+          <p:cNvSpPr/>
+          <p:nvPr/>
+        </p:nvSpPr>
+        <p:spPr>
+          <a:xfrm>
+            <a:off x="1150368" y="4220338"/>
+            <a:ext cx="3738874" cy="363894"/>
+          </a:xfrm>
+          <a:prstGeom prst="rect">
+            <a:avLst/>
+          </a:prstGeom>
+          <a:noFill/>
+          <a:ln w="19050" cap="flat" cmpd="sng" algn="ctr">
+            <a:solidFill>
+              <a:srgbClr val="00B0F0"/>
+            </a:solidFill>
+            <a:prstDash val="solid"/>
+            <a:round/>
+            <a:headEnd type="none" w="med" len="med"/>
+            <a:tailEnd type="none" w="med" len="med"/>
+          </a:ln>
+        </p:spPr>
+        <p:style>
+          <a:lnRef idx="0">
+            <a:scrgbClr r="0" g="0" b="0"/>
+          </a:lnRef>
+          <a:fillRef idx="0">
+            <a:scrgbClr r="0" g="0" b="0"/>
+          </a:fillRef>
+          <a:effectRef idx="0">
+            <a:scrgbClr r="0" g="0" b="0"/>
+          </a:effectRef>
+          <a:fontRef idx="minor">
+            <a:schemeClr val="dk1"/>
+          </a:fontRef>
+        </p:style>
+        <p:txBody>
+          <a:bodyPr rtlCol="0" anchor="ctr"/>
+          <a:lstStyle/>
+          <a:p>
+            <a:pPr algn="ctr"/>
+            <a:endParaRPr lang="zh-TW" altLang="en-US"/>
+          </a:p>
+        </p:txBody>
+      </p:sp>
+      <p:cxnSp>
+        <p:nvCxnSpPr>
+          <p:cNvPr id="23" name="直線單箭頭接點 22">
+            <a:extLst>
+              <a:ext uri="{FF2B5EF4-FFF2-40B4-BE49-F238E27FC236}">
+                <a16:creationId xmlns:a16="http://schemas.microsoft.com/office/drawing/2014/main" id="{6B3FEDA2-E776-E75B-D4E0-B9DE33FFECDB}"/>
+              </a:ext>
+            </a:extLst>
+          </p:cNvPr>
+          <p:cNvCxnSpPr>
+            <a:cxnSpLocks/>
+            <a:stCxn id="14" idx="0"/>
+            <a:endCxn id="29" idx="1"/>
+          </p:cNvCxnSpPr>
+          <p:nvPr/>
+        </p:nvCxnSpPr>
+        <p:spPr>
+          <a:xfrm flipV="1">
+            <a:off x="4399180" y="1594186"/>
+            <a:ext cx="2528800" cy="961263"/>
+          </a:xfrm>
+          <a:prstGeom prst="straightConnector1">
+            <a:avLst/>
+          </a:prstGeom>
+          <a:ln>
+            <a:solidFill>
+              <a:srgbClr val="FF0000"/>
+            </a:solidFill>
+            <a:tailEnd type="triangle"/>
+          </a:ln>
+        </p:spPr>
+        <p:style>
+          <a:lnRef idx="1">
+            <a:schemeClr val="accent1"/>
+          </a:lnRef>
+          <a:fillRef idx="0">
+            <a:schemeClr val="accent1"/>
+          </a:fillRef>
+          <a:effectRef idx="0">
+            <a:schemeClr val="accent1"/>
+          </a:effectRef>
+          <a:fontRef idx="minor">
+            <a:schemeClr val="tx1"/>
+          </a:fontRef>
+        </p:style>
+      </p:cxnSp>
+      <p:cxnSp>
+        <p:nvCxnSpPr>
+          <p:cNvPr id="25" name="直線單箭頭接點 24">
+            <a:extLst>
+              <a:ext uri="{FF2B5EF4-FFF2-40B4-BE49-F238E27FC236}">
+                <a16:creationId xmlns:a16="http://schemas.microsoft.com/office/drawing/2014/main" id="{3B118490-A0B4-325D-D9D4-70CA158F1900}"/>
+              </a:ext>
+            </a:extLst>
+          </p:cNvPr>
+          <p:cNvCxnSpPr>
+            <a:cxnSpLocks/>
+            <a:stCxn id="15" idx="0"/>
+            <a:endCxn id="29" idx="2"/>
+          </p:cNvCxnSpPr>
+          <p:nvPr/>
+        </p:nvCxnSpPr>
+        <p:spPr>
+          <a:xfrm flipV="1">
+            <a:off x="5952726" y="1917351"/>
+            <a:ext cx="1893542" cy="2062155"/>
+          </a:xfrm>
+          <a:prstGeom prst="straightConnector1">
+            <a:avLst/>
+          </a:prstGeom>
+          <a:ln>
+            <a:solidFill>
+              <a:srgbClr val="FF0000"/>
+            </a:solidFill>
+            <a:tailEnd type="triangle"/>
+          </a:ln>
+        </p:spPr>
+        <p:style>
+          <a:lnRef idx="1">
+            <a:schemeClr val="accent1"/>
+          </a:lnRef>
+          <a:fillRef idx="0">
+            <a:schemeClr val="accent1"/>
+          </a:fillRef>
+          <a:effectRef idx="0">
+            <a:schemeClr val="accent1"/>
+          </a:effectRef>
+          <a:fontRef idx="minor">
+            <a:schemeClr val="tx1"/>
+          </a:fontRef>
+        </p:style>
+      </p:cxnSp>
+      <p:sp>
+        <p:nvSpPr>
+          <p:cNvPr id="29" name="文字方塊 28">
+            <a:extLst>
+              <a:ext uri="{FF2B5EF4-FFF2-40B4-BE49-F238E27FC236}">
+                <a16:creationId xmlns:a16="http://schemas.microsoft.com/office/drawing/2014/main" id="{3AAD595C-6881-FD70-9F7A-FC654108FA99}"/>
+              </a:ext>
+            </a:extLst>
+          </p:cNvPr>
+          <p:cNvSpPr txBox="1"/>
+          <p:nvPr/>
+        </p:nvSpPr>
+        <p:spPr>
+          <a:xfrm>
+            <a:off x="6927980" y="1271020"/>
+            <a:ext cx="1836575" cy="646331"/>
+          </a:xfrm>
+          <a:prstGeom prst="rect">
+            <a:avLst/>
+          </a:prstGeom>
+          <a:ln>
+            <a:solidFill>
+              <a:srgbClr val="FF0000"/>
+            </a:solidFill>
+          </a:ln>
+        </p:spPr>
+        <p:style>
+          <a:lnRef idx="2">
+            <a:schemeClr val="dk1"/>
+          </a:lnRef>
+          <a:fillRef idx="1">
+            <a:schemeClr val="lt1"/>
+          </a:fillRef>
+          <a:effectRef idx="0">
+            <a:schemeClr val="dk1"/>
+          </a:effectRef>
+          <a:fontRef idx="minor">
+            <a:schemeClr val="dk1"/>
+          </a:fontRef>
+        </p:style>
+        <p:txBody>
+          <a:bodyPr wrap="square" rtlCol="0">
+            <a:spAutoFit/>
+          </a:bodyPr>
+          <a:lstStyle/>
+          <a:p>
+            <a:pPr algn="just"/>
+            <a:r>
+              <a:rPr lang="zh-TW" altLang="en-US" dirty="0">
+                <a:latin typeface="標楷體" panose="03000509000000000000" pitchFamily="65" charset="-120"/>
+                <a:ea typeface="標楷體" panose="03000509000000000000" pitchFamily="65" charset="-120"/>
+              </a:rPr>
+              <a:t>判斷目前是奇數列還是偶數列</a:t>
+            </a:r>
+            <a:r>
+              <a:rPr lang="zh-TW" altLang="en-US" sz="1800" baseline="0" dirty="0">
+                <a:latin typeface="標楷體" panose="03000509000000000000" pitchFamily="65" charset="-120"/>
+                <a:ea typeface="標楷體" panose="03000509000000000000" pitchFamily="65" charset="-120"/>
+              </a:rPr>
+              <a:t>。</a:t>
+            </a:r>
+            <a:endParaRPr lang="zh-TW" altLang="en-US" dirty="0">
+              <a:latin typeface="標楷體" panose="03000509000000000000" pitchFamily="65" charset="-120"/>
+              <a:ea typeface="標楷體" panose="03000509000000000000" pitchFamily="65" charset="-120"/>
+            </a:endParaRPr>
+          </a:p>
+        </p:txBody>
+      </p:sp>
+      <p:sp>
+        <p:nvSpPr>
+          <p:cNvPr id="35" name="文字方塊 34">
+            <a:extLst>
+              <a:ext uri="{FF2B5EF4-FFF2-40B4-BE49-F238E27FC236}">
+                <a16:creationId xmlns:a16="http://schemas.microsoft.com/office/drawing/2014/main" id="{AE4FA8D1-9998-10FE-5A38-BA4ED3EE085A}"/>
+              </a:ext>
+            </a:extLst>
+          </p:cNvPr>
+          <p:cNvSpPr txBox="1"/>
+          <p:nvPr/>
+        </p:nvSpPr>
+        <p:spPr>
+          <a:xfrm>
+            <a:off x="6724261" y="5228510"/>
+            <a:ext cx="2040294" cy="646331"/>
+          </a:xfrm>
+          <a:prstGeom prst="rect">
+            <a:avLst/>
+          </a:prstGeom>
+          <a:ln>
+            <a:solidFill>
+              <a:srgbClr val="00B0F0"/>
+            </a:solidFill>
+          </a:ln>
+        </p:spPr>
+        <p:style>
+          <a:lnRef idx="2">
+            <a:schemeClr val="dk1"/>
+          </a:lnRef>
+          <a:fillRef idx="1">
+            <a:schemeClr val="lt1"/>
+          </a:fillRef>
+          <a:effectRef idx="0">
+            <a:schemeClr val="dk1"/>
+          </a:effectRef>
+          <a:fontRef idx="minor">
+            <a:schemeClr val="dk1"/>
+          </a:fontRef>
+        </p:style>
+        <p:txBody>
+          <a:bodyPr wrap="square" rtlCol="0">
+            <a:spAutoFit/>
+          </a:bodyPr>
+          <a:lstStyle/>
+          <a:p>
+            <a:pPr algn="just"/>
+            <a:r>
+              <a:rPr lang="zh-TW" altLang="en-US" dirty="0">
+                <a:latin typeface="標楷體" panose="03000509000000000000" pitchFamily="65" charset="-120"/>
+                <a:ea typeface="標楷體" panose="03000509000000000000" pitchFamily="65" charset="-120"/>
+              </a:rPr>
+              <a:t>判斷目前是奇數單位還是偶數單位</a:t>
+            </a:r>
+            <a:r>
+              <a:rPr lang="zh-TW" altLang="en-US" sz="1800" baseline="0" dirty="0">
+                <a:latin typeface="標楷體" panose="03000509000000000000" pitchFamily="65" charset="-120"/>
+                <a:ea typeface="標楷體" panose="03000509000000000000" pitchFamily="65" charset="-120"/>
+              </a:rPr>
+              <a:t>。</a:t>
+            </a:r>
+            <a:endParaRPr lang="zh-TW" altLang="en-US" dirty="0">
+              <a:latin typeface="標楷體" panose="03000509000000000000" pitchFamily="65" charset="-120"/>
+              <a:ea typeface="標楷體" panose="03000509000000000000" pitchFamily="65" charset="-120"/>
+            </a:endParaRPr>
+          </a:p>
+        </p:txBody>
+      </p:sp>
+      <p:cxnSp>
+        <p:nvCxnSpPr>
+          <p:cNvPr id="36" name="直線單箭頭接點 35">
+            <a:extLst>
+              <a:ext uri="{FF2B5EF4-FFF2-40B4-BE49-F238E27FC236}">
+                <a16:creationId xmlns:a16="http://schemas.microsoft.com/office/drawing/2014/main" id="{83DD0F5D-DB77-5944-800B-74A78C319F6E}"/>
+              </a:ext>
+            </a:extLst>
+          </p:cNvPr>
+          <p:cNvCxnSpPr>
+            <a:cxnSpLocks/>
+            <a:stCxn id="16" idx="3"/>
+            <a:endCxn id="35" idx="0"/>
+          </p:cNvCxnSpPr>
+          <p:nvPr/>
+        </p:nvCxnSpPr>
+        <p:spPr>
+          <a:xfrm>
+            <a:off x="4889243" y="2952000"/>
+            <a:ext cx="2855165" cy="2276510"/>
+          </a:xfrm>
+          <a:prstGeom prst="straightConnector1">
+            <a:avLst/>
+          </a:prstGeom>
+          <a:ln>
+            <a:solidFill>
+              <a:srgbClr val="00B0F0"/>
+            </a:solidFill>
+            <a:tailEnd type="triangle"/>
+          </a:ln>
+        </p:spPr>
+        <p:style>
+          <a:lnRef idx="1">
+            <a:schemeClr val="accent1"/>
+          </a:lnRef>
+          <a:fillRef idx="0">
+            <a:schemeClr val="accent1"/>
+          </a:fillRef>
+          <a:effectRef idx="0">
+            <a:schemeClr val="accent1"/>
+          </a:effectRef>
+          <a:fontRef idx="minor">
+            <a:schemeClr val="tx1"/>
+          </a:fontRef>
+        </p:style>
+      </p:cxnSp>
+      <p:cxnSp>
+        <p:nvCxnSpPr>
+          <p:cNvPr id="38" name="直線單箭頭接點 37">
+            <a:extLst>
+              <a:ext uri="{FF2B5EF4-FFF2-40B4-BE49-F238E27FC236}">
+                <a16:creationId xmlns:a16="http://schemas.microsoft.com/office/drawing/2014/main" id="{7C40DE1F-9CCA-9026-BD94-CBEAA2F59FC0}"/>
+              </a:ext>
+            </a:extLst>
+          </p:cNvPr>
+          <p:cNvCxnSpPr>
+            <a:cxnSpLocks/>
+            <a:endCxn id="35" idx="1"/>
+          </p:cNvCxnSpPr>
+          <p:nvPr/>
+        </p:nvCxnSpPr>
+        <p:spPr>
+          <a:xfrm>
+            <a:off x="2155375" y="4584232"/>
+            <a:ext cx="4568886" cy="967444"/>
+          </a:xfrm>
+          <a:prstGeom prst="straightConnector1">
+            <a:avLst/>
+          </a:prstGeom>
+          <a:ln>
+            <a:solidFill>
+              <a:srgbClr val="00B0F0"/>
+            </a:solidFill>
+            <a:tailEnd type="triangle"/>
+          </a:ln>
+        </p:spPr>
+        <p:style>
+          <a:lnRef idx="1">
+            <a:schemeClr val="accent1"/>
+          </a:lnRef>
+          <a:fillRef idx="0">
+            <a:schemeClr val="accent1"/>
+          </a:fillRef>
+          <a:effectRef idx="0">
+            <a:schemeClr val="accent1"/>
+          </a:effectRef>
+          <a:fontRef idx="minor">
+            <a:schemeClr val="tx1"/>
+          </a:fontRef>
+        </p:style>
+      </p:cxnSp>
+    </p:spTree>
+    <p:extLst>
+      <p:ext uri="{BB962C8B-B14F-4D97-AF65-F5344CB8AC3E}">
+        <p14:creationId xmlns:p14="http://schemas.microsoft.com/office/powerpoint/2010/main" val="2189858246"/>
+      </p:ext>
+    </p:extLst>
+  </p:cSld>
+  <p:clrMapOvr>
+    <a:masterClrMapping/>
+  </p:clrMapOvr>
+</p:sld>
+</file>
+
+<file path=ppt/slides/slide14.xml><?xml version="1.0" encoding="utf-8"?>
+<p:sld xmlns:a="http://schemas.openxmlformats.org/drawingml/2006/main" xmlns:r="http://schemas.openxmlformats.org/officeDocument/2006/relationships" xmlns:p="http://schemas.openxmlformats.org/presentationml/2006/main">
+  <p:cSld>
+    <p:spTree>
+      <p:nvGrpSpPr>
+        <p:cNvPr id="1" name=""/>
+        <p:cNvGrpSpPr/>
+        <p:nvPr/>
+      </p:nvGrpSpPr>
+      <p:grpSpPr>
+        <a:xfrm>
+          <a:off x="0" y="0"/>
+          <a:ext cx="0" cy="0"/>
+          <a:chOff x="0" y="0"/>
+          <a:chExt cx="0" cy="0"/>
+        </a:xfrm>
+      </p:grpSpPr>
+      <p:sp>
+        <p:nvSpPr>
+          <p:cNvPr id="2" name="標題 1">
+            <a:extLst>
+              <a:ext uri="{FF2B5EF4-FFF2-40B4-BE49-F238E27FC236}">
+                <a16:creationId xmlns:a16="http://schemas.microsoft.com/office/drawing/2014/main" id="{D6829631-1A27-23C0-BDD8-B2EBCC5435B8}"/>
+              </a:ext>
+            </a:extLst>
+          </p:cNvPr>
+          <p:cNvSpPr>
+            <a:spLocks noGrp="1"/>
+          </p:cNvSpPr>
+          <p:nvPr>
+            <p:ph type="title"/>
+          </p:nvPr>
+        </p:nvSpPr>
+        <p:spPr>
+          <a:xfrm>
+            <a:off x="838200" y="213399"/>
+            <a:ext cx="3467470" cy="513763"/>
+          </a:xfrm>
+        </p:spPr>
+        <p:txBody>
+          <a:bodyPr>
+            <a:normAutofit fontScale="90000"/>
+          </a:bodyPr>
+          <a:lstStyle/>
+          <a:p>
+            <a:r>
+              <a:rPr lang="en-US" altLang="zh-TW" sz="3200" dirty="0">
+                <a:latin typeface="Times New Roman" panose="02020603050405020304" pitchFamily="18" charset="0"/>
+                <a:ea typeface="標楷體" panose="03000509000000000000" pitchFamily="65" charset="-120"/>
+                <a:cs typeface="Times New Roman" panose="02020603050405020304" pitchFamily="18" charset="0"/>
+              </a:rPr>
+              <a:t>DAC</a:t>
+            </a:r>
+            <a:r>
+              <a:rPr lang="zh-TW" altLang="en-US" sz="3200" dirty="0">
+                <a:latin typeface="Times New Roman" panose="02020603050405020304" pitchFamily="18" charset="0"/>
+                <a:ea typeface="標楷體" panose="03000509000000000000" pitchFamily="65" charset="-120"/>
+                <a:cs typeface="Times New Roman" panose="02020603050405020304" pitchFamily="18" charset="0"/>
+              </a:rPr>
+              <a:t>電路設計方法</a:t>
+            </a:r>
+            <a:endParaRPr lang="zh-TW" altLang="en-US" sz="3200" dirty="0">
+              <a:latin typeface="Times New Roman" panose="02020603050405020304" pitchFamily="18" charset="0"/>
+              <a:cs typeface="Times New Roman" panose="02020603050405020304" pitchFamily="18" charset="0"/>
+            </a:endParaRPr>
+          </a:p>
+        </p:txBody>
+      </p:sp>
+      <p:sp>
+        <p:nvSpPr>
+          <p:cNvPr id="3" name="內容版面配置區 2">
+            <a:extLst>
+              <a:ext uri="{FF2B5EF4-FFF2-40B4-BE49-F238E27FC236}">
+                <a16:creationId xmlns:a16="http://schemas.microsoft.com/office/drawing/2014/main" id="{494286DB-3494-E083-7F2E-2EFE8CBC3D90}"/>
+              </a:ext>
+            </a:extLst>
+          </p:cNvPr>
+          <p:cNvSpPr>
+            <a:spLocks noGrp="1"/>
+          </p:cNvSpPr>
+          <p:nvPr>
+            <p:ph idx="1"/>
+          </p:nvPr>
+        </p:nvSpPr>
+        <p:spPr>
+          <a:xfrm>
+            <a:off x="838200" y="883717"/>
+            <a:ext cx="10515600" cy="569581"/>
+          </a:xfrm>
+        </p:spPr>
+        <p:txBody>
+          <a:bodyPr/>
+          <a:lstStyle/>
+          <a:p>
+            <a:r>
               <a:rPr lang="en-US" altLang="zh-TW" dirty="0" err="1">
                 <a:latin typeface="Times New Roman" panose="02020603050405020304" pitchFamily="18" charset="0"/>
                 <a:ea typeface="標楷體" panose="03000509000000000000" pitchFamily="65" charset="-120"/>
@@ -6071,7 +7170,7 @@
 </p:sld>
 </file>
 
-<file path=ppt/slides/slide13.xml><?xml version="1.0" encoding="utf-8"?>
+<file path=ppt/slides/slide15.xml><?xml version="1.0" encoding="utf-8"?>
 <p:sld xmlns:a="http://schemas.openxmlformats.org/drawingml/2006/main" xmlns:r="http://schemas.openxmlformats.org/officeDocument/2006/relationships" xmlns:p="http://schemas.openxmlformats.org/presentationml/2006/main">
   <p:cSld>
     <p:spTree>
@@ -6455,7 +7554,7 @@
 </p:sld>
 </file>
 
-<file path=ppt/slides/slide14.xml><?xml version="1.0" encoding="utf-8"?>
+<file path=ppt/slides/slide16.xml><?xml version="1.0" encoding="utf-8"?>
 <p:sld xmlns:a="http://schemas.openxmlformats.org/drawingml/2006/main" xmlns:r="http://schemas.openxmlformats.org/officeDocument/2006/relationships" xmlns:p="http://schemas.openxmlformats.org/presentationml/2006/main">
   <p:cSld>
     <p:spTree>
@@ -6808,7 +7907,7 @@
 </p:sld>
 </file>
 
-<file path=ppt/slides/slide15.xml><?xml version="1.0" encoding="utf-8"?>
+<file path=ppt/slides/slide17.xml><?xml version="1.0" encoding="utf-8"?>
 <p:sld xmlns:a="http://schemas.openxmlformats.org/drawingml/2006/main" xmlns:r="http://schemas.openxmlformats.org/officeDocument/2006/relationships" xmlns:p="http://schemas.openxmlformats.org/presentationml/2006/main">
   <p:cSld>
     <p:spTree>
@@ -7209,7 +8308,7 @@
 </p:sld>
 </file>
 
-<file path=ppt/slides/slide16.xml><?xml version="1.0" encoding="utf-8"?>
+<file path=ppt/slides/slide18.xml><?xml version="1.0" encoding="utf-8"?>
 <p:sld xmlns:a="http://schemas.openxmlformats.org/drawingml/2006/main" xmlns:r="http://schemas.openxmlformats.org/officeDocument/2006/relationships" xmlns:p="http://schemas.openxmlformats.org/presentationml/2006/main">
   <p:cSld>
     <p:spTree>
@@ -7542,7 +8641,7 @@
 </p:sld>
 </file>
 
-<file path=ppt/slides/slide17.xml><?xml version="1.0" encoding="utf-8"?>
+<file path=ppt/slides/slide19.xml><?xml version="1.0" encoding="utf-8"?>
 <p:sld xmlns:a="http://schemas.openxmlformats.org/drawingml/2006/main" xmlns:r="http://schemas.openxmlformats.org/officeDocument/2006/relationships" xmlns:p="http://schemas.openxmlformats.org/presentationml/2006/main">
   <p:cSld>
     <p:spTree>
@@ -10339,6 +11438,161 @@
           </a:graphicData>
         </a:graphic>
       </p:graphicFrame>
+      <p:sp>
+        <p:nvSpPr>
+          <p:cNvPr id="3" name="矩形 2">
+            <a:extLst>
+              <a:ext uri="{FF2B5EF4-FFF2-40B4-BE49-F238E27FC236}">
+                <a16:creationId xmlns:a16="http://schemas.microsoft.com/office/drawing/2014/main" id="{CC7F4B4E-B461-0EB4-4551-19121ECBB458}"/>
+              </a:ext>
+            </a:extLst>
+          </p:cNvPr>
+          <p:cNvSpPr/>
+          <p:nvPr/>
+        </p:nvSpPr>
+        <p:spPr>
+          <a:xfrm>
+            <a:off x="2164702" y="3536302"/>
+            <a:ext cx="7903029" cy="2603241"/>
+          </a:xfrm>
+          <a:prstGeom prst="rect">
+            <a:avLst/>
+          </a:prstGeom>
+          <a:noFill/>
+          <a:ln w="38100" cap="flat" cmpd="sng" algn="ctr">
+            <a:solidFill>
+              <a:srgbClr val="FF0000"/>
+            </a:solidFill>
+            <a:prstDash val="solid"/>
+            <a:round/>
+            <a:headEnd type="none" w="med" len="med"/>
+            <a:tailEnd type="none" w="med" len="med"/>
+          </a:ln>
+        </p:spPr>
+        <p:style>
+          <a:lnRef idx="0">
+            <a:scrgbClr r="0" g="0" b="0"/>
+          </a:lnRef>
+          <a:fillRef idx="0">
+            <a:scrgbClr r="0" g="0" b="0"/>
+          </a:fillRef>
+          <a:effectRef idx="0">
+            <a:scrgbClr r="0" g="0" b="0"/>
+          </a:effectRef>
+          <a:fontRef idx="minor">
+            <a:schemeClr val="dk1"/>
+          </a:fontRef>
+        </p:style>
+        <p:txBody>
+          <a:bodyPr rtlCol="0" anchor="ctr"/>
+          <a:lstStyle/>
+          <a:p>
+            <a:pPr algn="ctr"/>
+            <a:endParaRPr lang="zh-TW" altLang="en-US"/>
+          </a:p>
+        </p:txBody>
+      </p:sp>
+      <p:sp>
+        <p:nvSpPr>
+          <p:cNvPr id="5" name="文字方塊 4">
+            <a:extLst>
+              <a:ext uri="{FF2B5EF4-FFF2-40B4-BE49-F238E27FC236}">
+                <a16:creationId xmlns:a16="http://schemas.microsoft.com/office/drawing/2014/main" id="{D9698030-60B7-3C3F-F14A-0B07AB533C6F}"/>
+              </a:ext>
+            </a:extLst>
+          </p:cNvPr>
+          <p:cNvSpPr txBox="1"/>
+          <p:nvPr/>
+        </p:nvSpPr>
+        <p:spPr>
+          <a:xfrm>
+            <a:off x="71629" y="3564942"/>
+            <a:ext cx="1533141" cy="646331"/>
+          </a:xfrm>
+          <a:prstGeom prst="rect">
+            <a:avLst/>
+          </a:prstGeom>
+          <a:ln w="38100">
+            <a:solidFill>
+              <a:srgbClr val="00B0F0"/>
+            </a:solidFill>
+          </a:ln>
+        </p:spPr>
+        <p:style>
+          <a:lnRef idx="2">
+            <a:schemeClr val="accent2"/>
+          </a:lnRef>
+          <a:fillRef idx="1">
+            <a:schemeClr val="lt1"/>
+          </a:fillRef>
+          <a:effectRef idx="0">
+            <a:schemeClr val="accent2"/>
+          </a:effectRef>
+          <a:fontRef idx="minor">
+            <a:schemeClr val="dk1"/>
+          </a:fontRef>
+        </p:style>
+        <p:txBody>
+          <a:bodyPr wrap="square" rtlCol="0">
+            <a:spAutoFit/>
+          </a:bodyPr>
+          <a:lstStyle/>
+          <a:p>
+            <a:r>
+              <a:rPr lang="zh-TW" altLang="en-US" dirty="0">
+                <a:latin typeface="標楷體" panose="03000509000000000000" pitchFamily="65" charset="-120"/>
+                <a:ea typeface="標楷體" panose="03000509000000000000" pitchFamily="65" charset="-120"/>
+              </a:rPr>
+              <a:t>序列資料輸出控制訊號</a:t>
+            </a:r>
+          </a:p>
+        </p:txBody>
+      </p:sp>
+      <p:cxnSp>
+        <p:nvCxnSpPr>
+          <p:cNvPr id="7" name="直線單箭頭接點 6">
+            <a:extLst>
+              <a:ext uri="{FF2B5EF4-FFF2-40B4-BE49-F238E27FC236}">
+                <a16:creationId xmlns:a16="http://schemas.microsoft.com/office/drawing/2014/main" id="{884F94DB-FFD4-C7F1-0B44-D0BFAFC47D87}"/>
+              </a:ext>
+            </a:extLst>
+          </p:cNvPr>
+          <p:cNvCxnSpPr>
+            <a:cxnSpLocks/>
+            <a:stCxn id="5" idx="3"/>
+          </p:cNvCxnSpPr>
+          <p:nvPr/>
+        </p:nvCxnSpPr>
+        <p:spPr>
+          <a:xfrm flipV="1">
+            <a:off x="1604770" y="3888107"/>
+            <a:ext cx="519499" cy="1"/>
+          </a:xfrm>
+          <a:prstGeom prst="straightConnector1">
+            <a:avLst/>
+          </a:prstGeom>
+          <a:ln w="38100">
+            <a:solidFill>
+              <a:srgbClr val="00B0F0"/>
+            </a:solidFill>
+            <a:tailEnd type="triangle"/>
+          </a:ln>
+        </p:spPr>
+        <p:style>
+          <a:lnRef idx="1">
+            <a:schemeClr val="accent1"/>
+          </a:lnRef>
+          <a:fillRef idx="0">
+            <a:schemeClr val="accent1"/>
+          </a:fillRef>
+          <a:effectRef idx="0">
+            <a:schemeClr val="accent1"/>
+          </a:effectRef>
+          <a:fontRef idx="minor">
+            <a:schemeClr val="tx1"/>
+          </a:fontRef>
+        </p:style>
+      </p:cxnSp>
     </p:spTree>
     <p:extLst>
       <p:ext uri="{BB962C8B-B14F-4D97-AF65-F5344CB8AC3E}">
@@ -14612,7 +15866,51 @@
                 <a:latin typeface="Times New Roman" panose="02020603050405020304" pitchFamily="18" charset="0"/>
                 <a:cs typeface="Times New Roman" panose="02020603050405020304" pitchFamily="18" charset="0"/>
               </a:rPr>
-              <a:t>data buffer[31:24]=pi_data[7:0]</a:t>
+              <a:t>data buffer[31:24]=pi_data[</a:t>
+            </a:r>
+            <a:r>
+              <a:rPr lang="en-US" altLang="zh-TW" sz="1400" b="0" i="0" dirty="0">
+                <a:solidFill>
+                  <a:srgbClr val="000000"/>
+                </a:solidFill>
+                <a:effectLst/>
+                <a:latin typeface="Times New Roman" panose="02020603050405020304" pitchFamily="18" charset="0"/>
+                <a:cs typeface="Times New Roman" panose="02020603050405020304" pitchFamily="18" charset="0"/>
+              </a:rPr>
+              <a:t>15</a:t>
+            </a:r>
+            <a:r>
+              <a:rPr lang="it-IT" altLang="zh-TW" sz="1400" b="0" i="0" dirty="0">
+                <a:solidFill>
+                  <a:srgbClr val="000000"/>
+                </a:solidFill>
+                <a:effectLst/>
+                <a:latin typeface="Times New Roman" panose="02020603050405020304" pitchFamily="18" charset="0"/>
+                <a:cs typeface="Times New Roman" panose="02020603050405020304" pitchFamily="18" charset="0"/>
+              </a:rPr>
+              <a:t>:</a:t>
+            </a:r>
+            <a:r>
+              <a:rPr lang="en-US" altLang="zh-TW" sz="1400" b="0" i="0" dirty="0">
+                <a:solidFill>
+                  <a:srgbClr val="000000"/>
+                </a:solidFill>
+                <a:effectLst/>
+                <a:latin typeface="Times New Roman" panose="02020603050405020304" pitchFamily="18" charset="0"/>
+                <a:cs typeface="Times New Roman" panose="02020603050405020304" pitchFamily="18" charset="0"/>
+              </a:rPr>
+              <a:t>8</a:t>
+            </a:r>
+            <a:r>
+              <a:rPr lang="it-IT" altLang="zh-TW" sz="1400" b="0" i="0" dirty="0">
+                <a:solidFill>
+                  <a:srgbClr val="000000"/>
+                </a:solidFill>
+                <a:effectLst/>
+                <a:latin typeface="Times New Roman" panose="02020603050405020304" pitchFamily="18" charset="0"/>
+                <a:cs typeface="Times New Roman" panose="02020603050405020304" pitchFamily="18" charset="0"/>
+              </a:rPr>
+              <a:t>]</a:t>
             </a:r>
             <a:br>
               <a:rPr lang="it-IT" altLang="zh-TW" sz="1400" dirty="0">

--- a/報告.pptx
+++ b/報告.pptx
@@ -1,9 +1,12 @@
 
 <file path=ppt/presentation.xml><?xml version="1.0" encoding="utf-8"?>
-<p:presentation xmlns:a="http://schemas.openxmlformats.org/drawingml/2006/main" xmlns:r="http://schemas.openxmlformats.org/officeDocument/2006/relationships" xmlns:p="http://schemas.openxmlformats.org/presentationml/2006/main" saveSubsetFonts="1">
+<p:presentation xmlns:a="http://schemas.openxmlformats.org/drawingml/2006/main" xmlns:r="http://schemas.openxmlformats.org/officeDocument/2006/relationships" xmlns:p="http://schemas.openxmlformats.org/presentationml/2006/main" firstSlideNum="0" saveSubsetFonts="1">
   <p:sldMasterIdLst>
     <p:sldMasterId id="2147483771" r:id="rId1"/>
   </p:sldMasterIdLst>
+  <p:notesMasterIdLst>
+    <p:notesMasterId r:id="rId21"/>
+  </p:notesMasterIdLst>
   <p:sldIdLst>
     <p:sldId id="264" r:id="rId2"/>
     <p:sldId id="279" r:id="rId3"/>
@@ -130,6 +133,355 @@
 </p:presentation>
 </file>
 
+<file path=ppt/notesMasters/notesMaster1.xml><?xml version="1.0" encoding="utf-8"?>
+<p:notesMaster xmlns:a="http://schemas.openxmlformats.org/drawingml/2006/main" xmlns:r="http://schemas.openxmlformats.org/officeDocument/2006/relationships" xmlns:p="http://schemas.openxmlformats.org/presentationml/2006/main">
+  <p:cSld>
+    <p:bg>
+      <p:bgRef idx="1001">
+        <a:schemeClr val="bg1"/>
+      </p:bgRef>
+    </p:bg>
+    <p:spTree>
+      <p:nvGrpSpPr>
+        <p:cNvPr id="1" name=""/>
+        <p:cNvGrpSpPr/>
+        <p:nvPr/>
+      </p:nvGrpSpPr>
+      <p:grpSpPr>
+        <a:xfrm>
+          <a:off x="0" y="0"/>
+          <a:ext cx="0" cy="0"/>
+          <a:chOff x="0" y="0"/>
+          <a:chExt cx="0" cy="0"/>
+        </a:xfrm>
+      </p:grpSpPr>
+      <p:sp>
+        <p:nvSpPr>
+          <p:cNvPr id="2" name="頁首版面配置區 1"/>
+          <p:cNvSpPr>
+            <a:spLocks noGrp="1"/>
+          </p:cNvSpPr>
+          <p:nvPr>
+            <p:ph type="hdr" sz="quarter"/>
+          </p:nvPr>
+        </p:nvSpPr>
+        <p:spPr>
+          <a:xfrm>
+            <a:off x="0" y="0"/>
+            <a:ext cx="2971800" cy="458788"/>
+          </a:xfrm>
+          <a:prstGeom prst="rect">
+            <a:avLst/>
+          </a:prstGeom>
+        </p:spPr>
+        <p:txBody>
+          <a:bodyPr vert="horz" lIns="91440" tIns="45720" rIns="91440" bIns="45720" rtlCol="0"/>
+          <a:lstStyle>
+            <a:lvl1pPr algn="l">
+              <a:defRPr sz="1200"/>
+            </a:lvl1pPr>
+          </a:lstStyle>
+          <a:p>
+            <a:endParaRPr lang="zh-TW" altLang="en-US"/>
+          </a:p>
+        </p:txBody>
+      </p:sp>
+      <p:sp>
+        <p:nvSpPr>
+          <p:cNvPr id="3" name="日期版面配置區 2"/>
+          <p:cNvSpPr>
+            <a:spLocks noGrp="1"/>
+          </p:cNvSpPr>
+          <p:nvPr>
+            <p:ph type="dt" idx="1"/>
+          </p:nvPr>
+        </p:nvSpPr>
+        <p:spPr>
+          <a:xfrm>
+            <a:off x="3884613" y="0"/>
+            <a:ext cx="2971800" cy="458788"/>
+          </a:xfrm>
+          <a:prstGeom prst="rect">
+            <a:avLst/>
+          </a:prstGeom>
+        </p:spPr>
+        <p:txBody>
+          <a:bodyPr vert="horz" lIns="91440" tIns="45720" rIns="91440" bIns="45720" rtlCol="0"/>
+          <a:lstStyle>
+            <a:lvl1pPr algn="r">
+              <a:defRPr sz="1200"/>
+            </a:lvl1pPr>
+          </a:lstStyle>
+          <a:p>
+            <a:fld id="{C6A5C89F-90A5-4978-9708-09FE162F7470}" type="datetimeFigureOut">
+              <a:rPr lang="zh-TW" altLang="en-US" smtClean="0"/>
+              <a:t>2023/9/16</a:t>
+            </a:fld>
+            <a:endParaRPr lang="zh-TW" altLang="en-US"/>
+          </a:p>
+        </p:txBody>
+      </p:sp>
+      <p:sp>
+        <p:nvSpPr>
+          <p:cNvPr id="4" name="投影片影像版面配置區 3"/>
+          <p:cNvSpPr>
+            <a:spLocks noGrp="1" noRot="1" noChangeAspect="1"/>
+          </p:cNvSpPr>
+          <p:nvPr>
+            <p:ph type="sldImg" idx="2"/>
+          </p:nvPr>
+        </p:nvSpPr>
+        <p:spPr>
+          <a:xfrm>
+            <a:off x="685800" y="1143000"/>
+            <a:ext cx="5486400" cy="3086100"/>
+          </a:xfrm>
+          <a:prstGeom prst="rect">
+            <a:avLst/>
+          </a:prstGeom>
+          <a:noFill/>
+          <a:ln w="12700">
+            <a:solidFill>
+              <a:prstClr val="black"/>
+            </a:solidFill>
+          </a:ln>
+        </p:spPr>
+        <p:txBody>
+          <a:bodyPr vert="horz" lIns="91440" tIns="45720" rIns="91440" bIns="45720" rtlCol="0" anchor="ctr"/>
+          <a:lstStyle/>
+          <a:p>
+            <a:endParaRPr lang="zh-TW" altLang="en-US"/>
+          </a:p>
+        </p:txBody>
+      </p:sp>
+      <p:sp>
+        <p:nvSpPr>
+          <p:cNvPr id="5" name="備忘稿版面配置區 4"/>
+          <p:cNvSpPr>
+            <a:spLocks noGrp="1"/>
+          </p:cNvSpPr>
+          <p:nvPr>
+            <p:ph type="body" sz="quarter" idx="3"/>
+          </p:nvPr>
+        </p:nvSpPr>
+        <p:spPr>
+          <a:xfrm>
+            <a:off x="685800" y="4400550"/>
+            <a:ext cx="5486400" cy="3600450"/>
+          </a:xfrm>
+          <a:prstGeom prst="rect">
+            <a:avLst/>
+          </a:prstGeom>
+        </p:spPr>
+        <p:txBody>
+          <a:bodyPr vert="horz" lIns="91440" tIns="45720" rIns="91440" bIns="45720" rtlCol="0"/>
+          <a:lstStyle/>
+          <a:p>
+            <a:pPr lvl="0"/>
+            <a:r>
+              <a:rPr lang="zh-TW" altLang="en-US"/>
+              <a:t>按一下以編輯母片文字樣式</a:t>
+            </a:r>
+          </a:p>
+          <a:p>
+            <a:pPr lvl="1"/>
+            <a:r>
+              <a:rPr lang="zh-TW" altLang="en-US"/>
+              <a:t>第二層</a:t>
+            </a:r>
+          </a:p>
+          <a:p>
+            <a:pPr lvl="2"/>
+            <a:r>
+              <a:rPr lang="zh-TW" altLang="en-US"/>
+              <a:t>第三層</a:t>
+            </a:r>
+          </a:p>
+          <a:p>
+            <a:pPr lvl="3"/>
+            <a:r>
+              <a:rPr lang="zh-TW" altLang="en-US"/>
+              <a:t>第四層</a:t>
+            </a:r>
+          </a:p>
+          <a:p>
+            <a:pPr lvl="4"/>
+            <a:r>
+              <a:rPr lang="zh-TW" altLang="en-US"/>
+              <a:t>第五層</a:t>
+            </a:r>
+          </a:p>
+        </p:txBody>
+      </p:sp>
+      <p:sp>
+        <p:nvSpPr>
+          <p:cNvPr id="6" name="頁尾版面配置區 5"/>
+          <p:cNvSpPr>
+            <a:spLocks noGrp="1"/>
+          </p:cNvSpPr>
+          <p:nvPr>
+            <p:ph type="ftr" sz="quarter" idx="4"/>
+          </p:nvPr>
+        </p:nvSpPr>
+        <p:spPr>
+          <a:xfrm>
+            <a:off x="0" y="8685213"/>
+            <a:ext cx="2971800" cy="458787"/>
+          </a:xfrm>
+          <a:prstGeom prst="rect">
+            <a:avLst/>
+          </a:prstGeom>
+        </p:spPr>
+        <p:txBody>
+          <a:bodyPr vert="horz" lIns="91440" tIns="45720" rIns="91440" bIns="45720" rtlCol="0" anchor="b"/>
+          <a:lstStyle>
+            <a:lvl1pPr algn="l">
+              <a:defRPr sz="1200"/>
+            </a:lvl1pPr>
+          </a:lstStyle>
+          <a:p>
+            <a:endParaRPr lang="zh-TW" altLang="en-US"/>
+          </a:p>
+        </p:txBody>
+      </p:sp>
+      <p:sp>
+        <p:nvSpPr>
+          <p:cNvPr id="7" name="投影片編號版面配置區 6"/>
+          <p:cNvSpPr>
+            <a:spLocks noGrp="1"/>
+          </p:cNvSpPr>
+          <p:nvPr>
+            <p:ph type="sldNum" sz="quarter" idx="5"/>
+          </p:nvPr>
+        </p:nvSpPr>
+        <p:spPr>
+          <a:xfrm>
+            <a:off x="3884613" y="8685213"/>
+            <a:ext cx="2971800" cy="458787"/>
+          </a:xfrm>
+          <a:prstGeom prst="rect">
+            <a:avLst/>
+          </a:prstGeom>
+        </p:spPr>
+        <p:txBody>
+          <a:bodyPr vert="horz" lIns="91440" tIns="45720" rIns="91440" bIns="45720" rtlCol="0" anchor="b"/>
+          <a:lstStyle>
+            <a:lvl1pPr algn="r">
+              <a:defRPr sz="1200"/>
+            </a:lvl1pPr>
+          </a:lstStyle>
+          <a:p>
+            <a:fld id="{E4CADB85-43EA-4722-8648-A864FAB30067}" type="slidenum">
+              <a:rPr lang="zh-TW" altLang="en-US" smtClean="0"/>
+              <a:t>‹#›</a:t>
+            </a:fld>
+            <a:endParaRPr lang="zh-TW" altLang="en-US"/>
+          </a:p>
+        </p:txBody>
+      </p:sp>
+    </p:spTree>
+    <p:extLst>
+      <p:ext uri="{BB962C8B-B14F-4D97-AF65-F5344CB8AC3E}">
+        <p14:creationId xmlns:p14="http://schemas.microsoft.com/office/powerpoint/2010/main" val="4000245975"/>
+      </p:ext>
+    </p:extLst>
+  </p:cSld>
+  <p:clrMap bg1="lt1" tx1="dk1" bg2="lt2" tx2="dk2" accent1="accent1" accent2="accent2" accent3="accent3" accent4="accent4" accent5="accent5" accent6="accent6" hlink="hlink" folHlink="folHlink"/>
+  <p:notesStyle>
+    <a:lvl1pPr marL="0" algn="l" defTabSz="914400" rtl="0" eaLnBrk="1" latinLnBrk="0" hangingPunct="1">
+      <a:defRPr sz="1200" kern="1200">
+        <a:solidFill>
+          <a:schemeClr val="tx1"/>
+        </a:solidFill>
+        <a:latin typeface="+mn-lt"/>
+        <a:ea typeface="+mn-ea"/>
+        <a:cs typeface="+mn-cs"/>
+      </a:defRPr>
+    </a:lvl1pPr>
+    <a:lvl2pPr marL="457200" algn="l" defTabSz="914400" rtl="0" eaLnBrk="1" latinLnBrk="0" hangingPunct="1">
+      <a:defRPr sz="1200" kern="1200">
+        <a:solidFill>
+          <a:schemeClr val="tx1"/>
+        </a:solidFill>
+        <a:latin typeface="+mn-lt"/>
+        <a:ea typeface="+mn-ea"/>
+        <a:cs typeface="+mn-cs"/>
+      </a:defRPr>
+    </a:lvl2pPr>
+    <a:lvl3pPr marL="914400" algn="l" defTabSz="914400" rtl="0" eaLnBrk="1" latinLnBrk="0" hangingPunct="1">
+      <a:defRPr sz="1200" kern="1200">
+        <a:solidFill>
+          <a:schemeClr val="tx1"/>
+        </a:solidFill>
+        <a:latin typeface="+mn-lt"/>
+        <a:ea typeface="+mn-ea"/>
+        <a:cs typeface="+mn-cs"/>
+      </a:defRPr>
+    </a:lvl3pPr>
+    <a:lvl4pPr marL="1371600" algn="l" defTabSz="914400" rtl="0" eaLnBrk="1" latinLnBrk="0" hangingPunct="1">
+      <a:defRPr sz="1200" kern="1200">
+        <a:solidFill>
+          <a:schemeClr val="tx1"/>
+        </a:solidFill>
+        <a:latin typeface="+mn-lt"/>
+        <a:ea typeface="+mn-ea"/>
+        <a:cs typeface="+mn-cs"/>
+      </a:defRPr>
+    </a:lvl4pPr>
+    <a:lvl5pPr marL="1828800" algn="l" defTabSz="914400" rtl="0" eaLnBrk="1" latinLnBrk="0" hangingPunct="1">
+      <a:defRPr sz="1200" kern="1200">
+        <a:solidFill>
+          <a:schemeClr val="tx1"/>
+        </a:solidFill>
+        <a:latin typeface="+mn-lt"/>
+        <a:ea typeface="+mn-ea"/>
+        <a:cs typeface="+mn-cs"/>
+      </a:defRPr>
+    </a:lvl5pPr>
+    <a:lvl6pPr marL="2286000" algn="l" defTabSz="914400" rtl="0" eaLnBrk="1" latinLnBrk="0" hangingPunct="1">
+      <a:defRPr sz="1200" kern="1200">
+        <a:solidFill>
+          <a:schemeClr val="tx1"/>
+        </a:solidFill>
+        <a:latin typeface="+mn-lt"/>
+        <a:ea typeface="+mn-ea"/>
+        <a:cs typeface="+mn-cs"/>
+      </a:defRPr>
+    </a:lvl6pPr>
+    <a:lvl7pPr marL="2743200" algn="l" defTabSz="914400" rtl="0" eaLnBrk="1" latinLnBrk="0" hangingPunct="1">
+      <a:defRPr sz="1200" kern="1200">
+        <a:solidFill>
+          <a:schemeClr val="tx1"/>
+        </a:solidFill>
+        <a:latin typeface="+mn-lt"/>
+        <a:ea typeface="+mn-ea"/>
+        <a:cs typeface="+mn-cs"/>
+      </a:defRPr>
+    </a:lvl7pPr>
+    <a:lvl8pPr marL="3200400" algn="l" defTabSz="914400" rtl="0" eaLnBrk="1" latinLnBrk="0" hangingPunct="1">
+      <a:defRPr sz="1200" kern="1200">
+        <a:solidFill>
+          <a:schemeClr val="tx1"/>
+        </a:solidFill>
+        <a:latin typeface="+mn-lt"/>
+        <a:ea typeface="+mn-ea"/>
+        <a:cs typeface="+mn-cs"/>
+      </a:defRPr>
+    </a:lvl8pPr>
+    <a:lvl9pPr marL="3657600" algn="l" defTabSz="914400" rtl="0" eaLnBrk="1" latinLnBrk="0" hangingPunct="1">
+      <a:defRPr sz="1200" kern="1200">
+        <a:solidFill>
+          <a:schemeClr val="tx1"/>
+        </a:solidFill>
+        <a:latin typeface="+mn-lt"/>
+        <a:ea typeface="+mn-ea"/>
+        <a:cs typeface="+mn-cs"/>
+      </a:defRPr>
+    </a:lvl9pPr>
+  </p:notesStyle>
+</p:notesMaster>
+</file>
+
 <file path=ppt/slideLayouts/slideLayout1.xml><?xml version="1.0" encoding="utf-8"?>
 <p:sldLayout xmlns:a="http://schemas.openxmlformats.org/drawingml/2006/main" xmlns:r="http://schemas.openxmlformats.org/officeDocument/2006/relationships" xmlns:p="http://schemas.openxmlformats.org/presentationml/2006/main" type="title" preserve="1">
   <p:cSld name="標題投影片">
@@ -275,9 +627,9 @@
           <a:bodyPr/>
           <a:lstStyle/>
           <a:p>
-            <a:fld id="{EFAD279E-6BF3-4279-B7EE-764C02BA97D8}" type="datetimeFigureOut">
+            <a:fld id="{7B9F1DEA-D53E-418F-9601-65CB2D44DBAC}" type="datetime1">
               <a:rPr lang="zh-TW" altLang="en-US" smtClean="0"/>
-              <a:t>2023/9/14</a:t>
+              <a:t>2023/9/16</a:t>
             </a:fld>
             <a:endParaRPr lang="zh-TW" altLang="en-US"/>
           </a:p>
@@ -473,9 +825,9 @@
           <a:bodyPr/>
           <a:lstStyle/>
           <a:p>
-            <a:fld id="{EFAD279E-6BF3-4279-B7EE-764C02BA97D8}" type="datetimeFigureOut">
+            <a:fld id="{D575D84A-A488-4476-A2A3-402D9860F408}" type="datetime1">
               <a:rPr lang="zh-TW" altLang="en-US" smtClean="0"/>
-              <a:t>2023/9/14</a:t>
+              <a:t>2023/9/16</a:t>
             </a:fld>
             <a:endParaRPr lang="zh-TW" altLang="en-US"/>
           </a:p>
@@ -681,9 +1033,9 @@
           <a:bodyPr/>
           <a:lstStyle/>
           <a:p>
-            <a:fld id="{EFAD279E-6BF3-4279-B7EE-764C02BA97D8}" type="datetimeFigureOut">
+            <a:fld id="{B34B8E99-3CE6-4C23-903B-6E2022407E85}" type="datetime1">
               <a:rPr lang="zh-TW" altLang="en-US" smtClean="0"/>
-              <a:t>2023/9/14</a:t>
+              <a:t>2023/9/16</a:t>
             </a:fld>
             <a:endParaRPr lang="zh-TW" altLang="en-US"/>
           </a:p>
@@ -879,9 +1231,9 @@
           <a:bodyPr/>
           <a:lstStyle/>
           <a:p>
-            <a:fld id="{EFAD279E-6BF3-4279-B7EE-764C02BA97D8}" type="datetimeFigureOut">
+            <a:fld id="{32255026-5322-401B-9A6B-0AF0707852BB}" type="datetime1">
               <a:rPr lang="zh-TW" altLang="en-US" smtClean="0"/>
-              <a:t>2023/9/14</a:t>
+              <a:t>2023/9/16</a:t>
             </a:fld>
             <a:endParaRPr lang="zh-TW" altLang="en-US"/>
           </a:p>
@@ -1154,9 +1506,9 @@
           <a:bodyPr/>
           <a:lstStyle/>
           <a:p>
-            <a:fld id="{EFAD279E-6BF3-4279-B7EE-764C02BA97D8}" type="datetimeFigureOut">
+            <a:fld id="{1D6C6123-09B3-417D-A016-A384BDC18CE0}" type="datetime1">
               <a:rPr lang="zh-TW" altLang="en-US" smtClean="0"/>
-              <a:t>2023/9/14</a:t>
+              <a:t>2023/9/16</a:t>
             </a:fld>
             <a:endParaRPr lang="zh-TW" altLang="en-US"/>
           </a:p>
@@ -1419,9 +1771,9 @@
           <a:bodyPr/>
           <a:lstStyle/>
           <a:p>
-            <a:fld id="{EFAD279E-6BF3-4279-B7EE-764C02BA97D8}" type="datetimeFigureOut">
+            <a:fld id="{E6FF7DF0-28FD-4BC0-8F1E-2A13C0395A59}" type="datetime1">
               <a:rPr lang="zh-TW" altLang="en-US" smtClean="0"/>
-              <a:t>2023/9/14</a:t>
+              <a:t>2023/9/16</a:t>
             </a:fld>
             <a:endParaRPr lang="zh-TW" altLang="en-US"/>
           </a:p>
@@ -1831,9 +2183,9 @@
           <a:bodyPr/>
           <a:lstStyle/>
           <a:p>
-            <a:fld id="{EFAD279E-6BF3-4279-B7EE-764C02BA97D8}" type="datetimeFigureOut">
+            <a:fld id="{4A7BAAD3-2B42-4A1F-9B92-DE8C0E11C7C4}" type="datetime1">
               <a:rPr lang="zh-TW" altLang="en-US" smtClean="0"/>
-              <a:t>2023/9/14</a:t>
+              <a:t>2023/9/16</a:t>
             </a:fld>
             <a:endParaRPr lang="zh-TW" altLang="en-US"/>
           </a:p>
@@ -1972,9 +2324,9 @@
           <a:bodyPr/>
           <a:lstStyle/>
           <a:p>
-            <a:fld id="{EFAD279E-6BF3-4279-B7EE-764C02BA97D8}" type="datetimeFigureOut">
+            <a:fld id="{DD9A8333-740F-47CB-8984-82F8FE7DD697}" type="datetime1">
               <a:rPr lang="zh-TW" altLang="en-US" smtClean="0"/>
-              <a:t>2023/9/14</a:t>
+              <a:t>2023/9/16</a:t>
             </a:fld>
             <a:endParaRPr lang="zh-TW" altLang="en-US"/>
           </a:p>
@@ -2085,9 +2437,9 @@
           <a:bodyPr/>
           <a:lstStyle/>
           <a:p>
-            <a:fld id="{EFAD279E-6BF3-4279-B7EE-764C02BA97D8}" type="datetimeFigureOut">
+            <a:fld id="{F2E00FFC-A097-42A1-BA02-4D31F0FD5672}" type="datetime1">
               <a:rPr lang="zh-TW" altLang="en-US" smtClean="0"/>
-              <a:t>2023/9/14</a:t>
+              <a:t>2023/9/16</a:t>
             </a:fld>
             <a:endParaRPr lang="zh-TW" altLang="en-US"/>
           </a:p>
@@ -2396,9 +2748,9 @@
           <a:bodyPr/>
           <a:lstStyle/>
           <a:p>
-            <a:fld id="{EFAD279E-6BF3-4279-B7EE-764C02BA97D8}" type="datetimeFigureOut">
+            <a:fld id="{8E2B1F83-32F0-405D-93A8-DE74FB22C1E8}" type="datetime1">
               <a:rPr lang="zh-TW" altLang="en-US" smtClean="0"/>
-              <a:t>2023/9/14</a:t>
+              <a:t>2023/9/16</a:t>
             </a:fld>
             <a:endParaRPr lang="zh-TW" altLang="en-US"/>
           </a:p>
@@ -2684,9 +3036,9 @@
           <a:bodyPr/>
           <a:lstStyle/>
           <a:p>
-            <a:fld id="{EFAD279E-6BF3-4279-B7EE-764C02BA97D8}" type="datetimeFigureOut">
+            <a:fld id="{CEABB796-8073-476A-8873-E065663BBCF7}" type="datetime1">
               <a:rPr lang="zh-TW" altLang="en-US" smtClean="0"/>
-              <a:t>2023/9/14</a:t>
+              <a:t>2023/9/16</a:t>
             </a:fld>
             <a:endParaRPr lang="zh-TW" altLang="en-US"/>
           </a:p>
@@ -2925,9 +3277,9 @@
             </a:lvl1pPr>
           </a:lstStyle>
           <a:p>
-            <a:fld id="{EFAD279E-6BF3-4279-B7EE-764C02BA97D8}" type="datetimeFigureOut">
+            <a:fld id="{18C29A18-D70E-49E9-AAB8-63D7517E0DC7}" type="datetime1">
               <a:rPr lang="zh-TW" altLang="en-US" smtClean="0"/>
-              <a:t>2023/9/14</a:t>
+              <a:t>2023/9/16</a:t>
             </a:fld>
             <a:endParaRPr lang="zh-TW" altLang="en-US"/>
           </a:p>
@@ -3044,6 +3396,7 @@
     <p:sldLayoutId id="2147483781" r:id="rId10"/>
     <p:sldLayoutId id="2147483782" r:id="rId11"/>
   </p:sldLayoutIdLst>
+  <p:hf hdr="0" ftr="0" dt="0"/>
   <p:txStyles>
     <p:titleStyle>
       <a:lvl1pPr algn="l" defTabSz="914400" rtl="0" eaLnBrk="1" latinLnBrk="0" hangingPunct="1">
@@ -3962,6 +4315,35 @@
           </a:p>
         </p:txBody>
       </p:sp>
+      <p:sp>
+        <p:nvSpPr>
+          <p:cNvPr id="10" name="投影片編號版面配置區 9">
+            <a:extLst>
+              <a:ext uri="{FF2B5EF4-FFF2-40B4-BE49-F238E27FC236}">
+                <a16:creationId xmlns:a16="http://schemas.microsoft.com/office/drawing/2014/main" id="{54D6B188-C68D-6CB5-C850-4BD1FF4E8E7B}"/>
+              </a:ext>
+            </a:extLst>
+          </p:cNvPr>
+          <p:cNvSpPr>
+            <a:spLocks noGrp="1"/>
+          </p:cNvSpPr>
+          <p:nvPr>
+            <p:ph type="sldNum" sz="quarter" idx="12"/>
+          </p:nvPr>
+        </p:nvSpPr>
+        <p:spPr/>
+        <p:txBody>
+          <a:bodyPr/>
+          <a:lstStyle/>
+          <a:p>
+            <a:fld id="{7D3C2007-09EB-4B8E-B7A7-F48258516163}" type="slidenum">
+              <a:rPr lang="zh-TW" altLang="en-US" smtClean="0"/>
+              <a:t>9</a:t>
+            </a:fld>
+            <a:endParaRPr lang="zh-TW" altLang="en-US"/>
+          </a:p>
+        </p:txBody>
+      </p:sp>
     </p:spTree>
     <p:extLst>
       <p:ext uri="{BB962C8B-B14F-4D97-AF65-F5344CB8AC3E}">
@@ -5316,6 +5698,35 @@
           </a:p>
         </p:txBody>
       </p:sp>
+      <p:sp>
+        <p:nvSpPr>
+          <p:cNvPr id="8" name="投影片編號版面配置區 7">
+            <a:extLst>
+              <a:ext uri="{FF2B5EF4-FFF2-40B4-BE49-F238E27FC236}">
+                <a16:creationId xmlns:a16="http://schemas.microsoft.com/office/drawing/2014/main" id="{DF36488A-59A1-5CEB-216D-706FB757AD49}"/>
+              </a:ext>
+            </a:extLst>
+          </p:cNvPr>
+          <p:cNvSpPr>
+            <a:spLocks noGrp="1"/>
+          </p:cNvSpPr>
+          <p:nvPr>
+            <p:ph type="sldNum" sz="quarter" idx="12"/>
+          </p:nvPr>
+        </p:nvSpPr>
+        <p:spPr/>
+        <p:txBody>
+          <a:bodyPr/>
+          <a:lstStyle/>
+          <a:p>
+            <a:fld id="{7D3C2007-09EB-4B8E-B7A7-F48258516163}" type="slidenum">
+              <a:rPr lang="zh-TW" altLang="en-US" smtClean="0"/>
+              <a:t>10</a:t>
+            </a:fld>
+            <a:endParaRPr lang="zh-TW" altLang="en-US"/>
+          </a:p>
+        </p:txBody>
+      </p:sp>
     </p:spTree>
     <p:extLst>
       <p:ext uri="{BB962C8B-B14F-4D97-AF65-F5344CB8AC3E}">
@@ -5695,6 +6106,35 @@
           <a:lstStyle/>
           <a:p>
             <a:pPr algn="ctr"/>
+            <a:endParaRPr lang="zh-TW" altLang="en-US"/>
+          </a:p>
+        </p:txBody>
+      </p:sp>
+      <p:sp>
+        <p:nvSpPr>
+          <p:cNvPr id="9" name="投影片編號版面配置區 8">
+            <a:extLst>
+              <a:ext uri="{FF2B5EF4-FFF2-40B4-BE49-F238E27FC236}">
+                <a16:creationId xmlns:a16="http://schemas.microsoft.com/office/drawing/2014/main" id="{3F5819A4-46EB-B405-649F-EC6FC5B0A08F}"/>
+              </a:ext>
+            </a:extLst>
+          </p:cNvPr>
+          <p:cNvSpPr>
+            <a:spLocks noGrp="1"/>
+          </p:cNvSpPr>
+          <p:nvPr>
+            <p:ph type="sldNum" sz="quarter" idx="12"/>
+          </p:nvPr>
+        </p:nvSpPr>
+        <p:spPr/>
+        <p:txBody>
+          <a:bodyPr/>
+          <a:lstStyle/>
+          <a:p>
+            <a:fld id="{7D3C2007-09EB-4B8E-B7A7-F48258516163}" type="slidenum">
+              <a:rPr lang="zh-TW" altLang="en-US" smtClean="0"/>
+              <a:t>11</a:t>
+            </a:fld>
             <a:endParaRPr lang="zh-TW" altLang="en-US"/>
           </a:p>
         </p:txBody>
@@ -6413,6 +6853,35 @@
           </a:fontRef>
         </p:style>
       </p:cxnSp>
+      <p:sp>
+        <p:nvSpPr>
+          <p:cNvPr id="6" name="投影片編號版面配置區 5">
+            <a:extLst>
+              <a:ext uri="{FF2B5EF4-FFF2-40B4-BE49-F238E27FC236}">
+                <a16:creationId xmlns:a16="http://schemas.microsoft.com/office/drawing/2014/main" id="{4D7B64F7-D21F-F0DB-3650-62AC66E6B562}"/>
+              </a:ext>
+            </a:extLst>
+          </p:cNvPr>
+          <p:cNvSpPr>
+            <a:spLocks noGrp="1"/>
+          </p:cNvSpPr>
+          <p:nvPr>
+            <p:ph type="sldNum" sz="quarter" idx="12"/>
+          </p:nvPr>
+        </p:nvSpPr>
+        <p:spPr/>
+        <p:txBody>
+          <a:bodyPr/>
+          <a:lstStyle/>
+          <a:p>
+            <a:fld id="{7D3C2007-09EB-4B8E-B7A7-F48258516163}" type="slidenum">
+              <a:rPr lang="zh-TW" altLang="en-US" smtClean="0"/>
+              <a:t>12</a:t>
+            </a:fld>
+            <a:endParaRPr lang="zh-TW" altLang="en-US"/>
+          </a:p>
+        </p:txBody>
+      </p:sp>
     </p:spTree>
     <p:extLst>
       <p:ext uri="{BB962C8B-B14F-4D97-AF65-F5344CB8AC3E}">
@@ -7157,6 +7626,35 @@
           </a:p>
         </p:txBody>
       </p:sp>
+      <p:sp>
+        <p:nvSpPr>
+          <p:cNvPr id="9" name="投影片編號版面配置區 8">
+            <a:extLst>
+              <a:ext uri="{FF2B5EF4-FFF2-40B4-BE49-F238E27FC236}">
+                <a16:creationId xmlns:a16="http://schemas.microsoft.com/office/drawing/2014/main" id="{1EE500A4-D943-E961-C83A-279937B19089}"/>
+              </a:ext>
+            </a:extLst>
+          </p:cNvPr>
+          <p:cNvSpPr>
+            <a:spLocks noGrp="1"/>
+          </p:cNvSpPr>
+          <p:nvPr>
+            <p:ph type="sldNum" sz="quarter" idx="12"/>
+          </p:nvPr>
+        </p:nvSpPr>
+        <p:spPr/>
+        <p:txBody>
+          <a:bodyPr/>
+          <a:lstStyle/>
+          <a:p>
+            <a:fld id="{7D3C2007-09EB-4B8E-B7A7-F48258516163}" type="slidenum">
+              <a:rPr lang="zh-TW" altLang="en-US" smtClean="0"/>
+              <a:t>13</a:t>
+            </a:fld>
+            <a:endParaRPr lang="zh-TW" altLang="en-US"/>
+          </a:p>
+        </p:txBody>
+      </p:sp>
     </p:spTree>
     <p:extLst>
       <p:ext uri="{BB962C8B-B14F-4D97-AF65-F5344CB8AC3E}">
@@ -7541,6 +8039,35 @@
           </a:p>
         </p:txBody>
       </p:sp>
+      <p:sp>
+        <p:nvSpPr>
+          <p:cNvPr id="7" name="投影片編號版面配置區 6">
+            <a:extLst>
+              <a:ext uri="{FF2B5EF4-FFF2-40B4-BE49-F238E27FC236}">
+                <a16:creationId xmlns:a16="http://schemas.microsoft.com/office/drawing/2014/main" id="{88DC0D18-D273-4FA9-8425-D7172918B59E}"/>
+              </a:ext>
+            </a:extLst>
+          </p:cNvPr>
+          <p:cNvSpPr>
+            <a:spLocks noGrp="1"/>
+          </p:cNvSpPr>
+          <p:nvPr>
+            <p:ph type="sldNum" sz="quarter" idx="12"/>
+          </p:nvPr>
+        </p:nvSpPr>
+        <p:spPr/>
+        <p:txBody>
+          <a:bodyPr/>
+          <a:lstStyle/>
+          <a:p>
+            <a:fld id="{7D3C2007-09EB-4B8E-B7A7-F48258516163}" type="slidenum">
+              <a:rPr lang="zh-TW" altLang="en-US" smtClean="0"/>
+              <a:t>14</a:t>
+            </a:fld>
+            <a:endParaRPr lang="zh-TW" altLang="en-US"/>
+          </a:p>
+        </p:txBody>
+      </p:sp>
     </p:spTree>
     <p:extLst>
       <p:ext uri="{BB962C8B-B14F-4D97-AF65-F5344CB8AC3E}">
@@ -7894,6 +8421,35 @@
           </a:p>
         </p:txBody>
       </p:sp>
+      <p:sp>
+        <p:nvSpPr>
+          <p:cNvPr id="8" name="投影片編號版面配置區 7">
+            <a:extLst>
+              <a:ext uri="{FF2B5EF4-FFF2-40B4-BE49-F238E27FC236}">
+                <a16:creationId xmlns:a16="http://schemas.microsoft.com/office/drawing/2014/main" id="{D016CE1A-F96F-E957-0BCC-EB3E769912A9}"/>
+              </a:ext>
+            </a:extLst>
+          </p:cNvPr>
+          <p:cNvSpPr>
+            <a:spLocks noGrp="1"/>
+          </p:cNvSpPr>
+          <p:nvPr>
+            <p:ph type="sldNum" sz="quarter" idx="12"/>
+          </p:nvPr>
+        </p:nvSpPr>
+        <p:spPr/>
+        <p:txBody>
+          <a:bodyPr/>
+          <a:lstStyle/>
+          <a:p>
+            <a:fld id="{7D3C2007-09EB-4B8E-B7A7-F48258516163}" type="slidenum">
+              <a:rPr lang="zh-TW" altLang="en-US" smtClean="0"/>
+              <a:t>15</a:t>
+            </a:fld>
+            <a:endParaRPr lang="zh-TW" altLang="en-US"/>
+          </a:p>
+        </p:txBody>
+      </p:sp>
     </p:spTree>
     <p:extLst>
       <p:ext uri="{BB962C8B-B14F-4D97-AF65-F5344CB8AC3E}">
@@ -8295,6 +8851,35 @@
           </a:prstGeom>
         </p:spPr>
       </p:pic>
+      <p:sp>
+        <p:nvSpPr>
+          <p:cNvPr id="6" name="投影片編號版面配置區 5">
+            <a:extLst>
+              <a:ext uri="{FF2B5EF4-FFF2-40B4-BE49-F238E27FC236}">
+                <a16:creationId xmlns:a16="http://schemas.microsoft.com/office/drawing/2014/main" id="{12912E56-7DEC-E523-E748-72AF0F8DD08B}"/>
+              </a:ext>
+            </a:extLst>
+          </p:cNvPr>
+          <p:cNvSpPr>
+            <a:spLocks noGrp="1"/>
+          </p:cNvSpPr>
+          <p:nvPr>
+            <p:ph type="sldNum" sz="quarter" idx="12"/>
+          </p:nvPr>
+        </p:nvSpPr>
+        <p:spPr/>
+        <p:txBody>
+          <a:bodyPr/>
+          <a:lstStyle/>
+          <a:p>
+            <a:fld id="{7D3C2007-09EB-4B8E-B7A7-F48258516163}" type="slidenum">
+              <a:rPr lang="zh-TW" altLang="en-US" smtClean="0"/>
+              <a:t>16</a:t>
+            </a:fld>
+            <a:endParaRPr lang="zh-TW" altLang="en-US"/>
+          </a:p>
+        </p:txBody>
+      </p:sp>
     </p:spTree>
     <p:extLst>
       <p:ext uri="{BB962C8B-B14F-4D97-AF65-F5344CB8AC3E}">
@@ -8628,6 +9213,35 @@
           </a:p>
         </p:txBody>
       </p:sp>
+      <p:sp>
+        <p:nvSpPr>
+          <p:cNvPr id="5" name="投影片編號版面配置區 4">
+            <a:extLst>
+              <a:ext uri="{FF2B5EF4-FFF2-40B4-BE49-F238E27FC236}">
+                <a16:creationId xmlns:a16="http://schemas.microsoft.com/office/drawing/2014/main" id="{469C453B-7DDE-11EC-E322-A72C9D020379}"/>
+              </a:ext>
+            </a:extLst>
+          </p:cNvPr>
+          <p:cNvSpPr>
+            <a:spLocks noGrp="1"/>
+          </p:cNvSpPr>
+          <p:nvPr>
+            <p:ph type="sldNum" sz="quarter" idx="12"/>
+          </p:nvPr>
+        </p:nvSpPr>
+        <p:spPr/>
+        <p:txBody>
+          <a:bodyPr/>
+          <a:lstStyle/>
+          <a:p>
+            <a:fld id="{7D3C2007-09EB-4B8E-B7A7-F48258516163}" type="slidenum">
+              <a:rPr lang="zh-TW" altLang="en-US" smtClean="0"/>
+              <a:t>17</a:t>
+            </a:fld>
+            <a:endParaRPr lang="zh-TW" altLang="en-US"/>
+          </a:p>
+        </p:txBody>
+      </p:sp>
     </p:spTree>
     <p:extLst>
       <p:ext uri="{BB962C8B-B14F-4D97-AF65-F5344CB8AC3E}">
@@ -8690,6 +9304,35 @@
               <a:latin typeface="Times New Roman" panose="02020603050405020304" pitchFamily="18" charset="0"/>
               <a:cs typeface="Times New Roman" panose="02020603050405020304" pitchFamily="18" charset="0"/>
             </a:endParaRPr>
+          </a:p>
+        </p:txBody>
+      </p:sp>
+      <p:sp>
+        <p:nvSpPr>
+          <p:cNvPr id="5" name="投影片編號版面配置區 4">
+            <a:extLst>
+              <a:ext uri="{FF2B5EF4-FFF2-40B4-BE49-F238E27FC236}">
+                <a16:creationId xmlns:a16="http://schemas.microsoft.com/office/drawing/2014/main" id="{E49C0161-88B5-7E53-ACE8-51A709C5A37E}"/>
+              </a:ext>
+            </a:extLst>
+          </p:cNvPr>
+          <p:cNvSpPr>
+            <a:spLocks noGrp="1"/>
+          </p:cNvSpPr>
+          <p:nvPr>
+            <p:ph type="sldNum" sz="quarter" idx="12"/>
+          </p:nvPr>
+        </p:nvSpPr>
+        <p:spPr/>
+        <p:txBody>
+          <a:bodyPr/>
+          <a:lstStyle/>
+          <a:p>
+            <a:fld id="{7D3C2007-09EB-4B8E-B7A7-F48258516163}" type="slidenum">
+              <a:rPr lang="zh-TW" altLang="en-US" smtClean="0"/>
+              <a:t>18</a:t>
+            </a:fld>
+            <a:endParaRPr lang="zh-TW" altLang="en-US"/>
           </a:p>
         </p:txBody>
       </p:sp>
@@ -8784,7 +9427,7 @@
                 <a:latin typeface="標楷體" panose="03000509000000000000" pitchFamily="65" charset="-120"/>
                 <a:ea typeface="標楷體" panose="03000509000000000000" pitchFamily="65" charset="-120"/>
               </a:rPr>
-              <a:t>系統架構</a:t>
+              <a:t>系統方塊圖</a:t>
             </a:r>
             <a:endParaRPr lang="en-US" altLang="zh-TW" dirty="0">
               <a:latin typeface="標楷體" panose="03000509000000000000" pitchFamily="65" charset="-120"/>
@@ -8939,6 +9582,35 @@
               <a:latin typeface="標楷體" panose="03000509000000000000" pitchFamily="65" charset="-120"/>
               <a:ea typeface="標楷體" panose="03000509000000000000" pitchFamily="65" charset="-120"/>
             </a:endParaRPr>
+          </a:p>
+        </p:txBody>
+      </p:sp>
+      <p:sp>
+        <p:nvSpPr>
+          <p:cNvPr id="6" name="投影片編號版面配置區 5">
+            <a:extLst>
+              <a:ext uri="{FF2B5EF4-FFF2-40B4-BE49-F238E27FC236}">
+                <a16:creationId xmlns:a16="http://schemas.microsoft.com/office/drawing/2014/main" id="{6D605EB6-D75E-5EB9-FBD2-B1F4DCE66895}"/>
+              </a:ext>
+            </a:extLst>
+          </p:cNvPr>
+          <p:cNvSpPr>
+            <a:spLocks noGrp="1"/>
+          </p:cNvSpPr>
+          <p:nvPr>
+            <p:ph type="sldNum" sz="quarter" idx="12"/>
+          </p:nvPr>
+        </p:nvSpPr>
+        <p:spPr/>
+        <p:txBody>
+          <a:bodyPr/>
+          <a:lstStyle/>
+          <a:p>
+            <a:fld id="{7D3C2007-09EB-4B8E-B7A7-F48258516163}" type="slidenum">
+              <a:rPr lang="zh-TW" altLang="en-US" smtClean="0"/>
+              <a:t>1</a:t>
+            </a:fld>
+            <a:endParaRPr lang="zh-TW" altLang="en-US"/>
           </a:p>
         </p:txBody>
       </p:sp>
@@ -9005,7 +9677,7 @@
                 <a:latin typeface="標楷體" panose="03000509000000000000" pitchFamily="65" charset="-120"/>
                 <a:ea typeface="標楷體" panose="03000509000000000000" pitchFamily="65" charset="-120"/>
               </a:rPr>
-              <a:t>系統架構</a:t>
+              <a:t>系統方塊圖</a:t>
             </a:r>
             <a:endParaRPr lang="zh-TW" altLang="en-US" sz="3200" dirty="0"/>
           </a:p>
@@ -9047,6 +9719,35 @@
           </a:prstGeom>
         </p:spPr>
       </p:pic>
+      <p:sp>
+        <p:nvSpPr>
+          <p:cNvPr id="6" name="投影片編號版面配置區 5">
+            <a:extLst>
+              <a:ext uri="{FF2B5EF4-FFF2-40B4-BE49-F238E27FC236}">
+                <a16:creationId xmlns:a16="http://schemas.microsoft.com/office/drawing/2014/main" id="{E1A4AD4C-03B4-5302-C701-E9A96BC2EF21}"/>
+              </a:ext>
+            </a:extLst>
+          </p:cNvPr>
+          <p:cNvSpPr>
+            <a:spLocks noGrp="1"/>
+          </p:cNvSpPr>
+          <p:nvPr>
+            <p:ph type="sldNum" sz="quarter" idx="12"/>
+          </p:nvPr>
+        </p:nvSpPr>
+        <p:spPr/>
+        <p:txBody>
+          <a:bodyPr/>
+          <a:lstStyle/>
+          <a:p>
+            <a:fld id="{7D3C2007-09EB-4B8E-B7A7-F48258516163}" type="slidenum">
+              <a:rPr lang="zh-TW" altLang="en-US" smtClean="0"/>
+              <a:t>2</a:t>
+            </a:fld>
+            <a:endParaRPr lang="zh-TW" altLang="en-US"/>
+          </a:p>
+        </p:txBody>
+      </p:sp>
     </p:spTree>
     <p:extLst>
       <p:ext uri="{BB962C8B-B14F-4D97-AF65-F5344CB8AC3E}">
@@ -11512,21 +12213,17 @@
           <a:prstGeom prst="rect">
             <a:avLst/>
           </a:prstGeom>
-          <a:ln w="38100">
-            <a:solidFill>
-              <a:srgbClr val="00B0F0"/>
-            </a:solidFill>
-          </a:ln>
+          <a:ln/>
         </p:spPr>
         <p:style>
           <a:lnRef idx="2">
-            <a:schemeClr val="accent2"/>
+            <a:schemeClr val="dk1"/>
           </a:lnRef>
           <a:fillRef idx="1">
             <a:schemeClr val="lt1"/>
           </a:fillRef>
           <a:effectRef idx="0">
-            <a:schemeClr val="accent2"/>
+            <a:schemeClr val="dk1"/>
           </a:effectRef>
           <a:fontRef idx="minor">
             <a:schemeClr val="dk1"/>
@@ -11571,28 +12268,54 @@
           <a:prstGeom prst="straightConnector1">
             <a:avLst/>
           </a:prstGeom>
-          <a:ln w="38100">
-            <a:solidFill>
-              <a:srgbClr val="00B0F0"/>
-            </a:solidFill>
+          <a:ln>
             <a:tailEnd type="triangle"/>
           </a:ln>
         </p:spPr>
         <p:style>
           <a:lnRef idx="1">
-            <a:schemeClr val="accent1"/>
+            <a:schemeClr val="dk1"/>
           </a:lnRef>
           <a:fillRef idx="0">
-            <a:schemeClr val="accent1"/>
+            <a:schemeClr val="dk1"/>
           </a:fillRef>
           <a:effectRef idx="0">
-            <a:schemeClr val="accent1"/>
+            <a:schemeClr val="dk1"/>
           </a:effectRef>
           <a:fontRef idx="minor">
             <a:schemeClr val="tx1"/>
           </a:fontRef>
         </p:style>
       </p:cxnSp>
+      <p:sp>
+        <p:nvSpPr>
+          <p:cNvPr id="9" name="投影片編號版面配置區 8">
+            <a:extLst>
+              <a:ext uri="{FF2B5EF4-FFF2-40B4-BE49-F238E27FC236}">
+                <a16:creationId xmlns:a16="http://schemas.microsoft.com/office/drawing/2014/main" id="{3026F884-7C10-F52B-8449-123070590B14}"/>
+              </a:ext>
+            </a:extLst>
+          </p:cNvPr>
+          <p:cNvSpPr>
+            <a:spLocks noGrp="1"/>
+          </p:cNvSpPr>
+          <p:nvPr>
+            <p:ph type="sldNum" sz="quarter" idx="12"/>
+          </p:nvPr>
+        </p:nvSpPr>
+        <p:spPr/>
+        <p:txBody>
+          <a:bodyPr/>
+          <a:lstStyle/>
+          <a:p>
+            <a:fld id="{7D3C2007-09EB-4B8E-B7A7-F48258516163}" type="slidenum">
+              <a:rPr lang="zh-TW" altLang="en-US" smtClean="0"/>
+              <a:t>3</a:t>
+            </a:fld>
+            <a:endParaRPr lang="zh-TW" altLang="en-US"/>
+          </a:p>
+        </p:txBody>
+      </p:sp>
     </p:spTree>
     <p:extLst>
       <p:ext uri="{BB962C8B-B14F-4D97-AF65-F5344CB8AC3E}">
@@ -13692,6 +14415,35 @@
           </a:fontRef>
         </p:style>
       </p:cxnSp>
+      <p:sp>
+        <p:nvSpPr>
+          <p:cNvPr id="12" name="投影片編號版面配置區 11">
+            <a:extLst>
+              <a:ext uri="{FF2B5EF4-FFF2-40B4-BE49-F238E27FC236}">
+                <a16:creationId xmlns:a16="http://schemas.microsoft.com/office/drawing/2014/main" id="{5D65EBD4-0E37-AF54-E7ED-E0C598782B60}"/>
+              </a:ext>
+            </a:extLst>
+          </p:cNvPr>
+          <p:cNvSpPr>
+            <a:spLocks noGrp="1"/>
+          </p:cNvSpPr>
+          <p:nvPr>
+            <p:ph type="sldNum" sz="quarter" idx="12"/>
+          </p:nvPr>
+        </p:nvSpPr>
+        <p:spPr/>
+        <p:txBody>
+          <a:bodyPr/>
+          <a:lstStyle/>
+          <a:p>
+            <a:fld id="{7D3C2007-09EB-4B8E-B7A7-F48258516163}" type="slidenum">
+              <a:rPr lang="zh-TW" altLang="en-US" smtClean="0"/>
+              <a:t>4</a:t>
+            </a:fld>
+            <a:endParaRPr lang="zh-TW" altLang="en-US"/>
+          </a:p>
+        </p:txBody>
+      </p:sp>
     </p:spTree>
     <p:extLst>
       <p:ext uri="{BB962C8B-B14F-4D97-AF65-F5344CB8AC3E}">
@@ -14103,6 +14855,35 @@
               <a:latin typeface="標楷體" panose="03000509000000000000" pitchFamily="65" charset="-120"/>
               <a:ea typeface="標楷體" panose="03000509000000000000" pitchFamily="65" charset="-120"/>
             </a:endParaRPr>
+          </a:p>
+        </p:txBody>
+      </p:sp>
+      <p:sp>
+        <p:nvSpPr>
+          <p:cNvPr id="6" name="投影片編號版面配置區 5">
+            <a:extLst>
+              <a:ext uri="{FF2B5EF4-FFF2-40B4-BE49-F238E27FC236}">
+                <a16:creationId xmlns:a16="http://schemas.microsoft.com/office/drawing/2014/main" id="{58678106-C227-658A-B6E4-7C888D0F6188}"/>
+              </a:ext>
+            </a:extLst>
+          </p:cNvPr>
+          <p:cNvSpPr>
+            <a:spLocks noGrp="1"/>
+          </p:cNvSpPr>
+          <p:nvPr>
+            <p:ph type="sldNum" sz="quarter" idx="12"/>
+          </p:nvPr>
+        </p:nvSpPr>
+        <p:spPr/>
+        <p:txBody>
+          <a:bodyPr/>
+          <a:lstStyle/>
+          <a:p>
+            <a:fld id="{7D3C2007-09EB-4B8E-B7A7-F48258516163}" type="slidenum">
+              <a:rPr lang="zh-TW" altLang="en-US" smtClean="0"/>
+              <a:t>5</a:t>
+            </a:fld>
+            <a:endParaRPr lang="zh-TW" altLang="en-US"/>
           </a:p>
         </p:txBody>
       </p:sp>
@@ -14727,6 +15508,35 @@
           </a:p>
         </p:txBody>
       </p:sp>
+      <p:sp>
+        <p:nvSpPr>
+          <p:cNvPr id="10" name="投影片編號版面配置區 9">
+            <a:extLst>
+              <a:ext uri="{FF2B5EF4-FFF2-40B4-BE49-F238E27FC236}">
+                <a16:creationId xmlns:a16="http://schemas.microsoft.com/office/drawing/2014/main" id="{CAADAAB0-C193-E69A-0821-82D2A2051B57}"/>
+              </a:ext>
+            </a:extLst>
+          </p:cNvPr>
+          <p:cNvSpPr>
+            <a:spLocks noGrp="1"/>
+          </p:cNvSpPr>
+          <p:nvPr>
+            <p:ph type="sldNum" sz="quarter" idx="12"/>
+          </p:nvPr>
+        </p:nvSpPr>
+        <p:spPr/>
+        <p:txBody>
+          <a:bodyPr/>
+          <a:lstStyle/>
+          <a:p>
+            <a:fld id="{7D3C2007-09EB-4B8E-B7A7-F48258516163}" type="slidenum">
+              <a:rPr lang="zh-TW" altLang="en-US" smtClean="0"/>
+              <a:t>6</a:t>
+            </a:fld>
+            <a:endParaRPr lang="zh-TW" altLang="en-US"/>
+          </a:p>
+        </p:txBody>
+      </p:sp>
     </p:spTree>
     <p:extLst>
       <p:ext uri="{BB962C8B-B14F-4D97-AF65-F5344CB8AC3E}">
@@ -15279,6 +16089,35 @@
           </a:prstGeom>
         </p:spPr>
       </p:pic>
+      <p:sp>
+        <p:nvSpPr>
+          <p:cNvPr id="10" name="投影片編號版面配置區 9">
+            <a:extLst>
+              <a:ext uri="{FF2B5EF4-FFF2-40B4-BE49-F238E27FC236}">
+                <a16:creationId xmlns:a16="http://schemas.microsoft.com/office/drawing/2014/main" id="{63C2CFC7-3718-7D2F-4BB8-6B95E78BE495}"/>
+              </a:ext>
+            </a:extLst>
+          </p:cNvPr>
+          <p:cNvSpPr>
+            <a:spLocks noGrp="1"/>
+          </p:cNvSpPr>
+          <p:nvPr>
+            <p:ph type="sldNum" sz="quarter" idx="12"/>
+          </p:nvPr>
+        </p:nvSpPr>
+        <p:spPr/>
+        <p:txBody>
+          <a:bodyPr/>
+          <a:lstStyle/>
+          <a:p>
+            <a:fld id="{7D3C2007-09EB-4B8E-B7A7-F48258516163}" type="slidenum">
+              <a:rPr lang="zh-TW" altLang="en-US" smtClean="0"/>
+              <a:t>7</a:t>
+            </a:fld>
+            <a:endParaRPr lang="zh-TW" altLang="en-US"/>
+          </a:p>
+        </p:txBody>
+      </p:sp>
     </p:spTree>
     <p:extLst>
       <p:ext uri="{BB962C8B-B14F-4D97-AF65-F5344CB8AC3E}">
@@ -16084,6 +16923,35 @@
           </a:fontRef>
         </p:style>
       </p:cxnSp>
+      <p:sp>
+        <p:nvSpPr>
+          <p:cNvPr id="5" name="投影片編號版面配置區 4">
+            <a:extLst>
+              <a:ext uri="{FF2B5EF4-FFF2-40B4-BE49-F238E27FC236}">
+                <a16:creationId xmlns:a16="http://schemas.microsoft.com/office/drawing/2014/main" id="{52BF9B16-9642-CC82-BC0F-FB9D26E15743}"/>
+              </a:ext>
+            </a:extLst>
+          </p:cNvPr>
+          <p:cNvSpPr>
+            <a:spLocks noGrp="1"/>
+          </p:cNvSpPr>
+          <p:nvPr>
+            <p:ph type="sldNum" sz="quarter" idx="12"/>
+          </p:nvPr>
+        </p:nvSpPr>
+        <p:spPr/>
+        <p:txBody>
+          <a:bodyPr/>
+          <a:lstStyle/>
+          <a:p>
+            <a:fld id="{7D3C2007-09EB-4B8E-B7A7-F48258516163}" type="slidenum">
+              <a:rPr lang="zh-TW" altLang="en-US" smtClean="0"/>
+              <a:t>8</a:t>
+            </a:fld>
+            <a:endParaRPr lang="zh-TW" altLang="en-US"/>
+          </a:p>
+        </p:txBody>
+      </p:sp>
     </p:spTree>
     <p:extLst>
       <p:ext uri="{BB962C8B-B14F-4D97-AF65-F5344CB8AC3E}">
@@ -16390,4 +17258,299 @@
     </a:ext>
   </a:extLst>
 </a:theme>
+</file>
+
+<file path=ppt/theme/theme2.xml><?xml version="1.0" encoding="utf-8"?>
+<a:theme xmlns:a="http://schemas.openxmlformats.org/drawingml/2006/main" name="Office 佈景主題">
+  <a:themeElements>
+    <a:clrScheme name="Office">
+      <a:dk1>
+        <a:sysClr val="windowText" lastClr="000000"/>
+      </a:dk1>
+      <a:lt1>
+        <a:sysClr val="window" lastClr="FFFFFF"/>
+      </a:lt1>
+      <a:dk2>
+        <a:srgbClr val="44546A"/>
+      </a:dk2>
+      <a:lt2>
+        <a:srgbClr val="E7E6E6"/>
+      </a:lt2>
+      <a:accent1>
+        <a:srgbClr val="4472C4"/>
+      </a:accent1>
+      <a:accent2>
+        <a:srgbClr val="ED7D31"/>
+      </a:accent2>
+      <a:accent3>
+        <a:srgbClr val="A5A5A5"/>
+      </a:accent3>
+      <a:accent4>
+        <a:srgbClr val="FFC000"/>
+      </a:accent4>
+      <a:accent5>
+        <a:srgbClr val="5B9BD5"/>
+      </a:accent5>
+      <a:accent6>
+        <a:srgbClr val="70AD47"/>
+      </a:accent6>
+      <a:hlink>
+        <a:srgbClr val="0563C1"/>
+      </a:hlink>
+      <a:folHlink>
+        <a:srgbClr val="954F72"/>
+      </a:folHlink>
+    </a:clrScheme>
+    <a:fontScheme name="Office">
+      <a:majorFont>
+        <a:latin typeface="Calibri Light" panose="020F0302020204030204"/>
+        <a:ea typeface=""/>
+        <a:cs typeface=""/>
+        <a:font script="Jpan" typeface="游ゴシック Light"/>
+        <a:font script="Hang" typeface="맑은 고딕"/>
+        <a:font script="Hans" typeface="等线 Light"/>
+        <a:font script="Hant" typeface="新細明體"/>
+        <a:font script="Arab" typeface="Times New Roman"/>
+        <a:font script="Hebr" typeface="Times New Roman"/>
+        <a:font script="Thai" typeface="Angsana New"/>
+        <a:font script="Ethi" typeface="Nyala"/>
+        <a:font script="Beng" typeface="Vrinda"/>
+        <a:font script="Gujr" typeface="Shruti"/>
+        <a:font script="Khmr" typeface="MoolBoran"/>
+        <a:font script="Knda" typeface="Tunga"/>
+        <a:font script="Guru" typeface="Raavi"/>
+        <a:font script="Cans" typeface="Euphemia"/>
+        <a:font script="Cher" typeface="Plantagenet Cherokee"/>
+        <a:font script="Yiii" typeface="Microsoft Yi Baiti"/>
+        <a:font script="Tibt" typeface="Microsoft Himalaya"/>
+        <a:font script="Thaa" typeface="MV Boli"/>
+        <a:font script="Deva" typeface="Mangal"/>
+        <a:font script="Telu" typeface="Gautami"/>
+        <a:font script="Taml" typeface="Latha"/>
+        <a:font script="Syrc" typeface="Estrangelo Edessa"/>
+        <a:font script="Orya" typeface="Kalinga"/>
+        <a:font script="Mlym" typeface="Kartika"/>
+        <a:font script="Laoo" typeface="DokChampa"/>
+        <a:font script="Sinh" typeface="Iskoola Pota"/>
+        <a:font script="Mong" typeface="Mongolian Baiti"/>
+        <a:font script="Viet" typeface="Times New Roman"/>
+        <a:font script="Uigh" typeface="Microsoft Uighur"/>
+        <a:font script="Geor" typeface="Sylfaen"/>
+        <a:font script="Armn" typeface="Arial"/>
+        <a:font script="Bugi" typeface="Leelawadee UI"/>
+        <a:font script="Bopo" typeface="Microsoft JhengHei"/>
+        <a:font script="Java" typeface="Javanese Text"/>
+        <a:font script="Lisu" typeface="Segoe UI"/>
+        <a:font script="Mymr" typeface="Myanmar Text"/>
+        <a:font script="Nkoo" typeface="Ebrima"/>
+        <a:font script="Olck" typeface="Nirmala UI"/>
+        <a:font script="Osma" typeface="Ebrima"/>
+        <a:font script="Phag" typeface="Phagspa"/>
+        <a:font script="Syrn" typeface="Estrangelo Edessa"/>
+        <a:font script="Syrj" typeface="Estrangelo Edessa"/>
+        <a:font script="Syre" typeface="Estrangelo Edessa"/>
+        <a:font script="Sora" typeface="Nirmala UI"/>
+        <a:font script="Tale" typeface="Microsoft Tai Le"/>
+        <a:font script="Talu" typeface="Microsoft New Tai Lue"/>
+        <a:font script="Tfng" typeface="Ebrima"/>
+      </a:majorFont>
+      <a:minorFont>
+        <a:latin typeface="Calibri" panose="020F0502020204030204"/>
+        <a:ea typeface=""/>
+        <a:cs typeface=""/>
+        <a:font script="Jpan" typeface="游ゴシック"/>
+        <a:font script="Hang" typeface="맑은 고딕"/>
+        <a:font script="Hans" typeface="等线"/>
+        <a:font script="Hant" typeface="新細明體"/>
+        <a:font script="Arab" typeface="Arial"/>
+        <a:font script="Hebr" typeface="Arial"/>
+        <a:font script="Thai" typeface="Cordia New"/>
+        <a:font script="Ethi" typeface="Nyala"/>
+        <a:font script="Beng" typeface="Vrinda"/>
+        <a:font script="Gujr" typeface="Shruti"/>
+        <a:font script="Khmr" typeface="DaunPenh"/>
+        <a:font script="Knda" typeface="Tunga"/>
+        <a:font script="Guru" typeface="Raavi"/>
+        <a:font script="Cans" typeface="Euphemia"/>
+        <a:font script="Cher" typeface="Plantagenet Cherokee"/>
+        <a:font script="Yiii" typeface="Microsoft Yi Baiti"/>
+        <a:font script="Tibt" typeface="Microsoft Himalaya"/>
+        <a:font script="Thaa" typeface="MV Boli"/>
+        <a:font script="Deva" typeface="Mangal"/>
+        <a:font script="Telu" typeface="Gautami"/>
+        <a:font script="Taml" typeface="Latha"/>
+        <a:font script="Syrc" typeface="Estrangelo Edessa"/>
+        <a:font script="Orya" typeface="Kalinga"/>
+        <a:font script="Mlym" typeface="Kartika"/>
+        <a:font script="Laoo" typeface="DokChampa"/>
+        <a:font script="Sinh" typeface="Iskoola Pota"/>
+        <a:font script="Mong" typeface="Mongolian Baiti"/>
+        <a:font script="Viet" typeface="Arial"/>
+        <a:font script="Uigh" typeface="Microsoft Uighur"/>
+        <a:font script="Geor" typeface="Sylfaen"/>
+        <a:font script="Armn" typeface="Arial"/>
+        <a:font script="Bugi" typeface="Leelawadee UI"/>
+        <a:font script="Bopo" typeface="Microsoft JhengHei"/>
+        <a:font script="Java" typeface="Javanese Text"/>
+        <a:font script="Lisu" typeface="Segoe UI"/>
+        <a:font script="Mymr" typeface="Myanmar Text"/>
+        <a:font script="Nkoo" typeface="Ebrima"/>
+        <a:font script="Olck" typeface="Nirmala UI"/>
+        <a:font script="Osma" typeface="Ebrima"/>
+        <a:font script="Phag" typeface="Phagspa"/>
+        <a:font script="Syrn" typeface="Estrangelo Edessa"/>
+        <a:font script="Syrj" typeface="Estrangelo Edessa"/>
+        <a:font script="Syre" typeface="Estrangelo Edessa"/>
+        <a:font script="Sora" typeface="Nirmala UI"/>
+        <a:font script="Tale" typeface="Microsoft Tai Le"/>
+        <a:font script="Talu" typeface="Microsoft New Tai Lue"/>
+        <a:font script="Tfng" typeface="Ebrima"/>
+      </a:minorFont>
+    </a:fontScheme>
+    <a:fmtScheme name="Office">
+      <a:fillStyleLst>
+        <a:solidFill>
+          <a:schemeClr val="phClr"/>
+        </a:solidFill>
+        <a:gradFill rotWithShape="1">
+          <a:gsLst>
+            <a:gs pos="0">
+              <a:schemeClr val="phClr">
+                <a:lumMod val="110000"/>
+                <a:satMod val="105000"/>
+                <a:tint val="67000"/>
+              </a:schemeClr>
+            </a:gs>
+            <a:gs pos="50000">
+              <a:schemeClr val="phClr">
+                <a:lumMod val="105000"/>
+                <a:satMod val="103000"/>
+                <a:tint val="73000"/>
+              </a:schemeClr>
+            </a:gs>
+            <a:gs pos="100000">
+              <a:schemeClr val="phClr">
+                <a:lumMod val="105000"/>
+                <a:satMod val="109000"/>
+                <a:tint val="81000"/>
+              </a:schemeClr>
+            </a:gs>
+          </a:gsLst>
+          <a:lin ang="5400000" scaled="0"/>
+        </a:gradFill>
+        <a:gradFill rotWithShape="1">
+          <a:gsLst>
+            <a:gs pos="0">
+              <a:schemeClr val="phClr">
+                <a:satMod val="103000"/>
+                <a:lumMod val="102000"/>
+                <a:tint val="94000"/>
+              </a:schemeClr>
+            </a:gs>
+            <a:gs pos="50000">
+              <a:schemeClr val="phClr">
+                <a:satMod val="110000"/>
+                <a:lumMod val="100000"/>
+                <a:shade val="100000"/>
+              </a:schemeClr>
+            </a:gs>
+            <a:gs pos="100000">
+              <a:schemeClr val="phClr">
+                <a:lumMod val="99000"/>
+                <a:satMod val="120000"/>
+                <a:shade val="78000"/>
+              </a:schemeClr>
+            </a:gs>
+          </a:gsLst>
+          <a:lin ang="5400000" scaled="0"/>
+        </a:gradFill>
+      </a:fillStyleLst>
+      <a:lnStyleLst>
+        <a:ln w="6350" cap="flat" cmpd="sng" algn="ctr">
+          <a:solidFill>
+            <a:schemeClr val="phClr"/>
+          </a:solidFill>
+          <a:prstDash val="solid"/>
+          <a:miter lim="800000"/>
+        </a:ln>
+        <a:ln w="12700" cap="flat" cmpd="sng" algn="ctr">
+          <a:solidFill>
+            <a:schemeClr val="phClr"/>
+          </a:solidFill>
+          <a:prstDash val="solid"/>
+          <a:miter lim="800000"/>
+        </a:ln>
+        <a:ln w="19050" cap="flat" cmpd="sng" algn="ctr">
+          <a:solidFill>
+            <a:schemeClr val="phClr"/>
+          </a:solidFill>
+          <a:prstDash val="solid"/>
+          <a:miter lim="800000"/>
+        </a:ln>
+      </a:lnStyleLst>
+      <a:effectStyleLst>
+        <a:effectStyle>
+          <a:effectLst/>
+        </a:effectStyle>
+        <a:effectStyle>
+          <a:effectLst/>
+        </a:effectStyle>
+        <a:effectStyle>
+          <a:effectLst>
+            <a:outerShdw blurRad="57150" dist="19050" dir="5400000" algn="ctr" rotWithShape="0">
+              <a:srgbClr val="000000">
+                <a:alpha val="63000"/>
+              </a:srgbClr>
+            </a:outerShdw>
+          </a:effectLst>
+        </a:effectStyle>
+      </a:effectStyleLst>
+      <a:bgFillStyleLst>
+        <a:solidFill>
+          <a:schemeClr val="phClr"/>
+        </a:solidFill>
+        <a:solidFill>
+          <a:schemeClr val="phClr">
+            <a:tint val="95000"/>
+            <a:satMod val="170000"/>
+          </a:schemeClr>
+        </a:solidFill>
+        <a:gradFill rotWithShape="1">
+          <a:gsLst>
+            <a:gs pos="0">
+              <a:schemeClr val="phClr">
+                <a:tint val="93000"/>
+                <a:satMod val="150000"/>
+                <a:shade val="98000"/>
+                <a:lumMod val="102000"/>
+              </a:schemeClr>
+            </a:gs>
+            <a:gs pos="50000">
+              <a:schemeClr val="phClr">
+                <a:tint val="98000"/>
+                <a:satMod val="130000"/>
+                <a:shade val="90000"/>
+                <a:lumMod val="103000"/>
+              </a:schemeClr>
+            </a:gs>
+            <a:gs pos="100000">
+              <a:schemeClr val="phClr">
+                <a:shade val="63000"/>
+                <a:satMod val="120000"/>
+              </a:schemeClr>
+            </a:gs>
+          </a:gsLst>
+          <a:lin ang="5400000" scaled="0"/>
+        </a:gradFill>
+      </a:bgFillStyleLst>
+    </a:fmtScheme>
+  </a:themeElements>
+  <a:objectDefaults/>
+  <a:extraClrSchemeLst/>
+  <a:extLst>
+    <a:ext uri="{05A4C25C-085E-4340-85A3-A5531E510DB2}">
+      <thm15:themeFamily xmlns:thm15="http://schemas.microsoft.com/office/thememl/2012/main" name="Office Theme" id="{62F939B6-93AF-4DB8-9C6B-D6C7DFDC589F}" vid="{4A3C46E8-61CC-4603-A589-7422A47A8E4A}"/>
+    </a:ext>
+  </a:extLst>
+</a:theme>
 </file>